--- a/docs/diagrams/UndoRedoExecuteUndoStateListDiagram.pptx
+++ b/docs/diagrams/UndoRedoExecuteUndoStateListDiagram.pptx
@@ -138,7 +138,7 @@
           <p:cNvPr id="2" name="Title 1">
             <a:extLst>
               <a:ext uri="{FF2B5EF4-FFF2-40B4-BE49-F238E27FC236}">
-                <a16:creationId xmlns:a16="http://schemas.microsoft.com/office/drawing/2014/main" id="{39FCC519-EE2E-4054-A653-93D611E0133E}"/>
+                <a16:creationId xmlns="" xmlns:a16="http://schemas.microsoft.com/office/drawing/2014/main" id="{39FCC519-EE2E-4054-A653-93D611E0133E}"/>
               </a:ext>
             </a:extLst>
           </p:cNvPr>
@@ -176,7 +176,7 @@
           <p:cNvPr id="3" name="Subtitle 2">
             <a:extLst>
               <a:ext uri="{FF2B5EF4-FFF2-40B4-BE49-F238E27FC236}">
-                <a16:creationId xmlns:a16="http://schemas.microsoft.com/office/drawing/2014/main" id="{3EDEA74E-4030-4F69-A055-4C6319EEEC29}"/>
+                <a16:creationId xmlns="" xmlns:a16="http://schemas.microsoft.com/office/drawing/2014/main" id="{3EDEA74E-4030-4F69-A055-4C6319EEEC29}"/>
               </a:ext>
             </a:extLst>
           </p:cNvPr>
@@ -247,7 +247,7 @@
           <p:cNvPr id="4" name="Date Placeholder 3">
             <a:extLst>
               <a:ext uri="{FF2B5EF4-FFF2-40B4-BE49-F238E27FC236}">
-                <a16:creationId xmlns:a16="http://schemas.microsoft.com/office/drawing/2014/main" id="{E5CC99E3-37A6-4485-B9A2-AF27A72608C6}"/>
+                <a16:creationId xmlns="" xmlns:a16="http://schemas.microsoft.com/office/drawing/2014/main" id="{E5CC99E3-37A6-4485-B9A2-AF27A72608C6}"/>
               </a:ext>
             </a:extLst>
           </p:cNvPr>
@@ -265,7 +265,7 @@
           <a:p>
             <a:fld id="{03EC4E3E-8101-482F-A883-8B55DAFF7C07}" type="datetimeFigureOut">
               <a:rPr lang="en-SG" smtClean="0"/>
-              <a:t>6/7/2018</a:t>
+              <a:t>5/3/19</a:t>
             </a:fld>
             <a:endParaRPr lang="en-SG"/>
           </a:p>
@@ -276,7 +276,7 @@
           <p:cNvPr id="5" name="Footer Placeholder 4">
             <a:extLst>
               <a:ext uri="{FF2B5EF4-FFF2-40B4-BE49-F238E27FC236}">
-                <a16:creationId xmlns:a16="http://schemas.microsoft.com/office/drawing/2014/main" id="{D75BD546-D949-4A25-8EA4-47DF23229409}"/>
+                <a16:creationId xmlns="" xmlns:a16="http://schemas.microsoft.com/office/drawing/2014/main" id="{D75BD546-D949-4A25-8EA4-47DF23229409}"/>
               </a:ext>
             </a:extLst>
           </p:cNvPr>
@@ -301,7 +301,7 @@
           <p:cNvPr id="6" name="Slide Number Placeholder 5">
             <a:extLst>
               <a:ext uri="{FF2B5EF4-FFF2-40B4-BE49-F238E27FC236}">
-                <a16:creationId xmlns:a16="http://schemas.microsoft.com/office/drawing/2014/main" id="{68147391-4DF6-4ACF-BCE9-C1A9DAC803E3}"/>
+                <a16:creationId xmlns="" xmlns:a16="http://schemas.microsoft.com/office/drawing/2014/main" id="{68147391-4DF6-4ACF-BCE9-C1A9DAC803E3}"/>
               </a:ext>
             </a:extLst>
           </p:cNvPr>
@@ -360,7 +360,7 @@
           <p:cNvPr id="2" name="Title 1">
             <a:extLst>
               <a:ext uri="{FF2B5EF4-FFF2-40B4-BE49-F238E27FC236}">
-                <a16:creationId xmlns:a16="http://schemas.microsoft.com/office/drawing/2014/main" id="{251D3DFE-0C62-45F5-B1BF-FD1F194ED112}"/>
+                <a16:creationId xmlns="" xmlns:a16="http://schemas.microsoft.com/office/drawing/2014/main" id="{251D3DFE-0C62-45F5-B1BF-FD1F194ED112}"/>
               </a:ext>
             </a:extLst>
           </p:cNvPr>
@@ -389,7 +389,7 @@
           <p:cNvPr id="3" name="Vertical Text Placeholder 2">
             <a:extLst>
               <a:ext uri="{FF2B5EF4-FFF2-40B4-BE49-F238E27FC236}">
-                <a16:creationId xmlns:a16="http://schemas.microsoft.com/office/drawing/2014/main" id="{D2392762-3586-4B6D-A174-2D3ACF0A125B}"/>
+                <a16:creationId xmlns="" xmlns:a16="http://schemas.microsoft.com/office/drawing/2014/main" id="{D2392762-3586-4B6D-A174-2D3ACF0A125B}"/>
               </a:ext>
             </a:extLst>
           </p:cNvPr>
@@ -447,7 +447,7 @@
           <p:cNvPr id="4" name="Date Placeholder 3">
             <a:extLst>
               <a:ext uri="{FF2B5EF4-FFF2-40B4-BE49-F238E27FC236}">
-                <a16:creationId xmlns:a16="http://schemas.microsoft.com/office/drawing/2014/main" id="{73B232E7-84FB-4535-9FC1-1BEF8F17421F}"/>
+                <a16:creationId xmlns="" xmlns:a16="http://schemas.microsoft.com/office/drawing/2014/main" id="{73B232E7-84FB-4535-9FC1-1BEF8F17421F}"/>
               </a:ext>
             </a:extLst>
           </p:cNvPr>
@@ -465,7 +465,7 @@
           <a:p>
             <a:fld id="{03EC4E3E-8101-482F-A883-8B55DAFF7C07}" type="datetimeFigureOut">
               <a:rPr lang="en-SG" smtClean="0"/>
-              <a:t>6/7/2018</a:t>
+              <a:t>5/3/19</a:t>
             </a:fld>
             <a:endParaRPr lang="en-SG"/>
           </a:p>
@@ -476,7 +476,7 @@
           <p:cNvPr id="5" name="Footer Placeholder 4">
             <a:extLst>
               <a:ext uri="{FF2B5EF4-FFF2-40B4-BE49-F238E27FC236}">
-                <a16:creationId xmlns:a16="http://schemas.microsoft.com/office/drawing/2014/main" id="{76F796EF-04EF-401A-AC84-F7BDBC99DE80}"/>
+                <a16:creationId xmlns="" xmlns:a16="http://schemas.microsoft.com/office/drawing/2014/main" id="{76F796EF-04EF-401A-AC84-F7BDBC99DE80}"/>
               </a:ext>
             </a:extLst>
           </p:cNvPr>
@@ -501,7 +501,7 @@
           <p:cNvPr id="6" name="Slide Number Placeholder 5">
             <a:extLst>
               <a:ext uri="{FF2B5EF4-FFF2-40B4-BE49-F238E27FC236}">
-                <a16:creationId xmlns:a16="http://schemas.microsoft.com/office/drawing/2014/main" id="{8F55F009-0A64-4649-A732-4AA6D619F1F3}"/>
+                <a16:creationId xmlns="" xmlns:a16="http://schemas.microsoft.com/office/drawing/2014/main" id="{8F55F009-0A64-4649-A732-4AA6D619F1F3}"/>
               </a:ext>
             </a:extLst>
           </p:cNvPr>
@@ -560,7 +560,7 @@
           <p:cNvPr id="2" name="Vertical Title 1">
             <a:extLst>
               <a:ext uri="{FF2B5EF4-FFF2-40B4-BE49-F238E27FC236}">
-                <a16:creationId xmlns:a16="http://schemas.microsoft.com/office/drawing/2014/main" id="{F7DE9595-D7A8-4E19-B4C6-E295F978F6A4}"/>
+                <a16:creationId xmlns="" xmlns:a16="http://schemas.microsoft.com/office/drawing/2014/main" id="{F7DE9595-D7A8-4E19-B4C6-E295F978F6A4}"/>
               </a:ext>
             </a:extLst>
           </p:cNvPr>
@@ -594,7 +594,7 @@
           <p:cNvPr id="3" name="Vertical Text Placeholder 2">
             <a:extLst>
               <a:ext uri="{FF2B5EF4-FFF2-40B4-BE49-F238E27FC236}">
-                <a16:creationId xmlns:a16="http://schemas.microsoft.com/office/drawing/2014/main" id="{0D2975B7-7A6D-40EA-B2F6-338022AD2BF1}"/>
+                <a16:creationId xmlns="" xmlns:a16="http://schemas.microsoft.com/office/drawing/2014/main" id="{0D2975B7-7A6D-40EA-B2F6-338022AD2BF1}"/>
               </a:ext>
             </a:extLst>
           </p:cNvPr>
@@ -657,7 +657,7 @@
           <p:cNvPr id="4" name="Date Placeholder 3">
             <a:extLst>
               <a:ext uri="{FF2B5EF4-FFF2-40B4-BE49-F238E27FC236}">
-                <a16:creationId xmlns:a16="http://schemas.microsoft.com/office/drawing/2014/main" id="{C8230AC3-1BED-4D2B-96D3-51C50E14A9E6}"/>
+                <a16:creationId xmlns="" xmlns:a16="http://schemas.microsoft.com/office/drawing/2014/main" id="{C8230AC3-1BED-4D2B-96D3-51C50E14A9E6}"/>
               </a:ext>
             </a:extLst>
           </p:cNvPr>
@@ -675,7 +675,7 @@
           <a:p>
             <a:fld id="{03EC4E3E-8101-482F-A883-8B55DAFF7C07}" type="datetimeFigureOut">
               <a:rPr lang="en-SG" smtClean="0"/>
-              <a:t>6/7/2018</a:t>
+              <a:t>5/3/19</a:t>
             </a:fld>
             <a:endParaRPr lang="en-SG"/>
           </a:p>
@@ -686,7 +686,7 @@
           <p:cNvPr id="5" name="Footer Placeholder 4">
             <a:extLst>
               <a:ext uri="{FF2B5EF4-FFF2-40B4-BE49-F238E27FC236}">
-                <a16:creationId xmlns:a16="http://schemas.microsoft.com/office/drawing/2014/main" id="{4AD6CA96-231A-43AD-B530-7C509651DE3B}"/>
+                <a16:creationId xmlns="" xmlns:a16="http://schemas.microsoft.com/office/drawing/2014/main" id="{4AD6CA96-231A-43AD-B530-7C509651DE3B}"/>
               </a:ext>
             </a:extLst>
           </p:cNvPr>
@@ -711,7 +711,7 @@
           <p:cNvPr id="6" name="Slide Number Placeholder 5">
             <a:extLst>
               <a:ext uri="{FF2B5EF4-FFF2-40B4-BE49-F238E27FC236}">
-                <a16:creationId xmlns:a16="http://schemas.microsoft.com/office/drawing/2014/main" id="{12063E3B-180A-454E-A661-6CCD48D7062C}"/>
+                <a16:creationId xmlns="" xmlns:a16="http://schemas.microsoft.com/office/drawing/2014/main" id="{12063E3B-180A-454E-A661-6CCD48D7062C}"/>
               </a:ext>
             </a:extLst>
           </p:cNvPr>
@@ -770,7 +770,7 @@
           <p:cNvPr id="2" name="Title 1">
             <a:extLst>
               <a:ext uri="{FF2B5EF4-FFF2-40B4-BE49-F238E27FC236}">
-                <a16:creationId xmlns:a16="http://schemas.microsoft.com/office/drawing/2014/main" id="{7E861C8D-BAF0-4DD9-92B9-591B272791CA}"/>
+                <a16:creationId xmlns="" xmlns:a16="http://schemas.microsoft.com/office/drawing/2014/main" id="{7E861C8D-BAF0-4DD9-92B9-591B272791CA}"/>
               </a:ext>
             </a:extLst>
           </p:cNvPr>
@@ -799,7 +799,7 @@
           <p:cNvPr id="3" name="Content Placeholder 2">
             <a:extLst>
               <a:ext uri="{FF2B5EF4-FFF2-40B4-BE49-F238E27FC236}">
-                <a16:creationId xmlns:a16="http://schemas.microsoft.com/office/drawing/2014/main" id="{534DA4BD-1D78-446B-B79F-C1229642DDEB}"/>
+                <a16:creationId xmlns="" xmlns:a16="http://schemas.microsoft.com/office/drawing/2014/main" id="{534DA4BD-1D78-446B-B79F-C1229642DDEB}"/>
               </a:ext>
             </a:extLst>
           </p:cNvPr>
@@ -857,7 +857,7 @@
           <p:cNvPr id="4" name="Date Placeholder 3">
             <a:extLst>
               <a:ext uri="{FF2B5EF4-FFF2-40B4-BE49-F238E27FC236}">
-                <a16:creationId xmlns:a16="http://schemas.microsoft.com/office/drawing/2014/main" id="{AD6BEDB5-7B62-4953-BECB-7F7F3E909CAC}"/>
+                <a16:creationId xmlns="" xmlns:a16="http://schemas.microsoft.com/office/drawing/2014/main" id="{AD6BEDB5-7B62-4953-BECB-7F7F3E909CAC}"/>
               </a:ext>
             </a:extLst>
           </p:cNvPr>
@@ -875,7 +875,7 @@
           <a:p>
             <a:fld id="{03EC4E3E-8101-482F-A883-8B55DAFF7C07}" type="datetimeFigureOut">
               <a:rPr lang="en-SG" smtClean="0"/>
-              <a:t>6/7/2018</a:t>
+              <a:t>5/3/19</a:t>
             </a:fld>
             <a:endParaRPr lang="en-SG"/>
           </a:p>
@@ -886,7 +886,7 @@
           <p:cNvPr id="5" name="Footer Placeholder 4">
             <a:extLst>
               <a:ext uri="{FF2B5EF4-FFF2-40B4-BE49-F238E27FC236}">
-                <a16:creationId xmlns:a16="http://schemas.microsoft.com/office/drawing/2014/main" id="{349CD732-2DD1-42BE-8480-5C6507018294}"/>
+                <a16:creationId xmlns="" xmlns:a16="http://schemas.microsoft.com/office/drawing/2014/main" id="{349CD732-2DD1-42BE-8480-5C6507018294}"/>
               </a:ext>
             </a:extLst>
           </p:cNvPr>
@@ -911,7 +911,7 @@
           <p:cNvPr id="6" name="Slide Number Placeholder 5">
             <a:extLst>
               <a:ext uri="{FF2B5EF4-FFF2-40B4-BE49-F238E27FC236}">
-                <a16:creationId xmlns:a16="http://schemas.microsoft.com/office/drawing/2014/main" id="{574C27E0-F36A-4438-9402-C2CB0377D92D}"/>
+                <a16:creationId xmlns="" xmlns:a16="http://schemas.microsoft.com/office/drawing/2014/main" id="{574C27E0-F36A-4438-9402-C2CB0377D92D}"/>
               </a:ext>
             </a:extLst>
           </p:cNvPr>
@@ -970,7 +970,7 @@
           <p:cNvPr id="2" name="Title 1">
             <a:extLst>
               <a:ext uri="{FF2B5EF4-FFF2-40B4-BE49-F238E27FC236}">
-                <a16:creationId xmlns:a16="http://schemas.microsoft.com/office/drawing/2014/main" id="{80A42FFA-8A45-40F8-9C5C-9906971B38AB}"/>
+                <a16:creationId xmlns="" xmlns:a16="http://schemas.microsoft.com/office/drawing/2014/main" id="{80A42FFA-8A45-40F8-9C5C-9906971B38AB}"/>
               </a:ext>
             </a:extLst>
           </p:cNvPr>
@@ -1008,7 +1008,7 @@
           <p:cNvPr id="3" name="Text Placeholder 2">
             <a:extLst>
               <a:ext uri="{FF2B5EF4-FFF2-40B4-BE49-F238E27FC236}">
-                <a16:creationId xmlns:a16="http://schemas.microsoft.com/office/drawing/2014/main" id="{7D8879A7-8225-4473-B738-B780B6224EC5}"/>
+                <a16:creationId xmlns="" xmlns:a16="http://schemas.microsoft.com/office/drawing/2014/main" id="{7D8879A7-8225-4473-B738-B780B6224EC5}"/>
               </a:ext>
             </a:extLst>
           </p:cNvPr>
@@ -1133,7 +1133,7 @@
           <p:cNvPr id="4" name="Date Placeholder 3">
             <a:extLst>
               <a:ext uri="{FF2B5EF4-FFF2-40B4-BE49-F238E27FC236}">
-                <a16:creationId xmlns:a16="http://schemas.microsoft.com/office/drawing/2014/main" id="{6CF7978C-FE65-4091-9152-E33029C12AEA}"/>
+                <a16:creationId xmlns="" xmlns:a16="http://schemas.microsoft.com/office/drawing/2014/main" id="{6CF7978C-FE65-4091-9152-E33029C12AEA}"/>
               </a:ext>
             </a:extLst>
           </p:cNvPr>
@@ -1151,7 +1151,7 @@
           <a:p>
             <a:fld id="{03EC4E3E-8101-482F-A883-8B55DAFF7C07}" type="datetimeFigureOut">
               <a:rPr lang="en-SG" smtClean="0"/>
-              <a:t>6/7/2018</a:t>
+              <a:t>5/3/19</a:t>
             </a:fld>
             <a:endParaRPr lang="en-SG"/>
           </a:p>
@@ -1162,7 +1162,7 @@
           <p:cNvPr id="5" name="Footer Placeholder 4">
             <a:extLst>
               <a:ext uri="{FF2B5EF4-FFF2-40B4-BE49-F238E27FC236}">
-                <a16:creationId xmlns:a16="http://schemas.microsoft.com/office/drawing/2014/main" id="{B344C9CC-480F-4DCB-AC70-D7A4CCA0B8B7}"/>
+                <a16:creationId xmlns="" xmlns:a16="http://schemas.microsoft.com/office/drawing/2014/main" id="{B344C9CC-480F-4DCB-AC70-D7A4CCA0B8B7}"/>
               </a:ext>
             </a:extLst>
           </p:cNvPr>
@@ -1187,7 +1187,7 @@
           <p:cNvPr id="6" name="Slide Number Placeholder 5">
             <a:extLst>
               <a:ext uri="{FF2B5EF4-FFF2-40B4-BE49-F238E27FC236}">
-                <a16:creationId xmlns:a16="http://schemas.microsoft.com/office/drawing/2014/main" id="{8F5A07EC-843A-4ED9-8F1C-AD703CA36D58}"/>
+                <a16:creationId xmlns="" xmlns:a16="http://schemas.microsoft.com/office/drawing/2014/main" id="{8F5A07EC-843A-4ED9-8F1C-AD703CA36D58}"/>
               </a:ext>
             </a:extLst>
           </p:cNvPr>
@@ -1246,7 +1246,7 @@
           <p:cNvPr id="2" name="Title 1">
             <a:extLst>
               <a:ext uri="{FF2B5EF4-FFF2-40B4-BE49-F238E27FC236}">
-                <a16:creationId xmlns:a16="http://schemas.microsoft.com/office/drawing/2014/main" id="{056EE2DA-07D9-4774-A8CA-0CA247F8C72A}"/>
+                <a16:creationId xmlns="" xmlns:a16="http://schemas.microsoft.com/office/drawing/2014/main" id="{056EE2DA-07D9-4774-A8CA-0CA247F8C72A}"/>
               </a:ext>
             </a:extLst>
           </p:cNvPr>
@@ -1275,7 +1275,7 @@
           <p:cNvPr id="3" name="Content Placeholder 2">
             <a:extLst>
               <a:ext uri="{FF2B5EF4-FFF2-40B4-BE49-F238E27FC236}">
-                <a16:creationId xmlns:a16="http://schemas.microsoft.com/office/drawing/2014/main" id="{3CF93A59-4E25-4FFA-8796-AA06EF3E5C3E}"/>
+                <a16:creationId xmlns="" xmlns:a16="http://schemas.microsoft.com/office/drawing/2014/main" id="{3CF93A59-4E25-4FFA-8796-AA06EF3E5C3E}"/>
               </a:ext>
             </a:extLst>
           </p:cNvPr>
@@ -1338,7 +1338,7 @@
           <p:cNvPr id="4" name="Content Placeholder 3">
             <a:extLst>
               <a:ext uri="{FF2B5EF4-FFF2-40B4-BE49-F238E27FC236}">
-                <a16:creationId xmlns:a16="http://schemas.microsoft.com/office/drawing/2014/main" id="{81373B10-E346-4893-AFEE-65E014405E2D}"/>
+                <a16:creationId xmlns="" xmlns:a16="http://schemas.microsoft.com/office/drawing/2014/main" id="{81373B10-E346-4893-AFEE-65E014405E2D}"/>
               </a:ext>
             </a:extLst>
           </p:cNvPr>
@@ -1401,7 +1401,7 @@
           <p:cNvPr id="5" name="Date Placeholder 4">
             <a:extLst>
               <a:ext uri="{FF2B5EF4-FFF2-40B4-BE49-F238E27FC236}">
-                <a16:creationId xmlns:a16="http://schemas.microsoft.com/office/drawing/2014/main" id="{D9C411A1-6D64-4C63-A758-5D2FEE677F45}"/>
+                <a16:creationId xmlns="" xmlns:a16="http://schemas.microsoft.com/office/drawing/2014/main" id="{D9C411A1-6D64-4C63-A758-5D2FEE677F45}"/>
               </a:ext>
             </a:extLst>
           </p:cNvPr>
@@ -1419,7 +1419,7 @@
           <a:p>
             <a:fld id="{03EC4E3E-8101-482F-A883-8B55DAFF7C07}" type="datetimeFigureOut">
               <a:rPr lang="en-SG" smtClean="0"/>
-              <a:t>6/7/2018</a:t>
+              <a:t>5/3/19</a:t>
             </a:fld>
             <a:endParaRPr lang="en-SG"/>
           </a:p>
@@ -1430,7 +1430,7 @@
           <p:cNvPr id="6" name="Footer Placeholder 5">
             <a:extLst>
               <a:ext uri="{FF2B5EF4-FFF2-40B4-BE49-F238E27FC236}">
-                <a16:creationId xmlns:a16="http://schemas.microsoft.com/office/drawing/2014/main" id="{8D9C2E46-644C-4155-A697-764A7A0AB1F4}"/>
+                <a16:creationId xmlns="" xmlns:a16="http://schemas.microsoft.com/office/drawing/2014/main" id="{8D9C2E46-644C-4155-A697-764A7A0AB1F4}"/>
               </a:ext>
             </a:extLst>
           </p:cNvPr>
@@ -1455,7 +1455,7 @@
           <p:cNvPr id="7" name="Slide Number Placeholder 6">
             <a:extLst>
               <a:ext uri="{FF2B5EF4-FFF2-40B4-BE49-F238E27FC236}">
-                <a16:creationId xmlns:a16="http://schemas.microsoft.com/office/drawing/2014/main" id="{6192DEDD-6479-45E4-B1F5-6EDD41BBB103}"/>
+                <a16:creationId xmlns="" xmlns:a16="http://schemas.microsoft.com/office/drawing/2014/main" id="{6192DEDD-6479-45E4-B1F5-6EDD41BBB103}"/>
               </a:ext>
             </a:extLst>
           </p:cNvPr>
@@ -1514,7 +1514,7 @@
           <p:cNvPr id="2" name="Title 1">
             <a:extLst>
               <a:ext uri="{FF2B5EF4-FFF2-40B4-BE49-F238E27FC236}">
-                <a16:creationId xmlns:a16="http://schemas.microsoft.com/office/drawing/2014/main" id="{DC0ED888-63EF-4CC0-8500-9C8DB672FEC2}"/>
+                <a16:creationId xmlns="" xmlns:a16="http://schemas.microsoft.com/office/drawing/2014/main" id="{DC0ED888-63EF-4CC0-8500-9C8DB672FEC2}"/>
               </a:ext>
             </a:extLst>
           </p:cNvPr>
@@ -1548,7 +1548,7 @@
           <p:cNvPr id="3" name="Text Placeholder 2">
             <a:extLst>
               <a:ext uri="{FF2B5EF4-FFF2-40B4-BE49-F238E27FC236}">
-                <a16:creationId xmlns:a16="http://schemas.microsoft.com/office/drawing/2014/main" id="{3C33BC1E-FB79-4906-A967-9C7046C6D272}"/>
+                <a16:creationId xmlns="" xmlns:a16="http://schemas.microsoft.com/office/drawing/2014/main" id="{3C33BC1E-FB79-4906-A967-9C7046C6D272}"/>
               </a:ext>
             </a:extLst>
           </p:cNvPr>
@@ -1619,7 +1619,7 @@
           <p:cNvPr id="4" name="Content Placeholder 3">
             <a:extLst>
               <a:ext uri="{FF2B5EF4-FFF2-40B4-BE49-F238E27FC236}">
-                <a16:creationId xmlns:a16="http://schemas.microsoft.com/office/drawing/2014/main" id="{697A4EC6-1C42-4BA4-8108-32579276C17B}"/>
+                <a16:creationId xmlns="" xmlns:a16="http://schemas.microsoft.com/office/drawing/2014/main" id="{697A4EC6-1C42-4BA4-8108-32579276C17B}"/>
               </a:ext>
             </a:extLst>
           </p:cNvPr>
@@ -1682,7 +1682,7 @@
           <p:cNvPr id="5" name="Text Placeholder 4">
             <a:extLst>
               <a:ext uri="{FF2B5EF4-FFF2-40B4-BE49-F238E27FC236}">
-                <a16:creationId xmlns:a16="http://schemas.microsoft.com/office/drawing/2014/main" id="{8A2CA209-B9F5-4E1E-B302-74CC2D4CFDFB}"/>
+                <a16:creationId xmlns="" xmlns:a16="http://schemas.microsoft.com/office/drawing/2014/main" id="{8A2CA209-B9F5-4E1E-B302-74CC2D4CFDFB}"/>
               </a:ext>
             </a:extLst>
           </p:cNvPr>
@@ -1753,7 +1753,7 @@
           <p:cNvPr id="6" name="Content Placeholder 5">
             <a:extLst>
               <a:ext uri="{FF2B5EF4-FFF2-40B4-BE49-F238E27FC236}">
-                <a16:creationId xmlns:a16="http://schemas.microsoft.com/office/drawing/2014/main" id="{0E6E876D-DC4D-40EE-BA38-CD01089602CF}"/>
+                <a16:creationId xmlns="" xmlns:a16="http://schemas.microsoft.com/office/drawing/2014/main" id="{0E6E876D-DC4D-40EE-BA38-CD01089602CF}"/>
               </a:ext>
             </a:extLst>
           </p:cNvPr>
@@ -1816,7 +1816,7 @@
           <p:cNvPr id="7" name="Date Placeholder 6">
             <a:extLst>
               <a:ext uri="{FF2B5EF4-FFF2-40B4-BE49-F238E27FC236}">
-                <a16:creationId xmlns:a16="http://schemas.microsoft.com/office/drawing/2014/main" id="{F24E1D97-8B3C-41A1-B0BA-BA833AD8BC7C}"/>
+                <a16:creationId xmlns="" xmlns:a16="http://schemas.microsoft.com/office/drawing/2014/main" id="{F24E1D97-8B3C-41A1-B0BA-BA833AD8BC7C}"/>
               </a:ext>
             </a:extLst>
           </p:cNvPr>
@@ -1834,7 +1834,7 @@
           <a:p>
             <a:fld id="{03EC4E3E-8101-482F-A883-8B55DAFF7C07}" type="datetimeFigureOut">
               <a:rPr lang="en-SG" smtClean="0"/>
-              <a:t>6/7/2018</a:t>
+              <a:t>5/3/19</a:t>
             </a:fld>
             <a:endParaRPr lang="en-SG"/>
           </a:p>
@@ -1845,7 +1845,7 @@
           <p:cNvPr id="8" name="Footer Placeholder 7">
             <a:extLst>
               <a:ext uri="{FF2B5EF4-FFF2-40B4-BE49-F238E27FC236}">
-                <a16:creationId xmlns:a16="http://schemas.microsoft.com/office/drawing/2014/main" id="{FC358D8F-B7DA-4DCE-AC8F-706450EEC0DC}"/>
+                <a16:creationId xmlns="" xmlns:a16="http://schemas.microsoft.com/office/drawing/2014/main" id="{FC358D8F-B7DA-4DCE-AC8F-706450EEC0DC}"/>
               </a:ext>
             </a:extLst>
           </p:cNvPr>
@@ -1870,7 +1870,7 @@
           <p:cNvPr id="9" name="Slide Number Placeholder 8">
             <a:extLst>
               <a:ext uri="{FF2B5EF4-FFF2-40B4-BE49-F238E27FC236}">
-                <a16:creationId xmlns:a16="http://schemas.microsoft.com/office/drawing/2014/main" id="{40CE354E-2C73-4B6F-8AEB-14D1378A77E1}"/>
+                <a16:creationId xmlns="" xmlns:a16="http://schemas.microsoft.com/office/drawing/2014/main" id="{40CE354E-2C73-4B6F-8AEB-14D1378A77E1}"/>
               </a:ext>
             </a:extLst>
           </p:cNvPr>
@@ -1929,7 +1929,7 @@
           <p:cNvPr id="2" name="Title 1">
             <a:extLst>
               <a:ext uri="{FF2B5EF4-FFF2-40B4-BE49-F238E27FC236}">
-                <a16:creationId xmlns:a16="http://schemas.microsoft.com/office/drawing/2014/main" id="{17D9D381-288C-43FB-86C2-AAA4FCFD43FD}"/>
+                <a16:creationId xmlns="" xmlns:a16="http://schemas.microsoft.com/office/drawing/2014/main" id="{17D9D381-288C-43FB-86C2-AAA4FCFD43FD}"/>
               </a:ext>
             </a:extLst>
           </p:cNvPr>
@@ -1958,7 +1958,7 @@
           <p:cNvPr id="3" name="Date Placeholder 2">
             <a:extLst>
               <a:ext uri="{FF2B5EF4-FFF2-40B4-BE49-F238E27FC236}">
-                <a16:creationId xmlns:a16="http://schemas.microsoft.com/office/drawing/2014/main" id="{A85D75E5-4830-4F75-8132-91122609F925}"/>
+                <a16:creationId xmlns="" xmlns:a16="http://schemas.microsoft.com/office/drawing/2014/main" id="{A85D75E5-4830-4F75-8132-91122609F925}"/>
               </a:ext>
             </a:extLst>
           </p:cNvPr>
@@ -1976,7 +1976,7 @@
           <a:p>
             <a:fld id="{03EC4E3E-8101-482F-A883-8B55DAFF7C07}" type="datetimeFigureOut">
               <a:rPr lang="en-SG" smtClean="0"/>
-              <a:t>6/7/2018</a:t>
+              <a:t>5/3/19</a:t>
             </a:fld>
             <a:endParaRPr lang="en-SG"/>
           </a:p>
@@ -1987,7 +1987,7 @@
           <p:cNvPr id="4" name="Footer Placeholder 3">
             <a:extLst>
               <a:ext uri="{FF2B5EF4-FFF2-40B4-BE49-F238E27FC236}">
-                <a16:creationId xmlns:a16="http://schemas.microsoft.com/office/drawing/2014/main" id="{0C14A42C-834F-43EA-8053-84D5A665CEE7}"/>
+                <a16:creationId xmlns="" xmlns:a16="http://schemas.microsoft.com/office/drawing/2014/main" id="{0C14A42C-834F-43EA-8053-84D5A665CEE7}"/>
               </a:ext>
             </a:extLst>
           </p:cNvPr>
@@ -2012,7 +2012,7 @@
           <p:cNvPr id="5" name="Slide Number Placeholder 4">
             <a:extLst>
               <a:ext uri="{FF2B5EF4-FFF2-40B4-BE49-F238E27FC236}">
-                <a16:creationId xmlns:a16="http://schemas.microsoft.com/office/drawing/2014/main" id="{38C1E789-CDA9-48FF-A7BA-F21E31600226}"/>
+                <a16:creationId xmlns="" xmlns:a16="http://schemas.microsoft.com/office/drawing/2014/main" id="{38C1E789-CDA9-48FF-A7BA-F21E31600226}"/>
               </a:ext>
             </a:extLst>
           </p:cNvPr>
@@ -2071,7 +2071,7 @@
           <p:cNvPr id="2" name="Date Placeholder 1">
             <a:extLst>
               <a:ext uri="{FF2B5EF4-FFF2-40B4-BE49-F238E27FC236}">
-                <a16:creationId xmlns:a16="http://schemas.microsoft.com/office/drawing/2014/main" id="{21A40ECD-0ABD-4F35-B481-512A01FC643D}"/>
+                <a16:creationId xmlns="" xmlns:a16="http://schemas.microsoft.com/office/drawing/2014/main" id="{21A40ECD-0ABD-4F35-B481-512A01FC643D}"/>
               </a:ext>
             </a:extLst>
           </p:cNvPr>
@@ -2089,7 +2089,7 @@
           <a:p>
             <a:fld id="{03EC4E3E-8101-482F-A883-8B55DAFF7C07}" type="datetimeFigureOut">
               <a:rPr lang="en-SG" smtClean="0"/>
-              <a:t>6/7/2018</a:t>
+              <a:t>5/3/19</a:t>
             </a:fld>
             <a:endParaRPr lang="en-SG"/>
           </a:p>
@@ -2100,7 +2100,7 @@
           <p:cNvPr id="3" name="Footer Placeholder 2">
             <a:extLst>
               <a:ext uri="{FF2B5EF4-FFF2-40B4-BE49-F238E27FC236}">
-                <a16:creationId xmlns:a16="http://schemas.microsoft.com/office/drawing/2014/main" id="{D44B8F11-A412-4FA6-9070-B9C742F699F3}"/>
+                <a16:creationId xmlns="" xmlns:a16="http://schemas.microsoft.com/office/drawing/2014/main" id="{D44B8F11-A412-4FA6-9070-B9C742F699F3}"/>
               </a:ext>
             </a:extLst>
           </p:cNvPr>
@@ -2125,7 +2125,7 @@
           <p:cNvPr id="4" name="Slide Number Placeholder 3">
             <a:extLst>
               <a:ext uri="{FF2B5EF4-FFF2-40B4-BE49-F238E27FC236}">
-                <a16:creationId xmlns:a16="http://schemas.microsoft.com/office/drawing/2014/main" id="{E3EA086A-DA0B-4378-A128-F213644ECB0C}"/>
+                <a16:creationId xmlns="" xmlns:a16="http://schemas.microsoft.com/office/drawing/2014/main" id="{E3EA086A-DA0B-4378-A128-F213644ECB0C}"/>
               </a:ext>
             </a:extLst>
           </p:cNvPr>
@@ -2184,7 +2184,7 @@
           <p:cNvPr id="2" name="Title 1">
             <a:extLst>
               <a:ext uri="{FF2B5EF4-FFF2-40B4-BE49-F238E27FC236}">
-                <a16:creationId xmlns:a16="http://schemas.microsoft.com/office/drawing/2014/main" id="{765D165A-D423-4E89-A075-D59A9FB59792}"/>
+                <a16:creationId xmlns="" xmlns:a16="http://schemas.microsoft.com/office/drawing/2014/main" id="{765D165A-D423-4E89-A075-D59A9FB59792}"/>
               </a:ext>
             </a:extLst>
           </p:cNvPr>
@@ -2222,7 +2222,7 @@
           <p:cNvPr id="3" name="Content Placeholder 2">
             <a:extLst>
               <a:ext uri="{FF2B5EF4-FFF2-40B4-BE49-F238E27FC236}">
-                <a16:creationId xmlns:a16="http://schemas.microsoft.com/office/drawing/2014/main" id="{77C2A5CC-2876-49CA-993D-F4F73FC9D2B0}"/>
+                <a16:creationId xmlns="" xmlns:a16="http://schemas.microsoft.com/office/drawing/2014/main" id="{77C2A5CC-2876-49CA-993D-F4F73FC9D2B0}"/>
               </a:ext>
             </a:extLst>
           </p:cNvPr>
@@ -2313,7 +2313,7 @@
           <p:cNvPr id="4" name="Text Placeholder 3">
             <a:extLst>
               <a:ext uri="{FF2B5EF4-FFF2-40B4-BE49-F238E27FC236}">
-                <a16:creationId xmlns:a16="http://schemas.microsoft.com/office/drawing/2014/main" id="{7B4DE2E8-CCF6-4E88-A858-05A04CD0D736}"/>
+                <a16:creationId xmlns="" xmlns:a16="http://schemas.microsoft.com/office/drawing/2014/main" id="{7B4DE2E8-CCF6-4E88-A858-05A04CD0D736}"/>
               </a:ext>
             </a:extLst>
           </p:cNvPr>
@@ -2384,7 +2384,7 @@
           <p:cNvPr id="5" name="Date Placeholder 4">
             <a:extLst>
               <a:ext uri="{FF2B5EF4-FFF2-40B4-BE49-F238E27FC236}">
-                <a16:creationId xmlns:a16="http://schemas.microsoft.com/office/drawing/2014/main" id="{CAEBEC1E-DE48-4B55-A846-F8248E381145}"/>
+                <a16:creationId xmlns="" xmlns:a16="http://schemas.microsoft.com/office/drawing/2014/main" id="{CAEBEC1E-DE48-4B55-A846-F8248E381145}"/>
               </a:ext>
             </a:extLst>
           </p:cNvPr>
@@ -2402,7 +2402,7 @@
           <a:p>
             <a:fld id="{03EC4E3E-8101-482F-A883-8B55DAFF7C07}" type="datetimeFigureOut">
               <a:rPr lang="en-SG" smtClean="0"/>
-              <a:t>6/7/2018</a:t>
+              <a:t>5/3/19</a:t>
             </a:fld>
             <a:endParaRPr lang="en-SG"/>
           </a:p>
@@ -2413,7 +2413,7 @@
           <p:cNvPr id="6" name="Footer Placeholder 5">
             <a:extLst>
               <a:ext uri="{FF2B5EF4-FFF2-40B4-BE49-F238E27FC236}">
-                <a16:creationId xmlns:a16="http://schemas.microsoft.com/office/drawing/2014/main" id="{945A6E8B-6BC2-49E9-B4E5-DAD3F7A1A1BF}"/>
+                <a16:creationId xmlns="" xmlns:a16="http://schemas.microsoft.com/office/drawing/2014/main" id="{945A6E8B-6BC2-49E9-B4E5-DAD3F7A1A1BF}"/>
               </a:ext>
             </a:extLst>
           </p:cNvPr>
@@ -2438,7 +2438,7 @@
           <p:cNvPr id="7" name="Slide Number Placeholder 6">
             <a:extLst>
               <a:ext uri="{FF2B5EF4-FFF2-40B4-BE49-F238E27FC236}">
-                <a16:creationId xmlns:a16="http://schemas.microsoft.com/office/drawing/2014/main" id="{E5CF739B-EDF0-43CE-A87E-C49F040C85A5}"/>
+                <a16:creationId xmlns="" xmlns:a16="http://schemas.microsoft.com/office/drawing/2014/main" id="{E5CF739B-EDF0-43CE-A87E-C49F040C85A5}"/>
               </a:ext>
             </a:extLst>
           </p:cNvPr>
@@ -2497,7 +2497,7 @@
           <p:cNvPr id="2" name="Title 1">
             <a:extLst>
               <a:ext uri="{FF2B5EF4-FFF2-40B4-BE49-F238E27FC236}">
-                <a16:creationId xmlns:a16="http://schemas.microsoft.com/office/drawing/2014/main" id="{0091F49F-E849-4834-84DB-61CF2F2652D4}"/>
+                <a16:creationId xmlns="" xmlns:a16="http://schemas.microsoft.com/office/drawing/2014/main" id="{0091F49F-E849-4834-84DB-61CF2F2652D4}"/>
               </a:ext>
             </a:extLst>
           </p:cNvPr>
@@ -2535,7 +2535,7 @@
           <p:cNvPr id="3" name="Picture Placeholder 2">
             <a:extLst>
               <a:ext uri="{FF2B5EF4-FFF2-40B4-BE49-F238E27FC236}">
-                <a16:creationId xmlns:a16="http://schemas.microsoft.com/office/drawing/2014/main" id="{631D62A9-3420-4F1C-9EB9-09EF85106E78}"/>
+                <a16:creationId xmlns="" xmlns:a16="http://schemas.microsoft.com/office/drawing/2014/main" id="{631D62A9-3420-4F1C-9EB9-09EF85106E78}"/>
               </a:ext>
             </a:extLst>
           </p:cNvPr>
@@ -2602,7 +2602,7 @@
           <p:cNvPr id="4" name="Text Placeholder 3">
             <a:extLst>
               <a:ext uri="{FF2B5EF4-FFF2-40B4-BE49-F238E27FC236}">
-                <a16:creationId xmlns:a16="http://schemas.microsoft.com/office/drawing/2014/main" id="{E450EC8D-D7F4-45FC-AD8C-2E198A32CCA2}"/>
+                <a16:creationId xmlns="" xmlns:a16="http://schemas.microsoft.com/office/drawing/2014/main" id="{E450EC8D-D7F4-45FC-AD8C-2E198A32CCA2}"/>
               </a:ext>
             </a:extLst>
           </p:cNvPr>
@@ -2673,7 +2673,7 @@
           <p:cNvPr id="5" name="Date Placeholder 4">
             <a:extLst>
               <a:ext uri="{FF2B5EF4-FFF2-40B4-BE49-F238E27FC236}">
-                <a16:creationId xmlns:a16="http://schemas.microsoft.com/office/drawing/2014/main" id="{7A73D668-ABF4-41FE-958C-542EEDC5F6CC}"/>
+                <a16:creationId xmlns="" xmlns:a16="http://schemas.microsoft.com/office/drawing/2014/main" id="{7A73D668-ABF4-41FE-958C-542EEDC5F6CC}"/>
               </a:ext>
             </a:extLst>
           </p:cNvPr>
@@ -2691,7 +2691,7 @@
           <a:p>
             <a:fld id="{03EC4E3E-8101-482F-A883-8B55DAFF7C07}" type="datetimeFigureOut">
               <a:rPr lang="en-SG" smtClean="0"/>
-              <a:t>6/7/2018</a:t>
+              <a:t>5/3/19</a:t>
             </a:fld>
             <a:endParaRPr lang="en-SG"/>
           </a:p>
@@ -2702,7 +2702,7 @@
           <p:cNvPr id="6" name="Footer Placeholder 5">
             <a:extLst>
               <a:ext uri="{FF2B5EF4-FFF2-40B4-BE49-F238E27FC236}">
-                <a16:creationId xmlns:a16="http://schemas.microsoft.com/office/drawing/2014/main" id="{F4A83B1C-93E7-4D32-9D1B-3F37403B1ACD}"/>
+                <a16:creationId xmlns="" xmlns:a16="http://schemas.microsoft.com/office/drawing/2014/main" id="{F4A83B1C-93E7-4D32-9D1B-3F37403B1ACD}"/>
               </a:ext>
             </a:extLst>
           </p:cNvPr>
@@ -2727,7 +2727,7 @@
           <p:cNvPr id="7" name="Slide Number Placeholder 6">
             <a:extLst>
               <a:ext uri="{FF2B5EF4-FFF2-40B4-BE49-F238E27FC236}">
-                <a16:creationId xmlns:a16="http://schemas.microsoft.com/office/drawing/2014/main" id="{C6AF73BE-F17B-487B-943B-28655BB51C92}"/>
+                <a16:creationId xmlns="" xmlns:a16="http://schemas.microsoft.com/office/drawing/2014/main" id="{C6AF73BE-F17B-487B-943B-28655BB51C92}"/>
               </a:ext>
             </a:extLst>
           </p:cNvPr>
@@ -2791,7 +2791,7 @@
           <p:cNvPr id="2" name="Title Placeholder 1">
             <a:extLst>
               <a:ext uri="{FF2B5EF4-FFF2-40B4-BE49-F238E27FC236}">
-                <a16:creationId xmlns:a16="http://schemas.microsoft.com/office/drawing/2014/main" id="{96F7127E-5F47-4B37-9FDB-695AB14D9551}"/>
+                <a16:creationId xmlns="" xmlns:a16="http://schemas.microsoft.com/office/drawing/2014/main" id="{96F7127E-5F47-4B37-9FDB-695AB14D9551}"/>
               </a:ext>
             </a:extLst>
           </p:cNvPr>
@@ -2830,7 +2830,7 @@
           <p:cNvPr id="3" name="Text Placeholder 2">
             <a:extLst>
               <a:ext uri="{FF2B5EF4-FFF2-40B4-BE49-F238E27FC236}">
-                <a16:creationId xmlns:a16="http://schemas.microsoft.com/office/drawing/2014/main" id="{3BD20F0F-B303-4EE3-AF17-E303EA90B1A3}"/>
+                <a16:creationId xmlns="" xmlns:a16="http://schemas.microsoft.com/office/drawing/2014/main" id="{3BD20F0F-B303-4EE3-AF17-E303EA90B1A3}"/>
               </a:ext>
             </a:extLst>
           </p:cNvPr>
@@ -2898,7 +2898,7 @@
           <p:cNvPr id="4" name="Date Placeholder 3">
             <a:extLst>
               <a:ext uri="{FF2B5EF4-FFF2-40B4-BE49-F238E27FC236}">
-                <a16:creationId xmlns:a16="http://schemas.microsoft.com/office/drawing/2014/main" id="{7927ADFB-0C7F-4333-A456-815FAB4B0315}"/>
+                <a16:creationId xmlns="" xmlns:a16="http://schemas.microsoft.com/office/drawing/2014/main" id="{7927ADFB-0C7F-4333-A456-815FAB4B0315}"/>
               </a:ext>
             </a:extLst>
           </p:cNvPr>
@@ -2934,7 +2934,7 @@
           <a:p>
             <a:fld id="{03EC4E3E-8101-482F-A883-8B55DAFF7C07}" type="datetimeFigureOut">
               <a:rPr lang="en-SG" smtClean="0"/>
-              <a:t>6/7/2018</a:t>
+              <a:t>5/3/19</a:t>
             </a:fld>
             <a:endParaRPr lang="en-SG"/>
           </a:p>
@@ -2945,7 +2945,7 @@
           <p:cNvPr id="5" name="Footer Placeholder 4">
             <a:extLst>
               <a:ext uri="{FF2B5EF4-FFF2-40B4-BE49-F238E27FC236}">
-                <a16:creationId xmlns:a16="http://schemas.microsoft.com/office/drawing/2014/main" id="{A1992B28-8397-4C93-A277-5EE43A537825}"/>
+                <a16:creationId xmlns="" xmlns:a16="http://schemas.microsoft.com/office/drawing/2014/main" id="{A1992B28-8397-4C93-A277-5EE43A537825}"/>
               </a:ext>
             </a:extLst>
           </p:cNvPr>
@@ -2988,7 +2988,7 @@
           <p:cNvPr id="6" name="Slide Number Placeholder 5">
             <a:extLst>
               <a:ext uri="{FF2B5EF4-FFF2-40B4-BE49-F238E27FC236}">
-                <a16:creationId xmlns:a16="http://schemas.microsoft.com/office/drawing/2014/main" id="{D7231209-A74B-4134-87D0-421AB81BBB47}"/>
+                <a16:creationId xmlns="" xmlns:a16="http://schemas.microsoft.com/office/drawing/2014/main" id="{D7231209-A74B-4134-87D0-421AB81BBB47}"/>
               </a:ext>
             </a:extLst>
           </p:cNvPr>
@@ -3356,7 +3356,7 @@
           <p:cNvPr id="2" name="TextBox 1">
             <a:extLst>
               <a:ext uri="{FF2B5EF4-FFF2-40B4-BE49-F238E27FC236}">
-                <a16:creationId xmlns:a16="http://schemas.microsoft.com/office/drawing/2014/main" id="{032C4FEA-C10B-4133-9BF6-AF6F40CC1AD4}"/>
+                <a16:creationId xmlns="" xmlns:a16="http://schemas.microsoft.com/office/drawing/2014/main" id="{032C4FEA-C10B-4133-9BF6-AF6F40CC1AD4}"/>
               </a:ext>
             </a:extLst>
           </p:cNvPr>
@@ -3407,7 +3407,27 @@
             <a:pPr algn="ctr"/>
             <a:r>
               <a:rPr lang="en-SG" dirty="0"/>
-              <a:t>The state of the address book (before ‘add n/David …’ was executed) will be restored to state ab1.</a:t>
+              <a:t>The state of the </a:t>
+            </a:r>
+            <a:r>
+              <a:rPr lang="en-SG" dirty="0" smtClean="0"/>
+              <a:t>book shelf(before </a:t>
+            </a:r>
+            <a:r>
+              <a:rPr lang="en-SG" dirty="0"/>
+              <a:t>‘add n/David …’ was executed) will be restored to </a:t>
+            </a:r>
+            <a:r>
+              <a:rPr lang="en-SG"/>
+              <a:t>state </a:t>
+            </a:r>
+            <a:r>
+              <a:rPr lang="en-SG" smtClean="0"/>
+              <a:t>bs1</a:t>
+            </a:r>
+            <a:r>
+              <a:rPr lang="en-SG" dirty="0"/>
+              <a:t>.</a:t>
             </a:r>
           </a:p>
         </p:txBody>
@@ -3461,7 +3481,7 @@
           <p:cNvPr id="17" name="TextBox 16">
             <a:extLst>
               <a:ext uri="{FF2B5EF4-FFF2-40B4-BE49-F238E27FC236}">
-                <a16:creationId xmlns:a16="http://schemas.microsoft.com/office/drawing/2014/main" id="{3151A13B-9509-43FA-BFEB-1D9866A00B84}"/>
+                <a16:creationId xmlns="" xmlns:a16="http://schemas.microsoft.com/office/drawing/2014/main" id="{3151A13B-9509-43FA-BFEB-1D9866A00B84}"/>
               </a:ext>
             </a:extLst>
           </p:cNvPr>
@@ -3505,7 +3525,7 @@
           <p:cNvPr id="18" name="Table 17">
             <a:extLst>
               <a:ext uri="{FF2B5EF4-FFF2-40B4-BE49-F238E27FC236}">
-                <a16:creationId xmlns:a16="http://schemas.microsoft.com/office/drawing/2014/main" id="{F545FAB8-F1CE-4886-9BDE-E772BCB0A9C4}"/>
+                <a16:creationId xmlns="" xmlns:a16="http://schemas.microsoft.com/office/drawing/2014/main" id="{F545FAB8-F1CE-4886-9BDE-E772BCB0A9C4}"/>
               </a:ext>
             </a:extLst>
           </p:cNvPr>
@@ -3515,7 +3535,7 @@
           <p:nvPr>
             <p:extLst>
               <p:ext uri="{D42A27DB-BD31-4B8C-83A1-F6EECF244321}">
-                <p14:modId xmlns:p14="http://schemas.microsoft.com/office/powerpoint/2010/main" val="1674993041"/>
+                <p14:modId xmlns:p14="http://schemas.microsoft.com/office/powerpoint/2010/main" val="1551715767"/>
               </p:ext>
             </p:extLst>
           </p:nvPr>
@@ -3534,7 +3554,7 @@
                 <a:gridCol w="1825824">
                   <a:extLst>
                     <a:ext uri="{9D8B030D-6E8A-4147-A177-3AD203B41FA5}">
-                      <a16:colId xmlns:a16="http://schemas.microsoft.com/office/drawing/2014/main" val="4240773277"/>
+                      <a16:colId xmlns="" xmlns:a16="http://schemas.microsoft.com/office/drawing/2014/main" val="4240773277"/>
                     </a:ext>
                   </a:extLst>
                 </a:gridCol>
@@ -3546,12 +3566,12 @@
                     <a:lstStyle/>
                     <a:p>
                       <a:r>
-                        <a:rPr lang="en-SG" u="sng" dirty="0"/>
-                        <a:t>ab0:</a:t>
+                        <a:rPr lang="en-SG" u="sng" dirty="0" smtClean="0"/>
+                        <a:t>b0:</a:t>
                       </a:r>
                       <a:r>
-                        <a:rPr lang="en-SG" sz="1800" u="sng" dirty="0"/>
-                        <a:t>AddressBook</a:t>
+                        <a:rPr lang="en-SG" sz="1800" u="sng" dirty="0" smtClean="0"/>
+                        <a:t>BookShelf</a:t>
                       </a:r>
                       <a:endParaRPr lang="en-SG" u="sng" dirty="0"/>
                     </a:p>
@@ -3560,7 +3580,7 @@
                 </a:tc>
                 <a:extLst>
                   <a:ext uri="{0D108BD9-81ED-4DB2-BD59-A6C34878D82A}">
-                    <a16:rowId xmlns:a16="http://schemas.microsoft.com/office/drawing/2014/main" val="2194462629"/>
+                    <a16:rowId xmlns="" xmlns:a16="http://schemas.microsoft.com/office/drawing/2014/main" val="2194462629"/>
                   </a:ext>
                 </a:extLst>
               </a:tr>
@@ -3619,7 +3639,7 @@
           <p:cNvPr id="29" name="TextBox 28">
             <a:extLst>
               <a:ext uri="{FF2B5EF4-FFF2-40B4-BE49-F238E27FC236}">
-                <a16:creationId xmlns:a16="http://schemas.microsoft.com/office/drawing/2014/main" id="{3151A13B-9509-43FA-BFEB-1D9866A00B84}"/>
+                <a16:creationId xmlns="" xmlns:a16="http://schemas.microsoft.com/office/drawing/2014/main" id="{3151A13B-9509-43FA-BFEB-1D9866A00B84}"/>
               </a:ext>
             </a:extLst>
           </p:cNvPr>
@@ -3709,7 +3729,7 @@
           <p:cNvPr id="16" name="Table 15">
             <a:extLst>
               <a:ext uri="{FF2B5EF4-FFF2-40B4-BE49-F238E27FC236}">
-                <a16:creationId xmlns:a16="http://schemas.microsoft.com/office/drawing/2014/main" id="{F545FAB8-F1CE-4886-9BDE-E772BCB0A9C4}"/>
+                <a16:creationId xmlns="" xmlns:a16="http://schemas.microsoft.com/office/drawing/2014/main" id="{F545FAB8-F1CE-4886-9BDE-E772BCB0A9C4}"/>
               </a:ext>
             </a:extLst>
           </p:cNvPr>
@@ -3719,7 +3739,7 @@
           <p:nvPr>
             <p:extLst>
               <p:ext uri="{D42A27DB-BD31-4B8C-83A1-F6EECF244321}">
-                <p14:modId xmlns:p14="http://schemas.microsoft.com/office/powerpoint/2010/main" val="3085921390"/>
+                <p14:modId xmlns:p14="http://schemas.microsoft.com/office/powerpoint/2010/main" val="169969267"/>
               </p:ext>
             </p:extLst>
           </p:nvPr>
@@ -3738,7 +3758,7 @@
                 <a:gridCol w="1825824">
                   <a:extLst>
                     <a:ext uri="{9D8B030D-6E8A-4147-A177-3AD203B41FA5}">
-                      <a16:colId xmlns:a16="http://schemas.microsoft.com/office/drawing/2014/main" val="4240773277"/>
+                      <a16:colId xmlns="" xmlns:a16="http://schemas.microsoft.com/office/drawing/2014/main" val="4240773277"/>
                     </a:ext>
                   </a:extLst>
                 </a:gridCol>
@@ -3750,12 +3770,12 @@
                     <a:lstStyle/>
                     <a:p>
                       <a:r>
-                        <a:rPr lang="en-SG" u="sng" dirty="0"/>
-                        <a:t>ab1:</a:t>
+                        <a:rPr lang="en-SG" u="sng" dirty="0" smtClean="0"/>
+                        <a:t>b1:</a:t>
                       </a:r>
                       <a:r>
-                        <a:rPr lang="en-SG" sz="1800" u="sng" dirty="0"/>
-                        <a:t>AddressBook</a:t>
+                        <a:rPr lang="en-SG" sz="1800" u="sng" dirty="0" smtClean="0"/>
+                        <a:t>BookShelf</a:t>
                       </a:r>
                       <a:endParaRPr lang="en-SG" u="sng" dirty="0"/>
                     </a:p>
@@ -3764,7 +3784,7 @@
                 </a:tc>
                 <a:extLst>
                   <a:ext uri="{0D108BD9-81ED-4DB2-BD59-A6C34878D82A}">
-                    <a16:rowId xmlns:a16="http://schemas.microsoft.com/office/drawing/2014/main" val="2194462629"/>
+                    <a16:rowId xmlns="" xmlns:a16="http://schemas.microsoft.com/office/drawing/2014/main" val="2194462629"/>
                   </a:ext>
                 </a:extLst>
               </a:tr>
@@ -3777,7 +3797,7 @@
           <p:cNvPr id="20" name="Table 19">
             <a:extLst>
               <a:ext uri="{FF2B5EF4-FFF2-40B4-BE49-F238E27FC236}">
-                <a16:creationId xmlns:a16="http://schemas.microsoft.com/office/drawing/2014/main" id="{F545FAB8-F1CE-4886-9BDE-E772BCB0A9C4}"/>
+                <a16:creationId xmlns="" xmlns:a16="http://schemas.microsoft.com/office/drawing/2014/main" id="{F545FAB8-F1CE-4886-9BDE-E772BCB0A9C4}"/>
               </a:ext>
             </a:extLst>
           </p:cNvPr>
@@ -3787,7 +3807,7 @@
           <p:nvPr>
             <p:extLst>
               <p:ext uri="{D42A27DB-BD31-4B8C-83A1-F6EECF244321}">
-                <p14:modId xmlns:p14="http://schemas.microsoft.com/office/powerpoint/2010/main" val="3504448791"/>
+                <p14:modId xmlns:p14="http://schemas.microsoft.com/office/powerpoint/2010/main" val="865654820"/>
               </p:ext>
             </p:extLst>
           </p:nvPr>
@@ -3806,7 +3826,7 @@
                 <a:gridCol w="1825824">
                   <a:extLst>
                     <a:ext uri="{9D8B030D-6E8A-4147-A177-3AD203B41FA5}">
-                      <a16:colId xmlns:a16="http://schemas.microsoft.com/office/drawing/2014/main" val="4240773277"/>
+                      <a16:colId xmlns="" xmlns:a16="http://schemas.microsoft.com/office/drawing/2014/main" val="4240773277"/>
                     </a:ext>
                   </a:extLst>
                 </a:gridCol>
@@ -3818,12 +3838,12 @@
                     <a:lstStyle/>
                     <a:p>
                       <a:r>
-                        <a:rPr lang="en-SG" u="sng" dirty="0"/>
-                        <a:t>ab2:</a:t>
+                        <a:rPr lang="en-SG" u="sng" dirty="0" smtClean="0"/>
+                        <a:t>b2:</a:t>
                       </a:r>
                       <a:r>
-                        <a:rPr lang="en-SG" sz="1800" u="sng" dirty="0"/>
-                        <a:t>AddressBook</a:t>
+                        <a:rPr lang="en-SG" sz="1800" u="sng" dirty="0" smtClean="0"/>
+                        <a:t>BookShelf</a:t>
                       </a:r>
                       <a:endParaRPr lang="en-SG" u="sng" dirty="0"/>
                     </a:p>
@@ -3832,7 +3852,7 @@
                 </a:tc>
                 <a:extLst>
                   <a:ext uri="{0D108BD9-81ED-4DB2-BD59-A6C34878D82A}">
-                    <a16:rowId xmlns:a16="http://schemas.microsoft.com/office/drawing/2014/main" val="2194462629"/>
+                    <a16:rowId xmlns="" xmlns:a16="http://schemas.microsoft.com/office/drawing/2014/main" val="2194462629"/>
                   </a:ext>
                 </a:extLst>
               </a:tr>
@@ -3845,7 +3865,7 @@
           <p:cNvPr id="21" name="Table 20">
             <a:extLst>
               <a:ext uri="{FF2B5EF4-FFF2-40B4-BE49-F238E27FC236}">
-                <a16:creationId xmlns:a16="http://schemas.microsoft.com/office/drawing/2014/main" id="{F545FAB8-F1CE-4886-9BDE-E772BCB0A9C4}"/>
+                <a16:creationId xmlns="" xmlns:a16="http://schemas.microsoft.com/office/drawing/2014/main" id="{F545FAB8-F1CE-4886-9BDE-E772BCB0A9C4}"/>
               </a:ext>
             </a:extLst>
           </p:cNvPr>
@@ -3855,7 +3875,7 @@
           <p:nvPr>
             <p:extLst>
               <p:ext uri="{D42A27DB-BD31-4B8C-83A1-F6EECF244321}">
-                <p14:modId xmlns:p14="http://schemas.microsoft.com/office/powerpoint/2010/main" val="3880678430"/>
+                <p14:modId xmlns:p14="http://schemas.microsoft.com/office/powerpoint/2010/main" val="655476583"/>
               </p:ext>
             </p:extLst>
           </p:nvPr>
@@ -3874,7 +3894,7 @@
                 <a:gridCol w="1825824">
                   <a:extLst>
                     <a:ext uri="{9D8B030D-6E8A-4147-A177-3AD203B41FA5}">
-                      <a16:colId xmlns:a16="http://schemas.microsoft.com/office/drawing/2014/main" val="4240773277"/>
+                      <a16:colId xmlns="" xmlns:a16="http://schemas.microsoft.com/office/drawing/2014/main" val="4240773277"/>
                     </a:ext>
                   </a:extLst>
                 </a:gridCol>
@@ -3886,12 +3906,12 @@
                     <a:lstStyle/>
                     <a:p>
                       <a:r>
-                        <a:rPr lang="en-SG" u="sng" dirty="0"/>
-                        <a:t>ab0:</a:t>
+                        <a:rPr lang="en-SG" u="sng" dirty="0" smtClean="0"/>
+                        <a:t>b0:</a:t>
                       </a:r>
                       <a:r>
-                        <a:rPr lang="en-SG" sz="1800" u="sng" dirty="0"/>
-                        <a:t>AddressBook</a:t>
+                        <a:rPr lang="en-SG" sz="1800" u="sng" dirty="0" smtClean="0"/>
+                        <a:t>BookShelf</a:t>
                       </a:r>
                       <a:endParaRPr lang="en-SG" u="sng" dirty="0"/>
                     </a:p>
@@ -3900,7 +3920,7 @@
                 </a:tc>
                 <a:extLst>
                   <a:ext uri="{0D108BD9-81ED-4DB2-BD59-A6C34878D82A}">
-                    <a16:rowId xmlns:a16="http://schemas.microsoft.com/office/drawing/2014/main" val="2194462629"/>
+                    <a16:rowId xmlns="" xmlns:a16="http://schemas.microsoft.com/office/drawing/2014/main" val="2194462629"/>
                   </a:ext>
                 </a:extLst>
               </a:tr>
@@ -3913,7 +3933,7 @@
           <p:cNvPr id="22" name="Table 21">
             <a:extLst>
               <a:ext uri="{FF2B5EF4-FFF2-40B4-BE49-F238E27FC236}">
-                <a16:creationId xmlns:a16="http://schemas.microsoft.com/office/drawing/2014/main" id="{F545FAB8-F1CE-4886-9BDE-E772BCB0A9C4}"/>
+                <a16:creationId xmlns="" xmlns:a16="http://schemas.microsoft.com/office/drawing/2014/main" id="{F545FAB8-F1CE-4886-9BDE-E772BCB0A9C4}"/>
               </a:ext>
             </a:extLst>
           </p:cNvPr>
@@ -3923,7 +3943,7 @@
           <p:nvPr>
             <p:extLst>
               <p:ext uri="{D42A27DB-BD31-4B8C-83A1-F6EECF244321}">
-                <p14:modId xmlns:p14="http://schemas.microsoft.com/office/powerpoint/2010/main" val="719723626"/>
+                <p14:modId xmlns:p14="http://schemas.microsoft.com/office/powerpoint/2010/main" val="145037258"/>
               </p:ext>
             </p:extLst>
           </p:nvPr>
@@ -3942,7 +3962,7 @@
                 <a:gridCol w="1825824">
                   <a:extLst>
                     <a:ext uri="{9D8B030D-6E8A-4147-A177-3AD203B41FA5}">
-                      <a16:colId xmlns:a16="http://schemas.microsoft.com/office/drawing/2014/main" val="4240773277"/>
+                      <a16:colId xmlns="" xmlns:a16="http://schemas.microsoft.com/office/drawing/2014/main" val="4240773277"/>
                     </a:ext>
                   </a:extLst>
                 </a:gridCol>
@@ -3954,12 +3974,12 @@
                     <a:lstStyle/>
                     <a:p>
                       <a:r>
-                        <a:rPr lang="en-SG" u="sng" dirty="0"/>
-                        <a:t>ab1:</a:t>
+                        <a:rPr lang="en-SG" u="sng" smtClean="0"/>
+                        <a:t>b1:</a:t>
                       </a:r>
                       <a:r>
-                        <a:rPr lang="en-SG" sz="1800" u="sng" dirty="0"/>
-                        <a:t>AddressBook</a:t>
+                        <a:rPr lang="en-SG" sz="1800" u="sng" smtClean="0"/>
+                        <a:t>BookShelf</a:t>
                       </a:r>
                       <a:endParaRPr lang="en-SG" u="sng" dirty="0"/>
                     </a:p>
@@ -3968,7 +3988,7 @@
                 </a:tc>
                 <a:extLst>
                   <a:ext uri="{0D108BD9-81ED-4DB2-BD59-A6C34878D82A}">
-                    <a16:rowId xmlns:a16="http://schemas.microsoft.com/office/drawing/2014/main" val="2194462629"/>
+                    <a16:rowId xmlns="" xmlns:a16="http://schemas.microsoft.com/office/drawing/2014/main" val="2194462629"/>
                   </a:ext>
                 </a:extLst>
               </a:tr>
@@ -3981,7 +4001,7 @@
           <p:cNvPr id="23" name="Table 22">
             <a:extLst>
               <a:ext uri="{FF2B5EF4-FFF2-40B4-BE49-F238E27FC236}">
-                <a16:creationId xmlns:a16="http://schemas.microsoft.com/office/drawing/2014/main" id="{F545FAB8-F1CE-4886-9BDE-E772BCB0A9C4}"/>
+                <a16:creationId xmlns="" xmlns:a16="http://schemas.microsoft.com/office/drawing/2014/main" id="{F545FAB8-F1CE-4886-9BDE-E772BCB0A9C4}"/>
               </a:ext>
             </a:extLst>
           </p:cNvPr>
@@ -3991,7 +4011,7 @@
           <p:nvPr>
             <p:extLst>
               <p:ext uri="{D42A27DB-BD31-4B8C-83A1-F6EECF244321}">
-                <p14:modId xmlns:p14="http://schemas.microsoft.com/office/powerpoint/2010/main" val="3592690620"/>
+                <p14:modId xmlns:p14="http://schemas.microsoft.com/office/powerpoint/2010/main" val="1677442574"/>
               </p:ext>
             </p:extLst>
           </p:nvPr>
@@ -4010,7 +4030,7 @@
                 <a:gridCol w="1825824">
                   <a:extLst>
                     <a:ext uri="{9D8B030D-6E8A-4147-A177-3AD203B41FA5}">
-                      <a16:colId xmlns:a16="http://schemas.microsoft.com/office/drawing/2014/main" val="4240773277"/>
+                      <a16:colId xmlns="" xmlns:a16="http://schemas.microsoft.com/office/drawing/2014/main" val="4240773277"/>
                     </a:ext>
                   </a:extLst>
                 </a:gridCol>
@@ -4022,12 +4042,12 @@
                     <a:lstStyle/>
                     <a:p>
                       <a:r>
-                        <a:rPr lang="en-SG" u="sng" dirty="0"/>
-                        <a:t>ab2:</a:t>
+                        <a:rPr lang="en-SG" u="sng" dirty="0" smtClean="0"/>
+                        <a:t>b2:</a:t>
                       </a:r>
                       <a:r>
-                        <a:rPr lang="en-SG" sz="1800" u="sng" dirty="0"/>
-                        <a:t>AddressBook</a:t>
+                        <a:rPr lang="en-SG" sz="1800" u="sng" dirty="0" smtClean="0"/>
+                        <a:t>BookShelf</a:t>
                       </a:r>
                       <a:endParaRPr lang="en-SG" u="sng" dirty="0"/>
                     </a:p>
@@ -4036,7 +4056,7 @@
                 </a:tc>
                 <a:extLst>
                   <a:ext uri="{0D108BD9-81ED-4DB2-BD59-A6C34878D82A}">
-                    <a16:rowId xmlns:a16="http://schemas.microsoft.com/office/drawing/2014/main" val="2194462629"/>
+                    <a16:rowId xmlns="" xmlns:a16="http://schemas.microsoft.com/office/drawing/2014/main" val="2194462629"/>
                   </a:ext>
                 </a:extLst>
               </a:tr>
@@ -4049,7 +4069,7 @@
           <p:cNvPr id="19" name="Straight Arrow Connector 18">
             <a:extLst>
               <a:ext uri="{FF2B5EF4-FFF2-40B4-BE49-F238E27FC236}">
-                <a16:creationId xmlns:a16="http://schemas.microsoft.com/office/drawing/2014/main" id="{DC8F2CFA-FFF8-41BD-B884-8ACDF8C96486}"/>
+                <a16:creationId xmlns="" xmlns:a16="http://schemas.microsoft.com/office/drawing/2014/main" id="{DC8F2CFA-FFF8-41BD-B884-8ACDF8C96486}"/>
               </a:ext>
             </a:extLst>
           </p:cNvPr>
@@ -4093,7 +4113,7 @@
           <p:cNvPr id="25" name="Straight Arrow Connector 24">
             <a:extLst>
               <a:ext uri="{FF2B5EF4-FFF2-40B4-BE49-F238E27FC236}">
-                <a16:creationId xmlns:a16="http://schemas.microsoft.com/office/drawing/2014/main" id="{CC39FF7A-ED45-4697-B75C-01E9C1C55F2A}"/>
+                <a16:creationId xmlns="" xmlns:a16="http://schemas.microsoft.com/office/drawing/2014/main" id="{CC39FF7A-ED45-4697-B75C-01E9C1C55F2A}"/>
               </a:ext>
             </a:extLst>
           </p:cNvPr>

--- a/docs/diagrams/UndoRedoExecuteUndoStateListDiagram.pptx
+++ b/docs/diagrams/UndoRedoExecuteUndoStateListDiagram.pptx
@@ -138,7 +138,7 @@
           <p:cNvPr id="2" name="Title 1">
             <a:extLst>
               <a:ext uri="{FF2B5EF4-FFF2-40B4-BE49-F238E27FC236}">
-                <a16:creationId xmlns="" xmlns:a16="http://schemas.microsoft.com/office/drawing/2014/main" id="{39FCC519-EE2E-4054-A653-93D611E0133E}"/>
+                <a16:creationId xmlns:a16="http://schemas.microsoft.com/office/drawing/2014/main" xmlns="" id="{39FCC519-EE2E-4054-A653-93D611E0133E}"/>
               </a:ext>
             </a:extLst>
           </p:cNvPr>
@@ -176,7 +176,7 @@
           <p:cNvPr id="3" name="Subtitle 2">
             <a:extLst>
               <a:ext uri="{FF2B5EF4-FFF2-40B4-BE49-F238E27FC236}">
-                <a16:creationId xmlns="" xmlns:a16="http://schemas.microsoft.com/office/drawing/2014/main" id="{3EDEA74E-4030-4F69-A055-4C6319EEEC29}"/>
+                <a16:creationId xmlns:a16="http://schemas.microsoft.com/office/drawing/2014/main" xmlns="" id="{3EDEA74E-4030-4F69-A055-4C6319EEEC29}"/>
               </a:ext>
             </a:extLst>
           </p:cNvPr>
@@ -247,7 +247,7 @@
           <p:cNvPr id="4" name="Date Placeholder 3">
             <a:extLst>
               <a:ext uri="{FF2B5EF4-FFF2-40B4-BE49-F238E27FC236}">
-                <a16:creationId xmlns="" xmlns:a16="http://schemas.microsoft.com/office/drawing/2014/main" id="{E5CC99E3-37A6-4485-B9A2-AF27A72608C6}"/>
+                <a16:creationId xmlns:a16="http://schemas.microsoft.com/office/drawing/2014/main" xmlns="" id="{E5CC99E3-37A6-4485-B9A2-AF27A72608C6}"/>
               </a:ext>
             </a:extLst>
           </p:cNvPr>
@@ -276,7 +276,7 @@
           <p:cNvPr id="5" name="Footer Placeholder 4">
             <a:extLst>
               <a:ext uri="{FF2B5EF4-FFF2-40B4-BE49-F238E27FC236}">
-                <a16:creationId xmlns="" xmlns:a16="http://schemas.microsoft.com/office/drawing/2014/main" id="{D75BD546-D949-4A25-8EA4-47DF23229409}"/>
+                <a16:creationId xmlns:a16="http://schemas.microsoft.com/office/drawing/2014/main" xmlns="" id="{D75BD546-D949-4A25-8EA4-47DF23229409}"/>
               </a:ext>
             </a:extLst>
           </p:cNvPr>
@@ -301,7 +301,7 @@
           <p:cNvPr id="6" name="Slide Number Placeholder 5">
             <a:extLst>
               <a:ext uri="{FF2B5EF4-FFF2-40B4-BE49-F238E27FC236}">
-                <a16:creationId xmlns="" xmlns:a16="http://schemas.microsoft.com/office/drawing/2014/main" id="{68147391-4DF6-4ACF-BCE9-C1A9DAC803E3}"/>
+                <a16:creationId xmlns:a16="http://schemas.microsoft.com/office/drawing/2014/main" xmlns="" id="{68147391-4DF6-4ACF-BCE9-C1A9DAC803E3}"/>
               </a:ext>
             </a:extLst>
           </p:cNvPr>
@@ -360,7 +360,7 @@
           <p:cNvPr id="2" name="Title 1">
             <a:extLst>
               <a:ext uri="{FF2B5EF4-FFF2-40B4-BE49-F238E27FC236}">
-                <a16:creationId xmlns="" xmlns:a16="http://schemas.microsoft.com/office/drawing/2014/main" id="{251D3DFE-0C62-45F5-B1BF-FD1F194ED112}"/>
+                <a16:creationId xmlns:a16="http://schemas.microsoft.com/office/drawing/2014/main" xmlns="" id="{251D3DFE-0C62-45F5-B1BF-FD1F194ED112}"/>
               </a:ext>
             </a:extLst>
           </p:cNvPr>
@@ -389,7 +389,7 @@
           <p:cNvPr id="3" name="Vertical Text Placeholder 2">
             <a:extLst>
               <a:ext uri="{FF2B5EF4-FFF2-40B4-BE49-F238E27FC236}">
-                <a16:creationId xmlns="" xmlns:a16="http://schemas.microsoft.com/office/drawing/2014/main" id="{D2392762-3586-4B6D-A174-2D3ACF0A125B}"/>
+                <a16:creationId xmlns:a16="http://schemas.microsoft.com/office/drawing/2014/main" xmlns="" id="{D2392762-3586-4B6D-A174-2D3ACF0A125B}"/>
               </a:ext>
             </a:extLst>
           </p:cNvPr>
@@ -447,7 +447,7 @@
           <p:cNvPr id="4" name="Date Placeholder 3">
             <a:extLst>
               <a:ext uri="{FF2B5EF4-FFF2-40B4-BE49-F238E27FC236}">
-                <a16:creationId xmlns="" xmlns:a16="http://schemas.microsoft.com/office/drawing/2014/main" id="{73B232E7-84FB-4535-9FC1-1BEF8F17421F}"/>
+                <a16:creationId xmlns:a16="http://schemas.microsoft.com/office/drawing/2014/main" xmlns="" id="{73B232E7-84FB-4535-9FC1-1BEF8F17421F}"/>
               </a:ext>
             </a:extLst>
           </p:cNvPr>
@@ -476,7 +476,7 @@
           <p:cNvPr id="5" name="Footer Placeholder 4">
             <a:extLst>
               <a:ext uri="{FF2B5EF4-FFF2-40B4-BE49-F238E27FC236}">
-                <a16:creationId xmlns="" xmlns:a16="http://schemas.microsoft.com/office/drawing/2014/main" id="{76F796EF-04EF-401A-AC84-F7BDBC99DE80}"/>
+                <a16:creationId xmlns:a16="http://schemas.microsoft.com/office/drawing/2014/main" xmlns="" id="{76F796EF-04EF-401A-AC84-F7BDBC99DE80}"/>
               </a:ext>
             </a:extLst>
           </p:cNvPr>
@@ -501,7 +501,7 @@
           <p:cNvPr id="6" name="Slide Number Placeholder 5">
             <a:extLst>
               <a:ext uri="{FF2B5EF4-FFF2-40B4-BE49-F238E27FC236}">
-                <a16:creationId xmlns="" xmlns:a16="http://schemas.microsoft.com/office/drawing/2014/main" id="{8F55F009-0A64-4649-A732-4AA6D619F1F3}"/>
+                <a16:creationId xmlns:a16="http://schemas.microsoft.com/office/drawing/2014/main" xmlns="" id="{8F55F009-0A64-4649-A732-4AA6D619F1F3}"/>
               </a:ext>
             </a:extLst>
           </p:cNvPr>
@@ -560,7 +560,7 @@
           <p:cNvPr id="2" name="Vertical Title 1">
             <a:extLst>
               <a:ext uri="{FF2B5EF4-FFF2-40B4-BE49-F238E27FC236}">
-                <a16:creationId xmlns="" xmlns:a16="http://schemas.microsoft.com/office/drawing/2014/main" id="{F7DE9595-D7A8-4E19-B4C6-E295F978F6A4}"/>
+                <a16:creationId xmlns:a16="http://schemas.microsoft.com/office/drawing/2014/main" xmlns="" id="{F7DE9595-D7A8-4E19-B4C6-E295F978F6A4}"/>
               </a:ext>
             </a:extLst>
           </p:cNvPr>
@@ -594,7 +594,7 @@
           <p:cNvPr id="3" name="Vertical Text Placeholder 2">
             <a:extLst>
               <a:ext uri="{FF2B5EF4-FFF2-40B4-BE49-F238E27FC236}">
-                <a16:creationId xmlns="" xmlns:a16="http://schemas.microsoft.com/office/drawing/2014/main" id="{0D2975B7-7A6D-40EA-B2F6-338022AD2BF1}"/>
+                <a16:creationId xmlns:a16="http://schemas.microsoft.com/office/drawing/2014/main" xmlns="" id="{0D2975B7-7A6D-40EA-B2F6-338022AD2BF1}"/>
               </a:ext>
             </a:extLst>
           </p:cNvPr>
@@ -657,7 +657,7 @@
           <p:cNvPr id="4" name="Date Placeholder 3">
             <a:extLst>
               <a:ext uri="{FF2B5EF4-FFF2-40B4-BE49-F238E27FC236}">
-                <a16:creationId xmlns="" xmlns:a16="http://schemas.microsoft.com/office/drawing/2014/main" id="{C8230AC3-1BED-4D2B-96D3-51C50E14A9E6}"/>
+                <a16:creationId xmlns:a16="http://schemas.microsoft.com/office/drawing/2014/main" xmlns="" id="{C8230AC3-1BED-4D2B-96D3-51C50E14A9E6}"/>
               </a:ext>
             </a:extLst>
           </p:cNvPr>
@@ -686,7 +686,7 @@
           <p:cNvPr id="5" name="Footer Placeholder 4">
             <a:extLst>
               <a:ext uri="{FF2B5EF4-FFF2-40B4-BE49-F238E27FC236}">
-                <a16:creationId xmlns="" xmlns:a16="http://schemas.microsoft.com/office/drawing/2014/main" id="{4AD6CA96-231A-43AD-B530-7C509651DE3B}"/>
+                <a16:creationId xmlns:a16="http://schemas.microsoft.com/office/drawing/2014/main" xmlns="" id="{4AD6CA96-231A-43AD-B530-7C509651DE3B}"/>
               </a:ext>
             </a:extLst>
           </p:cNvPr>
@@ -711,7 +711,7 @@
           <p:cNvPr id="6" name="Slide Number Placeholder 5">
             <a:extLst>
               <a:ext uri="{FF2B5EF4-FFF2-40B4-BE49-F238E27FC236}">
-                <a16:creationId xmlns="" xmlns:a16="http://schemas.microsoft.com/office/drawing/2014/main" id="{12063E3B-180A-454E-A661-6CCD48D7062C}"/>
+                <a16:creationId xmlns:a16="http://schemas.microsoft.com/office/drawing/2014/main" xmlns="" id="{12063E3B-180A-454E-A661-6CCD48D7062C}"/>
               </a:ext>
             </a:extLst>
           </p:cNvPr>
@@ -770,7 +770,7 @@
           <p:cNvPr id="2" name="Title 1">
             <a:extLst>
               <a:ext uri="{FF2B5EF4-FFF2-40B4-BE49-F238E27FC236}">
-                <a16:creationId xmlns="" xmlns:a16="http://schemas.microsoft.com/office/drawing/2014/main" id="{7E861C8D-BAF0-4DD9-92B9-591B272791CA}"/>
+                <a16:creationId xmlns:a16="http://schemas.microsoft.com/office/drawing/2014/main" xmlns="" id="{7E861C8D-BAF0-4DD9-92B9-591B272791CA}"/>
               </a:ext>
             </a:extLst>
           </p:cNvPr>
@@ -799,7 +799,7 @@
           <p:cNvPr id="3" name="Content Placeholder 2">
             <a:extLst>
               <a:ext uri="{FF2B5EF4-FFF2-40B4-BE49-F238E27FC236}">
-                <a16:creationId xmlns="" xmlns:a16="http://schemas.microsoft.com/office/drawing/2014/main" id="{534DA4BD-1D78-446B-B79F-C1229642DDEB}"/>
+                <a16:creationId xmlns:a16="http://schemas.microsoft.com/office/drawing/2014/main" xmlns="" id="{534DA4BD-1D78-446B-B79F-C1229642DDEB}"/>
               </a:ext>
             </a:extLst>
           </p:cNvPr>
@@ -857,7 +857,7 @@
           <p:cNvPr id="4" name="Date Placeholder 3">
             <a:extLst>
               <a:ext uri="{FF2B5EF4-FFF2-40B4-BE49-F238E27FC236}">
-                <a16:creationId xmlns="" xmlns:a16="http://schemas.microsoft.com/office/drawing/2014/main" id="{AD6BEDB5-7B62-4953-BECB-7F7F3E909CAC}"/>
+                <a16:creationId xmlns:a16="http://schemas.microsoft.com/office/drawing/2014/main" xmlns="" id="{AD6BEDB5-7B62-4953-BECB-7F7F3E909CAC}"/>
               </a:ext>
             </a:extLst>
           </p:cNvPr>
@@ -886,7 +886,7 @@
           <p:cNvPr id="5" name="Footer Placeholder 4">
             <a:extLst>
               <a:ext uri="{FF2B5EF4-FFF2-40B4-BE49-F238E27FC236}">
-                <a16:creationId xmlns="" xmlns:a16="http://schemas.microsoft.com/office/drawing/2014/main" id="{349CD732-2DD1-42BE-8480-5C6507018294}"/>
+                <a16:creationId xmlns:a16="http://schemas.microsoft.com/office/drawing/2014/main" xmlns="" id="{349CD732-2DD1-42BE-8480-5C6507018294}"/>
               </a:ext>
             </a:extLst>
           </p:cNvPr>
@@ -911,7 +911,7 @@
           <p:cNvPr id="6" name="Slide Number Placeholder 5">
             <a:extLst>
               <a:ext uri="{FF2B5EF4-FFF2-40B4-BE49-F238E27FC236}">
-                <a16:creationId xmlns="" xmlns:a16="http://schemas.microsoft.com/office/drawing/2014/main" id="{574C27E0-F36A-4438-9402-C2CB0377D92D}"/>
+                <a16:creationId xmlns:a16="http://schemas.microsoft.com/office/drawing/2014/main" xmlns="" id="{574C27E0-F36A-4438-9402-C2CB0377D92D}"/>
               </a:ext>
             </a:extLst>
           </p:cNvPr>
@@ -970,7 +970,7 @@
           <p:cNvPr id="2" name="Title 1">
             <a:extLst>
               <a:ext uri="{FF2B5EF4-FFF2-40B4-BE49-F238E27FC236}">
-                <a16:creationId xmlns="" xmlns:a16="http://schemas.microsoft.com/office/drawing/2014/main" id="{80A42FFA-8A45-40F8-9C5C-9906971B38AB}"/>
+                <a16:creationId xmlns:a16="http://schemas.microsoft.com/office/drawing/2014/main" xmlns="" id="{80A42FFA-8A45-40F8-9C5C-9906971B38AB}"/>
               </a:ext>
             </a:extLst>
           </p:cNvPr>
@@ -1008,7 +1008,7 @@
           <p:cNvPr id="3" name="Text Placeholder 2">
             <a:extLst>
               <a:ext uri="{FF2B5EF4-FFF2-40B4-BE49-F238E27FC236}">
-                <a16:creationId xmlns="" xmlns:a16="http://schemas.microsoft.com/office/drawing/2014/main" id="{7D8879A7-8225-4473-B738-B780B6224EC5}"/>
+                <a16:creationId xmlns:a16="http://schemas.microsoft.com/office/drawing/2014/main" xmlns="" id="{7D8879A7-8225-4473-B738-B780B6224EC5}"/>
               </a:ext>
             </a:extLst>
           </p:cNvPr>
@@ -1133,7 +1133,7 @@
           <p:cNvPr id="4" name="Date Placeholder 3">
             <a:extLst>
               <a:ext uri="{FF2B5EF4-FFF2-40B4-BE49-F238E27FC236}">
-                <a16:creationId xmlns="" xmlns:a16="http://schemas.microsoft.com/office/drawing/2014/main" id="{6CF7978C-FE65-4091-9152-E33029C12AEA}"/>
+                <a16:creationId xmlns:a16="http://schemas.microsoft.com/office/drawing/2014/main" xmlns="" id="{6CF7978C-FE65-4091-9152-E33029C12AEA}"/>
               </a:ext>
             </a:extLst>
           </p:cNvPr>
@@ -1162,7 +1162,7 @@
           <p:cNvPr id="5" name="Footer Placeholder 4">
             <a:extLst>
               <a:ext uri="{FF2B5EF4-FFF2-40B4-BE49-F238E27FC236}">
-                <a16:creationId xmlns="" xmlns:a16="http://schemas.microsoft.com/office/drawing/2014/main" id="{B344C9CC-480F-4DCB-AC70-D7A4CCA0B8B7}"/>
+                <a16:creationId xmlns:a16="http://schemas.microsoft.com/office/drawing/2014/main" xmlns="" id="{B344C9CC-480F-4DCB-AC70-D7A4CCA0B8B7}"/>
               </a:ext>
             </a:extLst>
           </p:cNvPr>
@@ -1187,7 +1187,7 @@
           <p:cNvPr id="6" name="Slide Number Placeholder 5">
             <a:extLst>
               <a:ext uri="{FF2B5EF4-FFF2-40B4-BE49-F238E27FC236}">
-                <a16:creationId xmlns="" xmlns:a16="http://schemas.microsoft.com/office/drawing/2014/main" id="{8F5A07EC-843A-4ED9-8F1C-AD703CA36D58}"/>
+                <a16:creationId xmlns:a16="http://schemas.microsoft.com/office/drawing/2014/main" xmlns="" id="{8F5A07EC-843A-4ED9-8F1C-AD703CA36D58}"/>
               </a:ext>
             </a:extLst>
           </p:cNvPr>
@@ -1246,7 +1246,7 @@
           <p:cNvPr id="2" name="Title 1">
             <a:extLst>
               <a:ext uri="{FF2B5EF4-FFF2-40B4-BE49-F238E27FC236}">
-                <a16:creationId xmlns="" xmlns:a16="http://schemas.microsoft.com/office/drawing/2014/main" id="{056EE2DA-07D9-4774-A8CA-0CA247F8C72A}"/>
+                <a16:creationId xmlns:a16="http://schemas.microsoft.com/office/drawing/2014/main" xmlns="" id="{056EE2DA-07D9-4774-A8CA-0CA247F8C72A}"/>
               </a:ext>
             </a:extLst>
           </p:cNvPr>
@@ -1275,7 +1275,7 @@
           <p:cNvPr id="3" name="Content Placeholder 2">
             <a:extLst>
               <a:ext uri="{FF2B5EF4-FFF2-40B4-BE49-F238E27FC236}">
-                <a16:creationId xmlns="" xmlns:a16="http://schemas.microsoft.com/office/drawing/2014/main" id="{3CF93A59-4E25-4FFA-8796-AA06EF3E5C3E}"/>
+                <a16:creationId xmlns:a16="http://schemas.microsoft.com/office/drawing/2014/main" xmlns="" id="{3CF93A59-4E25-4FFA-8796-AA06EF3E5C3E}"/>
               </a:ext>
             </a:extLst>
           </p:cNvPr>
@@ -1338,7 +1338,7 @@
           <p:cNvPr id="4" name="Content Placeholder 3">
             <a:extLst>
               <a:ext uri="{FF2B5EF4-FFF2-40B4-BE49-F238E27FC236}">
-                <a16:creationId xmlns="" xmlns:a16="http://schemas.microsoft.com/office/drawing/2014/main" id="{81373B10-E346-4893-AFEE-65E014405E2D}"/>
+                <a16:creationId xmlns:a16="http://schemas.microsoft.com/office/drawing/2014/main" xmlns="" id="{81373B10-E346-4893-AFEE-65E014405E2D}"/>
               </a:ext>
             </a:extLst>
           </p:cNvPr>
@@ -1401,7 +1401,7 @@
           <p:cNvPr id="5" name="Date Placeholder 4">
             <a:extLst>
               <a:ext uri="{FF2B5EF4-FFF2-40B4-BE49-F238E27FC236}">
-                <a16:creationId xmlns="" xmlns:a16="http://schemas.microsoft.com/office/drawing/2014/main" id="{D9C411A1-6D64-4C63-A758-5D2FEE677F45}"/>
+                <a16:creationId xmlns:a16="http://schemas.microsoft.com/office/drawing/2014/main" xmlns="" id="{D9C411A1-6D64-4C63-A758-5D2FEE677F45}"/>
               </a:ext>
             </a:extLst>
           </p:cNvPr>
@@ -1430,7 +1430,7 @@
           <p:cNvPr id="6" name="Footer Placeholder 5">
             <a:extLst>
               <a:ext uri="{FF2B5EF4-FFF2-40B4-BE49-F238E27FC236}">
-                <a16:creationId xmlns="" xmlns:a16="http://schemas.microsoft.com/office/drawing/2014/main" id="{8D9C2E46-644C-4155-A697-764A7A0AB1F4}"/>
+                <a16:creationId xmlns:a16="http://schemas.microsoft.com/office/drawing/2014/main" xmlns="" id="{8D9C2E46-644C-4155-A697-764A7A0AB1F4}"/>
               </a:ext>
             </a:extLst>
           </p:cNvPr>
@@ -1455,7 +1455,7 @@
           <p:cNvPr id="7" name="Slide Number Placeholder 6">
             <a:extLst>
               <a:ext uri="{FF2B5EF4-FFF2-40B4-BE49-F238E27FC236}">
-                <a16:creationId xmlns="" xmlns:a16="http://schemas.microsoft.com/office/drawing/2014/main" id="{6192DEDD-6479-45E4-B1F5-6EDD41BBB103}"/>
+                <a16:creationId xmlns:a16="http://schemas.microsoft.com/office/drawing/2014/main" xmlns="" id="{6192DEDD-6479-45E4-B1F5-6EDD41BBB103}"/>
               </a:ext>
             </a:extLst>
           </p:cNvPr>
@@ -1514,7 +1514,7 @@
           <p:cNvPr id="2" name="Title 1">
             <a:extLst>
               <a:ext uri="{FF2B5EF4-FFF2-40B4-BE49-F238E27FC236}">
-                <a16:creationId xmlns="" xmlns:a16="http://schemas.microsoft.com/office/drawing/2014/main" id="{DC0ED888-63EF-4CC0-8500-9C8DB672FEC2}"/>
+                <a16:creationId xmlns:a16="http://schemas.microsoft.com/office/drawing/2014/main" xmlns="" id="{DC0ED888-63EF-4CC0-8500-9C8DB672FEC2}"/>
               </a:ext>
             </a:extLst>
           </p:cNvPr>
@@ -1548,7 +1548,7 @@
           <p:cNvPr id="3" name="Text Placeholder 2">
             <a:extLst>
               <a:ext uri="{FF2B5EF4-FFF2-40B4-BE49-F238E27FC236}">
-                <a16:creationId xmlns="" xmlns:a16="http://schemas.microsoft.com/office/drawing/2014/main" id="{3C33BC1E-FB79-4906-A967-9C7046C6D272}"/>
+                <a16:creationId xmlns:a16="http://schemas.microsoft.com/office/drawing/2014/main" xmlns="" id="{3C33BC1E-FB79-4906-A967-9C7046C6D272}"/>
               </a:ext>
             </a:extLst>
           </p:cNvPr>
@@ -1619,7 +1619,7 @@
           <p:cNvPr id="4" name="Content Placeholder 3">
             <a:extLst>
               <a:ext uri="{FF2B5EF4-FFF2-40B4-BE49-F238E27FC236}">
-                <a16:creationId xmlns="" xmlns:a16="http://schemas.microsoft.com/office/drawing/2014/main" id="{697A4EC6-1C42-4BA4-8108-32579276C17B}"/>
+                <a16:creationId xmlns:a16="http://schemas.microsoft.com/office/drawing/2014/main" xmlns="" id="{697A4EC6-1C42-4BA4-8108-32579276C17B}"/>
               </a:ext>
             </a:extLst>
           </p:cNvPr>
@@ -1682,7 +1682,7 @@
           <p:cNvPr id="5" name="Text Placeholder 4">
             <a:extLst>
               <a:ext uri="{FF2B5EF4-FFF2-40B4-BE49-F238E27FC236}">
-                <a16:creationId xmlns="" xmlns:a16="http://schemas.microsoft.com/office/drawing/2014/main" id="{8A2CA209-B9F5-4E1E-B302-74CC2D4CFDFB}"/>
+                <a16:creationId xmlns:a16="http://schemas.microsoft.com/office/drawing/2014/main" xmlns="" id="{8A2CA209-B9F5-4E1E-B302-74CC2D4CFDFB}"/>
               </a:ext>
             </a:extLst>
           </p:cNvPr>
@@ -1753,7 +1753,7 @@
           <p:cNvPr id="6" name="Content Placeholder 5">
             <a:extLst>
               <a:ext uri="{FF2B5EF4-FFF2-40B4-BE49-F238E27FC236}">
-                <a16:creationId xmlns="" xmlns:a16="http://schemas.microsoft.com/office/drawing/2014/main" id="{0E6E876D-DC4D-40EE-BA38-CD01089602CF}"/>
+                <a16:creationId xmlns:a16="http://schemas.microsoft.com/office/drawing/2014/main" xmlns="" id="{0E6E876D-DC4D-40EE-BA38-CD01089602CF}"/>
               </a:ext>
             </a:extLst>
           </p:cNvPr>
@@ -1816,7 +1816,7 @@
           <p:cNvPr id="7" name="Date Placeholder 6">
             <a:extLst>
               <a:ext uri="{FF2B5EF4-FFF2-40B4-BE49-F238E27FC236}">
-                <a16:creationId xmlns="" xmlns:a16="http://schemas.microsoft.com/office/drawing/2014/main" id="{F24E1D97-8B3C-41A1-B0BA-BA833AD8BC7C}"/>
+                <a16:creationId xmlns:a16="http://schemas.microsoft.com/office/drawing/2014/main" xmlns="" id="{F24E1D97-8B3C-41A1-B0BA-BA833AD8BC7C}"/>
               </a:ext>
             </a:extLst>
           </p:cNvPr>
@@ -1845,7 +1845,7 @@
           <p:cNvPr id="8" name="Footer Placeholder 7">
             <a:extLst>
               <a:ext uri="{FF2B5EF4-FFF2-40B4-BE49-F238E27FC236}">
-                <a16:creationId xmlns="" xmlns:a16="http://schemas.microsoft.com/office/drawing/2014/main" id="{FC358D8F-B7DA-4DCE-AC8F-706450EEC0DC}"/>
+                <a16:creationId xmlns:a16="http://schemas.microsoft.com/office/drawing/2014/main" xmlns="" id="{FC358D8F-B7DA-4DCE-AC8F-706450EEC0DC}"/>
               </a:ext>
             </a:extLst>
           </p:cNvPr>
@@ -1870,7 +1870,7 @@
           <p:cNvPr id="9" name="Slide Number Placeholder 8">
             <a:extLst>
               <a:ext uri="{FF2B5EF4-FFF2-40B4-BE49-F238E27FC236}">
-                <a16:creationId xmlns="" xmlns:a16="http://schemas.microsoft.com/office/drawing/2014/main" id="{40CE354E-2C73-4B6F-8AEB-14D1378A77E1}"/>
+                <a16:creationId xmlns:a16="http://schemas.microsoft.com/office/drawing/2014/main" xmlns="" id="{40CE354E-2C73-4B6F-8AEB-14D1378A77E1}"/>
               </a:ext>
             </a:extLst>
           </p:cNvPr>
@@ -1929,7 +1929,7 @@
           <p:cNvPr id="2" name="Title 1">
             <a:extLst>
               <a:ext uri="{FF2B5EF4-FFF2-40B4-BE49-F238E27FC236}">
-                <a16:creationId xmlns="" xmlns:a16="http://schemas.microsoft.com/office/drawing/2014/main" id="{17D9D381-288C-43FB-86C2-AAA4FCFD43FD}"/>
+                <a16:creationId xmlns:a16="http://schemas.microsoft.com/office/drawing/2014/main" xmlns="" id="{17D9D381-288C-43FB-86C2-AAA4FCFD43FD}"/>
               </a:ext>
             </a:extLst>
           </p:cNvPr>
@@ -1958,7 +1958,7 @@
           <p:cNvPr id="3" name="Date Placeholder 2">
             <a:extLst>
               <a:ext uri="{FF2B5EF4-FFF2-40B4-BE49-F238E27FC236}">
-                <a16:creationId xmlns="" xmlns:a16="http://schemas.microsoft.com/office/drawing/2014/main" id="{A85D75E5-4830-4F75-8132-91122609F925}"/>
+                <a16:creationId xmlns:a16="http://schemas.microsoft.com/office/drawing/2014/main" xmlns="" id="{A85D75E5-4830-4F75-8132-91122609F925}"/>
               </a:ext>
             </a:extLst>
           </p:cNvPr>
@@ -1987,7 +1987,7 @@
           <p:cNvPr id="4" name="Footer Placeholder 3">
             <a:extLst>
               <a:ext uri="{FF2B5EF4-FFF2-40B4-BE49-F238E27FC236}">
-                <a16:creationId xmlns="" xmlns:a16="http://schemas.microsoft.com/office/drawing/2014/main" id="{0C14A42C-834F-43EA-8053-84D5A665CEE7}"/>
+                <a16:creationId xmlns:a16="http://schemas.microsoft.com/office/drawing/2014/main" xmlns="" id="{0C14A42C-834F-43EA-8053-84D5A665CEE7}"/>
               </a:ext>
             </a:extLst>
           </p:cNvPr>
@@ -2012,7 +2012,7 @@
           <p:cNvPr id="5" name="Slide Number Placeholder 4">
             <a:extLst>
               <a:ext uri="{FF2B5EF4-FFF2-40B4-BE49-F238E27FC236}">
-                <a16:creationId xmlns="" xmlns:a16="http://schemas.microsoft.com/office/drawing/2014/main" id="{38C1E789-CDA9-48FF-A7BA-F21E31600226}"/>
+                <a16:creationId xmlns:a16="http://schemas.microsoft.com/office/drawing/2014/main" xmlns="" id="{38C1E789-CDA9-48FF-A7BA-F21E31600226}"/>
               </a:ext>
             </a:extLst>
           </p:cNvPr>
@@ -2071,7 +2071,7 @@
           <p:cNvPr id="2" name="Date Placeholder 1">
             <a:extLst>
               <a:ext uri="{FF2B5EF4-FFF2-40B4-BE49-F238E27FC236}">
-                <a16:creationId xmlns="" xmlns:a16="http://schemas.microsoft.com/office/drawing/2014/main" id="{21A40ECD-0ABD-4F35-B481-512A01FC643D}"/>
+                <a16:creationId xmlns:a16="http://schemas.microsoft.com/office/drawing/2014/main" xmlns="" id="{21A40ECD-0ABD-4F35-B481-512A01FC643D}"/>
               </a:ext>
             </a:extLst>
           </p:cNvPr>
@@ -2100,7 +2100,7 @@
           <p:cNvPr id="3" name="Footer Placeholder 2">
             <a:extLst>
               <a:ext uri="{FF2B5EF4-FFF2-40B4-BE49-F238E27FC236}">
-                <a16:creationId xmlns="" xmlns:a16="http://schemas.microsoft.com/office/drawing/2014/main" id="{D44B8F11-A412-4FA6-9070-B9C742F699F3}"/>
+                <a16:creationId xmlns:a16="http://schemas.microsoft.com/office/drawing/2014/main" xmlns="" id="{D44B8F11-A412-4FA6-9070-B9C742F699F3}"/>
               </a:ext>
             </a:extLst>
           </p:cNvPr>
@@ -2125,7 +2125,7 @@
           <p:cNvPr id="4" name="Slide Number Placeholder 3">
             <a:extLst>
               <a:ext uri="{FF2B5EF4-FFF2-40B4-BE49-F238E27FC236}">
-                <a16:creationId xmlns="" xmlns:a16="http://schemas.microsoft.com/office/drawing/2014/main" id="{E3EA086A-DA0B-4378-A128-F213644ECB0C}"/>
+                <a16:creationId xmlns:a16="http://schemas.microsoft.com/office/drawing/2014/main" xmlns="" id="{E3EA086A-DA0B-4378-A128-F213644ECB0C}"/>
               </a:ext>
             </a:extLst>
           </p:cNvPr>
@@ -2184,7 +2184,7 @@
           <p:cNvPr id="2" name="Title 1">
             <a:extLst>
               <a:ext uri="{FF2B5EF4-FFF2-40B4-BE49-F238E27FC236}">
-                <a16:creationId xmlns="" xmlns:a16="http://schemas.microsoft.com/office/drawing/2014/main" id="{765D165A-D423-4E89-A075-D59A9FB59792}"/>
+                <a16:creationId xmlns:a16="http://schemas.microsoft.com/office/drawing/2014/main" xmlns="" id="{765D165A-D423-4E89-A075-D59A9FB59792}"/>
               </a:ext>
             </a:extLst>
           </p:cNvPr>
@@ -2222,7 +2222,7 @@
           <p:cNvPr id="3" name="Content Placeholder 2">
             <a:extLst>
               <a:ext uri="{FF2B5EF4-FFF2-40B4-BE49-F238E27FC236}">
-                <a16:creationId xmlns="" xmlns:a16="http://schemas.microsoft.com/office/drawing/2014/main" id="{77C2A5CC-2876-49CA-993D-F4F73FC9D2B0}"/>
+                <a16:creationId xmlns:a16="http://schemas.microsoft.com/office/drawing/2014/main" xmlns="" id="{77C2A5CC-2876-49CA-993D-F4F73FC9D2B0}"/>
               </a:ext>
             </a:extLst>
           </p:cNvPr>
@@ -2313,7 +2313,7 @@
           <p:cNvPr id="4" name="Text Placeholder 3">
             <a:extLst>
               <a:ext uri="{FF2B5EF4-FFF2-40B4-BE49-F238E27FC236}">
-                <a16:creationId xmlns="" xmlns:a16="http://schemas.microsoft.com/office/drawing/2014/main" id="{7B4DE2E8-CCF6-4E88-A858-05A04CD0D736}"/>
+                <a16:creationId xmlns:a16="http://schemas.microsoft.com/office/drawing/2014/main" xmlns="" id="{7B4DE2E8-CCF6-4E88-A858-05A04CD0D736}"/>
               </a:ext>
             </a:extLst>
           </p:cNvPr>
@@ -2384,7 +2384,7 @@
           <p:cNvPr id="5" name="Date Placeholder 4">
             <a:extLst>
               <a:ext uri="{FF2B5EF4-FFF2-40B4-BE49-F238E27FC236}">
-                <a16:creationId xmlns="" xmlns:a16="http://schemas.microsoft.com/office/drawing/2014/main" id="{CAEBEC1E-DE48-4B55-A846-F8248E381145}"/>
+                <a16:creationId xmlns:a16="http://schemas.microsoft.com/office/drawing/2014/main" xmlns="" id="{CAEBEC1E-DE48-4B55-A846-F8248E381145}"/>
               </a:ext>
             </a:extLst>
           </p:cNvPr>
@@ -2413,7 +2413,7 @@
           <p:cNvPr id="6" name="Footer Placeholder 5">
             <a:extLst>
               <a:ext uri="{FF2B5EF4-FFF2-40B4-BE49-F238E27FC236}">
-                <a16:creationId xmlns="" xmlns:a16="http://schemas.microsoft.com/office/drawing/2014/main" id="{945A6E8B-6BC2-49E9-B4E5-DAD3F7A1A1BF}"/>
+                <a16:creationId xmlns:a16="http://schemas.microsoft.com/office/drawing/2014/main" xmlns="" id="{945A6E8B-6BC2-49E9-B4E5-DAD3F7A1A1BF}"/>
               </a:ext>
             </a:extLst>
           </p:cNvPr>
@@ -2438,7 +2438,7 @@
           <p:cNvPr id="7" name="Slide Number Placeholder 6">
             <a:extLst>
               <a:ext uri="{FF2B5EF4-FFF2-40B4-BE49-F238E27FC236}">
-                <a16:creationId xmlns="" xmlns:a16="http://schemas.microsoft.com/office/drawing/2014/main" id="{E5CF739B-EDF0-43CE-A87E-C49F040C85A5}"/>
+                <a16:creationId xmlns:a16="http://schemas.microsoft.com/office/drawing/2014/main" xmlns="" id="{E5CF739B-EDF0-43CE-A87E-C49F040C85A5}"/>
               </a:ext>
             </a:extLst>
           </p:cNvPr>
@@ -2497,7 +2497,7 @@
           <p:cNvPr id="2" name="Title 1">
             <a:extLst>
               <a:ext uri="{FF2B5EF4-FFF2-40B4-BE49-F238E27FC236}">
-                <a16:creationId xmlns="" xmlns:a16="http://schemas.microsoft.com/office/drawing/2014/main" id="{0091F49F-E849-4834-84DB-61CF2F2652D4}"/>
+                <a16:creationId xmlns:a16="http://schemas.microsoft.com/office/drawing/2014/main" xmlns="" id="{0091F49F-E849-4834-84DB-61CF2F2652D4}"/>
               </a:ext>
             </a:extLst>
           </p:cNvPr>
@@ -2535,7 +2535,7 @@
           <p:cNvPr id="3" name="Picture Placeholder 2">
             <a:extLst>
               <a:ext uri="{FF2B5EF4-FFF2-40B4-BE49-F238E27FC236}">
-                <a16:creationId xmlns="" xmlns:a16="http://schemas.microsoft.com/office/drawing/2014/main" id="{631D62A9-3420-4F1C-9EB9-09EF85106E78}"/>
+                <a16:creationId xmlns:a16="http://schemas.microsoft.com/office/drawing/2014/main" xmlns="" id="{631D62A9-3420-4F1C-9EB9-09EF85106E78}"/>
               </a:ext>
             </a:extLst>
           </p:cNvPr>
@@ -2602,7 +2602,7 @@
           <p:cNvPr id="4" name="Text Placeholder 3">
             <a:extLst>
               <a:ext uri="{FF2B5EF4-FFF2-40B4-BE49-F238E27FC236}">
-                <a16:creationId xmlns="" xmlns:a16="http://schemas.microsoft.com/office/drawing/2014/main" id="{E450EC8D-D7F4-45FC-AD8C-2E198A32CCA2}"/>
+                <a16:creationId xmlns:a16="http://schemas.microsoft.com/office/drawing/2014/main" xmlns="" id="{E450EC8D-D7F4-45FC-AD8C-2E198A32CCA2}"/>
               </a:ext>
             </a:extLst>
           </p:cNvPr>
@@ -2673,7 +2673,7 @@
           <p:cNvPr id="5" name="Date Placeholder 4">
             <a:extLst>
               <a:ext uri="{FF2B5EF4-FFF2-40B4-BE49-F238E27FC236}">
-                <a16:creationId xmlns="" xmlns:a16="http://schemas.microsoft.com/office/drawing/2014/main" id="{7A73D668-ABF4-41FE-958C-542EEDC5F6CC}"/>
+                <a16:creationId xmlns:a16="http://schemas.microsoft.com/office/drawing/2014/main" xmlns="" id="{7A73D668-ABF4-41FE-958C-542EEDC5F6CC}"/>
               </a:ext>
             </a:extLst>
           </p:cNvPr>
@@ -2702,7 +2702,7 @@
           <p:cNvPr id="6" name="Footer Placeholder 5">
             <a:extLst>
               <a:ext uri="{FF2B5EF4-FFF2-40B4-BE49-F238E27FC236}">
-                <a16:creationId xmlns="" xmlns:a16="http://schemas.microsoft.com/office/drawing/2014/main" id="{F4A83B1C-93E7-4D32-9D1B-3F37403B1ACD}"/>
+                <a16:creationId xmlns:a16="http://schemas.microsoft.com/office/drawing/2014/main" xmlns="" id="{F4A83B1C-93E7-4D32-9D1B-3F37403B1ACD}"/>
               </a:ext>
             </a:extLst>
           </p:cNvPr>
@@ -2727,7 +2727,7 @@
           <p:cNvPr id="7" name="Slide Number Placeholder 6">
             <a:extLst>
               <a:ext uri="{FF2B5EF4-FFF2-40B4-BE49-F238E27FC236}">
-                <a16:creationId xmlns="" xmlns:a16="http://schemas.microsoft.com/office/drawing/2014/main" id="{C6AF73BE-F17B-487B-943B-28655BB51C92}"/>
+                <a16:creationId xmlns:a16="http://schemas.microsoft.com/office/drawing/2014/main" xmlns="" id="{C6AF73BE-F17B-487B-943B-28655BB51C92}"/>
               </a:ext>
             </a:extLst>
           </p:cNvPr>
@@ -2791,7 +2791,7 @@
           <p:cNvPr id="2" name="Title Placeholder 1">
             <a:extLst>
               <a:ext uri="{FF2B5EF4-FFF2-40B4-BE49-F238E27FC236}">
-                <a16:creationId xmlns="" xmlns:a16="http://schemas.microsoft.com/office/drawing/2014/main" id="{96F7127E-5F47-4B37-9FDB-695AB14D9551}"/>
+                <a16:creationId xmlns:a16="http://schemas.microsoft.com/office/drawing/2014/main" xmlns="" id="{96F7127E-5F47-4B37-9FDB-695AB14D9551}"/>
               </a:ext>
             </a:extLst>
           </p:cNvPr>
@@ -2830,7 +2830,7 @@
           <p:cNvPr id="3" name="Text Placeholder 2">
             <a:extLst>
               <a:ext uri="{FF2B5EF4-FFF2-40B4-BE49-F238E27FC236}">
-                <a16:creationId xmlns="" xmlns:a16="http://schemas.microsoft.com/office/drawing/2014/main" id="{3BD20F0F-B303-4EE3-AF17-E303EA90B1A3}"/>
+                <a16:creationId xmlns:a16="http://schemas.microsoft.com/office/drawing/2014/main" xmlns="" id="{3BD20F0F-B303-4EE3-AF17-E303EA90B1A3}"/>
               </a:ext>
             </a:extLst>
           </p:cNvPr>
@@ -2898,7 +2898,7 @@
           <p:cNvPr id="4" name="Date Placeholder 3">
             <a:extLst>
               <a:ext uri="{FF2B5EF4-FFF2-40B4-BE49-F238E27FC236}">
-                <a16:creationId xmlns="" xmlns:a16="http://schemas.microsoft.com/office/drawing/2014/main" id="{7927ADFB-0C7F-4333-A456-815FAB4B0315}"/>
+                <a16:creationId xmlns:a16="http://schemas.microsoft.com/office/drawing/2014/main" xmlns="" id="{7927ADFB-0C7F-4333-A456-815FAB4B0315}"/>
               </a:ext>
             </a:extLst>
           </p:cNvPr>
@@ -2945,7 +2945,7 @@
           <p:cNvPr id="5" name="Footer Placeholder 4">
             <a:extLst>
               <a:ext uri="{FF2B5EF4-FFF2-40B4-BE49-F238E27FC236}">
-                <a16:creationId xmlns="" xmlns:a16="http://schemas.microsoft.com/office/drawing/2014/main" id="{A1992B28-8397-4C93-A277-5EE43A537825}"/>
+                <a16:creationId xmlns:a16="http://schemas.microsoft.com/office/drawing/2014/main" xmlns="" id="{A1992B28-8397-4C93-A277-5EE43A537825}"/>
               </a:ext>
             </a:extLst>
           </p:cNvPr>
@@ -2988,7 +2988,7 @@
           <p:cNvPr id="6" name="Slide Number Placeholder 5">
             <a:extLst>
               <a:ext uri="{FF2B5EF4-FFF2-40B4-BE49-F238E27FC236}">
-                <a16:creationId xmlns="" xmlns:a16="http://schemas.microsoft.com/office/drawing/2014/main" id="{D7231209-A74B-4134-87D0-421AB81BBB47}"/>
+                <a16:creationId xmlns:a16="http://schemas.microsoft.com/office/drawing/2014/main" xmlns="" id="{D7231209-A74B-4134-87D0-421AB81BBB47}"/>
               </a:ext>
             </a:extLst>
           </p:cNvPr>
@@ -3356,7 +3356,7 @@
           <p:cNvPr id="2" name="TextBox 1">
             <a:extLst>
               <a:ext uri="{FF2B5EF4-FFF2-40B4-BE49-F238E27FC236}">
-                <a16:creationId xmlns="" xmlns:a16="http://schemas.microsoft.com/office/drawing/2014/main" id="{032C4FEA-C10B-4133-9BF6-AF6F40CC1AD4}"/>
+                <a16:creationId xmlns:a16="http://schemas.microsoft.com/office/drawing/2014/main" xmlns="" id="{032C4FEA-C10B-4133-9BF6-AF6F40CC1AD4}"/>
               </a:ext>
             </a:extLst>
           </p:cNvPr>
@@ -3481,7 +3481,7 @@
           <p:cNvPr id="17" name="TextBox 16">
             <a:extLst>
               <a:ext uri="{FF2B5EF4-FFF2-40B4-BE49-F238E27FC236}">
-                <a16:creationId xmlns="" xmlns:a16="http://schemas.microsoft.com/office/drawing/2014/main" id="{3151A13B-9509-43FA-BFEB-1D9866A00B84}"/>
+                <a16:creationId xmlns:a16="http://schemas.microsoft.com/office/drawing/2014/main" xmlns="" id="{3151A13B-9509-43FA-BFEB-1D9866A00B84}"/>
               </a:ext>
             </a:extLst>
           </p:cNvPr>
@@ -3525,7 +3525,7 @@
           <p:cNvPr id="18" name="Table 17">
             <a:extLst>
               <a:ext uri="{FF2B5EF4-FFF2-40B4-BE49-F238E27FC236}">
-                <a16:creationId xmlns="" xmlns:a16="http://schemas.microsoft.com/office/drawing/2014/main" id="{F545FAB8-F1CE-4886-9BDE-E772BCB0A9C4}"/>
+                <a16:creationId xmlns:a16="http://schemas.microsoft.com/office/drawing/2014/main" xmlns="" id="{F545FAB8-F1CE-4886-9BDE-E772BCB0A9C4}"/>
               </a:ext>
             </a:extLst>
           </p:cNvPr>
@@ -3535,7 +3535,7 @@
           <p:nvPr>
             <p:extLst>
               <p:ext uri="{D42A27DB-BD31-4B8C-83A1-F6EECF244321}">
-                <p14:modId xmlns:p14="http://schemas.microsoft.com/office/powerpoint/2010/main" val="1551715767"/>
+                <p14:modId xmlns:p14="http://schemas.microsoft.com/office/powerpoint/2010/main" val="1389386686"/>
               </p:ext>
             </p:extLst>
           </p:nvPr>
@@ -3554,7 +3554,7 @@
                 <a:gridCol w="1825824">
                   <a:extLst>
                     <a:ext uri="{9D8B030D-6E8A-4147-A177-3AD203B41FA5}">
-                      <a16:colId xmlns="" xmlns:a16="http://schemas.microsoft.com/office/drawing/2014/main" val="4240773277"/>
+                      <a16:colId xmlns:a16="http://schemas.microsoft.com/office/drawing/2014/main" xmlns="" val="4240773277"/>
                     </a:ext>
                   </a:extLst>
                 </a:gridCol>
@@ -3580,7 +3580,7 @@
                 </a:tc>
                 <a:extLst>
                   <a:ext uri="{0D108BD9-81ED-4DB2-BD59-A6C34878D82A}">
-                    <a16:rowId xmlns="" xmlns:a16="http://schemas.microsoft.com/office/drawing/2014/main" val="2194462629"/>
+                    <a16:rowId xmlns:a16="http://schemas.microsoft.com/office/drawing/2014/main" xmlns="" val="2194462629"/>
                   </a:ext>
                 </a:extLst>
               </a:tr>
@@ -3639,7 +3639,7 @@
           <p:cNvPr id="29" name="TextBox 28">
             <a:extLst>
               <a:ext uri="{FF2B5EF4-FFF2-40B4-BE49-F238E27FC236}">
-                <a16:creationId xmlns="" xmlns:a16="http://schemas.microsoft.com/office/drawing/2014/main" id="{3151A13B-9509-43FA-BFEB-1D9866A00B84}"/>
+                <a16:creationId xmlns:a16="http://schemas.microsoft.com/office/drawing/2014/main" xmlns="" id="{3151A13B-9509-43FA-BFEB-1D9866A00B84}"/>
               </a:ext>
             </a:extLst>
           </p:cNvPr>
@@ -3729,7 +3729,7 @@
           <p:cNvPr id="16" name="Table 15">
             <a:extLst>
               <a:ext uri="{FF2B5EF4-FFF2-40B4-BE49-F238E27FC236}">
-                <a16:creationId xmlns="" xmlns:a16="http://schemas.microsoft.com/office/drawing/2014/main" id="{F545FAB8-F1CE-4886-9BDE-E772BCB0A9C4}"/>
+                <a16:creationId xmlns:a16="http://schemas.microsoft.com/office/drawing/2014/main" xmlns="" id="{F545FAB8-F1CE-4886-9BDE-E772BCB0A9C4}"/>
               </a:ext>
             </a:extLst>
           </p:cNvPr>
@@ -3739,7 +3739,7 @@
           <p:nvPr>
             <p:extLst>
               <p:ext uri="{D42A27DB-BD31-4B8C-83A1-F6EECF244321}">
-                <p14:modId xmlns:p14="http://schemas.microsoft.com/office/powerpoint/2010/main" val="169969267"/>
+                <p14:modId xmlns:p14="http://schemas.microsoft.com/office/powerpoint/2010/main" val="1832337771"/>
               </p:ext>
             </p:extLst>
           </p:nvPr>
@@ -3758,7 +3758,7 @@
                 <a:gridCol w="1825824">
                   <a:extLst>
                     <a:ext uri="{9D8B030D-6E8A-4147-A177-3AD203B41FA5}">
-                      <a16:colId xmlns="" xmlns:a16="http://schemas.microsoft.com/office/drawing/2014/main" val="4240773277"/>
+                      <a16:colId xmlns:a16="http://schemas.microsoft.com/office/drawing/2014/main" xmlns="" val="4240773277"/>
                     </a:ext>
                   </a:extLst>
                 </a:gridCol>
@@ -3784,7 +3784,7 @@
                 </a:tc>
                 <a:extLst>
                   <a:ext uri="{0D108BD9-81ED-4DB2-BD59-A6C34878D82A}">
-                    <a16:rowId xmlns="" xmlns:a16="http://schemas.microsoft.com/office/drawing/2014/main" val="2194462629"/>
+                    <a16:rowId xmlns:a16="http://schemas.microsoft.com/office/drawing/2014/main" xmlns="" val="2194462629"/>
                   </a:ext>
                 </a:extLst>
               </a:tr>
@@ -3797,7 +3797,7 @@
           <p:cNvPr id="20" name="Table 19">
             <a:extLst>
               <a:ext uri="{FF2B5EF4-FFF2-40B4-BE49-F238E27FC236}">
-                <a16:creationId xmlns="" xmlns:a16="http://schemas.microsoft.com/office/drawing/2014/main" id="{F545FAB8-F1CE-4886-9BDE-E772BCB0A9C4}"/>
+                <a16:creationId xmlns:a16="http://schemas.microsoft.com/office/drawing/2014/main" xmlns="" id="{F545FAB8-F1CE-4886-9BDE-E772BCB0A9C4}"/>
               </a:ext>
             </a:extLst>
           </p:cNvPr>
@@ -3807,7 +3807,7 @@
           <p:nvPr>
             <p:extLst>
               <p:ext uri="{D42A27DB-BD31-4B8C-83A1-F6EECF244321}">
-                <p14:modId xmlns:p14="http://schemas.microsoft.com/office/powerpoint/2010/main" val="865654820"/>
+                <p14:modId xmlns:p14="http://schemas.microsoft.com/office/powerpoint/2010/main" val="1185419217"/>
               </p:ext>
             </p:extLst>
           </p:nvPr>
@@ -3826,7 +3826,7 @@
                 <a:gridCol w="1825824">
                   <a:extLst>
                     <a:ext uri="{9D8B030D-6E8A-4147-A177-3AD203B41FA5}">
-                      <a16:colId xmlns="" xmlns:a16="http://schemas.microsoft.com/office/drawing/2014/main" val="4240773277"/>
+                      <a16:colId xmlns:a16="http://schemas.microsoft.com/office/drawing/2014/main" xmlns="" val="4240773277"/>
                     </a:ext>
                   </a:extLst>
                 </a:gridCol>
@@ -3852,7 +3852,7 @@
                 </a:tc>
                 <a:extLst>
                   <a:ext uri="{0D108BD9-81ED-4DB2-BD59-A6C34878D82A}">
-                    <a16:rowId xmlns="" xmlns:a16="http://schemas.microsoft.com/office/drawing/2014/main" val="2194462629"/>
+                    <a16:rowId xmlns:a16="http://schemas.microsoft.com/office/drawing/2014/main" xmlns="" val="2194462629"/>
                   </a:ext>
                 </a:extLst>
               </a:tr>
@@ -3865,7 +3865,7 @@
           <p:cNvPr id="21" name="Table 20">
             <a:extLst>
               <a:ext uri="{FF2B5EF4-FFF2-40B4-BE49-F238E27FC236}">
-                <a16:creationId xmlns="" xmlns:a16="http://schemas.microsoft.com/office/drawing/2014/main" id="{F545FAB8-F1CE-4886-9BDE-E772BCB0A9C4}"/>
+                <a16:creationId xmlns:a16="http://schemas.microsoft.com/office/drawing/2014/main" xmlns="" id="{F545FAB8-F1CE-4886-9BDE-E772BCB0A9C4}"/>
               </a:ext>
             </a:extLst>
           </p:cNvPr>
@@ -3875,7 +3875,7 @@
           <p:nvPr>
             <p:extLst>
               <p:ext uri="{D42A27DB-BD31-4B8C-83A1-F6EECF244321}">
-                <p14:modId xmlns:p14="http://schemas.microsoft.com/office/powerpoint/2010/main" val="655476583"/>
+                <p14:modId xmlns:p14="http://schemas.microsoft.com/office/powerpoint/2010/main" val="1134986900"/>
               </p:ext>
             </p:extLst>
           </p:nvPr>
@@ -3894,7 +3894,7 @@
                 <a:gridCol w="1825824">
                   <a:extLst>
                     <a:ext uri="{9D8B030D-6E8A-4147-A177-3AD203B41FA5}">
-                      <a16:colId xmlns="" xmlns:a16="http://schemas.microsoft.com/office/drawing/2014/main" val="4240773277"/>
+                      <a16:colId xmlns:a16="http://schemas.microsoft.com/office/drawing/2014/main" xmlns="" val="4240773277"/>
                     </a:ext>
                   </a:extLst>
                 </a:gridCol>
@@ -3920,7 +3920,7 @@
                 </a:tc>
                 <a:extLst>
                   <a:ext uri="{0D108BD9-81ED-4DB2-BD59-A6C34878D82A}">
-                    <a16:rowId xmlns="" xmlns:a16="http://schemas.microsoft.com/office/drawing/2014/main" val="2194462629"/>
+                    <a16:rowId xmlns:a16="http://schemas.microsoft.com/office/drawing/2014/main" xmlns="" val="2194462629"/>
                   </a:ext>
                 </a:extLst>
               </a:tr>
@@ -3933,7 +3933,7 @@
           <p:cNvPr id="22" name="Table 21">
             <a:extLst>
               <a:ext uri="{FF2B5EF4-FFF2-40B4-BE49-F238E27FC236}">
-                <a16:creationId xmlns="" xmlns:a16="http://schemas.microsoft.com/office/drawing/2014/main" id="{F545FAB8-F1CE-4886-9BDE-E772BCB0A9C4}"/>
+                <a16:creationId xmlns:a16="http://schemas.microsoft.com/office/drawing/2014/main" xmlns="" id="{F545FAB8-F1CE-4886-9BDE-E772BCB0A9C4}"/>
               </a:ext>
             </a:extLst>
           </p:cNvPr>
@@ -3943,7 +3943,7 @@
           <p:nvPr>
             <p:extLst>
               <p:ext uri="{D42A27DB-BD31-4B8C-83A1-F6EECF244321}">
-                <p14:modId xmlns:p14="http://schemas.microsoft.com/office/powerpoint/2010/main" val="145037258"/>
+                <p14:modId xmlns:p14="http://schemas.microsoft.com/office/powerpoint/2010/main" val="1775075646"/>
               </p:ext>
             </p:extLst>
           </p:nvPr>
@@ -3962,7 +3962,7 @@
                 <a:gridCol w="1825824">
                   <a:extLst>
                     <a:ext uri="{9D8B030D-6E8A-4147-A177-3AD203B41FA5}">
-                      <a16:colId xmlns="" xmlns:a16="http://schemas.microsoft.com/office/drawing/2014/main" val="4240773277"/>
+                      <a16:colId xmlns:a16="http://schemas.microsoft.com/office/drawing/2014/main" xmlns="" val="4240773277"/>
                     </a:ext>
                   </a:extLst>
                 </a:gridCol>
@@ -3988,7 +3988,7 @@
                 </a:tc>
                 <a:extLst>
                   <a:ext uri="{0D108BD9-81ED-4DB2-BD59-A6C34878D82A}">
-                    <a16:rowId xmlns="" xmlns:a16="http://schemas.microsoft.com/office/drawing/2014/main" val="2194462629"/>
+                    <a16:rowId xmlns:a16="http://schemas.microsoft.com/office/drawing/2014/main" xmlns="" val="2194462629"/>
                   </a:ext>
                 </a:extLst>
               </a:tr>
@@ -4001,7 +4001,7 @@
           <p:cNvPr id="23" name="Table 22">
             <a:extLst>
               <a:ext uri="{FF2B5EF4-FFF2-40B4-BE49-F238E27FC236}">
-                <a16:creationId xmlns="" xmlns:a16="http://schemas.microsoft.com/office/drawing/2014/main" id="{F545FAB8-F1CE-4886-9BDE-E772BCB0A9C4}"/>
+                <a16:creationId xmlns:a16="http://schemas.microsoft.com/office/drawing/2014/main" xmlns="" id="{F545FAB8-F1CE-4886-9BDE-E772BCB0A9C4}"/>
               </a:ext>
             </a:extLst>
           </p:cNvPr>
@@ -4011,7 +4011,7 @@
           <p:nvPr>
             <p:extLst>
               <p:ext uri="{D42A27DB-BD31-4B8C-83A1-F6EECF244321}">
-                <p14:modId xmlns:p14="http://schemas.microsoft.com/office/powerpoint/2010/main" val="1677442574"/>
+                <p14:modId xmlns:p14="http://schemas.microsoft.com/office/powerpoint/2010/main" val="853558198"/>
               </p:ext>
             </p:extLst>
           </p:nvPr>
@@ -4030,7 +4030,7 @@
                 <a:gridCol w="1825824">
                   <a:extLst>
                     <a:ext uri="{9D8B030D-6E8A-4147-A177-3AD203B41FA5}">
-                      <a16:colId xmlns="" xmlns:a16="http://schemas.microsoft.com/office/drawing/2014/main" val="4240773277"/>
+                      <a16:colId xmlns:a16="http://schemas.microsoft.com/office/drawing/2014/main" xmlns="" val="4240773277"/>
                     </a:ext>
                   </a:extLst>
                 </a:gridCol>
@@ -4056,7 +4056,7 @@
                 </a:tc>
                 <a:extLst>
                   <a:ext uri="{0D108BD9-81ED-4DB2-BD59-A6C34878D82A}">
-                    <a16:rowId xmlns="" xmlns:a16="http://schemas.microsoft.com/office/drawing/2014/main" val="2194462629"/>
+                    <a16:rowId xmlns:a16="http://schemas.microsoft.com/office/drawing/2014/main" xmlns="" val="2194462629"/>
                   </a:ext>
                 </a:extLst>
               </a:tr>
@@ -4069,7 +4069,7 @@
           <p:cNvPr id="19" name="Straight Arrow Connector 18">
             <a:extLst>
               <a:ext uri="{FF2B5EF4-FFF2-40B4-BE49-F238E27FC236}">
-                <a16:creationId xmlns="" xmlns:a16="http://schemas.microsoft.com/office/drawing/2014/main" id="{DC8F2CFA-FFF8-41BD-B884-8ACDF8C96486}"/>
+                <a16:creationId xmlns:a16="http://schemas.microsoft.com/office/drawing/2014/main" xmlns="" id="{DC8F2CFA-FFF8-41BD-B884-8ACDF8C96486}"/>
               </a:ext>
             </a:extLst>
           </p:cNvPr>
@@ -4113,7 +4113,7 @@
           <p:cNvPr id="25" name="Straight Arrow Connector 24">
             <a:extLst>
               <a:ext uri="{FF2B5EF4-FFF2-40B4-BE49-F238E27FC236}">
-                <a16:creationId xmlns="" xmlns:a16="http://schemas.microsoft.com/office/drawing/2014/main" id="{CC39FF7A-ED45-4697-B75C-01E9C1C55F2A}"/>
+                <a16:creationId xmlns:a16="http://schemas.microsoft.com/office/drawing/2014/main" xmlns="" id="{CC39FF7A-ED45-4697-B75C-01E9C1C55F2A}"/>
               </a:ext>
             </a:extLst>
           </p:cNvPr>

--- a/docs/diagrams/UndoRedoExecuteUndoStateListDiagram.pptx
+++ b/docs/diagrams/UndoRedoExecuteUndoStateListDiagram.pptx
@@ -138,7 +138,7 @@
           <p:cNvPr id="2" name="Title 1">
             <a:extLst>
               <a:ext uri="{FF2B5EF4-FFF2-40B4-BE49-F238E27FC236}">
-                <a16:creationId xmlns:a16="http://schemas.microsoft.com/office/drawing/2014/main" id="{39FCC519-EE2E-4054-A653-93D611E0133E}"/>
+                <a16:creationId xmlns:a16="http://schemas.microsoft.com/office/drawing/2014/main" xmlns="" id="{39FCC519-EE2E-4054-A653-93D611E0133E}"/>
               </a:ext>
             </a:extLst>
           </p:cNvPr>
@@ -176,7 +176,7 @@
           <p:cNvPr id="3" name="Subtitle 2">
             <a:extLst>
               <a:ext uri="{FF2B5EF4-FFF2-40B4-BE49-F238E27FC236}">
-                <a16:creationId xmlns:a16="http://schemas.microsoft.com/office/drawing/2014/main" id="{3EDEA74E-4030-4F69-A055-4C6319EEEC29}"/>
+                <a16:creationId xmlns:a16="http://schemas.microsoft.com/office/drawing/2014/main" xmlns="" id="{3EDEA74E-4030-4F69-A055-4C6319EEEC29}"/>
               </a:ext>
             </a:extLst>
           </p:cNvPr>
@@ -247,7 +247,7 @@
           <p:cNvPr id="4" name="Date Placeholder 3">
             <a:extLst>
               <a:ext uri="{FF2B5EF4-FFF2-40B4-BE49-F238E27FC236}">
-                <a16:creationId xmlns:a16="http://schemas.microsoft.com/office/drawing/2014/main" id="{E5CC99E3-37A6-4485-B9A2-AF27A72608C6}"/>
+                <a16:creationId xmlns:a16="http://schemas.microsoft.com/office/drawing/2014/main" xmlns="" id="{E5CC99E3-37A6-4485-B9A2-AF27A72608C6}"/>
               </a:ext>
             </a:extLst>
           </p:cNvPr>
@@ -265,7 +265,7 @@
           <a:p>
             <a:fld id="{03EC4E3E-8101-482F-A883-8B55DAFF7C07}" type="datetimeFigureOut">
               <a:rPr lang="en-SG" smtClean="0"/>
-              <a:t>6/7/2018</a:t>
+              <a:t>5/3/19</a:t>
             </a:fld>
             <a:endParaRPr lang="en-SG"/>
           </a:p>
@@ -276,7 +276,7 @@
           <p:cNvPr id="5" name="Footer Placeholder 4">
             <a:extLst>
               <a:ext uri="{FF2B5EF4-FFF2-40B4-BE49-F238E27FC236}">
-                <a16:creationId xmlns:a16="http://schemas.microsoft.com/office/drawing/2014/main" id="{D75BD546-D949-4A25-8EA4-47DF23229409}"/>
+                <a16:creationId xmlns:a16="http://schemas.microsoft.com/office/drawing/2014/main" xmlns="" id="{D75BD546-D949-4A25-8EA4-47DF23229409}"/>
               </a:ext>
             </a:extLst>
           </p:cNvPr>
@@ -301,7 +301,7 @@
           <p:cNvPr id="6" name="Slide Number Placeholder 5">
             <a:extLst>
               <a:ext uri="{FF2B5EF4-FFF2-40B4-BE49-F238E27FC236}">
-                <a16:creationId xmlns:a16="http://schemas.microsoft.com/office/drawing/2014/main" id="{68147391-4DF6-4ACF-BCE9-C1A9DAC803E3}"/>
+                <a16:creationId xmlns:a16="http://schemas.microsoft.com/office/drawing/2014/main" xmlns="" id="{68147391-4DF6-4ACF-BCE9-C1A9DAC803E3}"/>
               </a:ext>
             </a:extLst>
           </p:cNvPr>
@@ -360,7 +360,7 @@
           <p:cNvPr id="2" name="Title 1">
             <a:extLst>
               <a:ext uri="{FF2B5EF4-FFF2-40B4-BE49-F238E27FC236}">
-                <a16:creationId xmlns:a16="http://schemas.microsoft.com/office/drawing/2014/main" id="{251D3DFE-0C62-45F5-B1BF-FD1F194ED112}"/>
+                <a16:creationId xmlns:a16="http://schemas.microsoft.com/office/drawing/2014/main" xmlns="" id="{251D3DFE-0C62-45F5-B1BF-FD1F194ED112}"/>
               </a:ext>
             </a:extLst>
           </p:cNvPr>
@@ -389,7 +389,7 @@
           <p:cNvPr id="3" name="Vertical Text Placeholder 2">
             <a:extLst>
               <a:ext uri="{FF2B5EF4-FFF2-40B4-BE49-F238E27FC236}">
-                <a16:creationId xmlns:a16="http://schemas.microsoft.com/office/drawing/2014/main" id="{D2392762-3586-4B6D-A174-2D3ACF0A125B}"/>
+                <a16:creationId xmlns:a16="http://schemas.microsoft.com/office/drawing/2014/main" xmlns="" id="{D2392762-3586-4B6D-A174-2D3ACF0A125B}"/>
               </a:ext>
             </a:extLst>
           </p:cNvPr>
@@ -447,7 +447,7 @@
           <p:cNvPr id="4" name="Date Placeholder 3">
             <a:extLst>
               <a:ext uri="{FF2B5EF4-FFF2-40B4-BE49-F238E27FC236}">
-                <a16:creationId xmlns:a16="http://schemas.microsoft.com/office/drawing/2014/main" id="{73B232E7-84FB-4535-9FC1-1BEF8F17421F}"/>
+                <a16:creationId xmlns:a16="http://schemas.microsoft.com/office/drawing/2014/main" xmlns="" id="{73B232E7-84FB-4535-9FC1-1BEF8F17421F}"/>
               </a:ext>
             </a:extLst>
           </p:cNvPr>
@@ -465,7 +465,7 @@
           <a:p>
             <a:fld id="{03EC4E3E-8101-482F-A883-8B55DAFF7C07}" type="datetimeFigureOut">
               <a:rPr lang="en-SG" smtClean="0"/>
-              <a:t>6/7/2018</a:t>
+              <a:t>5/3/19</a:t>
             </a:fld>
             <a:endParaRPr lang="en-SG"/>
           </a:p>
@@ -476,7 +476,7 @@
           <p:cNvPr id="5" name="Footer Placeholder 4">
             <a:extLst>
               <a:ext uri="{FF2B5EF4-FFF2-40B4-BE49-F238E27FC236}">
-                <a16:creationId xmlns:a16="http://schemas.microsoft.com/office/drawing/2014/main" id="{76F796EF-04EF-401A-AC84-F7BDBC99DE80}"/>
+                <a16:creationId xmlns:a16="http://schemas.microsoft.com/office/drawing/2014/main" xmlns="" id="{76F796EF-04EF-401A-AC84-F7BDBC99DE80}"/>
               </a:ext>
             </a:extLst>
           </p:cNvPr>
@@ -501,7 +501,7 @@
           <p:cNvPr id="6" name="Slide Number Placeholder 5">
             <a:extLst>
               <a:ext uri="{FF2B5EF4-FFF2-40B4-BE49-F238E27FC236}">
-                <a16:creationId xmlns:a16="http://schemas.microsoft.com/office/drawing/2014/main" id="{8F55F009-0A64-4649-A732-4AA6D619F1F3}"/>
+                <a16:creationId xmlns:a16="http://schemas.microsoft.com/office/drawing/2014/main" xmlns="" id="{8F55F009-0A64-4649-A732-4AA6D619F1F3}"/>
               </a:ext>
             </a:extLst>
           </p:cNvPr>
@@ -560,7 +560,7 @@
           <p:cNvPr id="2" name="Vertical Title 1">
             <a:extLst>
               <a:ext uri="{FF2B5EF4-FFF2-40B4-BE49-F238E27FC236}">
-                <a16:creationId xmlns:a16="http://schemas.microsoft.com/office/drawing/2014/main" id="{F7DE9595-D7A8-4E19-B4C6-E295F978F6A4}"/>
+                <a16:creationId xmlns:a16="http://schemas.microsoft.com/office/drawing/2014/main" xmlns="" id="{F7DE9595-D7A8-4E19-B4C6-E295F978F6A4}"/>
               </a:ext>
             </a:extLst>
           </p:cNvPr>
@@ -594,7 +594,7 @@
           <p:cNvPr id="3" name="Vertical Text Placeholder 2">
             <a:extLst>
               <a:ext uri="{FF2B5EF4-FFF2-40B4-BE49-F238E27FC236}">
-                <a16:creationId xmlns:a16="http://schemas.microsoft.com/office/drawing/2014/main" id="{0D2975B7-7A6D-40EA-B2F6-338022AD2BF1}"/>
+                <a16:creationId xmlns:a16="http://schemas.microsoft.com/office/drawing/2014/main" xmlns="" id="{0D2975B7-7A6D-40EA-B2F6-338022AD2BF1}"/>
               </a:ext>
             </a:extLst>
           </p:cNvPr>
@@ -657,7 +657,7 @@
           <p:cNvPr id="4" name="Date Placeholder 3">
             <a:extLst>
               <a:ext uri="{FF2B5EF4-FFF2-40B4-BE49-F238E27FC236}">
-                <a16:creationId xmlns:a16="http://schemas.microsoft.com/office/drawing/2014/main" id="{C8230AC3-1BED-4D2B-96D3-51C50E14A9E6}"/>
+                <a16:creationId xmlns:a16="http://schemas.microsoft.com/office/drawing/2014/main" xmlns="" id="{C8230AC3-1BED-4D2B-96D3-51C50E14A9E6}"/>
               </a:ext>
             </a:extLst>
           </p:cNvPr>
@@ -675,7 +675,7 @@
           <a:p>
             <a:fld id="{03EC4E3E-8101-482F-A883-8B55DAFF7C07}" type="datetimeFigureOut">
               <a:rPr lang="en-SG" smtClean="0"/>
-              <a:t>6/7/2018</a:t>
+              <a:t>5/3/19</a:t>
             </a:fld>
             <a:endParaRPr lang="en-SG"/>
           </a:p>
@@ -686,7 +686,7 @@
           <p:cNvPr id="5" name="Footer Placeholder 4">
             <a:extLst>
               <a:ext uri="{FF2B5EF4-FFF2-40B4-BE49-F238E27FC236}">
-                <a16:creationId xmlns:a16="http://schemas.microsoft.com/office/drawing/2014/main" id="{4AD6CA96-231A-43AD-B530-7C509651DE3B}"/>
+                <a16:creationId xmlns:a16="http://schemas.microsoft.com/office/drawing/2014/main" xmlns="" id="{4AD6CA96-231A-43AD-B530-7C509651DE3B}"/>
               </a:ext>
             </a:extLst>
           </p:cNvPr>
@@ -711,7 +711,7 @@
           <p:cNvPr id="6" name="Slide Number Placeholder 5">
             <a:extLst>
               <a:ext uri="{FF2B5EF4-FFF2-40B4-BE49-F238E27FC236}">
-                <a16:creationId xmlns:a16="http://schemas.microsoft.com/office/drawing/2014/main" id="{12063E3B-180A-454E-A661-6CCD48D7062C}"/>
+                <a16:creationId xmlns:a16="http://schemas.microsoft.com/office/drawing/2014/main" xmlns="" id="{12063E3B-180A-454E-A661-6CCD48D7062C}"/>
               </a:ext>
             </a:extLst>
           </p:cNvPr>
@@ -770,7 +770,7 @@
           <p:cNvPr id="2" name="Title 1">
             <a:extLst>
               <a:ext uri="{FF2B5EF4-FFF2-40B4-BE49-F238E27FC236}">
-                <a16:creationId xmlns:a16="http://schemas.microsoft.com/office/drawing/2014/main" id="{7E861C8D-BAF0-4DD9-92B9-591B272791CA}"/>
+                <a16:creationId xmlns:a16="http://schemas.microsoft.com/office/drawing/2014/main" xmlns="" id="{7E861C8D-BAF0-4DD9-92B9-591B272791CA}"/>
               </a:ext>
             </a:extLst>
           </p:cNvPr>
@@ -799,7 +799,7 @@
           <p:cNvPr id="3" name="Content Placeholder 2">
             <a:extLst>
               <a:ext uri="{FF2B5EF4-FFF2-40B4-BE49-F238E27FC236}">
-                <a16:creationId xmlns:a16="http://schemas.microsoft.com/office/drawing/2014/main" id="{534DA4BD-1D78-446B-B79F-C1229642DDEB}"/>
+                <a16:creationId xmlns:a16="http://schemas.microsoft.com/office/drawing/2014/main" xmlns="" id="{534DA4BD-1D78-446B-B79F-C1229642DDEB}"/>
               </a:ext>
             </a:extLst>
           </p:cNvPr>
@@ -857,7 +857,7 @@
           <p:cNvPr id="4" name="Date Placeholder 3">
             <a:extLst>
               <a:ext uri="{FF2B5EF4-FFF2-40B4-BE49-F238E27FC236}">
-                <a16:creationId xmlns:a16="http://schemas.microsoft.com/office/drawing/2014/main" id="{AD6BEDB5-7B62-4953-BECB-7F7F3E909CAC}"/>
+                <a16:creationId xmlns:a16="http://schemas.microsoft.com/office/drawing/2014/main" xmlns="" id="{AD6BEDB5-7B62-4953-BECB-7F7F3E909CAC}"/>
               </a:ext>
             </a:extLst>
           </p:cNvPr>
@@ -875,7 +875,7 @@
           <a:p>
             <a:fld id="{03EC4E3E-8101-482F-A883-8B55DAFF7C07}" type="datetimeFigureOut">
               <a:rPr lang="en-SG" smtClean="0"/>
-              <a:t>6/7/2018</a:t>
+              <a:t>5/3/19</a:t>
             </a:fld>
             <a:endParaRPr lang="en-SG"/>
           </a:p>
@@ -886,7 +886,7 @@
           <p:cNvPr id="5" name="Footer Placeholder 4">
             <a:extLst>
               <a:ext uri="{FF2B5EF4-FFF2-40B4-BE49-F238E27FC236}">
-                <a16:creationId xmlns:a16="http://schemas.microsoft.com/office/drawing/2014/main" id="{349CD732-2DD1-42BE-8480-5C6507018294}"/>
+                <a16:creationId xmlns:a16="http://schemas.microsoft.com/office/drawing/2014/main" xmlns="" id="{349CD732-2DD1-42BE-8480-5C6507018294}"/>
               </a:ext>
             </a:extLst>
           </p:cNvPr>
@@ -911,7 +911,7 @@
           <p:cNvPr id="6" name="Slide Number Placeholder 5">
             <a:extLst>
               <a:ext uri="{FF2B5EF4-FFF2-40B4-BE49-F238E27FC236}">
-                <a16:creationId xmlns:a16="http://schemas.microsoft.com/office/drawing/2014/main" id="{574C27E0-F36A-4438-9402-C2CB0377D92D}"/>
+                <a16:creationId xmlns:a16="http://schemas.microsoft.com/office/drawing/2014/main" xmlns="" id="{574C27E0-F36A-4438-9402-C2CB0377D92D}"/>
               </a:ext>
             </a:extLst>
           </p:cNvPr>
@@ -970,7 +970,7 @@
           <p:cNvPr id="2" name="Title 1">
             <a:extLst>
               <a:ext uri="{FF2B5EF4-FFF2-40B4-BE49-F238E27FC236}">
-                <a16:creationId xmlns:a16="http://schemas.microsoft.com/office/drawing/2014/main" id="{80A42FFA-8A45-40F8-9C5C-9906971B38AB}"/>
+                <a16:creationId xmlns:a16="http://schemas.microsoft.com/office/drawing/2014/main" xmlns="" id="{80A42FFA-8A45-40F8-9C5C-9906971B38AB}"/>
               </a:ext>
             </a:extLst>
           </p:cNvPr>
@@ -1008,7 +1008,7 @@
           <p:cNvPr id="3" name="Text Placeholder 2">
             <a:extLst>
               <a:ext uri="{FF2B5EF4-FFF2-40B4-BE49-F238E27FC236}">
-                <a16:creationId xmlns:a16="http://schemas.microsoft.com/office/drawing/2014/main" id="{7D8879A7-8225-4473-B738-B780B6224EC5}"/>
+                <a16:creationId xmlns:a16="http://schemas.microsoft.com/office/drawing/2014/main" xmlns="" id="{7D8879A7-8225-4473-B738-B780B6224EC5}"/>
               </a:ext>
             </a:extLst>
           </p:cNvPr>
@@ -1133,7 +1133,7 @@
           <p:cNvPr id="4" name="Date Placeholder 3">
             <a:extLst>
               <a:ext uri="{FF2B5EF4-FFF2-40B4-BE49-F238E27FC236}">
-                <a16:creationId xmlns:a16="http://schemas.microsoft.com/office/drawing/2014/main" id="{6CF7978C-FE65-4091-9152-E33029C12AEA}"/>
+                <a16:creationId xmlns:a16="http://schemas.microsoft.com/office/drawing/2014/main" xmlns="" id="{6CF7978C-FE65-4091-9152-E33029C12AEA}"/>
               </a:ext>
             </a:extLst>
           </p:cNvPr>
@@ -1151,7 +1151,7 @@
           <a:p>
             <a:fld id="{03EC4E3E-8101-482F-A883-8B55DAFF7C07}" type="datetimeFigureOut">
               <a:rPr lang="en-SG" smtClean="0"/>
-              <a:t>6/7/2018</a:t>
+              <a:t>5/3/19</a:t>
             </a:fld>
             <a:endParaRPr lang="en-SG"/>
           </a:p>
@@ -1162,7 +1162,7 @@
           <p:cNvPr id="5" name="Footer Placeholder 4">
             <a:extLst>
               <a:ext uri="{FF2B5EF4-FFF2-40B4-BE49-F238E27FC236}">
-                <a16:creationId xmlns:a16="http://schemas.microsoft.com/office/drawing/2014/main" id="{B344C9CC-480F-4DCB-AC70-D7A4CCA0B8B7}"/>
+                <a16:creationId xmlns:a16="http://schemas.microsoft.com/office/drawing/2014/main" xmlns="" id="{B344C9CC-480F-4DCB-AC70-D7A4CCA0B8B7}"/>
               </a:ext>
             </a:extLst>
           </p:cNvPr>
@@ -1187,7 +1187,7 @@
           <p:cNvPr id="6" name="Slide Number Placeholder 5">
             <a:extLst>
               <a:ext uri="{FF2B5EF4-FFF2-40B4-BE49-F238E27FC236}">
-                <a16:creationId xmlns:a16="http://schemas.microsoft.com/office/drawing/2014/main" id="{8F5A07EC-843A-4ED9-8F1C-AD703CA36D58}"/>
+                <a16:creationId xmlns:a16="http://schemas.microsoft.com/office/drawing/2014/main" xmlns="" id="{8F5A07EC-843A-4ED9-8F1C-AD703CA36D58}"/>
               </a:ext>
             </a:extLst>
           </p:cNvPr>
@@ -1246,7 +1246,7 @@
           <p:cNvPr id="2" name="Title 1">
             <a:extLst>
               <a:ext uri="{FF2B5EF4-FFF2-40B4-BE49-F238E27FC236}">
-                <a16:creationId xmlns:a16="http://schemas.microsoft.com/office/drawing/2014/main" id="{056EE2DA-07D9-4774-A8CA-0CA247F8C72A}"/>
+                <a16:creationId xmlns:a16="http://schemas.microsoft.com/office/drawing/2014/main" xmlns="" id="{056EE2DA-07D9-4774-A8CA-0CA247F8C72A}"/>
               </a:ext>
             </a:extLst>
           </p:cNvPr>
@@ -1275,7 +1275,7 @@
           <p:cNvPr id="3" name="Content Placeholder 2">
             <a:extLst>
               <a:ext uri="{FF2B5EF4-FFF2-40B4-BE49-F238E27FC236}">
-                <a16:creationId xmlns:a16="http://schemas.microsoft.com/office/drawing/2014/main" id="{3CF93A59-4E25-4FFA-8796-AA06EF3E5C3E}"/>
+                <a16:creationId xmlns:a16="http://schemas.microsoft.com/office/drawing/2014/main" xmlns="" id="{3CF93A59-4E25-4FFA-8796-AA06EF3E5C3E}"/>
               </a:ext>
             </a:extLst>
           </p:cNvPr>
@@ -1338,7 +1338,7 @@
           <p:cNvPr id="4" name="Content Placeholder 3">
             <a:extLst>
               <a:ext uri="{FF2B5EF4-FFF2-40B4-BE49-F238E27FC236}">
-                <a16:creationId xmlns:a16="http://schemas.microsoft.com/office/drawing/2014/main" id="{81373B10-E346-4893-AFEE-65E014405E2D}"/>
+                <a16:creationId xmlns:a16="http://schemas.microsoft.com/office/drawing/2014/main" xmlns="" id="{81373B10-E346-4893-AFEE-65E014405E2D}"/>
               </a:ext>
             </a:extLst>
           </p:cNvPr>
@@ -1401,7 +1401,7 @@
           <p:cNvPr id="5" name="Date Placeholder 4">
             <a:extLst>
               <a:ext uri="{FF2B5EF4-FFF2-40B4-BE49-F238E27FC236}">
-                <a16:creationId xmlns:a16="http://schemas.microsoft.com/office/drawing/2014/main" id="{D9C411A1-6D64-4C63-A758-5D2FEE677F45}"/>
+                <a16:creationId xmlns:a16="http://schemas.microsoft.com/office/drawing/2014/main" xmlns="" id="{D9C411A1-6D64-4C63-A758-5D2FEE677F45}"/>
               </a:ext>
             </a:extLst>
           </p:cNvPr>
@@ -1419,7 +1419,7 @@
           <a:p>
             <a:fld id="{03EC4E3E-8101-482F-A883-8B55DAFF7C07}" type="datetimeFigureOut">
               <a:rPr lang="en-SG" smtClean="0"/>
-              <a:t>6/7/2018</a:t>
+              <a:t>5/3/19</a:t>
             </a:fld>
             <a:endParaRPr lang="en-SG"/>
           </a:p>
@@ -1430,7 +1430,7 @@
           <p:cNvPr id="6" name="Footer Placeholder 5">
             <a:extLst>
               <a:ext uri="{FF2B5EF4-FFF2-40B4-BE49-F238E27FC236}">
-                <a16:creationId xmlns:a16="http://schemas.microsoft.com/office/drawing/2014/main" id="{8D9C2E46-644C-4155-A697-764A7A0AB1F4}"/>
+                <a16:creationId xmlns:a16="http://schemas.microsoft.com/office/drawing/2014/main" xmlns="" id="{8D9C2E46-644C-4155-A697-764A7A0AB1F4}"/>
               </a:ext>
             </a:extLst>
           </p:cNvPr>
@@ -1455,7 +1455,7 @@
           <p:cNvPr id="7" name="Slide Number Placeholder 6">
             <a:extLst>
               <a:ext uri="{FF2B5EF4-FFF2-40B4-BE49-F238E27FC236}">
-                <a16:creationId xmlns:a16="http://schemas.microsoft.com/office/drawing/2014/main" id="{6192DEDD-6479-45E4-B1F5-6EDD41BBB103}"/>
+                <a16:creationId xmlns:a16="http://schemas.microsoft.com/office/drawing/2014/main" xmlns="" id="{6192DEDD-6479-45E4-B1F5-6EDD41BBB103}"/>
               </a:ext>
             </a:extLst>
           </p:cNvPr>
@@ -1514,7 +1514,7 @@
           <p:cNvPr id="2" name="Title 1">
             <a:extLst>
               <a:ext uri="{FF2B5EF4-FFF2-40B4-BE49-F238E27FC236}">
-                <a16:creationId xmlns:a16="http://schemas.microsoft.com/office/drawing/2014/main" id="{DC0ED888-63EF-4CC0-8500-9C8DB672FEC2}"/>
+                <a16:creationId xmlns:a16="http://schemas.microsoft.com/office/drawing/2014/main" xmlns="" id="{DC0ED888-63EF-4CC0-8500-9C8DB672FEC2}"/>
               </a:ext>
             </a:extLst>
           </p:cNvPr>
@@ -1548,7 +1548,7 @@
           <p:cNvPr id="3" name="Text Placeholder 2">
             <a:extLst>
               <a:ext uri="{FF2B5EF4-FFF2-40B4-BE49-F238E27FC236}">
-                <a16:creationId xmlns:a16="http://schemas.microsoft.com/office/drawing/2014/main" id="{3C33BC1E-FB79-4906-A967-9C7046C6D272}"/>
+                <a16:creationId xmlns:a16="http://schemas.microsoft.com/office/drawing/2014/main" xmlns="" id="{3C33BC1E-FB79-4906-A967-9C7046C6D272}"/>
               </a:ext>
             </a:extLst>
           </p:cNvPr>
@@ -1619,7 +1619,7 @@
           <p:cNvPr id="4" name="Content Placeholder 3">
             <a:extLst>
               <a:ext uri="{FF2B5EF4-FFF2-40B4-BE49-F238E27FC236}">
-                <a16:creationId xmlns:a16="http://schemas.microsoft.com/office/drawing/2014/main" id="{697A4EC6-1C42-4BA4-8108-32579276C17B}"/>
+                <a16:creationId xmlns:a16="http://schemas.microsoft.com/office/drawing/2014/main" xmlns="" id="{697A4EC6-1C42-4BA4-8108-32579276C17B}"/>
               </a:ext>
             </a:extLst>
           </p:cNvPr>
@@ -1682,7 +1682,7 @@
           <p:cNvPr id="5" name="Text Placeholder 4">
             <a:extLst>
               <a:ext uri="{FF2B5EF4-FFF2-40B4-BE49-F238E27FC236}">
-                <a16:creationId xmlns:a16="http://schemas.microsoft.com/office/drawing/2014/main" id="{8A2CA209-B9F5-4E1E-B302-74CC2D4CFDFB}"/>
+                <a16:creationId xmlns:a16="http://schemas.microsoft.com/office/drawing/2014/main" xmlns="" id="{8A2CA209-B9F5-4E1E-B302-74CC2D4CFDFB}"/>
               </a:ext>
             </a:extLst>
           </p:cNvPr>
@@ -1753,7 +1753,7 @@
           <p:cNvPr id="6" name="Content Placeholder 5">
             <a:extLst>
               <a:ext uri="{FF2B5EF4-FFF2-40B4-BE49-F238E27FC236}">
-                <a16:creationId xmlns:a16="http://schemas.microsoft.com/office/drawing/2014/main" id="{0E6E876D-DC4D-40EE-BA38-CD01089602CF}"/>
+                <a16:creationId xmlns:a16="http://schemas.microsoft.com/office/drawing/2014/main" xmlns="" id="{0E6E876D-DC4D-40EE-BA38-CD01089602CF}"/>
               </a:ext>
             </a:extLst>
           </p:cNvPr>
@@ -1816,7 +1816,7 @@
           <p:cNvPr id="7" name="Date Placeholder 6">
             <a:extLst>
               <a:ext uri="{FF2B5EF4-FFF2-40B4-BE49-F238E27FC236}">
-                <a16:creationId xmlns:a16="http://schemas.microsoft.com/office/drawing/2014/main" id="{F24E1D97-8B3C-41A1-B0BA-BA833AD8BC7C}"/>
+                <a16:creationId xmlns:a16="http://schemas.microsoft.com/office/drawing/2014/main" xmlns="" id="{F24E1D97-8B3C-41A1-B0BA-BA833AD8BC7C}"/>
               </a:ext>
             </a:extLst>
           </p:cNvPr>
@@ -1834,7 +1834,7 @@
           <a:p>
             <a:fld id="{03EC4E3E-8101-482F-A883-8B55DAFF7C07}" type="datetimeFigureOut">
               <a:rPr lang="en-SG" smtClean="0"/>
-              <a:t>6/7/2018</a:t>
+              <a:t>5/3/19</a:t>
             </a:fld>
             <a:endParaRPr lang="en-SG"/>
           </a:p>
@@ -1845,7 +1845,7 @@
           <p:cNvPr id="8" name="Footer Placeholder 7">
             <a:extLst>
               <a:ext uri="{FF2B5EF4-FFF2-40B4-BE49-F238E27FC236}">
-                <a16:creationId xmlns:a16="http://schemas.microsoft.com/office/drawing/2014/main" id="{FC358D8F-B7DA-4DCE-AC8F-706450EEC0DC}"/>
+                <a16:creationId xmlns:a16="http://schemas.microsoft.com/office/drawing/2014/main" xmlns="" id="{FC358D8F-B7DA-4DCE-AC8F-706450EEC0DC}"/>
               </a:ext>
             </a:extLst>
           </p:cNvPr>
@@ -1870,7 +1870,7 @@
           <p:cNvPr id="9" name="Slide Number Placeholder 8">
             <a:extLst>
               <a:ext uri="{FF2B5EF4-FFF2-40B4-BE49-F238E27FC236}">
-                <a16:creationId xmlns:a16="http://schemas.microsoft.com/office/drawing/2014/main" id="{40CE354E-2C73-4B6F-8AEB-14D1378A77E1}"/>
+                <a16:creationId xmlns:a16="http://schemas.microsoft.com/office/drawing/2014/main" xmlns="" id="{40CE354E-2C73-4B6F-8AEB-14D1378A77E1}"/>
               </a:ext>
             </a:extLst>
           </p:cNvPr>
@@ -1929,7 +1929,7 @@
           <p:cNvPr id="2" name="Title 1">
             <a:extLst>
               <a:ext uri="{FF2B5EF4-FFF2-40B4-BE49-F238E27FC236}">
-                <a16:creationId xmlns:a16="http://schemas.microsoft.com/office/drawing/2014/main" id="{17D9D381-288C-43FB-86C2-AAA4FCFD43FD}"/>
+                <a16:creationId xmlns:a16="http://schemas.microsoft.com/office/drawing/2014/main" xmlns="" id="{17D9D381-288C-43FB-86C2-AAA4FCFD43FD}"/>
               </a:ext>
             </a:extLst>
           </p:cNvPr>
@@ -1958,7 +1958,7 @@
           <p:cNvPr id="3" name="Date Placeholder 2">
             <a:extLst>
               <a:ext uri="{FF2B5EF4-FFF2-40B4-BE49-F238E27FC236}">
-                <a16:creationId xmlns:a16="http://schemas.microsoft.com/office/drawing/2014/main" id="{A85D75E5-4830-4F75-8132-91122609F925}"/>
+                <a16:creationId xmlns:a16="http://schemas.microsoft.com/office/drawing/2014/main" xmlns="" id="{A85D75E5-4830-4F75-8132-91122609F925}"/>
               </a:ext>
             </a:extLst>
           </p:cNvPr>
@@ -1976,7 +1976,7 @@
           <a:p>
             <a:fld id="{03EC4E3E-8101-482F-A883-8B55DAFF7C07}" type="datetimeFigureOut">
               <a:rPr lang="en-SG" smtClean="0"/>
-              <a:t>6/7/2018</a:t>
+              <a:t>5/3/19</a:t>
             </a:fld>
             <a:endParaRPr lang="en-SG"/>
           </a:p>
@@ -1987,7 +1987,7 @@
           <p:cNvPr id="4" name="Footer Placeholder 3">
             <a:extLst>
               <a:ext uri="{FF2B5EF4-FFF2-40B4-BE49-F238E27FC236}">
-                <a16:creationId xmlns:a16="http://schemas.microsoft.com/office/drawing/2014/main" id="{0C14A42C-834F-43EA-8053-84D5A665CEE7}"/>
+                <a16:creationId xmlns:a16="http://schemas.microsoft.com/office/drawing/2014/main" xmlns="" id="{0C14A42C-834F-43EA-8053-84D5A665CEE7}"/>
               </a:ext>
             </a:extLst>
           </p:cNvPr>
@@ -2012,7 +2012,7 @@
           <p:cNvPr id="5" name="Slide Number Placeholder 4">
             <a:extLst>
               <a:ext uri="{FF2B5EF4-FFF2-40B4-BE49-F238E27FC236}">
-                <a16:creationId xmlns:a16="http://schemas.microsoft.com/office/drawing/2014/main" id="{38C1E789-CDA9-48FF-A7BA-F21E31600226}"/>
+                <a16:creationId xmlns:a16="http://schemas.microsoft.com/office/drawing/2014/main" xmlns="" id="{38C1E789-CDA9-48FF-A7BA-F21E31600226}"/>
               </a:ext>
             </a:extLst>
           </p:cNvPr>
@@ -2071,7 +2071,7 @@
           <p:cNvPr id="2" name="Date Placeholder 1">
             <a:extLst>
               <a:ext uri="{FF2B5EF4-FFF2-40B4-BE49-F238E27FC236}">
-                <a16:creationId xmlns:a16="http://schemas.microsoft.com/office/drawing/2014/main" id="{21A40ECD-0ABD-4F35-B481-512A01FC643D}"/>
+                <a16:creationId xmlns:a16="http://schemas.microsoft.com/office/drawing/2014/main" xmlns="" id="{21A40ECD-0ABD-4F35-B481-512A01FC643D}"/>
               </a:ext>
             </a:extLst>
           </p:cNvPr>
@@ -2089,7 +2089,7 @@
           <a:p>
             <a:fld id="{03EC4E3E-8101-482F-A883-8B55DAFF7C07}" type="datetimeFigureOut">
               <a:rPr lang="en-SG" smtClean="0"/>
-              <a:t>6/7/2018</a:t>
+              <a:t>5/3/19</a:t>
             </a:fld>
             <a:endParaRPr lang="en-SG"/>
           </a:p>
@@ -2100,7 +2100,7 @@
           <p:cNvPr id="3" name="Footer Placeholder 2">
             <a:extLst>
               <a:ext uri="{FF2B5EF4-FFF2-40B4-BE49-F238E27FC236}">
-                <a16:creationId xmlns:a16="http://schemas.microsoft.com/office/drawing/2014/main" id="{D44B8F11-A412-4FA6-9070-B9C742F699F3}"/>
+                <a16:creationId xmlns:a16="http://schemas.microsoft.com/office/drawing/2014/main" xmlns="" id="{D44B8F11-A412-4FA6-9070-B9C742F699F3}"/>
               </a:ext>
             </a:extLst>
           </p:cNvPr>
@@ -2125,7 +2125,7 @@
           <p:cNvPr id="4" name="Slide Number Placeholder 3">
             <a:extLst>
               <a:ext uri="{FF2B5EF4-FFF2-40B4-BE49-F238E27FC236}">
-                <a16:creationId xmlns:a16="http://schemas.microsoft.com/office/drawing/2014/main" id="{E3EA086A-DA0B-4378-A128-F213644ECB0C}"/>
+                <a16:creationId xmlns:a16="http://schemas.microsoft.com/office/drawing/2014/main" xmlns="" id="{E3EA086A-DA0B-4378-A128-F213644ECB0C}"/>
               </a:ext>
             </a:extLst>
           </p:cNvPr>
@@ -2184,7 +2184,7 @@
           <p:cNvPr id="2" name="Title 1">
             <a:extLst>
               <a:ext uri="{FF2B5EF4-FFF2-40B4-BE49-F238E27FC236}">
-                <a16:creationId xmlns:a16="http://schemas.microsoft.com/office/drawing/2014/main" id="{765D165A-D423-4E89-A075-D59A9FB59792}"/>
+                <a16:creationId xmlns:a16="http://schemas.microsoft.com/office/drawing/2014/main" xmlns="" id="{765D165A-D423-4E89-A075-D59A9FB59792}"/>
               </a:ext>
             </a:extLst>
           </p:cNvPr>
@@ -2222,7 +2222,7 @@
           <p:cNvPr id="3" name="Content Placeholder 2">
             <a:extLst>
               <a:ext uri="{FF2B5EF4-FFF2-40B4-BE49-F238E27FC236}">
-                <a16:creationId xmlns:a16="http://schemas.microsoft.com/office/drawing/2014/main" id="{77C2A5CC-2876-49CA-993D-F4F73FC9D2B0}"/>
+                <a16:creationId xmlns:a16="http://schemas.microsoft.com/office/drawing/2014/main" xmlns="" id="{77C2A5CC-2876-49CA-993D-F4F73FC9D2B0}"/>
               </a:ext>
             </a:extLst>
           </p:cNvPr>
@@ -2313,7 +2313,7 @@
           <p:cNvPr id="4" name="Text Placeholder 3">
             <a:extLst>
               <a:ext uri="{FF2B5EF4-FFF2-40B4-BE49-F238E27FC236}">
-                <a16:creationId xmlns:a16="http://schemas.microsoft.com/office/drawing/2014/main" id="{7B4DE2E8-CCF6-4E88-A858-05A04CD0D736}"/>
+                <a16:creationId xmlns:a16="http://schemas.microsoft.com/office/drawing/2014/main" xmlns="" id="{7B4DE2E8-CCF6-4E88-A858-05A04CD0D736}"/>
               </a:ext>
             </a:extLst>
           </p:cNvPr>
@@ -2384,7 +2384,7 @@
           <p:cNvPr id="5" name="Date Placeholder 4">
             <a:extLst>
               <a:ext uri="{FF2B5EF4-FFF2-40B4-BE49-F238E27FC236}">
-                <a16:creationId xmlns:a16="http://schemas.microsoft.com/office/drawing/2014/main" id="{CAEBEC1E-DE48-4B55-A846-F8248E381145}"/>
+                <a16:creationId xmlns:a16="http://schemas.microsoft.com/office/drawing/2014/main" xmlns="" id="{CAEBEC1E-DE48-4B55-A846-F8248E381145}"/>
               </a:ext>
             </a:extLst>
           </p:cNvPr>
@@ -2402,7 +2402,7 @@
           <a:p>
             <a:fld id="{03EC4E3E-8101-482F-A883-8B55DAFF7C07}" type="datetimeFigureOut">
               <a:rPr lang="en-SG" smtClean="0"/>
-              <a:t>6/7/2018</a:t>
+              <a:t>5/3/19</a:t>
             </a:fld>
             <a:endParaRPr lang="en-SG"/>
           </a:p>
@@ -2413,7 +2413,7 @@
           <p:cNvPr id="6" name="Footer Placeholder 5">
             <a:extLst>
               <a:ext uri="{FF2B5EF4-FFF2-40B4-BE49-F238E27FC236}">
-                <a16:creationId xmlns:a16="http://schemas.microsoft.com/office/drawing/2014/main" id="{945A6E8B-6BC2-49E9-B4E5-DAD3F7A1A1BF}"/>
+                <a16:creationId xmlns:a16="http://schemas.microsoft.com/office/drawing/2014/main" xmlns="" id="{945A6E8B-6BC2-49E9-B4E5-DAD3F7A1A1BF}"/>
               </a:ext>
             </a:extLst>
           </p:cNvPr>
@@ -2438,7 +2438,7 @@
           <p:cNvPr id="7" name="Slide Number Placeholder 6">
             <a:extLst>
               <a:ext uri="{FF2B5EF4-FFF2-40B4-BE49-F238E27FC236}">
-                <a16:creationId xmlns:a16="http://schemas.microsoft.com/office/drawing/2014/main" id="{E5CF739B-EDF0-43CE-A87E-C49F040C85A5}"/>
+                <a16:creationId xmlns:a16="http://schemas.microsoft.com/office/drawing/2014/main" xmlns="" id="{E5CF739B-EDF0-43CE-A87E-C49F040C85A5}"/>
               </a:ext>
             </a:extLst>
           </p:cNvPr>
@@ -2497,7 +2497,7 @@
           <p:cNvPr id="2" name="Title 1">
             <a:extLst>
               <a:ext uri="{FF2B5EF4-FFF2-40B4-BE49-F238E27FC236}">
-                <a16:creationId xmlns:a16="http://schemas.microsoft.com/office/drawing/2014/main" id="{0091F49F-E849-4834-84DB-61CF2F2652D4}"/>
+                <a16:creationId xmlns:a16="http://schemas.microsoft.com/office/drawing/2014/main" xmlns="" id="{0091F49F-E849-4834-84DB-61CF2F2652D4}"/>
               </a:ext>
             </a:extLst>
           </p:cNvPr>
@@ -2535,7 +2535,7 @@
           <p:cNvPr id="3" name="Picture Placeholder 2">
             <a:extLst>
               <a:ext uri="{FF2B5EF4-FFF2-40B4-BE49-F238E27FC236}">
-                <a16:creationId xmlns:a16="http://schemas.microsoft.com/office/drawing/2014/main" id="{631D62A9-3420-4F1C-9EB9-09EF85106E78}"/>
+                <a16:creationId xmlns:a16="http://schemas.microsoft.com/office/drawing/2014/main" xmlns="" id="{631D62A9-3420-4F1C-9EB9-09EF85106E78}"/>
               </a:ext>
             </a:extLst>
           </p:cNvPr>
@@ -2602,7 +2602,7 @@
           <p:cNvPr id="4" name="Text Placeholder 3">
             <a:extLst>
               <a:ext uri="{FF2B5EF4-FFF2-40B4-BE49-F238E27FC236}">
-                <a16:creationId xmlns:a16="http://schemas.microsoft.com/office/drawing/2014/main" id="{E450EC8D-D7F4-45FC-AD8C-2E198A32CCA2}"/>
+                <a16:creationId xmlns:a16="http://schemas.microsoft.com/office/drawing/2014/main" xmlns="" id="{E450EC8D-D7F4-45FC-AD8C-2E198A32CCA2}"/>
               </a:ext>
             </a:extLst>
           </p:cNvPr>
@@ -2673,7 +2673,7 @@
           <p:cNvPr id="5" name="Date Placeholder 4">
             <a:extLst>
               <a:ext uri="{FF2B5EF4-FFF2-40B4-BE49-F238E27FC236}">
-                <a16:creationId xmlns:a16="http://schemas.microsoft.com/office/drawing/2014/main" id="{7A73D668-ABF4-41FE-958C-542EEDC5F6CC}"/>
+                <a16:creationId xmlns:a16="http://schemas.microsoft.com/office/drawing/2014/main" xmlns="" id="{7A73D668-ABF4-41FE-958C-542EEDC5F6CC}"/>
               </a:ext>
             </a:extLst>
           </p:cNvPr>
@@ -2691,7 +2691,7 @@
           <a:p>
             <a:fld id="{03EC4E3E-8101-482F-A883-8B55DAFF7C07}" type="datetimeFigureOut">
               <a:rPr lang="en-SG" smtClean="0"/>
-              <a:t>6/7/2018</a:t>
+              <a:t>5/3/19</a:t>
             </a:fld>
             <a:endParaRPr lang="en-SG"/>
           </a:p>
@@ -2702,7 +2702,7 @@
           <p:cNvPr id="6" name="Footer Placeholder 5">
             <a:extLst>
               <a:ext uri="{FF2B5EF4-FFF2-40B4-BE49-F238E27FC236}">
-                <a16:creationId xmlns:a16="http://schemas.microsoft.com/office/drawing/2014/main" id="{F4A83B1C-93E7-4D32-9D1B-3F37403B1ACD}"/>
+                <a16:creationId xmlns:a16="http://schemas.microsoft.com/office/drawing/2014/main" xmlns="" id="{F4A83B1C-93E7-4D32-9D1B-3F37403B1ACD}"/>
               </a:ext>
             </a:extLst>
           </p:cNvPr>
@@ -2727,7 +2727,7 @@
           <p:cNvPr id="7" name="Slide Number Placeholder 6">
             <a:extLst>
               <a:ext uri="{FF2B5EF4-FFF2-40B4-BE49-F238E27FC236}">
-                <a16:creationId xmlns:a16="http://schemas.microsoft.com/office/drawing/2014/main" id="{C6AF73BE-F17B-487B-943B-28655BB51C92}"/>
+                <a16:creationId xmlns:a16="http://schemas.microsoft.com/office/drawing/2014/main" xmlns="" id="{C6AF73BE-F17B-487B-943B-28655BB51C92}"/>
               </a:ext>
             </a:extLst>
           </p:cNvPr>
@@ -2791,7 +2791,7 @@
           <p:cNvPr id="2" name="Title Placeholder 1">
             <a:extLst>
               <a:ext uri="{FF2B5EF4-FFF2-40B4-BE49-F238E27FC236}">
-                <a16:creationId xmlns:a16="http://schemas.microsoft.com/office/drawing/2014/main" id="{96F7127E-5F47-4B37-9FDB-695AB14D9551}"/>
+                <a16:creationId xmlns:a16="http://schemas.microsoft.com/office/drawing/2014/main" xmlns="" id="{96F7127E-5F47-4B37-9FDB-695AB14D9551}"/>
               </a:ext>
             </a:extLst>
           </p:cNvPr>
@@ -2830,7 +2830,7 @@
           <p:cNvPr id="3" name="Text Placeholder 2">
             <a:extLst>
               <a:ext uri="{FF2B5EF4-FFF2-40B4-BE49-F238E27FC236}">
-                <a16:creationId xmlns:a16="http://schemas.microsoft.com/office/drawing/2014/main" id="{3BD20F0F-B303-4EE3-AF17-E303EA90B1A3}"/>
+                <a16:creationId xmlns:a16="http://schemas.microsoft.com/office/drawing/2014/main" xmlns="" id="{3BD20F0F-B303-4EE3-AF17-E303EA90B1A3}"/>
               </a:ext>
             </a:extLst>
           </p:cNvPr>
@@ -2898,7 +2898,7 @@
           <p:cNvPr id="4" name="Date Placeholder 3">
             <a:extLst>
               <a:ext uri="{FF2B5EF4-FFF2-40B4-BE49-F238E27FC236}">
-                <a16:creationId xmlns:a16="http://schemas.microsoft.com/office/drawing/2014/main" id="{7927ADFB-0C7F-4333-A456-815FAB4B0315}"/>
+                <a16:creationId xmlns:a16="http://schemas.microsoft.com/office/drawing/2014/main" xmlns="" id="{7927ADFB-0C7F-4333-A456-815FAB4B0315}"/>
               </a:ext>
             </a:extLst>
           </p:cNvPr>
@@ -2934,7 +2934,7 @@
           <a:p>
             <a:fld id="{03EC4E3E-8101-482F-A883-8B55DAFF7C07}" type="datetimeFigureOut">
               <a:rPr lang="en-SG" smtClean="0"/>
-              <a:t>6/7/2018</a:t>
+              <a:t>5/3/19</a:t>
             </a:fld>
             <a:endParaRPr lang="en-SG"/>
           </a:p>
@@ -2945,7 +2945,7 @@
           <p:cNvPr id="5" name="Footer Placeholder 4">
             <a:extLst>
               <a:ext uri="{FF2B5EF4-FFF2-40B4-BE49-F238E27FC236}">
-                <a16:creationId xmlns:a16="http://schemas.microsoft.com/office/drawing/2014/main" id="{A1992B28-8397-4C93-A277-5EE43A537825}"/>
+                <a16:creationId xmlns:a16="http://schemas.microsoft.com/office/drawing/2014/main" xmlns="" id="{A1992B28-8397-4C93-A277-5EE43A537825}"/>
               </a:ext>
             </a:extLst>
           </p:cNvPr>
@@ -2988,7 +2988,7 @@
           <p:cNvPr id="6" name="Slide Number Placeholder 5">
             <a:extLst>
               <a:ext uri="{FF2B5EF4-FFF2-40B4-BE49-F238E27FC236}">
-                <a16:creationId xmlns:a16="http://schemas.microsoft.com/office/drawing/2014/main" id="{D7231209-A74B-4134-87D0-421AB81BBB47}"/>
+                <a16:creationId xmlns:a16="http://schemas.microsoft.com/office/drawing/2014/main" xmlns="" id="{D7231209-A74B-4134-87D0-421AB81BBB47}"/>
               </a:ext>
             </a:extLst>
           </p:cNvPr>
@@ -3356,7 +3356,7 @@
           <p:cNvPr id="2" name="TextBox 1">
             <a:extLst>
               <a:ext uri="{FF2B5EF4-FFF2-40B4-BE49-F238E27FC236}">
-                <a16:creationId xmlns:a16="http://schemas.microsoft.com/office/drawing/2014/main" id="{032C4FEA-C10B-4133-9BF6-AF6F40CC1AD4}"/>
+                <a16:creationId xmlns:a16="http://schemas.microsoft.com/office/drawing/2014/main" xmlns="" id="{032C4FEA-C10B-4133-9BF6-AF6F40CC1AD4}"/>
               </a:ext>
             </a:extLst>
           </p:cNvPr>
@@ -3407,7 +3407,27 @@
             <a:pPr algn="ctr"/>
             <a:r>
               <a:rPr lang="en-SG" dirty="0"/>
-              <a:t>The state of the address book (before ‘add n/David …’ was executed) will be restored to state ab1.</a:t>
+              <a:t>The state of the </a:t>
+            </a:r>
+            <a:r>
+              <a:rPr lang="en-SG" dirty="0" smtClean="0"/>
+              <a:t>book shelf(before </a:t>
+            </a:r>
+            <a:r>
+              <a:rPr lang="en-SG" dirty="0"/>
+              <a:t>‘add n/David …’ was executed) will be restored to </a:t>
+            </a:r>
+            <a:r>
+              <a:rPr lang="en-SG"/>
+              <a:t>state </a:t>
+            </a:r>
+            <a:r>
+              <a:rPr lang="en-SG" smtClean="0"/>
+              <a:t>bs1</a:t>
+            </a:r>
+            <a:r>
+              <a:rPr lang="en-SG" dirty="0"/>
+              <a:t>.</a:t>
             </a:r>
           </a:p>
         </p:txBody>
@@ -3461,7 +3481,7 @@
           <p:cNvPr id="17" name="TextBox 16">
             <a:extLst>
               <a:ext uri="{FF2B5EF4-FFF2-40B4-BE49-F238E27FC236}">
-                <a16:creationId xmlns:a16="http://schemas.microsoft.com/office/drawing/2014/main" id="{3151A13B-9509-43FA-BFEB-1D9866A00B84}"/>
+                <a16:creationId xmlns:a16="http://schemas.microsoft.com/office/drawing/2014/main" xmlns="" id="{3151A13B-9509-43FA-BFEB-1D9866A00B84}"/>
               </a:ext>
             </a:extLst>
           </p:cNvPr>
@@ -3505,7 +3525,7 @@
           <p:cNvPr id="18" name="Table 17">
             <a:extLst>
               <a:ext uri="{FF2B5EF4-FFF2-40B4-BE49-F238E27FC236}">
-                <a16:creationId xmlns:a16="http://schemas.microsoft.com/office/drawing/2014/main" id="{F545FAB8-F1CE-4886-9BDE-E772BCB0A9C4}"/>
+                <a16:creationId xmlns:a16="http://schemas.microsoft.com/office/drawing/2014/main" xmlns="" id="{F545FAB8-F1CE-4886-9BDE-E772BCB0A9C4}"/>
               </a:ext>
             </a:extLst>
           </p:cNvPr>
@@ -3515,7 +3535,7 @@
           <p:nvPr>
             <p:extLst>
               <p:ext uri="{D42A27DB-BD31-4B8C-83A1-F6EECF244321}">
-                <p14:modId xmlns:p14="http://schemas.microsoft.com/office/powerpoint/2010/main" val="1674993041"/>
+                <p14:modId xmlns:p14="http://schemas.microsoft.com/office/powerpoint/2010/main" val="1389386686"/>
               </p:ext>
             </p:extLst>
           </p:nvPr>
@@ -3534,7 +3554,7 @@
                 <a:gridCol w="1825824">
                   <a:extLst>
                     <a:ext uri="{9D8B030D-6E8A-4147-A177-3AD203B41FA5}">
-                      <a16:colId xmlns:a16="http://schemas.microsoft.com/office/drawing/2014/main" val="4240773277"/>
+                      <a16:colId xmlns:a16="http://schemas.microsoft.com/office/drawing/2014/main" xmlns="" val="4240773277"/>
                     </a:ext>
                   </a:extLst>
                 </a:gridCol>
@@ -3546,12 +3566,12 @@
                     <a:lstStyle/>
                     <a:p>
                       <a:r>
-                        <a:rPr lang="en-SG" u="sng" dirty="0"/>
-                        <a:t>ab0:</a:t>
+                        <a:rPr lang="en-SG" u="sng" dirty="0" smtClean="0"/>
+                        <a:t>b0:</a:t>
                       </a:r>
                       <a:r>
-                        <a:rPr lang="en-SG" sz="1800" u="sng" dirty="0"/>
-                        <a:t>AddressBook</a:t>
+                        <a:rPr lang="en-SG" sz="1800" u="sng" dirty="0" smtClean="0"/>
+                        <a:t>BookShelf</a:t>
                       </a:r>
                       <a:endParaRPr lang="en-SG" u="sng" dirty="0"/>
                     </a:p>
@@ -3560,7 +3580,7 @@
                 </a:tc>
                 <a:extLst>
                   <a:ext uri="{0D108BD9-81ED-4DB2-BD59-A6C34878D82A}">
-                    <a16:rowId xmlns:a16="http://schemas.microsoft.com/office/drawing/2014/main" val="2194462629"/>
+                    <a16:rowId xmlns:a16="http://schemas.microsoft.com/office/drawing/2014/main" xmlns="" val="2194462629"/>
                   </a:ext>
                 </a:extLst>
               </a:tr>
@@ -3619,7 +3639,7 @@
           <p:cNvPr id="29" name="TextBox 28">
             <a:extLst>
               <a:ext uri="{FF2B5EF4-FFF2-40B4-BE49-F238E27FC236}">
-                <a16:creationId xmlns:a16="http://schemas.microsoft.com/office/drawing/2014/main" id="{3151A13B-9509-43FA-BFEB-1D9866A00B84}"/>
+                <a16:creationId xmlns:a16="http://schemas.microsoft.com/office/drawing/2014/main" xmlns="" id="{3151A13B-9509-43FA-BFEB-1D9866A00B84}"/>
               </a:ext>
             </a:extLst>
           </p:cNvPr>
@@ -3709,7 +3729,7 @@
           <p:cNvPr id="16" name="Table 15">
             <a:extLst>
               <a:ext uri="{FF2B5EF4-FFF2-40B4-BE49-F238E27FC236}">
-                <a16:creationId xmlns:a16="http://schemas.microsoft.com/office/drawing/2014/main" id="{F545FAB8-F1CE-4886-9BDE-E772BCB0A9C4}"/>
+                <a16:creationId xmlns:a16="http://schemas.microsoft.com/office/drawing/2014/main" xmlns="" id="{F545FAB8-F1CE-4886-9BDE-E772BCB0A9C4}"/>
               </a:ext>
             </a:extLst>
           </p:cNvPr>
@@ -3719,7 +3739,7 @@
           <p:nvPr>
             <p:extLst>
               <p:ext uri="{D42A27DB-BD31-4B8C-83A1-F6EECF244321}">
-                <p14:modId xmlns:p14="http://schemas.microsoft.com/office/powerpoint/2010/main" val="3085921390"/>
+                <p14:modId xmlns:p14="http://schemas.microsoft.com/office/powerpoint/2010/main" val="1832337771"/>
               </p:ext>
             </p:extLst>
           </p:nvPr>
@@ -3738,7 +3758,7 @@
                 <a:gridCol w="1825824">
                   <a:extLst>
                     <a:ext uri="{9D8B030D-6E8A-4147-A177-3AD203B41FA5}">
-                      <a16:colId xmlns:a16="http://schemas.microsoft.com/office/drawing/2014/main" val="4240773277"/>
+                      <a16:colId xmlns:a16="http://schemas.microsoft.com/office/drawing/2014/main" xmlns="" val="4240773277"/>
                     </a:ext>
                   </a:extLst>
                 </a:gridCol>
@@ -3750,12 +3770,12 @@
                     <a:lstStyle/>
                     <a:p>
                       <a:r>
-                        <a:rPr lang="en-SG" u="sng" dirty="0"/>
-                        <a:t>ab1:</a:t>
+                        <a:rPr lang="en-SG" u="sng" dirty="0" smtClean="0"/>
+                        <a:t>b1:</a:t>
                       </a:r>
                       <a:r>
-                        <a:rPr lang="en-SG" sz="1800" u="sng" dirty="0"/>
-                        <a:t>AddressBook</a:t>
+                        <a:rPr lang="en-SG" sz="1800" u="sng" dirty="0" smtClean="0"/>
+                        <a:t>BookShelf</a:t>
                       </a:r>
                       <a:endParaRPr lang="en-SG" u="sng" dirty="0"/>
                     </a:p>
@@ -3764,7 +3784,7 @@
                 </a:tc>
                 <a:extLst>
                   <a:ext uri="{0D108BD9-81ED-4DB2-BD59-A6C34878D82A}">
-                    <a16:rowId xmlns:a16="http://schemas.microsoft.com/office/drawing/2014/main" val="2194462629"/>
+                    <a16:rowId xmlns:a16="http://schemas.microsoft.com/office/drawing/2014/main" xmlns="" val="2194462629"/>
                   </a:ext>
                 </a:extLst>
               </a:tr>
@@ -3777,7 +3797,7 @@
           <p:cNvPr id="20" name="Table 19">
             <a:extLst>
               <a:ext uri="{FF2B5EF4-FFF2-40B4-BE49-F238E27FC236}">
-                <a16:creationId xmlns:a16="http://schemas.microsoft.com/office/drawing/2014/main" id="{F545FAB8-F1CE-4886-9BDE-E772BCB0A9C4}"/>
+                <a16:creationId xmlns:a16="http://schemas.microsoft.com/office/drawing/2014/main" xmlns="" id="{F545FAB8-F1CE-4886-9BDE-E772BCB0A9C4}"/>
               </a:ext>
             </a:extLst>
           </p:cNvPr>
@@ -3787,7 +3807,7 @@
           <p:nvPr>
             <p:extLst>
               <p:ext uri="{D42A27DB-BD31-4B8C-83A1-F6EECF244321}">
-                <p14:modId xmlns:p14="http://schemas.microsoft.com/office/powerpoint/2010/main" val="3504448791"/>
+                <p14:modId xmlns:p14="http://schemas.microsoft.com/office/powerpoint/2010/main" val="1185419217"/>
               </p:ext>
             </p:extLst>
           </p:nvPr>
@@ -3806,7 +3826,7 @@
                 <a:gridCol w="1825824">
                   <a:extLst>
                     <a:ext uri="{9D8B030D-6E8A-4147-A177-3AD203B41FA5}">
-                      <a16:colId xmlns:a16="http://schemas.microsoft.com/office/drawing/2014/main" val="4240773277"/>
+                      <a16:colId xmlns:a16="http://schemas.microsoft.com/office/drawing/2014/main" xmlns="" val="4240773277"/>
                     </a:ext>
                   </a:extLst>
                 </a:gridCol>
@@ -3818,12 +3838,12 @@
                     <a:lstStyle/>
                     <a:p>
                       <a:r>
-                        <a:rPr lang="en-SG" u="sng" dirty="0"/>
-                        <a:t>ab2:</a:t>
+                        <a:rPr lang="en-SG" u="sng" dirty="0" smtClean="0"/>
+                        <a:t>b2:</a:t>
                       </a:r>
                       <a:r>
-                        <a:rPr lang="en-SG" sz="1800" u="sng" dirty="0"/>
-                        <a:t>AddressBook</a:t>
+                        <a:rPr lang="en-SG" sz="1800" u="sng" dirty="0" smtClean="0"/>
+                        <a:t>BookShelf</a:t>
                       </a:r>
                       <a:endParaRPr lang="en-SG" u="sng" dirty="0"/>
                     </a:p>
@@ -3832,7 +3852,7 @@
                 </a:tc>
                 <a:extLst>
                   <a:ext uri="{0D108BD9-81ED-4DB2-BD59-A6C34878D82A}">
-                    <a16:rowId xmlns:a16="http://schemas.microsoft.com/office/drawing/2014/main" val="2194462629"/>
+                    <a16:rowId xmlns:a16="http://schemas.microsoft.com/office/drawing/2014/main" xmlns="" val="2194462629"/>
                   </a:ext>
                 </a:extLst>
               </a:tr>
@@ -3845,7 +3865,7 @@
           <p:cNvPr id="21" name="Table 20">
             <a:extLst>
               <a:ext uri="{FF2B5EF4-FFF2-40B4-BE49-F238E27FC236}">
-                <a16:creationId xmlns:a16="http://schemas.microsoft.com/office/drawing/2014/main" id="{F545FAB8-F1CE-4886-9BDE-E772BCB0A9C4}"/>
+                <a16:creationId xmlns:a16="http://schemas.microsoft.com/office/drawing/2014/main" xmlns="" id="{F545FAB8-F1CE-4886-9BDE-E772BCB0A9C4}"/>
               </a:ext>
             </a:extLst>
           </p:cNvPr>
@@ -3855,7 +3875,7 @@
           <p:nvPr>
             <p:extLst>
               <p:ext uri="{D42A27DB-BD31-4B8C-83A1-F6EECF244321}">
-                <p14:modId xmlns:p14="http://schemas.microsoft.com/office/powerpoint/2010/main" val="3880678430"/>
+                <p14:modId xmlns:p14="http://schemas.microsoft.com/office/powerpoint/2010/main" val="1134986900"/>
               </p:ext>
             </p:extLst>
           </p:nvPr>
@@ -3874,7 +3894,7 @@
                 <a:gridCol w="1825824">
                   <a:extLst>
                     <a:ext uri="{9D8B030D-6E8A-4147-A177-3AD203B41FA5}">
-                      <a16:colId xmlns:a16="http://schemas.microsoft.com/office/drawing/2014/main" val="4240773277"/>
+                      <a16:colId xmlns:a16="http://schemas.microsoft.com/office/drawing/2014/main" xmlns="" val="4240773277"/>
                     </a:ext>
                   </a:extLst>
                 </a:gridCol>
@@ -3886,12 +3906,12 @@
                     <a:lstStyle/>
                     <a:p>
                       <a:r>
-                        <a:rPr lang="en-SG" u="sng" dirty="0"/>
-                        <a:t>ab0:</a:t>
+                        <a:rPr lang="en-SG" u="sng" dirty="0" smtClean="0"/>
+                        <a:t>b0:</a:t>
                       </a:r>
                       <a:r>
-                        <a:rPr lang="en-SG" sz="1800" u="sng" dirty="0"/>
-                        <a:t>AddressBook</a:t>
+                        <a:rPr lang="en-SG" sz="1800" u="sng" dirty="0" smtClean="0"/>
+                        <a:t>BookShelf</a:t>
                       </a:r>
                       <a:endParaRPr lang="en-SG" u="sng" dirty="0"/>
                     </a:p>
@@ -3900,7 +3920,7 @@
                 </a:tc>
                 <a:extLst>
                   <a:ext uri="{0D108BD9-81ED-4DB2-BD59-A6C34878D82A}">
-                    <a16:rowId xmlns:a16="http://schemas.microsoft.com/office/drawing/2014/main" val="2194462629"/>
+                    <a16:rowId xmlns:a16="http://schemas.microsoft.com/office/drawing/2014/main" xmlns="" val="2194462629"/>
                   </a:ext>
                 </a:extLst>
               </a:tr>
@@ -3913,7 +3933,7 @@
           <p:cNvPr id="22" name="Table 21">
             <a:extLst>
               <a:ext uri="{FF2B5EF4-FFF2-40B4-BE49-F238E27FC236}">
-                <a16:creationId xmlns:a16="http://schemas.microsoft.com/office/drawing/2014/main" id="{F545FAB8-F1CE-4886-9BDE-E772BCB0A9C4}"/>
+                <a16:creationId xmlns:a16="http://schemas.microsoft.com/office/drawing/2014/main" xmlns="" id="{F545FAB8-F1CE-4886-9BDE-E772BCB0A9C4}"/>
               </a:ext>
             </a:extLst>
           </p:cNvPr>
@@ -3923,7 +3943,7 @@
           <p:nvPr>
             <p:extLst>
               <p:ext uri="{D42A27DB-BD31-4B8C-83A1-F6EECF244321}">
-                <p14:modId xmlns:p14="http://schemas.microsoft.com/office/powerpoint/2010/main" val="719723626"/>
+                <p14:modId xmlns:p14="http://schemas.microsoft.com/office/powerpoint/2010/main" val="1775075646"/>
               </p:ext>
             </p:extLst>
           </p:nvPr>
@@ -3942,7 +3962,7 @@
                 <a:gridCol w="1825824">
                   <a:extLst>
                     <a:ext uri="{9D8B030D-6E8A-4147-A177-3AD203B41FA5}">
-                      <a16:colId xmlns:a16="http://schemas.microsoft.com/office/drawing/2014/main" val="4240773277"/>
+                      <a16:colId xmlns:a16="http://schemas.microsoft.com/office/drawing/2014/main" xmlns="" val="4240773277"/>
                     </a:ext>
                   </a:extLst>
                 </a:gridCol>
@@ -3954,12 +3974,12 @@
                     <a:lstStyle/>
                     <a:p>
                       <a:r>
-                        <a:rPr lang="en-SG" u="sng" dirty="0"/>
-                        <a:t>ab1:</a:t>
+                        <a:rPr lang="en-SG" u="sng" smtClean="0"/>
+                        <a:t>b1:</a:t>
                       </a:r>
                       <a:r>
-                        <a:rPr lang="en-SG" sz="1800" u="sng" dirty="0"/>
-                        <a:t>AddressBook</a:t>
+                        <a:rPr lang="en-SG" sz="1800" u="sng" smtClean="0"/>
+                        <a:t>BookShelf</a:t>
                       </a:r>
                       <a:endParaRPr lang="en-SG" u="sng" dirty="0"/>
                     </a:p>
@@ -3968,7 +3988,7 @@
                 </a:tc>
                 <a:extLst>
                   <a:ext uri="{0D108BD9-81ED-4DB2-BD59-A6C34878D82A}">
-                    <a16:rowId xmlns:a16="http://schemas.microsoft.com/office/drawing/2014/main" val="2194462629"/>
+                    <a16:rowId xmlns:a16="http://schemas.microsoft.com/office/drawing/2014/main" xmlns="" val="2194462629"/>
                   </a:ext>
                 </a:extLst>
               </a:tr>
@@ -3981,7 +4001,7 @@
           <p:cNvPr id="23" name="Table 22">
             <a:extLst>
               <a:ext uri="{FF2B5EF4-FFF2-40B4-BE49-F238E27FC236}">
-                <a16:creationId xmlns:a16="http://schemas.microsoft.com/office/drawing/2014/main" id="{F545FAB8-F1CE-4886-9BDE-E772BCB0A9C4}"/>
+                <a16:creationId xmlns:a16="http://schemas.microsoft.com/office/drawing/2014/main" xmlns="" id="{F545FAB8-F1CE-4886-9BDE-E772BCB0A9C4}"/>
               </a:ext>
             </a:extLst>
           </p:cNvPr>
@@ -3991,7 +4011,7 @@
           <p:nvPr>
             <p:extLst>
               <p:ext uri="{D42A27DB-BD31-4B8C-83A1-F6EECF244321}">
-                <p14:modId xmlns:p14="http://schemas.microsoft.com/office/powerpoint/2010/main" val="3592690620"/>
+                <p14:modId xmlns:p14="http://schemas.microsoft.com/office/powerpoint/2010/main" val="853558198"/>
               </p:ext>
             </p:extLst>
           </p:nvPr>
@@ -4010,7 +4030,7 @@
                 <a:gridCol w="1825824">
                   <a:extLst>
                     <a:ext uri="{9D8B030D-6E8A-4147-A177-3AD203B41FA5}">
-                      <a16:colId xmlns:a16="http://schemas.microsoft.com/office/drawing/2014/main" val="4240773277"/>
+                      <a16:colId xmlns:a16="http://schemas.microsoft.com/office/drawing/2014/main" xmlns="" val="4240773277"/>
                     </a:ext>
                   </a:extLst>
                 </a:gridCol>
@@ -4022,12 +4042,12 @@
                     <a:lstStyle/>
                     <a:p>
                       <a:r>
-                        <a:rPr lang="en-SG" u="sng" dirty="0"/>
-                        <a:t>ab2:</a:t>
+                        <a:rPr lang="en-SG" u="sng" dirty="0" smtClean="0"/>
+                        <a:t>b2:</a:t>
                       </a:r>
                       <a:r>
-                        <a:rPr lang="en-SG" sz="1800" u="sng" dirty="0"/>
-                        <a:t>AddressBook</a:t>
+                        <a:rPr lang="en-SG" sz="1800" u="sng" dirty="0" smtClean="0"/>
+                        <a:t>BookShelf</a:t>
                       </a:r>
                       <a:endParaRPr lang="en-SG" u="sng" dirty="0"/>
                     </a:p>
@@ -4036,7 +4056,7 @@
                 </a:tc>
                 <a:extLst>
                   <a:ext uri="{0D108BD9-81ED-4DB2-BD59-A6C34878D82A}">
-                    <a16:rowId xmlns:a16="http://schemas.microsoft.com/office/drawing/2014/main" val="2194462629"/>
+                    <a16:rowId xmlns:a16="http://schemas.microsoft.com/office/drawing/2014/main" xmlns="" val="2194462629"/>
                   </a:ext>
                 </a:extLst>
               </a:tr>
@@ -4049,7 +4069,7 @@
           <p:cNvPr id="19" name="Straight Arrow Connector 18">
             <a:extLst>
               <a:ext uri="{FF2B5EF4-FFF2-40B4-BE49-F238E27FC236}">
-                <a16:creationId xmlns:a16="http://schemas.microsoft.com/office/drawing/2014/main" id="{DC8F2CFA-FFF8-41BD-B884-8ACDF8C96486}"/>
+                <a16:creationId xmlns:a16="http://schemas.microsoft.com/office/drawing/2014/main" xmlns="" id="{DC8F2CFA-FFF8-41BD-B884-8ACDF8C96486}"/>
               </a:ext>
             </a:extLst>
           </p:cNvPr>
@@ -4093,7 +4113,7 @@
           <p:cNvPr id="25" name="Straight Arrow Connector 24">
             <a:extLst>
               <a:ext uri="{FF2B5EF4-FFF2-40B4-BE49-F238E27FC236}">
-                <a16:creationId xmlns:a16="http://schemas.microsoft.com/office/drawing/2014/main" id="{CC39FF7A-ED45-4697-B75C-01E9C1C55F2A}"/>
+                <a16:creationId xmlns:a16="http://schemas.microsoft.com/office/drawing/2014/main" xmlns="" id="{CC39FF7A-ED45-4697-B75C-01E9C1C55F2A}"/>
               </a:ext>
             </a:extLst>
           </p:cNvPr>

--- a/docs/diagrams/UndoRedoExecuteUndoStateListDiagram.pptx
+++ b/docs/diagrams/UndoRedoExecuteUndoStateListDiagram.pptx
@@ -112,10 +112,6 @@
 </p:presentation>
 </file>
 
-<file path=ppt/revisionInfo.xml><?xml version="1.0" encoding="utf-8"?>
-<p1510:revInfo xmlns:a="http://schemas.openxmlformats.org/drawingml/2006/main" xmlns:r="http://schemas.openxmlformats.org/officeDocument/2006/relationships" xmlns:p1510="http://schemas.microsoft.com/office/powerpoint/2015/10/main"/>
-</file>
-
 <file path=ppt/slideLayouts/slideLayout1.xml><?xml version="1.0" encoding="utf-8"?>
 <p:sldLayout xmlns:a="http://schemas.openxmlformats.org/drawingml/2006/main" xmlns:r="http://schemas.openxmlformats.org/officeDocument/2006/relationships" xmlns:p="http://schemas.openxmlformats.org/presentationml/2006/main" type="title" preserve="1">
   <p:cSld name="Title Slide">
@@ -265,7 +261,7 @@
           <a:p>
             <a:fld id="{03EC4E3E-8101-482F-A883-8B55DAFF7C07}" type="datetimeFigureOut">
               <a:rPr lang="en-SG" smtClean="0"/>
-              <a:t>6/7/2018</a:t>
+              <a:t>17/3/2019</a:t>
             </a:fld>
             <a:endParaRPr lang="en-SG"/>
           </a:p>
@@ -465,7 +461,7 @@
           <a:p>
             <a:fld id="{03EC4E3E-8101-482F-A883-8B55DAFF7C07}" type="datetimeFigureOut">
               <a:rPr lang="en-SG" smtClean="0"/>
-              <a:t>6/7/2018</a:t>
+              <a:t>17/3/2019</a:t>
             </a:fld>
             <a:endParaRPr lang="en-SG"/>
           </a:p>
@@ -675,7 +671,7 @@
           <a:p>
             <a:fld id="{03EC4E3E-8101-482F-A883-8B55DAFF7C07}" type="datetimeFigureOut">
               <a:rPr lang="en-SG" smtClean="0"/>
-              <a:t>6/7/2018</a:t>
+              <a:t>17/3/2019</a:t>
             </a:fld>
             <a:endParaRPr lang="en-SG"/>
           </a:p>
@@ -875,7 +871,7 @@
           <a:p>
             <a:fld id="{03EC4E3E-8101-482F-A883-8B55DAFF7C07}" type="datetimeFigureOut">
               <a:rPr lang="en-SG" smtClean="0"/>
-              <a:t>6/7/2018</a:t>
+              <a:t>17/3/2019</a:t>
             </a:fld>
             <a:endParaRPr lang="en-SG"/>
           </a:p>
@@ -1151,7 +1147,7 @@
           <a:p>
             <a:fld id="{03EC4E3E-8101-482F-A883-8B55DAFF7C07}" type="datetimeFigureOut">
               <a:rPr lang="en-SG" smtClean="0"/>
-              <a:t>6/7/2018</a:t>
+              <a:t>17/3/2019</a:t>
             </a:fld>
             <a:endParaRPr lang="en-SG"/>
           </a:p>
@@ -1419,7 +1415,7 @@
           <a:p>
             <a:fld id="{03EC4E3E-8101-482F-A883-8B55DAFF7C07}" type="datetimeFigureOut">
               <a:rPr lang="en-SG" smtClean="0"/>
-              <a:t>6/7/2018</a:t>
+              <a:t>17/3/2019</a:t>
             </a:fld>
             <a:endParaRPr lang="en-SG"/>
           </a:p>
@@ -1834,7 +1830,7 @@
           <a:p>
             <a:fld id="{03EC4E3E-8101-482F-A883-8B55DAFF7C07}" type="datetimeFigureOut">
               <a:rPr lang="en-SG" smtClean="0"/>
-              <a:t>6/7/2018</a:t>
+              <a:t>17/3/2019</a:t>
             </a:fld>
             <a:endParaRPr lang="en-SG"/>
           </a:p>
@@ -1976,7 +1972,7 @@
           <a:p>
             <a:fld id="{03EC4E3E-8101-482F-A883-8B55DAFF7C07}" type="datetimeFigureOut">
               <a:rPr lang="en-SG" smtClean="0"/>
-              <a:t>6/7/2018</a:t>
+              <a:t>17/3/2019</a:t>
             </a:fld>
             <a:endParaRPr lang="en-SG"/>
           </a:p>
@@ -2089,7 +2085,7 @@
           <a:p>
             <a:fld id="{03EC4E3E-8101-482F-A883-8B55DAFF7C07}" type="datetimeFigureOut">
               <a:rPr lang="en-SG" smtClean="0"/>
-              <a:t>6/7/2018</a:t>
+              <a:t>17/3/2019</a:t>
             </a:fld>
             <a:endParaRPr lang="en-SG"/>
           </a:p>
@@ -2402,7 +2398,7 @@
           <a:p>
             <a:fld id="{03EC4E3E-8101-482F-A883-8B55DAFF7C07}" type="datetimeFigureOut">
               <a:rPr lang="en-SG" smtClean="0"/>
-              <a:t>6/7/2018</a:t>
+              <a:t>17/3/2019</a:t>
             </a:fld>
             <a:endParaRPr lang="en-SG"/>
           </a:p>
@@ -2691,7 +2687,7 @@
           <a:p>
             <a:fld id="{03EC4E3E-8101-482F-A883-8B55DAFF7C07}" type="datetimeFigureOut">
               <a:rPr lang="en-SG" smtClean="0"/>
-              <a:t>6/7/2018</a:t>
+              <a:t>17/3/2019</a:t>
             </a:fld>
             <a:endParaRPr lang="en-SG"/>
           </a:p>
@@ -2934,7 +2930,7 @@
           <a:p>
             <a:fld id="{03EC4E3E-8101-482F-A883-8B55DAFF7C07}" type="datetimeFigureOut">
               <a:rPr lang="en-SG" smtClean="0"/>
-              <a:t>6/7/2018</a:t>
+              <a:t>17/3/2019</a:t>
             </a:fld>
             <a:endParaRPr lang="en-SG"/>
           </a:p>
@@ -3365,8 +3361,8 @@
         </p:nvSpPr>
         <p:spPr>
           <a:xfrm>
-            <a:off x="5890055" y="4704348"/>
-            <a:ext cx="5504846" cy="646331"/>
+            <a:off x="5890054" y="4704348"/>
+            <a:ext cx="5639325" cy="646331"/>
           </a:xfrm>
           <a:prstGeom prst="rect">
             <a:avLst/>
@@ -3407,7 +3403,7 @@
             <a:pPr algn="ctr"/>
             <a:r>
               <a:rPr lang="en-SG" dirty="0"/>
-              <a:t>The state of the address book (before ‘add n/David …’ was executed) will be restored to state ab1.</a:t>
+              <a:t>The state of the inventory (before ‘add n/Paracetamol …’ was executed) will be restored to state inventory1</a:t>
             </a:r>
           </a:p>
         </p:txBody>
@@ -3420,7 +3416,7 @@
         </p:nvSpPr>
         <p:spPr>
           <a:xfrm>
-            <a:off x="7512000" y="2116184"/>
+            <a:off x="8214365" y="2130439"/>
             <a:ext cx="1335908" cy="1558834"/>
           </a:xfrm>
           <a:prstGeom prst="downArrow">
@@ -3470,7 +3466,7 @@
         </p:nvSpPr>
         <p:spPr>
           <a:xfrm>
-            <a:off x="3917960" y="2726030"/>
+            <a:off x="4515965" y="2737352"/>
             <a:ext cx="3207000" cy="369332"/>
           </a:xfrm>
           <a:prstGeom prst="rect">
@@ -3515,14 +3511,14 @@
           <p:nvPr>
             <p:extLst>
               <p:ext uri="{D42A27DB-BD31-4B8C-83A1-F6EECF244321}">
-                <p14:modId xmlns:p14="http://schemas.microsoft.com/office/powerpoint/2010/main" val="1674993041"/>
+                <p14:modId xmlns:p14="http://schemas.microsoft.com/office/powerpoint/2010/main" val="2958494981"/>
               </p:ext>
             </p:extLst>
           </p:nvPr>
         </p:nvGraphicFramePr>
         <p:xfrm>
-          <a:off x="473240" y="1476102"/>
-          <a:ext cx="1825824" cy="417888"/>
+          <a:off x="473239" y="1476102"/>
+          <a:ext cx="2203698" cy="417888"/>
         </p:xfrm>
         <a:graphic>
           <a:graphicData uri="http://schemas.openxmlformats.org/drawingml/2006/table">
@@ -3531,7 +3527,7 @@
                 <a:tableStyleId>{638B1855-1B75-4FBE-930C-398BA8C253C6}</a:tableStyleId>
               </a:tblPr>
               <a:tblGrid>
-                <a:gridCol w="1825824">
+                <a:gridCol w="2203698">
                   <a:extLst>
                     <a:ext uri="{9D8B030D-6E8A-4147-A177-3AD203B41FA5}">
                       <a16:colId xmlns:a16="http://schemas.microsoft.com/office/drawing/2014/main" val="4240773277"/>
@@ -3545,13 +3541,14 @@
                     <a:bodyPr/>
                     <a:lstStyle/>
                     <a:p>
+                      <a:pPr algn="ctr"/>
                       <a:r>
                         <a:rPr lang="en-SG" u="sng" dirty="0"/>
-                        <a:t>ab0:</a:t>
+                        <a:t>inventory0:</a:t>
                       </a:r>
                       <a:r>
                         <a:rPr lang="en-SG" sz="1800" u="sng" dirty="0"/>
-                        <a:t>AddressBook</a:t>
+                        <a:t>Inventory</a:t>
                       </a:r>
                       <a:endParaRPr lang="en-SG" u="sng" dirty="0"/>
                     </a:p>
@@ -3628,7 +3625,7 @@
         </p:nvSpPr>
         <p:spPr>
           <a:xfrm>
-            <a:off x="1939992" y="5234888"/>
+            <a:off x="2283728" y="5197232"/>
             <a:ext cx="3207000" cy="369332"/>
           </a:xfrm>
           <a:prstGeom prst="rect">
@@ -3704,346 +3701,6 @@
           </a:p>
         </p:txBody>
       </p:sp>
-      <p:graphicFrame>
-        <p:nvGraphicFramePr>
-          <p:cNvPr id="16" name="Table 15">
-            <a:extLst>
-              <a:ext uri="{FF2B5EF4-FFF2-40B4-BE49-F238E27FC236}">
-                <a16:creationId xmlns:a16="http://schemas.microsoft.com/office/drawing/2014/main" id="{F545FAB8-F1CE-4886-9BDE-E772BCB0A9C4}"/>
-              </a:ext>
-            </a:extLst>
-          </p:cNvPr>
-          <p:cNvGraphicFramePr>
-            <a:graphicFrameLocks noGrp="1"/>
-          </p:cNvGraphicFramePr>
-          <p:nvPr>
-            <p:extLst>
-              <p:ext uri="{D42A27DB-BD31-4B8C-83A1-F6EECF244321}">
-                <p14:modId xmlns:p14="http://schemas.microsoft.com/office/powerpoint/2010/main" val="3085921390"/>
-              </p:ext>
-            </p:extLst>
-          </p:nvPr>
-        </p:nvGraphicFramePr>
-        <p:xfrm>
-          <a:off x="2440458" y="1476102"/>
-          <a:ext cx="1825824" cy="417888"/>
-        </p:xfrm>
-        <a:graphic>
-          <a:graphicData uri="http://schemas.openxmlformats.org/drawingml/2006/table">
-            <a:tbl>
-              <a:tblPr>
-                <a:tableStyleId>{638B1855-1B75-4FBE-930C-398BA8C253C6}</a:tableStyleId>
-              </a:tblPr>
-              <a:tblGrid>
-                <a:gridCol w="1825824">
-                  <a:extLst>
-                    <a:ext uri="{9D8B030D-6E8A-4147-A177-3AD203B41FA5}">
-                      <a16:colId xmlns:a16="http://schemas.microsoft.com/office/drawing/2014/main" val="4240773277"/>
-                    </a:ext>
-                  </a:extLst>
-                </a:gridCol>
-              </a:tblGrid>
-              <a:tr h="417888">
-                <a:tc>
-                  <a:txBody>
-                    <a:bodyPr/>
-                    <a:lstStyle/>
-                    <a:p>
-                      <a:r>
-                        <a:rPr lang="en-SG" u="sng" dirty="0"/>
-                        <a:t>ab1:</a:t>
-                      </a:r>
-                      <a:r>
-                        <a:rPr lang="en-SG" sz="1800" u="sng" dirty="0"/>
-                        <a:t>AddressBook</a:t>
-                      </a:r>
-                      <a:endParaRPr lang="en-SG" u="sng" dirty="0"/>
-                    </a:p>
-                  </a:txBody>
-                  <a:tcPr/>
-                </a:tc>
-                <a:extLst>
-                  <a:ext uri="{0D108BD9-81ED-4DB2-BD59-A6C34878D82A}">
-                    <a16:rowId xmlns:a16="http://schemas.microsoft.com/office/drawing/2014/main" val="2194462629"/>
-                  </a:ext>
-                </a:extLst>
-              </a:tr>
-            </a:tbl>
-          </a:graphicData>
-        </a:graphic>
-      </p:graphicFrame>
-      <p:graphicFrame>
-        <p:nvGraphicFramePr>
-          <p:cNvPr id="20" name="Table 19">
-            <a:extLst>
-              <a:ext uri="{FF2B5EF4-FFF2-40B4-BE49-F238E27FC236}">
-                <a16:creationId xmlns:a16="http://schemas.microsoft.com/office/drawing/2014/main" id="{F545FAB8-F1CE-4886-9BDE-E772BCB0A9C4}"/>
-              </a:ext>
-            </a:extLst>
-          </p:cNvPr>
-          <p:cNvGraphicFramePr>
-            <a:graphicFrameLocks noGrp="1"/>
-          </p:cNvGraphicFramePr>
-          <p:nvPr>
-            <p:extLst>
-              <p:ext uri="{D42A27DB-BD31-4B8C-83A1-F6EECF244321}">
-                <p14:modId xmlns:p14="http://schemas.microsoft.com/office/powerpoint/2010/main" val="3504448791"/>
-              </p:ext>
-            </p:extLst>
-          </p:nvPr>
-        </p:nvGraphicFramePr>
-        <p:xfrm>
-          <a:off x="4409785" y="1476102"/>
-          <a:ext cx="1825824" cy="417888"/>
-        </p:xfrm>
-        <a:graphic>
-          <a:graphicData uri="http://schemas.openxmlformats.org/drawingml/2006/table">
-            <a:tbl>
-              <a:tblPr>
-                <a:tableStyleId>{638B1855-1B75-4FBE-930C-398BA8C253C6}</a:tableStyleId>
-              </a:tblPr>
-              <a:tblGrid>
-                <a:gridCol w="1825824">
-                  <a:extLst>
-                    <a:ext uri="{9D8B030D-6E8A-4147-A177-3AD203B41FA5}">
-                      <a16:colId xmlns:a16="http://schemas.microsoft.com/office/drawing/2014/main" val="4240773277"/>
-                    </a:ext>
-                  </a:extLst>
-                </a:gridCol>
-              </a:tblGrid>
-              <a:tr h="417888">
-                <a:tc>
-                  <a:txBody>
-                    <a:bodyPr/>
-                    <a:lstStyle/>
-                    <a:p>
-                      <a:r>
-                        <a:rPr lang="en-SG" u="sng" dirty="0"/>
-                        <a:t>ab2:</a:t>
-                      </a:r>
-                      <a:r>
-                        <a:rPr lang="en-SG" sz="1800" u="sng" dirty="0"/>
-                        <a:t>AddressBook</a:t>
-                      </a:r>
-                      <a:endParaRPr lang="en-SG" u="sng" dirty="0"/>
-                    </a:p>
-                  </a:txBody>
-                  <a:tcPr/>
-                </a:tc>
-                <a:extLst>
-                  <a:ext uri="{0D108BD9-81ED-4DB2-BD59-A6C34878D82A}">
-                    <a16:rowId xmlns:a16="http://schemas.microsoft.com/office/drawing/2014/main" val="2194462629"/>
-                  </a:ext>
-                </a:extLst>
-              </a:tr>
-            </a:tbl>
-          </a:graphicData>
-        </a:graphic>
-      </p:graphicFrame>
-      <p:graphicFrame>
-        <p:nvGraphicFramePr>
-          <p:cNvPr id="21" name="Table 20">
-            <a:extLst>
-              <a:ext uri="{FF2B5EF4-FFF2-40B4-BE49-F238E27FC236}">
-                <a16:creationId xmlns:a16="http://schemas.microsoft.com/office/drawing/2014/main" id="{F545FAB8-F1CE-4886-9BDE-E772BCB0A9C4}"/>
-              </a:ext>
-            </a:extLst>
-          </p:cNvPr>
-          <p:cNvGraphicFramePr>
-            <a:graphicFrameLocks noGrp="1"/>
-          </p:cNvGraphicFramePr>
-          <p:nvPr>
-            <p:extLst>
-              <p:ext uri="{D42A27DB-BD31-4B8C-83A1-F6EECF244321}">
-                <p14:modId xmlns:p14="http://schemas.microsoft.com/office/powerpoint/2010/main" val="3880678430"/>
-              </p:ext>
-            </p:extLst>
-          </p:nvPr>
-        </p:nvGraphicFramePr>
-        <p:xfrm>
-          <a:off x="473240" y="3922133"/>
-          <a:ext cx="1825824" cy="417888"/>
-        </p:xfrm>
-        <a:graphic>
-          <a:graphicData uri="http://schemas.openxmlformats.org/drawingml/2006/table">
-            <a:tbl>
-              <a:tblPr>
-                <a:tableStyleId>{638B1855-1B75-4FBE-930C-398BA8C253C6}</a:tableStyleId>
-              </a:tblPr>
-              <a:tblGrid>
-                <a:gridCol w="1825824">
-                  <a:extLst>
-                    <a:ext uri="{9D8B030D-6E8A-4147-A177-3AD203B41FA5}">
-                      <a16:colId xmlns:a16="http://schemas.microsoft.com/office/drawing/2014/main" val="4240773277"/>
-                    </a:ext>
-                  </a:extLst>
-                </a:gridCol>
-              </a:tblGrid>
-              <a:tr h="417888">
-                <a:tc>
-                  <a:txBody>
-                    <a:bodyPr/>
-                    <a:lstStyle/>
-                    <a:p>
-                      <a:r>
-                        <a:rPr lang="en-SG" u="sng" dirty="0"/>
-                        <a:t>ab0:</a:t>
-                      </a:r>
-                      <a:r>
-                        <a:rPr lang="en-SG" sz="1800" u="sng" dirty="0"/>
-                        <a:t>AddressBook</a:t>
-                      </a:r>
-                      <a:endParaRPr lang="en-SG" u="sng" dirty="0"/>
-                    </a:p>
-                  </a:txBody>
-                  <a:tcPr/>
-                </a:tc>
-                <a:extLst>
-                  <a:ext uri="{0D108BD9-81ED-4DB2-BD59-A6C34878D82A}">
-                    <a16:rowId xmlns:a16="http://schemas.microsoft.com/office/drawing/2014/main" val="2194462629"/>
-                  </a:ext>
-                </a:extLst>
-              </a:tr>
-            </a:tbl>
-          </a:graphicData>
-        </a:graphic>
-      </p:graphicFrame>
-      <p:graphicFrame>
-        <p:nvGraphicFramePr>
-          <p:cNvPr id="22" name="Table 21">
-            <a:extLst>
-              <a:ext uri="{FF2B5EF4-FFF2-40B4-BE49-F238E27FC236}">
-                <a16:creationId xmlns:a16="http://schemas.microsoft.com/office/drawing/2014/main" id="{F545FAB8-F1CE-4886-9BDE-E772BCB0A9C4}"/>
-              </a:ext>
-            </a:extLst>
-          </p:cNvPr>
-          <p:cNvGraphicFramePr>
-            <a:graphicFrameLocks noGrp="1"/>
-          </p:cNvGraphicFramePr>
-          <p:nvPr>
-            <p:extLst>
-              <p:ext uri="{D42A27DB-BD31-4B8C-83A1-F6EECF244321}">
-                <p14:modId xmlns:p14="http://schemas.microsoft.com/office/powerpoint/2010/main" val="719723626"/>
-              </p:ext>
-            </p:extLst>
-          </p:nvPr>
-        </p:nvGraphicFramePr>
-        <p:xfrm>
-          <a:off x="2440458" y="3922133"/>
-          <a:ext cx="1825824" cy="417888"/>
-        </p:xfrm>
-        <a:graphic>
-          <a:graphicData uri="http://schemas.openxmlformats.org/drawingml/2006/table">
-            <a:tbl>
-              <a:tblPr>
-                <a:tableStyleId>{638B1855-1B75-4FBE-930C-398BA8C253C6}</a:tableStyleId>
-              </a:tblPr>
-              <a:tblGrid>
-                <a:gridCol w="1825824">
-                  <a:extLst>
-                    <a:ext uri="{9D8B030D-6E8A-4147-A177-3AD203B41FA5}">
-                      <a16:colId xmlns:a16="http://schemas.microsoft.com/office/drawing/2014/main" val="4240773277"/>
-                    </a:ext>
-                  </a:extLst>
-                </a:gridCol>
-              </a:tblGrid>
-              <a:tr h="417888">
-                <a:tc>
-                  <a:txBody>
-                    <a:bodyPr/>
-                    <a:lstStyle/>
-                    <a:p>
-                      <a:r>
-                        <a:rPr lang="en-SG" u="sng" dirty="0"/>
-                        <a:t>ab1:</a:t>
-                      </a:r>
-                      <a:r>
-                        <a:rPr lang="en-SG" sz="1800" u="sng" dirty="0"/>
-                        <a:t>AddressBook</a:t>
-                      </a:r>
-                      <a:endParaRPr lang="en-SG" u="sng" dirty="0"/>
-                    </a:p>
-                  </a:txBody>
-                  <a:tcPr/>
-                </a:tc>
-                <a:extLst>
-                  <a:ext uri="{0D108BD9-81ED-4DB2-BD59-A6C34878D82A}">
-                    <a16:rowId xmlns:a16="http://schemas.microsoft.com/office/drawing/2014/main" val="2194462629"/>
-                  </a:ext>
-                </a:extLst>
-              </a:tr>
-            </a:tbl>
-          </a:graphicData>
-        </a:graphic>
-      </p:graphicFrame>
-      <p:graphicFrame>
-        <p:nvGraphicFramePr>
-          <p:cNvPr id="23" name="Table 22">
-            <a:extLst>
-              <a:ext uri="{FF2B5EF4-FFF2-40B4-BE49-F238E27FC236}">
-                <a16:creationId xmlns:a16="http://schemas.microsoft.com/office/drawing/2014/main" id="{F545FAB8-F1CE-4886-9BDE-E772BCB0A9C4}"/>
-              </a:ext>
-            </a:extLst>
-          </p:cNvPr>
-          <p:cNvGraphicFramePr>
-            <a:graphicFrameLocks noGrp="1"/>
-          </p:cNvGraphicFramePr>
-          <p:nvPr>
-            <p:extLst>
-              <p:ext uri="{D42A27DB-BD31-4B8C-83A1-F6EECF244321}">
-                <p14:modId xmlns:p14="http://schemas.microsoft.com/office/powerpoint/2010/main" val="3592690620"/>
-              </p:ext>
-            </p:extLst>
-          </p:nvPr>
-        </p:nvGraphicFramePr>
-        <p:xfrm>
-          <a:off x="4409785" y="3922133"/>
-          <a:ext cx="1825824" cy="417888"/>
-        </p:xfrm>
-        <a:graphic>
-          <a:graphicData uri="http://schemas.openxmlformats.org/drawingml/2006/table">
-            <a:tbl>
-              <a:tblPr>
-                <a:tableStyleId>{638B1855-1B75-4FBE-930C-398BA8C253C6}</a:tableStyleId>
-              </a:tblPr>
-              <a:tblGrid>
-                <a:gridCol w="1825824">
-                  <a:extLst>
-                    <a:ext uri="{9D8B030D-6E8A-4147-A177-3AD203B41FA5}">
-                      <a16:colId xmlns:a16="http://schemas.microsoft.com/office/drawing/2014/main" val="4240773277"/>
-                    </a:ext>
-                  </a:extLst>
-                </a:gridCol>
-              </a:tblGrid>
-              <a:tr h="417888">
-                <a:tc>
-                  <a:txBody>
-                    <a:bodyPr/>
-                    <a:lstStyle/>
-                    <a:p>
-                      <a:r>
-                        <a:rPr lang="en-SG" u="sng" dirty="0"/>
-                        <a:t>ab2:</a:t>
-                      </a:r>
-                      <a:r>
-                        <a:rPr lang="en-SG" sz="1800" u="sng" dirty="0"/>
-                        <a:t>AddressBook</a:t>
-                      </a:r>
-                      <a:endParaRPr lang="en-SG" u="sng" dirty="0"/>
-                    </a:p>
-                  </a:txBody>
-                  <a:tcPr/>
-                </a:tc>
-                <a:extLst>
-                  <a:ext uri="{0D108BD9-81ED-4DB2-BD59-A6C34878D82A}">
-                    <a16:rowId xmlns:a16="http://schemas.microsoft.com/office/drawing/2014/main" val="2194462629"/>
-                  </a:ext>
-                </a:extLst>
-              </a:tr>
-            </a:tbl>
-          </a:graphicData>
-        </a:graphic>
-      </p:graphicFrame>
       <p:cxnSp>
         <p:nvCxnSpPr>
           <p:cNvPr id="19" name="Straight Arrow Connector 18">
@@ -4060,7 +3717,7 @@
         </p:nvCxnSpPr>
         <p:spPr>
           <a:xfrm flipV="1">
-            <a:off x="5377343" y="2019157"/>
+            <a:off x="6119465" y="2019157"/>
             <a:ext cx="0" cy="706873"/>
           </a:xfrm>
           <a:prstGeom prst="straightConnector1">
@@ -4104,7 +3761,7 @@
         </p:nvCxnSpPr>
         <p:spPr>
           <a:xfrm flipV="1">
-            <a:off x="3380763" y="4504888"/>
+            <a:off x="3887228" y="4432492"/>
             <a:ext cx="0" cy="730001"/>
           </a:xfrm>
           <a:prstGeom prst="straightConnector1">
@@ -4132,6 +3789,351 @@
           </a:fontRef>
         </p:style>
       </p:cxnSp>
+      <p:graphicFrame>
+        <p:nvGraphicFramePr>
+          <p:cNvPr id="26" name="Table 25">
+            <a:extLst>
+              <a:ext uri="{FF2B5EF4-FFF2-40B4-BE49-F238E27FC236}">
+                <a16:creationId xmlns:a16="http://schemas.microsoft.com/office/drawing/2014/main" id="{75A6774F-EB61-4DBB-BA05-888F54FABE1C}"/>
+              </a:ext>
+            </a:extLst>
+          </p:cNvPr>
+          <p:cNvGraphicFramePr>
+            <a:graphicFrameLocks noGrp="1"/>
+          </p:cNvGraphicFramePr>
+          <p:nvPr>
+            <p:extLst>
+              <p:ext uri="{D42A27DB-BD31-4B8C-83A1-F6EECF244321}">
+                <p14:modId xmlns:p14="http://schemas.microsoft.com/office/powerpoint/2010/main" val="697085036"/>
+              </p:ext>
+            </p:extLst>
+          </p:nvPr>
+        </p:nvGraphicFramePr>
+        <p:xfrm>
+          <a:off x="2785379" y="1475216"/>
+          <a:ext cx="2203698" cy="417888"/>
+        </p:xfrm>
+        <a:graphic>
+          <a:graphicData uri="http://schemas.openxmlformats.org/drawingml/2006/table">
+            <a:tbl>
+              <a:tblPr>
+                <a:tableStyleId>{638B1855-1B75-4FBE-930C-398BA8C253C6}</a:tableStyleId>
+              </a:tblPr>
+              <a:tblGrid>
+                <a:gridCol w="2203698">
+                  <a:extLst>
+                    <a:ext uri="{9D8B030D-6E8A-4147-A177-3AD203B41FA5}">
+                      <a16:colId xmlns:a16="http://schemas.microsoft.com/office/drawing/2014/main" val="4240773277"/>
+                    </a:ext>
+                  </a:extLst>
+                </a:gridCol>
+              </a:tblGrid>
+              <a:tr h="417888">
+                <a:tc>
+                  <a:txBody>
+                    <a:bodyPr/>
+                    <a:lstStyle/>
+                    <a:p>
+                      <a:pPr algn="ctr"/>
+                      <a:r>
+                        <a:rPr lang="en-SG" u="sng" dirty="0"/>
+                        <a:t>inventory1:</a:t>
+                      </a:r>
+                      <a:r>
+                        <a:rPr lang="en-SG" sz="1800" u="sng" dirty="0"/>
+                        <a:t>Inventory</a:t>
+                      </a:r>
+                      <a:endParaRPr lang="en-SG" u="sng" dirty="0"/>
+                    </a:p>
+                  </a:txBody>
+                  <a:tcPr/>
+                </a:tc>
+                <a:extLst>
+                  <a:ext uri="{0D108BD9-81ED-4DB2-BD59-A6C34878D82A}">
+                    <a16:rowId xmlns:a16="http://schemas.microsoft.com/office/drawing/2014/main" val="2194462629"/>
+                  </a:ext>
+                </a:extLst>
+              </a:tr>
+            </a:tbl>
+          </a:graphicData>
+        </a:graphic>
+      </p:graphicFrame>
+      <p:graphicFrame>
+        <p:nvGraphicFramePr>
+          <p:cNvPr id="27" name="Table 26">
+            <a:extLst>
+              <a:ext uri="{FF2B5EF4-FFF2-40B4-BE49-F238E27FC236}">
+                <a16:creationId xmlns:a16="http://schemas.microsoft.com/office/drawing/2014/main" id="{57E96A15-DCA3-4681-B04F-5C03ED35B7A5}"/>
+              </a:ext>
+            </a:extLst>
+          </p:cNvPr>
+          <p:cNvGraphicFramePr>
+            <a:graphicFrameLocks noGrp="1"/>
+          </p:cNvGraphicFramePr>
+          <p:nvPr>
+            <p:extLst>
+              <p:ext uri="{D42A27DB-BD31-4B8C-83A1-F6EECF244321}">
+                <p14:modId xmlns:p14="http://schemas.microsoft.com/office/powerpoint/2010/main" val="1004858178"/>
+              </p:ext>
+            </p:extLst>
+          </p:nvPr>
+        </p:nvGraphicFramePr>
+        <p:xfrm>
+          <a:off x="5097519" y="1475216"/>
+          <a:ext cx="2203698" cy="417888"/>
+        </p:xfrm>
+        <a:graphic>
+          <a:graphicData uri="http://schemas.openxmlformats.org/drawingml/2006/table">
+            <a:tbl>
+              <a:tblPr>
+                <a:tableStyleId>{638B1855-1B75-4FBE-930C-398BA8C253C6}</a:tableStyleId>
+              </a:tblPr>
+              <a:tblGrid>
+                <a:gridCol w="2203698">
+                  <a:extLst>
+                    <a:ext uri="{9D8B030D-6E8A-4147-A177-3AD203B41FA5}">
+                      <a16:colId xmlns:a16="http://schemas.microsoft.com/office/drawing/2014/main" val="4240773277"/>
+                    </a:ext>
+                  </a:extLst>
+                </a:gridCol>
+              </a:tblGrid>
+              <a:tr h="417888">
+                <a:tc>
+                  <a:txBody>
+                    <a:bodyPr/>
+                    <a:lstStyle/>
+                    <a:p>
+                      <a:pPr algn="ctr"/>
+                      <a:r>
+                        <a:rPr lang="en-SG" u="sng" dirty="0"/>
+                        <a:t>inventory2:</a:t>
+                      </a:r>
+                      <a:r>
+                        <a:rPr lang="en-SG" sz="1800" u="sng" dirty="0"/>
+                        <a:t>Inventory</a:t>
+                      </a:r>
+                      <a:endParaRPr lang="en-SG" u="sng" dirty="0"/>
+                    </a:p>
+                  </a:txBody>
+                  <a:tcPr/>
+                </a:tc>
+                <a:extLst>
+                  <a:ext uri="{0D108BD9-81ED-4DB2-BD59-A6C34878D82A}">
+                    <a16:rowId xmlns:a16="http://schemas.microsoft.com/office/drawing/2014/main" val="2194462629"/>
+                  </a:ext>
+                </a:extLst>
+              </a:tr>
+            </a:tbl>
+          </a:graphicData>
+        </a:graphic>
+      </p:graphicFrame>
+      <p:graphicFrame>
+        <p:nvGraphicFramePr>
+          <p:cNvPr id="30" name="Table 29">
+            <a:extLst>
+              <a:ext uri="{FF2B5EF4-FFF2-40B4-BE49-F238E27FC236}">
+                <a16:creationId xmlns:a16="http://schemas.microsoft.com/office/drawing/2014/main" id="{05629C81-5A4E-40D9-893F-EF561308A44C}"/>
+              </a:ext>
+            </a:extLst>
+          </p:cNvPr>
+          <p:cNvGraphicFramePr>
+            <a:graphicFrameLocks noGrp="1"/>
+          </p:cNvGraphicFramePr>
+          <p:nvPr>
+            <p:extLst>
+              <p:ext uri="{D42A27DB-BD31-4B8C-83A1-F6EECF244321}">
+                <p14:modId xmlns:p14="http://schemas.microsoft.com/office/powerpoint/2010/main" val="2888807130"/>
+              </p:ext>
+            </p:extLst>
+          </p:nvPr>
+        </p:nvGraphicFramePr>
+        <p:xfrm>
+          <a:off x="473239" y="3934059"/>
+          <a:ext cx="2203698" cy="417888"/>
+        </p:xfrm>
+        <a:graphic>
+          <a:graphicData uri="http://schemas.openxmlformats.org/drawingml/2006/table">
+            <a:tbl>
+              <a:tblPr>
+                <a:tableStyleId>{638B1855-1B75-4FBE-930C-398BA8C253C6}</a:tableStyleId>
+              </a:tblPr>
+              <a:tblGrid>
+                <a:gridCol w="2203698">
+                  <a:extLst>
+                    <a:ext uri="{9D8B030D-6E8A-4147-A177-3AD203B41FA5}">
+                      <a16:colId xmlns:a16="http://schemas.microsoft.com/office/drawing/2014/main" val="4240773277"/>
+                    </a:ext>
+                  </a:extLst>
+                </a:gridCol>
+              </a:tblGrid>
+              <a:tr h="417888">
+                <a:tc>
+                  <a:txBody>
+                    <a:bodyPr/>
+                    <a:lstStyle/>
+                    <a:p>
+                      <a:pPr algn="ctr"/>
+                      <a:r>
+                        <a:rPr lang="en-SG" u="sng" dirty="0"/>
+                        <a:t>inventory0:</a:t>
+                      </a:r>
+                      <a:r>
+                        <a:rPr lang="en-SG" sz="1800" u="sng" dirty="0"/>
+                        <a:t>Inventory</a:t>
+                      </a:r>
+                      <a:endParaRPr lang="en-SG" u="sng" dirty="0"/>
+                    </a:p>
+                  </a:txBody>
+                  <a:tcPr/>
+                </a:tc>
+                <a:extLst>
+                  <a:ext uri="{0D108BD9-81ED-4DB2-BD59-A6C34878D82A}">
+                    <a16:rowId xmlns:a16="http://schemas.microsoft.com/office/drawing/2014/main" val="2194462629"/>
+                  </a:ext>
+                </a:extLst>
+              </a:tr>
+            </a:tbl>
+          </a:graphicData>
+        </a:graphic>
+      </p:graphicFrame>
+      <p:graphicFrame>
+        <p:nvGraphicFramePr>
+          <p:cNvPr id="31" name="Table 30">
+            <a:extLst>
+              <a:ext uri="{FF2B5EF4-FFF2-40B4-BE49-F238E27FC236}">
+                <a16:creationId xmlns:a16="http://schemas.microsoft.com/office/drawing/2014/main" id="{17AFB569-D3B3-47DB-B2D2-F988B41CA0FF}"/>
+              </a:ext>
+            </a:extLst>
+          </p:cNvPr>
+          <p:cNvGraphicFramePr>
+            <a:graphicFrameLocks noGrp="1"/>
+          </p:cNvGraphicFramePr>
+          <p:nvPr>
+            <p:extLst>
+              <p:ext uri="{D42A27DB-BD31-4B8C-83A1-F6EECF244321}">
+                <p14:modId xmlns:p14="http://schemas.microsoft.com/office/powerpoint/2010/main" val="336744631"/>
+              </p:ext>
+            </p:extLst>
+          </p:nvPr>
+        </p:nvGraphicFramePr>
+        <p:xfrm>
+          <a:off x="2785379" y="3933173"/>
+          <a:ext cx="2203698" cy="417888"/>
+        </p:xfrm>
+        <a:graphic>
+          <a:graphicData uri="http://schemas.openxmlformats.org/drawingml/2006/table">
+            <a:tbl>
+              <a:tblPr>
+                <a:tableStyleId>{638B1855-1B75-4FBE-930C-398BA8C253C6}</a:tableStyleId>
+              </a:tblPr>
+              <a:tblGrid>
+                <a:gridCol w="2203698">
+                  <a:extLst>
+                    <a:ext uri="{9D8B030D-6E8A-4147-A177-3AD203B41FA5}">
+                      <a16:colId xmlns:a16="http://schemas.microsoft.com/office/drawing/2014/main" val="4240773277"/>
+                    </a:ext>
+                  </a:extLst>
+                </a:gridCol>
+              </a:tblGrid>
+              <a:tr h="417888">
+                <a:tc>
+                  <a:txBody>
+                    <a:bodyPr/>
+                    <a:lstStyle/>
+                    <a:p>
+                      <a:pPr algn="ctr"/>
+                      <a:r>
+                        <a:rPr lang="en-SG" u="sng" dirty="0"/>
+                        <a:t>inventory1:</a:t>
+                      </a:r>
+                      <a:r>
+                        <a:rPr lang="en-SG" sz="1800" u="sng" dirty="0"/>
+                        <a:t>Inventory</a:t>
+                      </a:r>
+                      <a:endParaRPr lang="en-SG" u="sng" dirty="0"/>
+                    </a:p>
+                  </a:txBody>
+                  <a:tcPr/>
+                </a:tc>
+                <a:extLst>
+                  <a:ext uri="{0D108BD9-81ED-4DB2-BD59-A6C34878D82A}">
+                    <a16:rowId xmlns:a16="http://schemas.microsoft.com/office/drawing/2014/main" val="2194462629"/>
+                  </a:ext>
+                </a:extLst>
+              </a:tr>
+            </a:tbl>
+          </a:graphicData>
+        </a:graphic>
+      </p:graphicFrame>
+      <p:graphicFrame>
+        <p:nvGraphicFramePr>
+          <p:cNvPr id="32" name="Table 31">
+            <a:extLst>
+              <a:ext uri="{FF2B5EF4-FFF2-40B4-BE49-F238E27FC236}">
+                <a16:creationId xmlns:a16="http://schemas.microsoft.com/office/drawing/2014/main" id="{4F34206C-4891-43E6-A077-5118C61C976E}"/>
+              </a:ext>
+            </a:extLst>
+          </p:cNvPr>
+          <p:cNvGraphicFramePr>
+            <a:graphicFrameLocks noGrp="1"/>
+          </p:cNvGraphicFramePr>
+          <p:nvPr>
+            <p:extLst>
+              <p:ext uri="{D42A27DB-BD31-4B8C-83A1-F6EECF244321}">
+                <p14:modId xmlns:p14="http://schemas.microsoft.com/office/powerpoint/2010/main" val="1437497436"/>
+              </p:ext>
+            </p:extLst>
+          </p:nvPr>
+        </p:nvGraphicFramePr>
+        <p:xfrm>
+          <a:off x="5097519" y="3933173"/>
+          <a:ext cx="2203698" cy="417888"/>
+        </p:xfrm>
+        <a:graphic>
+          <a:graphicData uri="http://schemas.openxmlformats.org/drawingml/2006/table">
+            <a:tbl>
+              <a:tblPr>
+                <a:tableStyleId>{638B1855-1B75-4FBE-930C-398BA8C253C6}</a:tableStyleId>
+              </a:tblPr>
+              <a:tblGrid>
+                <a:gridCol w="2203698">
+                  <a:extLst>
+                    <a:ext uri="{9D8B030D-6E8A-4147-A177-3AD203B41FA5}">
+                      <a16:colId xmlns:a16="http://schemas.microsoft.com/office/drawing/2014/main" val="4240773277"/>
+                    </a:ext>
+                  </a:extLst>
+                </a:gridCol>
+              </a:tblGrid>
+              <a:tr h="417888">
+                <a:tc>
+                  <a:txBody>
+                    <a:bodyPr/>
+                    <a:lstStyle/>
+                    <a:p>
+                      <a:pPr algn="ctr"/>
+                      <a:r>
+                        <a:rPr lang="en-SG" u="sng" dirty="0"/>
+                        <a:t>inventory2:</a:t>
+                      </a:r>
+                      <a:r>
+                        <a:rPr lang="en-SG" sz="1800" u="sng" dirty="0"/>
+                        <a:t>Inventory</a:t>
+                      </a:r>
+                      <a:endParaRPr lang="en-SG" u="sng" dirty="0"/>
+                    </a:p>
+                  </a:txBody>
+                  <a:tcPr/>
+                </a:tc>
+                <a:extLst>
+                  <a:ext uri="{0D108BD9-81ED-4DB2-BD59-A6C34878D82A}">
+                    <a16:rowId xmlns:a16="http://schemas.microsoft.com/office/drawing/2014/main" val="2194462629"/>
+                  </a:ext>
+                </a:extLst>
+              </a:tr>
+            </a:tbl>
+          </a:graphicData>
+        </a:graphic>
+      </p:graphicFrame>
     </p:spTree>
     <p:extLst>
       <p:ext uri="{BB962C8B-B14F-4D97-AF65-F5344CB8AC3E}">

--- a/docs/diagrams/UndoRedoExecuteUndoStateListDiagram.pptx
+++ b/docs/diagrams/UndoRedoExecuteUndoStateListDiagram.pptx
@@ -112,10 +112,6 @@
 </p:presentation>
 </file>
 
-<file path=ppt/revisionInfo.xml><?xml version="1.0" encoding="utf-8"?>
-<p1510:revInfo xmlns:a="http://schemas.openxmlformats.org/drawingml/2006/main" xmlns:r="http://schemas.openxmlformats.org/officeDocument/2006/relationships" xmlns:p1510="http://schemas.microsoft.com/office/powerpoint/2015/10/main"/>
-</file>
-
 <file path=ppt/slideLayouts/slideLayout1.xml><?xml version="1.0" encoding="utf-8"?>
 <p:sldLayout xmlns:a="http://schemas.openxmlformats.org/drawingml/2006/main" xmlns:r="http://schemas.openxmlformats.org/officeDocument/2006/relationships" xmlns:p="http://schemas.openxmlformats.org/presentationml/2006/main" type="title" preserve="1">
   <p:cSld name="Title Slide">
@@ -265,7 +261,7 @@
           <a:p>
             <a:fld id="{03EC4E3E-8101-482F-A883-8B55DAFF7C07}" type="datetimeFigureOut">
               <a:rPr lang="en-SG" smtClean="0"/>
-              <a:t>6/7/2018</a:t>
+              <a:t>18/3/19</a:t>
             </a:fld>
             <a:endParaRPr lang="en-SG"/>
           </a:p>
@@ -465,7 +461,7 @@
           <a:p>
             <a:fld id="{03EC4E3E-8101-482F-A883-8B55DAFF7C07}" type="datetimeFigureOut">
               <a:rPr lang="en-SG" smtClean="0"/>
-              <a:t>6/7/2018</a:t>
+              <a:t>18/3/19</a:t>
             </a:fld>
             <a:endParaRPr lang="en-SG"/>
           </a:p>
@@ -675,7 +671,7 @@
           <a:p>
             <a:fld id="{03EC4E3E-8101-482F-A883-8B55DAFF7C07}" type="datetimeFigureOut">
               <a:rPr lang="en-SG" smtClean="0"/>
-              <a:t>6/7/2018</a:t>
+              <a:t>18/3/19</a:t>
             </a:fld>
             <a:endParaRPr lang="en-SG"/>
           </a:p>
@@ -875,7 +871,7 @@
           <a:p>
             <a:fld id="{03EC4E3E-8101-482F-A883-8B55DAFF7C07}" type="datetimeFigureOut">
               <a:rPr lang="en-SG" smtClean="0"/>
-              <a:t>6/7/2018</a:t>
+              <a:t>18/3/19</a:t>
             </a:fld>
             <a:endParaRPr lang="en-SG"/>
           </a:p>
@@ -1151,7 +1147,7 @@
           <a:p>
             <a:fld id="{03EC4E3E-8101-482F-A883-8B55DAFF7C07}" type="datetimeFigureOut">
               <a:rPr lang="en-SG" smtClean="0"/>
-              <a:t>6/7/2018</a:t>
+              <a:t>18/3/19</a:t>
             </a:fld>
             <a:endParaRPr lang="en-SG"/>
           </a:p>
@@ -1419,7 +1415,7 @@
           <a:p>
             <a:fld id="{03EC4E3E-8101-482F-A883-8B55DAFF7C07}" type="datetimeFigureOut">
               <a:rPr lang="en-SG" smtClean="0"/>
-              <a:t>6/7/2018</a:t>
+              <a:t>18/3/19</a:t>
             </a:fld>
             <a:endParaRPr lang="en-SG"/>
           </a:p>
@@ -1834,7 +1830,7 @@
           <a:p>
             <a:fld id="{03EC4E3E-8101-482F-A883-8B55DAFF7C07}" type="datetimeFigureOut">
               <a:rPr lang="en-SG" smtClean="0"/>
-              <a:t>6/7/2018</a:t>
+              <a:t>18/3/19</a:t>
             </a:fld>
             <a:endParaRPr lang="en-SG"/>
           </a:p>
@@ -1976,7 +1972,7 @@
           <a:p>
             <a:fld id="{03EC4E3E-8101-482F-A883-8B55DAFF7C07}" type="datetimeFigureOut">
               <a:rPr lang="en-SG" smtClean="0"/>
-              <a:t>6/7/2018</a:t>
+              <a:t>18/3/19</a:t>
             </a:fld>
             <a:endParaRPr lang="en-SG"/>
           </a:p>
@@ -2089,7 +2085,7 @@
           <a:p>
             <a:fld id="{03EC4E3E-8101-482F-A883-8B55DAFF7C07}" type="datetimeFigureOut">
               <a:rPr lang="en-SG" smtClean="0"/>
-              <a:t>6/7/2018</a:t>
+              <a:t>18/3/19</a:t>
             </a:fld>
             <a:endParaRPr lang="en-SG"/>
           </a:p>
@@ -2402,7 +2398,7 @@
           <a:p>
             <a:fld id="{03EC4E3E-8101-482F-A883-8B55DAFF7C07}" type="datetimeFigureOut">
               <a:rPr lang="en-SG" smtClean="0"/>
-              <a:t>6/7/2018</a:t>
+              <a:t>18/3/19</a:t>
             </a:fld>
             <a:endParaRPr lang="en-SG"/>
           </a:p>
@@ -2691,7 +2687,7 @@
           <a:p>
             <a:fld id="{03EC4E3E-8101-482F-A883-8B55DAFF7C07}" type="datetimeFigureOut">
               <a:rPr lang="en-SG" smtClean="0"/>
-              <a:t>6/7/2018</a:t>
+              <a:t>18/3/19</a:t>
             </a:fld>
             <a:endParaRPr lang="en-SG"/>
           </a:p>
@@ -2934,7 +2930,7 @@
           <a:p>
             <a:fld id="{03EC4E3E-8101-482F-A883-8B55DAFF7C07}" type="datetimeFigureOut">
               <a:rPr lang="en-SG" smtClean="0"/>
-              <a:t>6/7/2018</a:t>
+              <a:t>18/3/19</a:t>
             </a:fld>
             <a:endParaRPr lang="en-SG"/>
           </a:p>
@@ -3407,7 +3403,15 @@
             <a:pPr algn="ctr"/>
             <a:r>
               <a:rPr lang="en-SG" dirty="0"/>
-              <a:t>The state of the address book (before ‘add n/David …’ was executed) will be restored to state ab1.</a:t>
+              <a:t>The state of the pdf book (before ‘add f/C:\...\</a:t>
+            </a:r>
+            <a:r>
+              <a:rPr lang="en-SG" dirty="0" err="1"/>
+              <a:t>a.pdf</a:t>
+            </a:r>
+            <a:r>
+              <a:rPr lang="en-SG" dirty="0"/>
+              <a:t>’ was executed) will be restored to state ab1.</a:t>
             </a:r>
           </a:p>
         </p:txBody>
@@ -3515,7 +3519,7 @@
           <p:nvPr>
             <p:extLst>
               <p:ext uri="{D42A27DB-BD31-4B8C-83A1-F6EECF244321}">
-                <p14:modId xmlns:p14="http://schemas.microsoft.com/office/powerpoint/2010/main" val="1674993041"/>
+                <p14:modId xmlns:p14="http://schemas.microsoft.com/office/powerpoint/2010/main" val="1938880834"/>
               </p:ext>
             </p:extLst>
           </p:nvPr>
@@ -3547,11 +3551,11 @@
                     <a:p>
                       <a:r>
                         <a:rPr lang="en-SG" u="sng" dirty="0"/>
-                        <a:t>ab0:</a:t>
+                        <a:t>pb0:</a:t>
                       </a:r>
                       <a:r>
                         <a:rPr lang="en-SG" sz="1800" u="sng" dirty="0"/>
-                        <a:t>AddressBook</a:t>
+                        <a:t>PdfBook</a:t>
                       </a:r>
                       <a:endParaRPr lang="en-SG" u="sng" dirty="0"/>
                     </a:p>
@@ -3719,7 +3723,7 @@
           <p:nvPr>
             <p:extLst>
               <p:ext uri="{D42A27DB-BD31-4B8C-83A1-F6EECF244321}">
-                <p14:modId xmlns:p14="http://schemas.microsoft.com/office/powerpoint/2010/main" val="3085921390"/>
+                <p14:modId xmlns:p14="http://schemas.microsoft.com/office/powerpoint/2010/main" val="420861633"/>
               </p:ext>
             </p:extLst>
           </p:nvPr>
@@ -3751,11 +3755,11 @@
                     <a:p>
                       <a:r>
                         <a:rPr lang="en-SG" u="sng" dirty="0"/>
-                        <a:t>ab1:</a:t>
+                        <a:t>pb1:</a:t>
                       </a:r>
                       <a:r>
                         <a:rPr lang="en-SG" sz="1800" u="sng" dirty="0"/>
-                        <a:t>AddressBook</a:t>
+                        <a:t>PdfBook</a:t>
                       </a:r>
                       <a:endParaRPr lang="en-SG" u="sng" dirty="0"/>
                     </a:p>
@@ -3787,7 +3791,7 @@
           <p:nvPr>
             <p:extLst>
               <p:ext uri="{D42A27DB-BD31-4B8C-83A1-F6EECF244321}">
-                <p14:modId xmlns:p14="http://schemas.microsoft.com/office/powerpoint/2010/main" val="3504448791"/>
+                <p14:modId xmlns:p14="http://schemas.microsoft.com/office/powerpoint/2010/main" val="2004968847"/>
               </p:ext>
             </p:extLst>
           </p:nvPr>
@@ -3819,11 +3823,11 @@
                     <a:p>
                       <a:r>
                         <a:rPr lang="en-SG" u="sng" dirty="0"/>
-                        <a:t>ab2:</a:t>
+                        <a:t>pb2:</a:t>
                       </a:r>
                       <a:r>
                         <a:rPr lang="en-SG" sz="1800" u="sng" dirty="0"/>
-                        <a:t>AddressBook</a:t>
+                        <a:t>PdfBook</a:t>
                       </a:r>
                       <a:endParaRPr lang="en-SG" u="sng" dirty="0"/>
                     </a:p>
@@ -3855,7 +3859,7 @@
           <p:nvPr>
             <p:extLst>
               <p:ext uri="{D42A27DB-BD31-4B8C-83A1-F6EECF244321}">
-                <p14:modId xmlns:p14="http://schemas.microsoft.com/office/powerpoint/2010/main" val="3880678430"/>
+                <p14:modId xmlns:p14="http://schemas.microsoft.com/office/powerpoint/2010/main" val="3067503394"/>
               </p:ext>
             </p:extLst>
           </p:nvPr>
@@ -3887,11 +3891,11 @@
                     <a:p>
                       <a:r>
                         <a:rPr lang="en-SG" u="sng" dirty="0"/>
-                        <a:t>ab0:</a:t>
+                        <a:t>pb0:</a:t>
                       </a:r>
                       <a:r>
                         <a:rPr lang="en-SG" sz="1800" u="sng" dirty="0"/>
-                        <a:t>AddressBook</a:t>
+                        <a:t>PdfBook</a:t>
                       </a:r>
                       <a:endParaRPr lang="en-SG" u="sng" dirty="0"/>
                     </a:p>
@@ -3923,7 +3927,7 @@
           <p:nvPr>
             <p:extLst>
               <p:ext uri="{D42A27DB-BD31-4B8C-83A1-F6EECF244321}">
-                <p14:modId xmlns:p14="http://schemas.microsoft.com/office/powerpoint/2010/main" val="719723626"/>
+                <p14:modId xmlns:p14="http://schemas.microsoft.com/office/powerpoint/2010/main" val="12097845"/>
               </p:ext>
             </p:extLst>
           </p:nvPr>
@@ -3955,11 +3959,11 @@
                     <a:p>
                       <a:r>
                         <a:rPr lang="en-SG" u="sng" dirty="0"/>
-                        <a:t>ab1:</a:t>
+                        <a:t>pb1:</a:t>
                       </a:r>
                       <a:r>
                         <a:rPr lang="en-SG" sz="1800" u="sng" dirty="0"/>
-                        <a:t>AddressBook</a:t>
+                        <a:t>PdfBook</a:t>
                       </a:r>
                       <a:endParaRPr lang="en-SG" u="sng" dirty="0"/>
                     </a:p>
@@ -3991,7 +3995,7 @@
           <p:nvPr>
             <p:extLst>
               <p:ext uri="{D42A27DB-BD31-4B8C-83A1-F6EECF244321}">
-                <p14:modId xmlns:p14="http://schemas.microsoft.com/office/powerpoint/2010/main" val="3592690620"/>
+                <p14:modId xmlns:p14="http://schemas.microsoft.com/office/powerpoint/2010/main" val="2936621932"/>
               </p:ext>
             </p:extLst>
           </p:nvPr>
@@ -4023,11 +4027,11 @@
                     <a:p>
                       <a:r>
                         <a:rPr lang="en-SG" u="sng" dirty="0"/>
-                        <a:t>ab2:</a:t>
+                        <a:t>pb2:</a:t>
                       </a:r>
                       <a:r>
                         <a:rPr lang="en-SG" sz="1800" u="sng" dirty="0"/>
-                        <a:t>AddressBook</a:t>
+                        <a:t>PdfBook</a:t>
                       </a:r>
                       <a:endParaRPr lang="en-SG" u="sng" dirty="0"/>
                     </a:p>

--- a/docs/diagrams/UndoRedoExecuteUndoStateListDiagram.pptx
+++ b/docs/diagrams/UndoRedoExecuteUndoStateListDiagram.pptx
@@ -112,10 +112,6 @@
 </p:presentation>
 </file>
 
-<file path=ppt/revisionInfo.xml><?xml version="1.0" encoding="utf-8"?>
-<p1510:revInfo xmlns:a="http://schemas.openxmlformats.org/drawingml/2006/main" xmlns:r="http://schemas.openxmlformats.org/officeDocument/2006/relationships" xmlns:p1510="http://schemas.microsoft.com/office/powerpoint/2015/10/main"/>
-</file>
-
 <file path=ppt/slideLayouts/slideLayout1.xml><?xml version="1.0" encoding="utf-8"?>
 <p:sldLayout xmlns:a="http://schemas.openxmlformats.org/drawingml/2006/main" xmlns:r="http://schemas.openxmlformats.org/officeDocument/2006/relationships" xmlns:p="http://schemas.openxmlformats.org/presentationml/2006/main" type="title" preserve="1">
   <p:cSld name="Title Slide">
@@ -265,7 +261,7 @@
           <a:p>
             <a:fld id="{03EC4E3E-8101-482F-A883-8B55DAFF7C07}" type="datetimeFigureOut">
               <a:rPr lang="en-SG" smtClean="0"/>
-              <a:t>6/7/2018</a:t>
+              <a:t>20/3/19</a:t>
             </a:fld>
             <a:endParaRPr lang="en-SG"/>
           </a:p>
@@ -465,7 +461,7 @@
           <a:p>
             <a:fld id="{03EC4E3E-8101-482F-A883-8B55DAFF7C07}" type="datetimeFigureOut">
               <a:rPr lang="en-SG" smtClean="0"/>
-              <a:t>6/7/2018</a:t>
+              <a:t>20/3/19</a:t>
             </a:fld>
             <a:endParaRPr lang="en-SG"/>
           </a:p>
@@ -675,7 +671,7 @@
           <a:p>
             <a:fld id="{03EC4E3E-8101-482F-A883-8B55DAFF7C07}" type="datetimeFigureOut">
               <a:rPr lang="en-SG" smtClean="0"/>
-              <a:t>6/7/2018</a:t>
+              <a:t>20/3/19</a:t>
             </a:fld>
             <a:endParaRPr lang="en-SG"/>
           </a:p>
@@ -875,7 +871,7 @@
           <a:p>
             <a:fld id="{03EC4E3E-8101-482F-A883-8B55DAFF7C07}" type="datetimeFigureOut">
               <a:rPr lang="en-SG" smtClean="0"/>
-              <a:t>6/7/2018</a:t>
+              <a:t>20/3/19</a:t>
             </a:fld>
             <a:endParaRPr lang="en-SG"/>
           </a:p>
@@ -1151,7 +1147,7 @@
           <a:p>
             <a:fld id="{03EC4E3E-8101-482F-A883-8B55DAFF7C07}" type="datetimeFigureOut">
               <a:rPr lang="en-SG" smtClean="0"/>
-              <a:t>6/7/2018</a:t>
+              <a:t>20/3/19</a:t>
             </a:fld>
             <a:endParaRPr lang="en-SG"/>
           </a:p>
@@ -1419,7 +1415,7 @@
           <a:p>
             <a:fld id="{03EC4E3E-8101-482F-A883-8B55DAFF7C07}" type="datetimeFigureOut">
               <a:rPr lang="en-SG" smtClean="0"/>
-              <a:t>6/7/2018</a:t>
+              <a:t>20/3/19</a:t>
             </a:fld>
             <a:endParaRPr lang="en-SG"/>
           </a:p>
@@ -1834,7 +1830,7 @@
           <a:p>
             <a:fld id="{03EC4E3E-8101-482F-A883-8B55DAFF7C07}" type="datetimeFigureOut">
               <a:rPr lang="en-SG" smtClean="0"/>
-              <a:t>6/7/2018</a:t>
+              <a:t>20/3/19</a:t>
             </a:fld>
             <a:endParaRPr lang="en-SG"/>
           </a:p>
@@ -1976,7 +1972,7 @@
           <a:p>
             <a:fld id="{03EC4E3E-8101-482F-A883-8B55DAFF7C07}" type="datetimeFigureOut">
               <a:rPr lang="en-SG" smtClean="0"/>
-              <a:t>6/7/2018</a:t>
+              <a:t>20/3/19</a:t>
             </a:fld>
             <a:endParaRPr lang="en-SG"/>
           </a:p>
@@ -2089,7 +2085,7 @@
           <a:p>
             <a:fld id="{03EC4E3E-8101-482F-A883-8B55DAFF7C07}" type="datetimeFigureOut">
               <a:rPr lang="en-SG" smtClean="0"/>
-              <a:t>6/7/2018</a:t>
+              <a:t>20/3/19</a:t>
             </a:fld>
             <a:endParaRPr lang="en-SG"/>
           </a:p>
@@ -2402,7 +2398,7 @@
           <a:p>
             <a:fld id="{03EC4E3E-8101-482F-A883-8B55DAFF7C07}" type="datetimeFigureOut">
               <a:rPr lang="en-SG" smtClean="0"/>
-              <a:t>6/7/2018</a:t>
+              <a:t>20/3/19</a:t>
             </a:fld>
             <a:endParaRPr lang="en-SG"/>
           </a:p>
@@ -2691,7 +2687,7 @@
           <a:p>
             <a:fld id="{03EC4E3E-8101-482F-A883-8B55DAFF7C07}" type="datetimeFigureOut">
               <a:rPr lang="en-SG" smtClean="0"/>
-              <a:t>6/7/2018</a:t>
+              <a:t>20/3/19</a:t>
             </a:fld>
             <a:endParaRPr lang="en-SG"/>
           </a:p>
@@ -2934,7 +2930,7 @@
           <a:p>
             <a:fld id="{03EC4E3E-8101-482F-A883-8B55DAFF7C07}" type="datetimeFigureOut">
               <a:rPr lang="en-SG" smtClean="0"/>
-              <a:t>6/7/2018</a:t>
+              <a:t>20/3/19</a:t>
             </a:fld>
             <a:endParaRPr lang="en-SG"/>
           </a:p>
@@ -3365,7 +3361,7 @@
         </p:nvSpPr>
         <p:spPr>
           <a:xfrm>
-            <a:off x="5890055" y="4704348"/>
+            <a:off x="6224637" y="5953760"/>
             <a:ext cx="5504846" cy="646331"/>
           </a:xfrm>
           <a:prstGeom prst="rect">
@@ -3407,7 +3403,7 @@
             <a:pPr algn="ctr"/>
             <a:r>
               <a:rPr lang="en-SG" dirty="0"/>
-              <a:t>The state of the address book (before ‘add n/David …’ was executed) will be restored to state ab1.</a:t>
+              <a:t>The state of the address book (before ‘add n/David …’ was executed) will be restored to state hms1.</a:t>
             </a:r>
           </a:p>
         </p:txBody>
@@ -3420,7 +3416,7 @@
         </p:nvSpPr>
         <p:spPr>
           <a:xfrm>
-            <a:off x="7512000" y="2116184"/>
+            <a:off x="10266923" y="2140280"/>
             <a:ext cx="1335908" cy="1558834"/>
           </a:xfrm>
           <a:prstGeom prst="downArrow">
@@ -3470,7 +3466,7 @@
         </p:nvSpPr>
         <p:spPr>
           <a:xfrm>
-            <a:off x="3917960" y="2726030"/>
+            <a:off x="6998038" y="2740323"/>
             <a:ext cx="3207000" cy="369332"/>
           </a:xfrm>
           <a:prstGeom prst="rect">
@@ -3515,14 +3511,14 @@
           <p:nvPr>
             <p:extLst>
               <p:ext uri="{D42A27DB-BD31-4B8C-83A1-F6EECF244321}">
-                <p14:modId xmlns:p14="http://schemas.microsoft.com/office/powerpoint/2010/main" val="1674993041"/>
+                <p14:modId xmlns:p14="http://schemas.microsoft.com/office/powerpoint/2010/main" val="3059417104"/>
               </p:ext>
             </p:extLst>
           </p:nvPr>
         </p:nvGraphicFramePr>
         <p:xfrm>
-          <a:off x="473240" y="1476102"/>
-          <a:ext cx="1825824" cy="417888"/>
+          <a:off x="386335" y="1476102"/>
+          <a:ext cx="3206999" cy="417888"/>
         </p:xfrm>
         <a:graphic>
           <a:graphicData uri="http://schemas.openxmlformats.org/drawingml/2006/table">
@@ -3531,7 +3527,7 @@
                 <a:tableStyleId>{638B1855-1B75-4FBE-930C-398BA8C253C6}</a:tableStyleId>
               </a:tblPr>
               <a:tblGrid>
-                <a:gridCol w="1825824">
+                <a:gridCol w="3206999">
                   <a:extLst>
                     <a:ext uri="{9D8B030D-6E8A-4147-A177-3AD203B41FA5}">
                       <a16:colId xmlns:a16="http://schemas.microsoft.com/office/drawing/2014/main" val="4240773277"/>
@@ -3547,11 +3543,11 @@
                     <a:p>
                       <a:r>
                         <a:rPr lang="en-SG" u="sng" dirty="0"/>
-                        <a:t>ab0:</a:t>
+                        <a:t>hms0:</a:t>
                       </a:r>
                       <a:r>
                         <a:rPr lang="en-SG" sz="1800" u="sng" dirty="0"/>
-                        <a:t>AddressBook</a:t>
+                        <a:t>HotelManagementSystem</a:t>
                       </a:r>
                       <a:endParaRPr lang="en-SG" u="sng" dirty="0"/>
                     </a:p>
@@ -3628,7 +3624,7 @@
         </p:nvSpPr>
         <p:spPr>
           <a:xfrm>
-            <a:off x="1939992" y="5234888"/>
+            <a:off x="3672434" y="5250531"/>
             <a:ext cx="3207000" cy="369332"/>
           </a:xfrm>
           <a:prstGeom prst="rect">
@@ -3719,14 +3715,14 @@
           <p:nvPr>
             <p:extLst>
               <p:ext uri="{D42A27DB-BD31-4B8C-83A1-F6EECF244321}">
-                <p14:modId xmlns:p14="http://schemas.microsoft.com/office/powerpoint/2010/main" val="3085921390"/>
+                <p14:modId xmlns:p14="http://schemas.microsoft.com/office/powerpoint/2010/main" val="2837108929"/>
               </p:ext>
             </p:extLst>
           </p:nvPr>
         </p:nvGraphicFramePr>
         <p:xfrm>
-          <a:off x="2440458" y="1476102"/>
-          <a:ext cx="1825824" cy="417888"/>
+          <a:off x="3632885" y="1471548"/>
+          <a:ext cx="3206999" cy="417888"/>
         </p:xfrm>
         <a:graphic>
           <a:graphicData uri="http://schemas.openxmlformats.org/drawingml/2006/table">
@@ -3735,7 +3731,7 @@
                 <a:tableStyleId>{638B1855-1B75-4FBE-930C-398BA8C253C6}</a:tableStyleId>
               </a:tblPr>
               <a:tblGrid>
-                <a:gridCol w="1825824">
+                <a:gridCol w="3206999">
                   <a:extLst>
                     <a:ext uri="{9D8B030D-6E8A-4147-A177-3AD203B41FA5}">
                       <a16:colId xmlns:a16="http://schemas.microsoft.com/office/drawing/2014/main" val="4240773277"/>
@@ -3751,11 +3747,11 @@
                     <a:p>
                       <a:r>
                         <a:rPr lang="en-SG" u="sng" dirty="0"/>
-                        <a:t>ab1:</a:t>
+                        <a:t>hms1:</a:t>
                       </a:r>
                       <a:r>
                         <a:rPr lang="en-SG" sz="1800" u="sng" dirty="0"/>
-                        <a:t>AddressBook</a:t>
+                        <a:t>HotelManagementSystem</a:t>
                       </a:r>
                       <a:endParaRPr lang="en-SG" u="sng" dirty="0"/>
                     </a:p>
@@ -3787,14 +3783,14 @@
           <p:nvPr>
             <p:extLst>
               <p:ext uri="{D42A27DB-BD31-4B8C-83A1-F6EECF244321}">
-                <p14:modId xmlns:p14="http://schemas.microsoft.com/office/powerpoint/2010/main" val="3504448791"/>
+                <p14:modId xmlns:p14="http://schemas.microsoft.com/office/powerpoint/2010/main" val="65578357"/>
               </p:ext>
             </p:extLst>
           </p:nvPr>
         </p:nvGraphicFramePr>
         <p:xfrm>
-          <a:off x="4409785" y="1476102"/>
-          <a:ext cx="1825824" cy="417888"/>
+          <a:off x="6879434" y="1476102"/>
+          <a:ext cx="3207000" cy="417888"/>
         </p:xfrm>
         <a:graphic>
           <a:graphicData uri="http://schemas.openxmlformats.org/drawingml/2006/table">
@@ -3803,7 +3799,7 @@
                 <a:tableStyleId>{638B1855-1B75-4FBE-930C-398BA8C253C6}</a:tableStyleId>
               </a:tblPr>
               <a:tblGrid>
-                <a:gridCol w="1825824">
+                <a:gridCol w="3207000">
                   <a:extLst>
                     <a:ext uri="{9D8B030D-6E8A-4147-A177-3AD203B41FA5}">
                       <a16:colId xmlns:a16="http://schemas.microsoft.com/office/drawing/2014/main" val="4240773277"/>
@@ -3819,215 +3815,11 @@
                     <a:p>
                       <a:r>
                         <a:rPr lang="en-SG" u="sng" dirty="0"/>
-                        <a:t>ab2:</a:t>
+                        <a:t>hms2:</a:t>
                       </a:r>
                       <a:r>
                         <a:rPr lang="en-SG" sz="1800" u="sng" dirty="0"/>
-                        <a:t>AddressBook</a:t>
-                      </a:r>
-                      <a:endParaRPr lang="en-SG" u="sng" dirty="0"/>
-                    </a:p>
-                  </a:txBody>
-                  <a:tcPr/>
-                </a:tc>
-                <a:extLst>
-                  <a:ext uri="{0D108BD9-81ED-4DB2-BD59-A6C34878D82A}">
-                    <a16:rowId xmlns:a16="http://schemas.microsoft.com/office/drawing/2014/main" val="2194462629"/>
-                  </a:ext>
-                </a:extLst>
-              </a:tr>
-            </a:tbl>
-          </a:graphicData>
-        </a:graphic>
-      </p:graphicFrame>
-      <p:graphicFrame>
-        <p:nvGraphicFramePr>
-          <p:cNvPr id="21" name="Table 20">
-            <a:extLst>
-              <a:ext uri="{FF2B5EF4-FFF2-40B4-BE49-F238E27FC236}">
-                <a16:creationId xmlns:a16="http://schemas.microsoft.com/office/drawing/2014/main" id="{F545FAB8-F1CE-4886-9BDE-E772BCB0A9C4}"/>
-              </a:ext>
-            </a:extLst>
-          </p:cNvPr>
-          <p:cNvGraphicFramePr>
-            <a:graphicFrameLocks noGrp="1"/>
-          </p:cNvGraphicFramePr>
-          <p:nvPr>
-            <p:extLst>
-              <p:ext uri="{D42A27DB-BD31-4B8C-83A1-F6EECF244321}">
-                <p14:modId xmlns:p14="http://schemas.microsoft.com/office/powerpoint/2010/main" val="3880678430"/>
-              </p:ext>
-            </p:extLst>
-          </p:nvPr>
-        </p:nvGraphicFramePr>
-        <p:xfrm>
-          <a:off x="473240" y="3922133"/>
-          <a:ext cx="1825824" cy="417888"/>
-        </p:xfrm>
-        <a:graphic>
-          <a:graphicData uri="http://schemas.openxmlformats.org/drawingml/2006/table">
-            <a:tbl>
-              <a:tblPr>
-                <a:tableStyleId>{638B1855-1B75-4FBE-930C-398BA8C253C6}</a:tableStyleId>
-              </a:tblPr>
-              <a:tblGrid>
-                <a:gridCol w="1825824">
-                  <a:extLst>
-                    <a:ext uri="{9D8B030D-6E8A-4147-A177-3AD203B41FA5}">
-                      <a16:colId xmlns:a16="http://schemas.microsoft.com/office/drawing/2014/main" val="4240773277"/>
-                    </a:ext>
-                  </a:extLst>
-                </a:gridCol>
-              </a:tblGrid>
-              <a:tr h="417888">
-                <a:tc>
-                  <a:txBody>
-                    <a:bodyPr/>
-                    <a:lstStyle/>
-                    <a:p>
-                      <a:r>
-                        <a:rPr lang="en-SG" u="sng" dirty="0"/>
-                        <a:t>ab0:</a:t>
-                      </a:r>
-                      <a:r>
-                        <a:rPr lang="en-SG" sz="1800" u="sng" dirty="0"/>
-                        <a:t>AddressBook</a:t>
-                      </a:r>
-                      <a:endParaRPr lang="en-SG" u="sng" dirty="0"/>
-                    </a:p>
-                  </a:txBody>
-                  <a:tcPr/>
-                </a:tc>
-                <a:extLst>
-                  <a:ext uri="{0D108BD9-81ED-4DB2-BD59-A6C34878D82A}">
-                    <a16:rowId xmlns:a16="http://schemas.microsoft.com/office/drawing/2014/main" val="2194462629"/>
-                  </a:ext>
-                </a:extLst>
-              </a:tr>
-            </a:tbl>
-          </a:graphicData>
-        </a:graphic>
-      </p:graphicFrame>
-      <p:graphicFrame>
-        <p:nvGraphicFramePr>
-          <p:cNvPr id="22" name="Table 21">
-            <a:extLst>
-              <a:ext uri="{FF2B5EF4-FFF2-40B4-BE49-F238E27FC236}">
-                <a16:creationId xmlns:a16="http://schemas.microsoft.com/office/drawing/2014/main" id="{F545FAB8-F1CE-4886-9BDE-E772BCB0A9C4}"/>
-              </a:ext>
-            </a:extLst>
-          </p:cNvPr>
-          <p:cNvGraphicFramePr>
-            <a:graphicFrameLocks noGrp="1"/>
-          </p:cNvGraphicFramePr>
-          <p:nvPr>
-            <p:extLst>
-              <p:ext uri="{D42A27DB-BD31-4B8C-83A1-F6EECF244321}">
-                <p14:modId xmlns:p14="http://schemas.microsoft.com/office/powerpoint/2010/main" val="719723626"/>
-              </p:ext>
-            </p:extLst>
-          </p:nvPr>
-        </p:nvGraphicFramePr>
-        <p:xfrm>
-          <a:off x="2440458" y="3922133"/>
-          <a:ext cx="1825824" cy="417888"/>
-        </p:xfrm>
-        <a:graphic>
-          <a:graphicData uri="http://schemas.openxmlformats.org/drawingml/2006/table">
-            <a:tbl>
-              <a:tblPr>
-                <a:tableStyleId>{638B1855-1B75-4FBE-930C-398BA8C253C6}</a:tableStyleId>
-              </a:tblPr>
-              <a:tblGrid>
-                <a:gridCol w="1825824">
-                  <a:extLst>
-                    <a:ext uri="{9D8B030D-6E8A-4147-A177-3AD203B41FA5}">
-                      <a16:colId xmlns:a16="http://schemas.microsoft.com/office/drawing/2014/main" val="4240773277"/>
-                    </a:ext>
-                  </a:extLst>
-                </a:gridCol>
-              </a:tblGrid>
-              <a:tr h="417888">
-                <a:tc>
-                  <a:txBody>
-                    <a:bodyPr/>
-                    <a:lstStyle/>
-                    <a:p>
-                      <a:r>
-                        <a:rPr lang="en-SG" u="sng" dirty="0"/>
-                        <a:t>ab1:</a:t>
-                      </a:r>
-                      <a:r>
-                        <a:rPr lang="en-SG" sz="1800" u="sng" dirty="0"/>
-                        <a:t>AddressBook</a:t>
-                      </a:r>
-                      <a:endParaRPr lang="en-SG" u="sng" dirty="0"/>
-                    </a:p>
-                  </a:txBody>
-                  <a:tcPr/>
-                </a:tc>
-                <a:extLst>
-                  <a:ext uri="{0D108BD9-81ED-4DB2-BD59-A6C34878D82A}">
-                    <a16:rowId xmlns:a16="http://schemas.microsoft.com/office/drawing/2014/main" val="2194462629"/>
-                  </a:ext>
-                </a:extLst>
-              </a:tr>
-            </a:tbl>
-          </a:graphicData>
-        </a:graphic>
-      </p:graphicFrame>
-      <p:graphicFrame>
-        <p:nvGraphicFramePr>
-          <p:cNvPr id="23" name="Table 22">
-            <a:extLst>
-              <a:ext uri="{FF2B5EF4-FFF2-40B4-BE49-F238E27FC236}">
-                <a16:creationId xmlns:a16="http://schemas.microsoft.com/office/drawing/2014/main" id="{F545FAB8-F1CE-4886-9BDE-E772BCB0A9C4}"/>
-              </a:ext>
-            </a:extLst>
-          </p:cNvPr>
-          <p:cNvGraphicFramePr>
-            <a:graphicFrameLocks noGrp="1"/>
-          </p:cNvGraphicFramePr>
-          <p:nvPr>
-            <p:extLst>
-              <p:ext uri="{D42A27DB-BD31-4B8C-83A1-F6EECF244321}">
-                <p14:modId xmlns:p14="http://schemas.microsoft.com/office/powerpoint/2010/main" val="3592690620"/>
-              </p:ext>
-            </p:extLst>
-          </p:nvPr>
-        </p:nvGraphicFramePr>
-        <p:xfrm>
-          <a:off x="4409785" y="3922133"/>
-          <a:ext cx="1825824" cy="417888"/>
-        </p:xfrm>
-        <a:graphic>
-          <a:graphicData uri="http://schemas.openxmlformats.org/drawingml/2006/table">
-            <a:tbl>
-              <a:tblPr>
-                <a:tableStyleId>{638B1855-1B75-4FBE-930C-398BA8C253C6}</a:tableStyleId>
-              </a:tblPr>
-              <a:tblGrid>
-                <a:gridCol w="1825824">
-                  <a:extLst>
-                    <a:ext uri="{9D8B030D-6E8A-4147-A177-3AD203B41FA5}">
-                      <a16:colId xmlns:a16="http://schemas.microsoft.com/office/drawing/2014/main" val="4240773277"/>
-                    </a:ext>
-                  </a:extLst>
-                </a:gridCol>
-              </a:tblGrid>
-              <a:tr h="417888">
-                <a:tc>
-                  <a:txBody>
-                    <a:bodyPr/>
-                    <a:lstStyle/>
-                    <a:p>
-                      <a:r>
-                        <a:rPr lang="en-SG" u="sng" dirty="0"/>
-                        <a:t>ab2:</a:t>
-                      </a:r>
-                      <a:r>
-                        <a:rPr lang="en-SG" sz="1800" u="sng" dirty="0"/>
-                        <a:t>AddressBook</a:t>
+                        <a:t>HotelManagementSystem</a:t>
                       </a:r>
                       <a:endParaRPr lang="en-SG" u="sng" dirty="0"/>
                     </a:p>
@@ -4060,7 +3852,7 @@
         </p:nvCxnSpPr>
         <p:spPr>
           <a:xfrm flipV="1">
-            <a:off x="5377343" y="2019157"/>
+            <a:off x="8457421" y="2033450"/>
             <a:ext cx="0" cy="706873"/>
           </a:xfrm>
           <a:prstGeom prst="straightConnector1">
@@ -4104,7 +3896,7 @@
         </p:nvCxnSpPr>
         <p:spPr>
           <a:xfrm flipV="1">
-            <a:off x="3380763" y="4504888"/>
+            <a:off x="5113205" y="4520531"/>
             <a:ext cx="0" cy="730001"/>
           </a:xfrm>
           <a:prstGeom prst="straightConnector1">
@@ -4132,6 +3924,210 @@
           </a:fontRef>
         </p:style>
       </p:cxnSp>
+      <p:graphicFrame>
+        <p:nvGraphicFramePr>
+          <p:cNvPr id="26" name="Table 25">
+            <a:extLst>
+              <a:ext uri="{FF2B5EF4-FFF2-40B4-BE49-F238E27FC236}">
+                <a16:creationId xmlns:a16="http://schemas.microsoft.com/office/drawing/2014/main" id="{B9A36A6C-2434-274B-9141-38AE111C0FEA}"/>
+              </a:ext>
+            </a:extLst>
+          </p:cNvPr>
+          <p:cNvGraphicFramePr>
+            <a:graphicFrameLocks noGrp="1"/>
+          </p:cNvGraphicFramePr>
+          <p:nvPr>
+            <p:extLst>
+              <p:ext uri="{D42A27DB-BD31-4B8C-83A1-F6EECF244321}">
+                <p14:modId xmlns:p14="http://schemas.microsoft.com/office/powerpoint/2010/main" val="2527164035"/>
+              </p:ext>
+            </p:extLst>
+          </p:nvPr>
+        </p:nvGraphicFramePr>
+        <p:xfrm>
+          <a:off x="445512" y="3931167"/>
+          <a:ext cx="3206999" cy="417888"/>
+        </p:xfrm>
+        <a:graphic>
+          <a:graphicData uri="http://schemas.openxmlformats.org/drawingml/2006/table">
+            <a:tbl>
+              <a:tblPr>
+                <a:tableStyleId>{638B1855-1B75-4FBE-930C-398BA8C253C6}</a:tableStyleId>
+              </a:tblPr>
+              <a:tblGrid>
+                <a:gridCol w="3206999">
+                  <a:extLst>
+                    <a:ext uri="{9D8B030D-6E8A-4147-A177-3AD203B41FA5}">
+                      <a16:colId xmlns:a16="http://schemas.microsoft.com/office/drawing/2014/main" val="4240773277"/>
+                    </a:ext>
+                  </a:extLst>
+                </a:gridCol>
+              </a:tblGrid>
+              <a:tr h="417888">
+                <a:tc>
+                  <a:txBody>
+                    <a:bodyPr/>
+                    <a:lstStyle/>
+                    <a:p>
+                      <a:r>
+                        <a:rPr lang="en-SG" u="sng" dirty="0"/>
+                        <a:t>hms0:</a:t>
+                      </a:r>
+                      <a:r>
+                        <a:rPr lang="en-SG" sz="1800" u="sng" dirty="0"/>
+                        <a:t>HotelManagementSystem</a:t>
+                      </a:r>
+                      <a:endParaRPr lang="en-SG" u="sng" dirty="0"/>
+                    </a:p>
+                  </a:txBody>
+                  <a:tcPr/>
+                </a:tc>
+                <a:extLst>
+                  <a:ext uri="{0D108BD9-81ED-4DB2-BD59-A6C34878D82A}">
+                    <a16:rowId xmlns:a16="http://schemas.microsoft.com/office/drawing/2014/main" val="2194462629"/>
+                  </a:ext>
+                </a:extLst>
+              </a:tr>
+            </a:tbl>
+          </a:graphicData>
+        </a:graphic>
+      </p:graphicFrame>
+      <p:graphicFrame>
+        <p:nvGraphicFramePr>
+          <p:cNvPr id="27" name="Table 26">
+            <a:extLst>
+              <a:ext uri="{FF2B5EF4-FFF2-40B4-BE49-F238E27FC236}">
+                <a16:creationId xmlns:a16="http://schemas.microsoft.com/office/drawing/2014/main" id="{1170B0F4-B4DA-0D45-99AA-18AF3F684259}"/>
+              </a:ext>
+            </a:extLst>
+          </p:cNvPr>
+          <p:cNvGraphicFramePr>
+            <a:graphicFrameLocks noGrp="1"/>
+          </p:cNvGraphicFramePr>
+          <p:nvPr>
+            <p:extLst>
+              <p:ext uri="{D42A27DB-BD31-4B8C-83A1-F6EECF244321}">
+                <p14:modId xmlns:p14="http://schemas.microsoft.com/office/powerpoint/2010/main" val="1548508495"/>
+              </p:ext>
+            </p:extLst>
+          </p:nvPr>
+        </p:nvGraphicFramePr>
+        <p:xfrm>
+          <a:off x="3692062" y="3926613"/>
+          <a:ext cx="3206999" cy="417888"/>
+        </p:xfrm>
+        <a:graphic>
+          <a:graphicData uri="http://schemas.openxmlformats.org/drawingml/2006/table">
+            <a:tbl>
+              <a:tblPr>
+                <a:tableStyleId>{638B1855-1B75-4FBE-930C-398BA8C253C6}</a:tableStyleId>
+              </a:tblPr>
+              <a:tblGrid>
+                <a:gridCol w="3206999">
+                  <a:extLst>
+                    <a:ext uri="{9D8B030D-6E8A-4147-A177-3AD203B41FA5}">
+                      <a16:colId xmlns:a16="http://schemas.microsoft.com/office/drawing/2014/main" val="4240773277"/>
+                    </a:ext>
+                  </a:extLst>
+                </a:gridCol>
+              </a:tblGrid>
+              <a:tr h="417888">
+                <a:tc>
+                  <a:txBody>
+                    <a:bodyPr/>
+                    <a:lstStyle/>
+                    <a:p>
+                      <a:r>
+                        <a:rPr lang="en-SG" u="sng" dirty="0"/>
+                        <a:t>hms1:</a:t>
+                      </a:r>
+                      <a:r>
+                        <a:rPr lang="en-SG" sz="1800" u="sng" dirty="0"/>
+                        <a:t>HotelManagementSystem</a:t>
+                      </a:r>
+                      <a:endParaRPr lang="en-SG" u="sng" dirty="0"/>
+                    </a:p>
+                  </a:txBody>
+                  <a:tcPr/>
+                </a:tc>
+                <a:extLst>
+                  <a:ext uri="{0D108BD9-81ED-4DB2-BD59-A6C34878D82A}">
+                    <a16:rowId xmlns:a16="http://schemas.microsoft.com/office/drawing/2014/main" val="2194462629"/>
+                  </a:ext>
+                </a:extLst>
+              </a:tr>
+            </a:tbl>
+          </a:graphicData>
+        </a:graphic>
+      </p:graphicFrame>
+      <p:graphicFrame>
+        <p:nvGraphicFramePr>
+          <p:cNvPr id="30" name="Table 29">
+            <a:extLst>
+              <a:ext uri="{FF2B5EF4-FFF2-40B4-BE49-F238E27FC236}">
+                <a16:creationId xmlns:a16="http://schemas.microsoft.com/office/drawing/2014/main" id="{C23BB5B0-9666-4F4D-A364-6179EF6ADA0D}"/>
+              </a:ext>
+            </a:extLst>
+          </p:cNvPr>
+          <p:cNvGraphicFramePr>
+            <a:graphicFrameLocks noGrp="1"/>
+          </p:cNvGraphicFramePr>
+          <p:nvPr>
+            <p:extLst>
+              <p:ext uri="{D42A27DB-BD31-4B8C-83A1-F6EECF244321}">
+                <p14:modId xmlns:p14="http://schemas.microsoft.com/office/powerpoint/2010/main" val="1041379257"/>
+              </p:ext>
+            </p:extLst>
+          </p:nvPr>
+        </p:nvGraphicFramePr>
+        <p:xfrm>
+          <a:off x="6938611" y="3931167"/>
+          <a:ext cx="3207000" cy="417888"/>
+        </p:xfrm>
+        <a:graphic>
+          <a:graphicData uri="http://schemas.openxmlformats.org/drawingml/2006/table">
+            <a:tbl>
+              <a:tblPr>
+                <a:tableStyleId>{638B1855-1B75-4FBE-930C-398BA8C253C6}</a:tableStyleId>
+              </a:tblPr>
+              <a:tblGrid>
+                <a:gridCol w="3207000">
+                  <a:extLst>
+                    <a:ext uri="{9D8B030D-6E8A-4147-A177-3AD203B41FA5}">
+                      <a16:colId xmlns:a16="http://schemas.microsoft.com/office/drawing/2014/main" val="4240773277"/>
+                    </a:ext>
+                  </a:extLst>
+                </a:gridCol>
+              </a:tblGrid>
+              <a:tr h="417888">
+                <a:tc>
+                  <a:txBody>
+                    <a:bodyPr/>
+                    <a:lstStyle/>
+                    <a:p>
+                      <a:r>
+                        <a:rPr lang="en-SG" u="sng" dirty="0"/>
+                        <a:t>hms2:</a:t>
+                      </a:r>
+                      <a:r>
+                        <a:rPr lang="en-SG" sz="1800" u="sng" dirty="0"/>
+                        <a:t>HotelManagementSystem</a:t>
+                      </a:r>
+                      <a:endParaRPr lang="en-SG" u="sng" dirty="0"/>
+                    </a:p>
+                  </a:txBody>
+                  <a:tcPr/>
+                </a:tc>
+                <a:extLst>
+                  <a:ext uri="{0D108BD9-81ED-4DB2-BD59-A6C34878D82A}">
+                    <a16:rowId xmlns:a16="http://schemas.microsoft.com/office/drawing/2014/main" val="2194462629"/>
+                  </a:ext>
+                </a:extLst>
+              </a:tr>
+            </a:tbl>
+          </a:graphicData>
+        </a:graphic>
+      </p:graphicFrame>
     </p:spTree>
     <p:extLst>
       <p:ext uri="{BB962C8B-B14F-4D97-AF65-F5344CB8AC3E}">

--- a/docs/diagrams/UndoRedoExecuteUndoStateListDiagram.pptx
+++ b/docs/diagrams/UndoRedoExecuteUndoStateListDiagram.pptx
@@ -261,7 +261,7 @@
           <a:p>
             <a:fld id="{03EC4E3E-8101-482F-A883-8B55DAFF7C07}" type="datetimeFigureOut">
               <a:rPr lang="en-SG" smtClean="0"/>
-              <a:t>20/3/19</a:t>
+              <a:t>21/3/19</a:t>
             </a:fld>
             <a:endParaRPr lang="en-SG"/>
           </a:p>
@@ -461,7 +461,7 @@
           <a:p>
             <a:fld id="{03EC4E3E-8101-482F-A883-8B55DAFF7C07}" type="datetimeFigureOut">
               <a:rPr lang="en-SG" smtClean="0"/>
-              <a:t>20/3/19</a:t>
+              <a:t>21/3/19</a:t>
             </a:fld>
             <a:endParaRPr lang="en-SG"/>
           </a:p>
@@ -671,7 +671,7 @@
           <a:p>
             <a:fld id="{03EC4E3E-8101-482F-A883-8B55DAFF7C07}" type="datetimeFigureOut">
               <a:rPr lang="en-SG" smtClean="0"/>
-              <a:t>20/3/19</a:t>
+              <a:t>21/3/19</a:t>
             </a:fld>
             <a:endParaRPr lang="en-SG"/>
           </a:p>
@@ -871,7 +871,7 @@
           <a:p>
             <a:fld id="{03EC4E3E-8101-482F-A883-8B55DAFF7C07}" type="datetimeFigureOut">
               <a:rPr lang="en-SG" smtClean="0"/>
-              <a:t>20/3/19</a:t>
+              <a:t>21/3/19</a:t>
             </a:fld>
             <a:endParaRPr lang="en-SG"/>
           </a:p>
@@ -1147,7 +1147,7 @@
           <a:p>
             <a:fld id="{03EC4E3E-8101-482F-A883-8B55DAFF7C07}" type="datetimeFigureOut">
               <a:rPr lang="en-SG" smtClean="0"/>
-              <a:t>20/3/19</a:t>
+              <a:t>21/3/19</a:t>
             </a:fld>
             <a:endParaRPr lang="en-SG"/>
           </a:p>
@@ -1415,7 +1415,7 @@
           <a:p>
             <a:fld id="{03EC4E3E-8101-482F-A883-8B55DAFF7C07}" type="datetimeFigureOut">
               <a:rPr lang="en-SG" smtClean="0"/>
-              <a:t>20/3/19</a:t>
+              <a:t>21/3/19</a:t>
             </a:fld>
             <a:endParaRPr lang="en-SG"/>
           </a:p>
@@ -1830,7 +1830,7 @@
           <a:p>
             <a:fld id="{03EC4E3E-8101-482F-A883-8B55DAFF7C07}" type="datetimeFigureOut">
               <a:rPr lang="en-SG" smtClean="0"/>
-              <a:t>20/3/19</a:t>
+              <a:t>21/3/19</a:t>
             </a:fld>
             <a:endParaRPr lang="en-SG"/>
           </a:p>
@@ -1972,7 +1972,7 @@
           <a:p>
             <a:fld id="{03EC4E3E-8101-482F-A883-8B55DAFF7C07}" type="datetimeFigureOut">
               <a:rPr lang="en-SG" smtClean="0"/>
-              <a:t>20/3/19</a:t>
+              <a:t>21/3/19</a:t>
             </a:fld>
             <a:endParaRPr lang="en-SG"/>
           </a:p>
@@ -2085,7 +2085,7 @@
           <a:p>
             <a:fld id="{03EC4E3E-8101-482F-A883-8B55DAFF7C07}" type="datetimeFigureOut">
               <a:rPr lang="en-SG" smtClean="0"/>
-              <a:t>20/3/19</a:t>
+              <a:t>21/3/19</a:t>
             </a:fld>
             <a:endParaRPr lang="en-SG"/>
           </a:p>
@@ -2398,7 +2398,7 @@
           <a:p>
             <a:fld id="{03EC4E3E-8101-482F-A883-8B55DAFF7C07}" type="datetimeFigureOut">
               <a:rPr lang="en-SG" smtClean="0"/>
-              <a:t>20/3/19</a:t>
+              <a:t>21/3/19</a:t>
             </a:fld>
             <a:endParaRPr lang="en-SG"/>
           </a:p>
@@ -2687,7 +2687,7 @@
           <a:p>
             <a:fld id="{03EC4E3E-8101-482F-A883-8B55DAFF7C07}" type="datetimeFigureOut">
               <a:rPr lang="en-SG" smtClean="0"/>
-              <a:t>20/3/19</a:t>
+              <a:t>21/3/19</a:t>
             </a:fld>
             <a:endParaRPr lang="en-SG"/>
           </a:p>
@@ -2930,7 +2930,7 @@
           <a:p>
             <a:fld id="{03EC4E3E-8101-482F-A883-8B55DAFF7C07}" type="datetimeFigureOut">
               <a:rPr lang="en-SG" smtClean="0"/>
-              <a:t>20/3/19</a:t>
+              <a:t>21/3/19</a:t>
             </a:fld>
             <a:endParaRPr lang="en-SG"/>
           </a:p>
@@ -3482,16 +3482,10 @@
           <a:p>
             <a:pPr algn="ctr"/>
             <a:r>
-              <a:rPr lang="en-SG" dirty="0" err="1">
-                <a:latin typeface="Consolas" panose="020B0609020204030204" pitchFamily="49" charset="0"/>
-              </a:rPr>
-              <a:t>currentStatePointer</a:t>
-            </a:r>
-            <a:r>
               <a:rPr lang="en-SG" dirty="0">
                 <a:latin typeface="Consolas" panose="020B0609020204030204" pitchFamily="49" charset="0"/>
               </a:rPr>
-              <a:t> = 2</a:t>
+              <a:t>currentStatePointer = 2</a:t>
             </a:r>
           </a:p>
         </p:txBody>
@@ -3640,16 +3634,10 @@
           <a:p>
             <a:pPr algn="ctr"/>
             <a:r>
-              <a:rPr lang="en-SG" dirty="0" err="1">
-                <a:latin typeface="Consolas" panose="020B0609020204030204" pitchFamily="49" charset="0"/>
-              </a:rPr>
-              <a:t>currentStatePointer</a:t>
-            </a:r>
-            <a:r>
               <a:rPr lang="en-SG" dirty="0">
                 <a:latin typeface="Consolas" panose="020B0609020204030204" pitchFamily="49" charset="0"/>
               </a:rPr>
-              <a:t> = 1</a:t>
+              <a:t>currentStatePointer = 1</a:t>
             </a:r>
           </a:p>
         </p:txBody>

--- a/docs/diagrams/UndoRedoExecuteUndoStateListDiagram.pptx
+++ b/docs/diagrams/UndoRedoExecuteUndoStateListDiagram.pptx
@@ -112,10 +112,6 @@
 </p:presentation>
 </file>
 
-<file path=ppt/revisionInfo.xml><?xml version="1.0" encoding="utf-8"?>
-<p1510:revInfo xmlns:a="http://schemas.openxmlformats.org/drawingml/2006/main" xmlns:r="http://schemas.openxmlformats.org/officeDocument/2006/relationships" xmlns:p1510="http://schemas.microsoft.com/office/powerpoint/2015/10/main"/>
-</file>
-
 <file path=ppt/slideLayouts/slideLayout1.xml><?xml version="1.0" encoding="utf-8"?>
 <p:sldLayout xmlns:a="http://schemas.openxmlformats.org/drawingml/2006/main" xmlns:r="http://schemas.openxmlformats.org/officeDocument/2006/relationships" xmlns:p="http://schemas.openxmlformats.org/presentationml/2006/main" type="title" preserve="1">
   <p:cSld name="Title Slide">
@@ -265,7 +261,7 @@
           <a:p>
             <a:fld id="{03EC4E3E-8101-482F-A883-8B55DAFF7C07}" type="datetimeFigureOut">
               <a:rPr lang="en-SG" smtClean="0"/>
-              <a:t>6/7/2018</a:t>
+              <a:t>22/3/2019</a:t>
             </a:fld>
             <a:endParaRPr lang="en-SG"/>
           </a:p>
@@ -465,7 +461,7 @@
           <a:p>
             <a:fld id="{03EC4E3E-8101-482F-A883-8B55DAFF7C07}" type="datetimeFigureOut">
               <a:rPr lang="en-SG" smtClean="0"/>
-              <a:t>6/7/2018</a:t>
+              <a:t>22/3/2019</a:t>
             </a:fld>
             <a:endParaRPr lang="en-SG"/>
           </a:p>
@@ -675,7 +671,7 @@
           <a:p>
             <a:fld id="{03EC4E3E-8101-482F-A883-8B55DAFF7C07}" type="datetimeFigureOut">
               <a:rPr lang="en-SG" smtClean="0"/>
-              <a:t>6/7/2018</a:t>
+              <a:t>22/3/2019</a:t>
             </a:fld>
             <a:endParaRPr lang="en-SG"/>
           </a:p>
@@ -875,7 +871,7 @@
           <a:p>
             <a:fld id="{03EC4E3E-8101-482F-A883-8B55DAFF7C07}" type="datetimeFigureOut">
               <a:rPr lang="en-SG" smtClean="0"/>
-              <a:t>6/7/2018</a:t>
+              <a:t>22/3/2019</a:t>
             </a:fld>
             <a:endParaRPr lang="en-SG"/>
           </a:p>
@@ -1151,7 +1147,7 @@
           <a:p>
             <a:fld id="{03EC4E3E-8101-482F-A883-8B55DAFF7C07}" type="datetimeFigureOut">
               <a:rPr lang="en-SG" smtClean="0"/>
-              <a:t>6/7/2018</a:t>
+              <a:t>22/3/2019</a:t>
             </a:fld>
             <a:endParaRPr lang="en-SG"/>
           </a:p>
@@ -1419,7 +1415,7 @@
           <a:p>
             <a:fld id="{03EC4E3E-8101-482F-A883-8B55DAFF7C07}" type="datetimeFigureOut">
               <a:rPr lang="en-SG" smtClean="0"/>
-              <a:t>6/7/2018</a:t>
+              <a:t>22/3/2019</a:t>
             </a:fld>
             <a:endParaRPr lang="en-SG"/>
           </a:p>
@@ -1834,7 +1830,7 @@
           <a:p>
             <a:fld id="{03EC4E3E-8101-482F-A883-8B55DAFF7C07}" type="datetimeFigureOut">
               <a:rPr lang="en-SG" smtClean="0"/>
-              <a:t>6/7/2018</a:t>
+              <a:t>22/3/2019</a:t>
             </a:fld>
             <a:endParaRPr lang="en-SG"/>
           </a:p>
@@ -1976,7 +1972,7 @@
           <a:p>
             <a:fld id="{03EC4E3E-8101-482F-A883-8B55DAFF7C07}" type="datetimeFigureOut">
               <a:rPr lang="en-SG" smtClean="0"/>
-              <a:t>6/7/2018</a:t>
+              <a:t>22/3/2019</a:t>
             </a:fld>
             <a:endParaRPr lang="en-SG"/>
           </a:p>
@@ -2089,7 +2085,7 @@
           <a:p>
             <a:fld id="{03EC4E3E-8101-482F-A883-8B55DAFF7C07}" type="datetimeFigureOut">
               <a:rPr lang="en-SG" smtClean="0"/>
-              <a:t>6/7/2018</a:t>
+              <a:t>22/3/2019</a:t>
             </a:fld>
             <a:endParaRPr lang="en-SG"/>
           </a:p>
@@ -2402,7 +2398,7 @@
           <a:p>
             <a:fld id="{03EC4E3E-8101-482F-A883-8B55DAFF7C07}" type="datetimeFigureOut">
               <a:rPr lang="en-SG" smtClean="0"/>
-              <a:t>6/7/2018</a:t>
+              <a:t>22/3/2019</a:t>
             </a:fld>
             <a:endParaRPr lang="en-SG"/>
           </a:p>
@@ -2691,7 +2687,7 @@
           <a:p>
             <a:fld id="{03EC4E3E-8101-482F-A883-8B55DAFF7C07}" type="datetimeFigureOut">
               <a:rPr lang="en-SG" smtClean="0"/>
-              <a:t>6/7/2018</a:t>
+              <a:t>22/3/2019</a:t>
             </a:fld>
             <a:endParaRPr lang="en-SG"/>
           </a:p>
@@ -2934,7 +2930,7 @@
           <a:p>
             <a:fld id="{03EC4E3E-8101-482F-A883-8B55DAFF7C07}" type="datetimeFigureOut">
               <a:rPr lang="en-SG" smtClean="0"/>
-              <a:t>6/7/2018</a:t>
+              <a:t>22/3/2019</a:t>
             </a:fld>
             <a:endParaRPr lang="en-SG"/>
           </a:p>
@@ -3407,7 +3403,23 @@
             <a:pPr algn="ctr"/>
             <a:r>
               <a:rPr lang="en-SG" dirty="0"/>
-              <a:t>The state of the address book (before ‘add n/David …’ was executed) will be restored to state ab1.</a:t>
+              <a:t>The state of TravelBuddy (before ‘add </a:t>
+            </a:r>
+            <a:r>
+              <a:rPr lang="en-SG"/>
+              <a:t>n/NUS </a:t>
+            </a:r>
+            <a:r>
+              <a:rPr lang="en-SG" dirty="0"/>
+              <a:t>…’ was executed) will be restored to </a:t>
+            </a:r>
+            <a:r>
+              <a:rPr lang="en-SG"/>
+              <a:t>state tb1</a:t>
+            </a:r>
+            <a:r>
+              <a:rPr lang="en-SG" dirty="0"/>
+              <a:t>.</a:t>
             </a:r>
           </a:p>
         </p:txBody>
@@ -3515,7 +3527,7 @@
           <p:nvPr>
             <p:extLst>
               <p:ext uri="{D42A27DB-BD31-4B8C-83A1-F6EECF244321}">
-                <p14:modId xmlns:p14="http://schemas.microsoft.com/office/powerpoint/2010/main" val="1674993041"/>
+                <p14:modId xmlns:p14="http://schemas.microsoft.com/office/powerpoint/2010/main" val="3519052098"/>
               </p:ext>
             </p:extLst>
           </p:nvPr>
@@ -3547,13 +3559,8 @@
                     <a:p>
                       <a:r>
                         <a:rPr lang="en-SG" u="sng" dirty="0"/>
-                        <a:t>ab0:</a:t>
+                        <a:t>tb0:TravelBuddy</a:t>
                       </a:r>
-                      <a:r>
-                        <a:rPr lang="en-SG" sz="1800" u="sng" dirty="0"/>
-                        <a:t>AddressBook</a:t>
-                      </a:r>
-                      <a:endParaRPr lang="en-SG" u="sng" dirty="0"/>
                     </a:p>
                   </a:txBody>
                   <a:tcPr/>
@@ -3719,7 +3726,7 @@
           <p:nvPr>
             <p:extLst>
               <p:ext uri="{D42A27DB-BD31-4B8C-83A1-F6EECF244321}">
-                <p14:modId xmlns:p14="http://schemas.microsoft.com/office/powerpoint/2010/main" val="3085921390"/>
+                <p14:modId xmlns:p14="http://schemas.microsoft.com/office/powerpoint/2010/main" val="2199278691"/>
               </p:ext>
             </p:extLst>
           </p:nvPr>
@@ -3751,11 +3758,11 @@
                     <a:p>
                       <a:r>
                         <a:rPr lang="en-SG" u="sng" dirty="0"/>
-                        <a:t>ab1:</a:t>
+                        <a:t>tb1:</a:t>
                       </a:r>
                       <a:r>
                         <a:rPr lang="en-SG" sz="1800" u="sng" dirty="0"/>
-                        <a:t>AddressBook</a:t>
+                        <a:t>TravelBuddy</a:t>
                       </a:r>
                       <a:endParaRPr lang="en-SG" u="sng" dirty="0"/>
                     </a:p>
@@ -3787,7 +3794,7 @@
           <p:nvPr>
             <p:extLst>
               <p:ext uri="{D42A27DB-BD31-4B8C-83A1-F6EECF244321}">
-                <p14:modId xmlns:p14="http://schemas.microsoft.com/office/powerpoint/2010/main" val="3504448791"/>
+                <p14:modId xmlns:p14="http://schemas.microsoft.com/office/powerpoint/2010/main" val="562093557"/>
               </p:ext>
             </p:extLst>
           </p:nvPr>
@@ -3819,11 +3826,11 @@
                     <a:p>
                       <a:r>
                         <a:rPr lang="en-SG" u="sng" dirty="0"/>
-                        <a:t>ab2:</a:t>
+                        <a:t>tb2:</a:t>
                       </a:r>
                       <a:r>
                         <a:rPr lang="en-SG" sz="1800" u="sng" dirty="0"/>
-                        <a:t>AddressBook</a:t>
+                        <a:t>TravelBuddy</a:t>
                       </a:r>
                       <a:endParaRPr lang="en-SG" u="sng" dirty="0"/>
                     </a:p>
@@ -3855,7 +3862,7 @@
           <p:nvPr>
             <p:extLst>
               <p:ext uri="{D42A27DB-BD31-4B8C-83A1-F6EECF244321}">
-                <p14:modId xmlns:p14="http://schemas.microsoft.com/office/powerpoint/2010/main" val="3880678430"/>
+                <p14:modId xmlns:p14="http://schemas.microsoft.com/office/powerpoint/2010/main" val="3767527173"/>
               </p:ext>
             </p:extLst>
           </p:nvPr>
@@ -3887,11 +3894,11 @@
                     <a:p>
                       <a:r>
                         <a:rPr lang="en-SG" u="sng" dirty="0"/>
-                        <a:t>ab0:</a:t>
+                        <a:t>tb0:</a:t>
                       </a:r>
                       <a:r>
                         <a:rPr lang="en-SG" sz="1800" u="sng" dirty="0"/>
-                        <a:t>AddressBook</a:t>
+                        <a:t>TravelBuddy</a:t>
                       </a:r>
                       <a:endParaRPr lang="en-SG" u="sng" dirty="0"/>
                     </a:p>
@@ -3923,7 +3930,7 @@
           <p:nvPr>
             <p:extLst>
               <p:ext uri="{D42A27DB-BD31-4B8C-83A1-F6EECF244321}">
-                <p14:modId xmlns:p14="http://schemas.microsoft.com/office/powerpoint/2010/main" val="719723626"/>
+                <p14:modId xmlns:p14="http://schemas.microsoft.com/office/powerpoint/2010/main" val="2651262332"/>
               </p:ext>
             </p:extLst>
           </p:nvPr>
@@ -3955,11 +3962,11 @@
                     <a:p>
                       <a:r>
                         <a:rPr lang="en-SG" u="sng" dirty="0"/>
-                        <a:t>ab1:</a:t>
+                        <a:t>tb1:</a:t>
                       </a:r>
                       <a:r>
                         <a:rPr lang="en-SG" sz="1800" u="sng" dirty="0"/>
-                        <a:t>AddressBook</a:t>
+                        <a:t>TravelBuddy</a:t>
                       </a:r>
                       <a:endParaRPr lang="en-SG" u="sng" dirty="0"/>
                     </a:p>
@@ -3991,7 +3998,7 @@
           <p:nvPr>
             <p:extLst>
               <p:ext uri="{D42A27DB-BD31-4B8C-83A1-F6EECF244321}">
-                <p14:modId xmlns:p14="http://schemas.microsoft.com/office/powerpoint/2010/main" val="3592690620"/>
+                <p14:modId xmlns:p14="http://schemas.microsoft.com/office/powerpoint/2010/main" val="1460817803"/>
               </p:ext>
             </p:extLst>
           </p:nvPr>
@@ -4023,11 +4030,11 @@
                     <a:p>
                       <a:r>
                         <a:rPr lang="en-SG" u="sng" dirty="0"/>
-                        <a:t>ab2:</a:t>
+                        <a:t>tb2:</a:t>
                       </a:r>
                       <a:r>
                         <a:rPr lang="en-SG" sz="1800" u="sng" dirty="0"/>
-                        <a:t>AddressBook</a:t>
+                        <a:t>TravelBuddy</a:t>
                       </a:r>
                       <a:endParaRPr lang="en-SG" u="sng" dirty="0"/>
                     </a:p>

--- a/docs/diagrams/UndoRedoExecuteUndoStateListDiagram.pptx
+++ b/docs/diagrams/UndoRedoExecuteUndoStateListDiagram.pptx
@@ -106,7 +106,7 @@
   </p:defaultTextStyle>
   <p:extLst>
     <p:ext uri="{EFAFB233-063F-42B5-8137-9DF3F51BA10A}">
-      <p15:sldGuideLst xmlns:p15="http://schemas.microsoft.com/office/powerpoint/2012/main"/>
+      <p15:sldGuideLst xmlns:p15="http://schemas.microsoft.com/office/powerpoint/2012/main" xmlns=""/>
     </p:ext>
   </p:extLst>
 </p:presentation>
@@ -138,7 +138,7 @@
           <p:cNvPr id="2" name="Title 1">
             <a:extLst>
               <a:ext uri="{FF2B5EF4-FFF2-40B4-BE49-F238E27FC236}">
-                <a16:creationId xmlns:a16="http://schemas.microsoft.com/office/drawing/2014/main" id="{39FCC519-EE2E-4054-A653-93D611E0133E}"/>
+                <a16:creationId xmlns:a16="http://schemas.microsoft.com/office/drawing/2014/main" xmlns="" id="{39FCC519-EE2E-4054-A653-93D611E0133E}"/>
               </a:ext>
             </a:extLst>
           </p:cNvPr>
@@ -176,7 +176,7 @@
           <p:cNvPr id="3" name="Subtitle 2">
             <a:extLst>
               <a:ext uri="{FF2B5EF4-FFF2-40B4-BE49-F238E27FC236}">
-                <a16:creationId xmlns:a16="http://schemas.microsoft.com/office/drawing/2014/main" id="{3EDEA74E-4030-4F69-A055-4C6319EEEC29}"/>
+                <a16:creationId xmlns:a16="http://schemas.microsoft.com/office/drawing/2014/main" xmlns="" id="{3EDEA74E-4030-4F69-A055-4C6319EEEC29}"/>
               </a:ext>
             </a:extLst>
           </p:cNvPr>
@@ -247,7 +247,7 @@
           <p:cNvPr id="4" name="Date Placeholder 3">
             <a:extLst>
               <a:ext uri="{FF2B5EF4-FFF2-40B4-BE49-F238E27FC236}">
-                <a16:creationId xmlns:a16="http://schemas.microsoft.com/office/drawing/2014/main" id="{E5CC99E3-37A6-4485-B9A2-AF27A72608C6}"/>
+                <a16:creationId xmlns:a16="http://schemas.microsoft.com/office/drawing/2014/main" xmlns="" id="{E5CC99E3-37A6-4485-B9A2-AF27A72608C6}"/>
               </a:ext>
             </a:extLst>
           </p:cNvPr>
@@ -265,7 +265,8 @@
           <a:p>
             <a:fld id="{03EC4E3E-8101-482F-A883-8B55DAFF7C07}" type="datetimeFigureOut">
               <a:rPr lang="en-SG" smtClean="0"/>
-              <a:t>6/7/2018</a:t>
+              <a:pPr/>
+              <a:t>31/3/2019</a:t>
             </a:fld>
             <a:endParaRPr lang="en-SG"/>
           </a:p>
@@ -276,7 +277,7 @@
           <p:cNvPr id="5" name="Footer Placeholder 4">
             <a:extLst>
               <a:ext uri="{FF2B5EF4-FFF2-40B4-BE49-F238E27FC236}">
-                <a16:creationId xmlns:a16="http://schemas.microsoft.com/office/drawing/2014/main" id="{D75BD546-D949-4A25-8EA4-47DF23229409}"/>
+                <a16:creationId xmlns:a16="http://schemas.microsoft.com/office/drawing/2014/main" xmlns="" id="{D75BD546-D949-4A25-8EA4-47DF23229409}"/>
               </a:ext>
             </a:extLst>
           </p:cNvPr>
@@ -301,7 +302,7 @@
           <p:cNvPr id="6" name="Slide Number Placeholder 5">
             <a:extLst>
               <a:ext uri="{FF2B5EF4-FFF2-40B4-BE49-F238E27FC236}">
-                <a16:creationId xmlns:a16="http://schemas.microsoft.com/office/drawing/2014/main" id="{68147391-4DF6-4ACF-BCE9-C1A9DAC803E3}"/>
+                <a16:creationId xmlns:a16="http://schemas.microsoft.com/office/drawing/2014/main" xmlns="" id="{68147391-4DF6-4ACF-BCE9-C1A9DAC803E3}"/>
               </a:ext>
             </a:extLst>
           </p:cNvPr>
@@ -319,6 +320,7 @@
           <a:p>
             <a:fld id="{F362EEBD-19F8-4A23-B3A5-01C987241991}" type="slidenum">
               <a:rPr lang="en-SG" smtClean="0"/>
+              <a:pPr/>
               <a:t>‹#›</a:t>
             </a:fld>
             <a:endParaRPr lang="en-SG"/>
@@ -328,7 +330,7 @@
     </p:spTree>
     <p:extLst>
       <p:ext uri="{BB962C8B-B14F-4D97-AF65-F5344CB8AC3E}">
-        <p14:creationId xmlns:p14="http://schemas.microsoft.com/office/powerpoint/2010/main" val="4227771393"/>
+        <p14:creationId xmlns:p14="http://schemas.microsoft.com/office/powerpoint/2010/main" xmlns="" val="4227771393"/>
       </p:ext>
     </p:extLst>
   </p:cSld>
@@ -360,7 +362,7 @@
           <p:cNvPr id="2" name="Title 1">
             <a:extLst>
               <a:ext uri="{FF2B5EF4-FFF2-40B4-BE49-F238E27FC236}">
-                <a16:creationId xmlns:a16="http://schemas.microsoft.com/office/drawing/2014/main" id="{251D3DFE-0C62-45F5-B1BF-FD1F194ED112}"/>
+                <a16:creationId xmlns:a16="http://schemas.microsoft.com/office/drawing/2014/main" xmlns="" id="{251D3DFE-0C62-45F5-B1BF-FD1F194ED112}"/>
               </a:ext>
             </a:extLst>
           </p:cNvPr>
@@ -389,7 +391,7 @@
           <p:cNvPr id="3" name="Vertical Text Placeholder 2">
             <a:extLst>
               <a:ext uri="{FF2B5EF4-FFF2-40B4-BE49-F238E27FC236}">
-                <a16:creationId xmlns:a16="http://schemas.microsoft.com/office/drawing/2014/main" id="{D2392762-3586-4B6D-A174-2D3ACF0A125B}"/>
+                <a16:creationId xmlns:a16="http://schemas.microsoft.com/office/drawing/2014/main" xmlns="" id="{D2392762-3586-4B6D-A174-2D3ACF0A125B}"/>
               </a:ext>
             </a:extLst>
           </p:cNvPr>
@@ -447,7 +449,7 @@
           <p:cNvPr id="4" name="Date Placeholder 3">
             <a:extLst>
               <a:ext uri="{FF2B5EF4-FFF2-40B4-BE49-F238E27FC236}">
-                <a16:creationId xmlns:a16="http://schemas.microsoft.com/office/drawing/2014/main" id="{73B232E7-84FB-4535-9FC1-1BEF8F17421F}"/>
+                <a16:creationId xmlns:a16="http://schemas.microsoft.com/office/drawing/2014/main" xmlns="" id="{73B232E7-84FB-4535-9FC1-1BEF8F17421F}"/>
               </a:ext>
             </a:extLst>
           </p:cNvPr>
@@ -465,7 +467,8 @@
           <a:p>
             <a:fld id="{03EC4E3E-8101-482F-A883-8B55DAFF7C07}" type="datetimeFigureOut">
               <a:rPr lang="en-SG" smtClean="0"/>
-              <a:t>6/7/2018</a:t>
+              <a:pPr/>
+              <a:t>31/3/2019</a:t>
             </a:fld>
             <a:endParaRPr lang="en-SG"/>
           </a:p>
@@ -476,7 +479,7 @@
           <p:cNvPr id="5" name="Footer Placeholder 4">
             <a:extLst>
               <a:ext uri="{FF2B5EF4-FFF2-40B4-BE49-F238E27FC236}">
-                <a16:creationId xmlns:a16="http://schemas.microsoft.com/office/drawing/2014/main" id="{76F796EF-04EF-401A-AC84-F7BDBC99DE80}"/>
+                <a16:creationId xmlns:a16="http://schemas.microsoft.com/office/drawing/2014/main" xmlns="" id="{76F796EF-04EF-401A-AC84-F7BDBC99DE80}"/>
               </a:ext>
             </a:extLst>
           </p:cNvPr>
@@ -501,7 +504,7 @@
           <p:cNvPr id="6" name="Slide Number Placeholder 5">
             <a:extLst>
               <a:ext uri="{FF2B5EF4-FFF2-40B4-BE49-F238E27FC236}">
-                <a16:creationId xmlns:a16="http://schemas.microsoft.com/office/drawing/2014/main" id="{8F55F009-0A64-4649-A732-4AA6D619F1F3}"/>
+                <a16:creationId xmlns:a16="http://schemas.microsoft.com/office/drawing/2014/main" xmlns="" id="{8F55F009-0A64-4649-A732-4AA6D619F1F3}"/>
               </a:ext>
             </a:extLst>
           </p:cNvPr>
@@ -519,6 +522,7 @@
           <a:p>
             <a:fld id="{F362EEBD-19F8-4A23-B3A5-01C987241991}" type="slidenum">
               <a:rPr lang="en-SG" smtClean="0"/>
+              <a:pPr/>
               <a:t>‹#›</a:t>
             </a:fld>
             <a:endParaRPr lang="en-SG"/>
@@ -528,7 +532,7 @@
     </p:spTree>
     <p:extLst>
       <p:ext uri="{BB962C8B-B14F-4D97-AF65-F5344CB8AC3E}">
-        <p14:creationId xmlns:p14="http://schemas.microsoft.com/office/powerpoint/2010/main" val="2305198193"/>
+        <p14:creationId xmlns:p14="http://schemas.microsoft.com/office/powerpoint/2010/main" xmlns="" val="2305198193"/>
       </p:ext>
     </p:extLst>
   </p:cSld>
@@ -560,7 +564,7 @@
           <p:cNvPr id="2" name="Vertical Title 1">
             <a:extLst>
               <a:ext uri="{FF2B5EF4-FFF2-40B4-BE49-F238E27FC236}">
-                <a16:creationId xmlns:a16="http://schemas.microsoft.com/office/drawing/2014/main" id="{F7DE9595-D7A8-4E19-B4C6-E295F978F6A4}"/>
+                <a16:creationId xmlns:a16="http://schemas.microsoft.com/office/drawing/2014/main" xmlns="" id="{F7DE9595-D7A8-4E19-B4C6-E295F978F6A4}"/>
               </a:ext>
             </a:extLst>
           </p:cNvPr>
@@ -594,7 +598,7 @@
           <p:cNvPr id="3" name="Vertical Text Placeholder 2">
             <a:extLst>
               <a:ext uri="{FF2B5EF4-FFF2-40B4-BE49-F238E27FC236}">
-                <a16:creationId xmlns:a16="http://schemas.microsoft.com/office/drawing/2014/main" id="{0D2975B7-7A6D-40EA-B2F6-338022AD2BF1}"/>
+                <a16:creationId xmlns:a16="http://schemas.microsoft.com/office/drawing/2014/main" xmlns="" id="{0D2975B7-7A6D-40EA-B2F6-338022AD2BF1}"/>
               </a:ext>
             </a:extLst>
           </p:cNvPr>
@@ -657,7 +661,7 @@
           <p:cNvPr id="4" name="Date Placeholder 3">
             <a:extLst>
               <a:ext uri="{FF2B5EF4-FFF2-40B4-BE49-F238E27FC236}">
-                <a16:creationId xmlns:a16="http://schemas.microsoft.com/office/drawing/2014/main" id="{C8230AC3-1BED-4D2B-96D3-51C50E14A9E6}"/>
+                <a16:creationId xmlns:a16="http://schemas.microsoft.com/office/drawing/2014/main" xmlns="" id="{C8230AC3-1BED-4D2B-96D3-51C50E14A9E6}"/>
               </a:ext>
             </a:extLst>
           </p:cNvPr>
@@ -675,7 +679,8 @@
           <a:p>
             <a:fld id="{03EC4E3E-8101-482F-A883-8B55DAFF7C07}" type="datetimeFigureOut">
               <a:rPr lang="en-SG" smtClean="0"/>
-              <a:t>6/7/2018</a:t>
+              <a:pPr/>
+              <a:t>31/3/2019</a:t>
             </a:fld>
             <a:endParaRPr lang="en-SG"/>
           </a:p>
@@ -686,7 +691,7 @@
           <p:cNvPr id="5" name="Footer Placeholder 4">
             <a:extLst>
               <a:ext uri="{FF2B5EF4-FFF2-40B4-BE49-F238E27FC236}">
-                <a16:creationId xmlns:a16="http://schemas.microsoft.com/office/drawing/2014/main" id="{4AD6CA96-231A-43AD-B530-7C509651DE3B}"/>
+                <a16:creationId xmlns:a16="http://schemas.microsoft.com/office/drawing/2014/main" xmlns="" id="{4AD6CA96-231A-43AD-B530-7C509651DE3B}"/>
               </a:ext>
             </a:extLst>
           </p:cNvPr>
@@ -711,7 +716,7 @@
           <p:cNvPr id="6" name="Slide Number Placeholder 5">
             <a:extLst>
               <a:ext uri="{FF2B5EF4-FFF2-40B4-BE49-F238E27FC236}">
-                <a16:creationId xmlns:a16="http://schemas.microsoft.com/office/drawing/2014/main" id="{12063E3B-180A-454E-A661-6CCD48D7062C}"/>
+                <a16:creationId xmlns:a16="http://schemas.microsoft.com/office/drawing/2014/main" xmlns="" id="{12063E3B-180A-454E-A661-6CCD48D7062C}"/>
               </a:ext>
             </a:extLst>
           </p:cNvPr>
@@ -729,6 +734,7 @@
           <a:p>
             <a:fld id="{F362EEBD-19F8-4A23-B3A5-01C987241991}" type="slidenum">
               <a:rPr lang="en-SG" smtClean="0"/>
+              <a:pPr/>
               <a:t>‹#›</a:t>
             </a:fld>
             <a:endParaRPr lang="en-SG"/>
@@ -738,7 +744,7 @@
     </p:spTree>
     <p:extLst>
       <p:ext uri="{BB962C8B-B14F-4D97-AF65-F5344CB8AC3E}">
-        <p14:creationId xmlns:p14="http://schemas.microsoft.com/office/powerpoint/2010/main" val="1148984362"/>
+        <p14:creationId xmlns:p14="http://schemas.microsoft.com/office/powerpoint/2010/main" xmlns="" val="1148984362"/>
       </p:ext>
     </p:extLst>
   </p:cSld>
@@ -770,7 +776,7 @@
           <p:cNvPr id="2" name="Title 1">
             <a:extLst>
               <a:ext uri="{FF2B5EF4-FFF2-40B4-BE49-F238E27FC236}">
-                <a16:creationId xmlns:a16="http://schemas.microsoft.com/office/drawing/2014/main" id="{7E861C8D-BAF0-4DD9-92B9-591B272791CA}"/>
+                <a16:creationId xmlns:a16="http://schemas.microsoft.com/office/drawing/2014/main" xmlns="" id="{7E861C8D-BAF0-4DD9-92B9-591B272791CA}"/>
               </a:ext>
             </a:extLst>
           </p:cNvPr>
@@ -799,7 +805,7 @@
           <p:cNvPr id="3" name="Content Placeholder 2">
             <a:extLst>
               <a:ext uri="{FF2B5EF4-FFF2-40B4-BE49-F238E27FC236}">
-                <a16:creationId xmlns:a16="http://schemas.microsoft.com/office/drawing/2014/main" id="{534DA4BD-1D78-446B-B79F-C1229642DDEB}"/>
+                <a16:creationId xmlns:a16="http://schemas.microsoft.com/office/drawing/2014/main" xmlns="" id="{534DA4BD-1D78-446B-B79F-C1229642DDEB}"/>
               </a:ext>
             </a:extLst>
           </p:cNvPr>
@@ -857,7 +863,7 @@
           <p:cNvPr id="4" name="Date Placeholder 3">
             <a:extLst>
               <a:ext uri="{FF2B5EF4-FFF2-40B4-BE49-F238E27FC236}">
-                <a16:creationId xmlns:a16="http://schemas.microsoft.com/office/drawing/2014/main" id="{AD6BEDB5-7B62-4953-BECB-7F7F3E909CAC}"/>
+                <a16:creationId xmlns:a16="http://schemas.microsoft.com/office/drawing/2014/main" xmlns="" id="{AD6BEDB5-7B62-4953-BECB-7F7F3E909CAC}"/>
               </a:ext>
             </a:extLst>
           </p:cNvPr>
@@ -875,7 +881,8 @@
           <a:p>
             <a:fld id="{03EC4E3E-8101-482F-A883-8B55DAFF7C07}" type="datetimeFigureOut">
               <a:rPr lang="en-SG" smtClean="0"/>
-              <a:t>6/7/2018</a:t>
+              <a:pPr/>
+              <a:t>31/3/2019</a:t>
             </a:fld>
             <a:endParaRPr lang="en-SG"/>
           </a:p>
@@ -886,7 +893,7 @@
           <p:cNvPr id="5" name="Footer Placeholder 4">
             <a:extLst>
               <a:ext uri="{FF2B5EF4-FFF2-40B4-BE49-F238E27FC236}">
-                <a16:creationId xmlns:a16="http://schemas.microsoft.com/office/drawing/2014/main" id="{349CD732-2DD1-42BE-8480-5C6507018294}"/>
+                <a16:creationId xmlns:a16="http://schemas.microsoft.com/office/drawing/2014/main" xmlns="" id="{349CD732-2DD1-42BE-8480-5C6507018294}"/>
               </a:ext>
             </a:extLst>
           </p:cNvPr>
@@ -911,7 +918,7 @@
           <p:cNvPr id="6" name="Slide Number Placeholder 5">
             <a:extLst>
               <a:ext uri="{FF2B5EF4-FFF2-40B4-BE49-F238E27FC236}">
-                <a16:creationId xmlns:a16="http://schemas.microsoft.com/office/drawing/2014/main" id="{574C27E0-F36A-4438-9402-C2CB0377D92D}"/>
+                <a16:creationId xmlns:a16="http://schemas.microsoft.com/office/drawing/2014/main" xmlns="" id="{574C27E0-F36A-4438-9402-C2CB0377D92D}"/>
               </a:ext>
             </a:extLst>
           </p:cNvPr>
@@ -929,6 +936,7 @@
           <a:p>
             <a:fld id="{F362EEBD-19F8-4A23-B3A5-01C987241991}" type="slidenum">
               <a:rPr lang="en-SG" smtClean="0"/>
+              <a:pPr/>
               <a:t>‹#›</a:t>
             </a:fld>
             <a:endParaRPr lang="en-SG"/>
@@ -938,7 +946,7 @@
     </p:spTree>
     <p:extLst>
       <p:ext uri="{BB962C8B-B14F-4D97-AF65-F5344CB8AC3E}">
-        <p14:creationId xmlns:p14="http://schemas.microsoft.com/office/powerpoint/2010/main" val="111561436"/>
+        <p14:creationId xmlns:p14="http://schemas.microsoft.com/office/powerpoint/2010/main" xmlns="" val="111561436"/>
       </p:ext>
     </p:extLst>
   </p:cSld>
@@ -970,7 +978,7 @@
           <p:cNvPr id="2" name="Title 1">
             <a:extLst>
               <a:ext uri="{FF2B5EF4-FFF2-40B4-BE49-F238E27FC236}">
-                <a16:creationId xmlns:a16="http://schemas.microsoft.com/office/drawing/2014/main" id="{80A42FFA-8A45-40F8-9C5C-9906971B38AB}"/>
+                <a16:creationId xmlns:a16="http://schemas.microsoft.com/office/drawing/2014/main" xmlns="" id="{80A42FFA-8A45-40F8-9C5C-9906971B38AB}"/>
               </a:ext>
             </a:extLst>
           </p:cNvPr>
@@ -1008,7 +1016,7 @@
           <p:cNvPr id="3" name="Text Placeholder 2">
             <a:extLst>
               <a:ext uri="{FF2B5EF4-FFF2-40B4-BE49-F238E27FC236}">
-                <a16:creationId xmlns:a16="http://schemas.microsoft.com/office/drawing/2014/main" id="{7D8879A7-8225-4473-B738-B780B6224EC5}"/>
+                <a16:creationId xmlns:a16="http://schemas.microsoft.com/office/drawing/2014/main" xmlns="" id="{7D8879A7-8225-4473-B738-B780B6224EC5}"/>
               </a:ext>
             </a:extLst>
           </p:cNvPr>
@@ -1133,7 +1141,7 @@
           <p:cNvPr id="4" name="Date Placeholder 3">
             <a:extLst>
               <a:ext uri="{FF2B5EF4-FFF2-40B4-BE49-F238E27FC236}">
-                <a16:creationId xmlns:a16="http://schemas.microsoft.com/office/drawing/2014/main" id="{6CF7978C-FE65-4091-9152-E33029C12AEA}"/>
+                <a16:creationId xmlns:a16="http://schemas.microsoft.com/office/drawing/2014/main" xmlns="" id="{6CF7978C-FE65-4091-9152-E33029C12AEA}"/>
               </a:ext>
             </a:extLst>
           </p:cNvPr>
@@ -1151,7 +1159,8 @@
           <a:p>
             <a:fld id="{03EC4E3E-8101-482F-A883-8B55DAFF7C07}" type="datetimeFigureOut">
               <a:rPr lang="en-SG" smtClean="0"/>
-              <a:t>6/7/2018</a:t>
+              <a:pPr/>
+              <a:t>31/3/2019</a:t>
             </a:fld>
             <a:endParaRPr lang="en-SG"/>
           </a:p>
@@ -1162,7 +1171,7 @@
           <p:cNvPr id="5" name="Footer Placeholder 4">
             <a:extLst>
               <a:ext uri="{FF2B5EF4-FFF2-40B4-BE49-F238E27FC236}">
-                <a16:creationId xmlns:a16="http://schemas.microsoft.com/office/drawing/2014/main" id="{B344C9CC-480F-4DCB-AC70-D7A4CCA0B8B7}"/>
+                <a16:creationId xmlns:a16="http://schemas.microsoft.com/office/drawing/2014/main" xmlns="" id="{B344C9CC-480F-4DCB-AC70-D7A4CCA0B8B7}"/>
               </a:ext>
             </a:extLst>
           </p:cNvPr>
@@ -1187,7 +1196,7 @@
           <p:cNvPr id="6" name="Slide Number Placeholder 5">
             <a:extLst>
               <a:ext uri="{FF2B5EF4-FFF2-40B4-BE49-F238E27FC236}">
-                <a16:creationId xmlns:a16="http://schemas.microsoft.com/office/drawing/2014/main" id="{8F5A07EC-843A-4ED9-8F1C-AD703CA36D58}"/>
+                <a16:creationId xmlns:a16="http://schemas.microsoft.com/office/drawing/2014/main" xmlns="" id="{8F5A07EC-843A-4ED9-8F1C-AD703CA36D58}"/>
               </a:ext>
             </a:extLst>
           </p:cNvPr>
@@ -1205,6 +1214,7 @@
           <a:p>
             <a:fld id="{F362EEBD-19F8-4A23-B3A5-01C987241991}" type="slidenum">
               <a:rPr lang="en-SG" smtClean="0"/>
+              <a:pPr/>
               <a:t>‹#›</a:t>
             </a:fld>
             <a:endParaRPr lang="en-SG"/>
@@ -1214,7 +1224,7 @@
     </p:spTree>
     <p:extLst>
       <p:ext uri="{BB962C8B-B14F-4D97-AF65-F5344CB8AC3E}">
-        <p14:creationId xmlns:p14="http://schemas.microsoft.com/office/powerpoint/2010/main" val="2217340100"/>
+        <p14:creationId xmlns:p14="http://schemas.microsoft.com/office/powerpoint/2010/main" xmlns="" val="2217340100"/>
       </p:ext>
     </p:extLst>
   </p:cSld>
@@ -1246,7 +1256,7 @@
           <p:cNvPr id="2" name="Title 1">
             <a:extLst>
               <a:ext uri="{FF2B5EF4-FFF2-40B4-BE49-F238E27FC236}">
-                <a16:creationId xmlns:a16="http://schemas.microsoft.com/office/drawing/2014/main" id="{056EE2DA-07D9-4774-A8CA-0CA247F8C72A}"/>
+                <a16:creationId xmlns:a16="http://schemas.microsoft.com/office/drawing/2014/main" xmlns="" id="{056EE2DA-07D9-4774-A8CA-0CA247F8C72A}"/>
               </a:ext>
             </a:extLst>
           </p:cNvPr>
@@ -1275,7 +1285,7 @@
           <p:cNvPr id="3" name="Content Placeholder 2">
             <a:extLst>
               <a:ext uri="{FF2B5EF4-FFF2-40B4-BE49-F238E27FC236}">
-                <a16:creationId xmlns:a16="http://schemas.microsoft.com/office/drawing/2014/main" id="{3CF93A59-4E25-4FFA-8796-AA06EF3E5C3E}"/>
+                <a16:creationId xmlns:a16="http://schemas.microsoft.com/office/drawing/2014/main" xmlns="" id="{3CF93A59-4E25-4FFA-8796-AA06EF3E5C3E}"/>
               </a:ext>
             </a:extLst>
           </p:cNvPr>
@@ -1338,7 +1348,7 @@
           <p:cNvPr id="4" name="Content Placeholder 3">
             <a:extLst>
               <a:ext uri="{FF2B5EF4-FFF2-40B4-BE49-F238E27FC236}">
-                <a16:creationId xmlns:a16="http://schemas.microsoft.com/office/drawing/2014/main" id="{81373B10-E346-4893-AFEE-65E014405E2D}"/>
+                <a16:creationId xmlns:a16="http://schemas.microsoft.com/office/drawing/2014/main" xmlns="" id="{81373B10-E346-4893-AFEE-65E014405E2D}"/>
               </a:ext>
             </a:extLst>
           </p:cNvPr>
@@ -1401,7 +1411,7 @@
           <p:cNvPr id="5" name="Date Placeholder 4">
             <a:extLst>
               <a:ext uri="{FF2B5EF4-FFF2-40B4-BE49-F238E27FC236}">
-                <a16:creationId xmlns:a16="http://schemas.microsoft.com/office/drawing/2014/main" id="{D9C411A1-6D64-4C63-A758-5D2FEE677F45}"/>
+                <a16:creationId xmlns:a16="http://schemas.microsoft.com/office/drawing/2014/main" xmlns="" id="{D9C411A1-6D64-4C63-A758-5D2FEE677F45}"/>
               </a:ext>
             </a:extLst>
           </p:cNvPr>
@@ -1419,7 +1429,8 @@
           <a:p>
             <a:fld id="{03EC4E3E-8101-482F-A883-8B55DAFF7C07}" type="datetimeFigureOut">
               <a:rPr lang="en-SG" smtClean="0"/>
-              <a:t>6/7/2018</a:t>
+              <a:pPr/>
+              <a:t>31/3/2019</a:t>
             </a:fld>
             <a:endParaRPr lang="en-SG"/>
           </a:p>
@@ -1430,7 +1441,7 @@
           <p:cNvPr id="6" name="Footer Placeholder 5">
             <a:extLst>
               <a:ext uri="{FF2B5EF4-FFF2-40B4-BE49-F238E27FC236}">
-                <a16:creationId xmlns:a16="http://schemas.microsoft.com/office/drawing/2014/main" id="{8D9C2E46-644C-4155-A697-764A7A0AB1F4}"/>
+                <a16:creationId xmlns:a16="http://schemas.microsoft.com/office/drawing/2014/main" xmlns="" id="{8D9C2E46-644C-4155-A697-764A7A0AB1F4}"/>
               </a:ext>
             </a:extLst>
           </p:cNvPr>
@@ -1455,7 +1466,7 @@
           <p:cNvPr id="7" name="Slide Number Placeholder 6">
             <a:extLst>
               <a:ext uri="{FF2B5EF4-FFF2-40B4-BE49-F238E27FC236}">
-                <a16:creationId xmlns:a16="http://schemas.microsoft.com/office/drawing/2014/main" id="{6192DEDD-6479-45E4-B1F5-6EDD41BBB103}"/>
+                <a16:creationId xmlns:a16="http://schemas.microsoft.com/office/drawing/2014/main" xmlns="" id="{6192DEDD-6479-45E4-B1F5-6EDD41BBB103}"/>
               </a:ext>
             </a:extLst>
           </p:cNvPr>
@@ -1473,6 +1484,7 @@
           <a:p>
             <a:fld id="{F362EEBD-19F8-4A23-B3A5-01C987241991}" type="slidenum">
               <a:rPr lang="en-SG" smtClean="0"/>
+              <a:pPr/>
               <a:t>‹#›</a:t>
             </a:fld>
             <a:endParaRPr lang="en-SG"/>
@@ -1482,7 +1494,7 @@
     </p:spTree>
     <p:extLst>
       <p:ext uri="{BB962C8B-B14F-4D97-AF65-F5344CB8AC3E}">
-        <p14:creationId xmlns:p14="http://schemas.microsoft.com/office/powerpoint/2010/main" val="1298304602"/>
+        <p14:creationId xmlns:p14="http://schemas.microsoft.com/office/powerpoint/2010/main" xmlns="" val="1298304602"/>
       </p:ext>
     </p:extLst>
   </p:cSld>
@@ -1514,7 +1526,7 @@
           <p:cNvPr id="2" name="Title 1">
             <a:extLst>
               <a:ext uri="{FF2B5EF4-FFF2-40B4-BE49-F238E27FC236}">
-                <a16:creationId xmlns:a16="http://schemas.microsoft.com/office/drawing/2014/main" id="{DC0ED888-63EF-4CC0-8500-9C8DB672FEC2}"/>
+                <a16:creationId xmlns:a16="http://schemas.microsoft.com/office/drawing/2014/main" xmlns="" id="{DC0ED888-63EF-4CC0-8500-9C8DB672FEC2}"/>
               </a:ext>
             </a:extLst>
           </p:cNvPr>
@@ -1548,7 +1560,7 @@
           <p:cNvPr id="3" name="Text Placeholder 2">
             <a:extLst>
               <a:ext uri="{FF2B5EF4-FFF2-40B4-BE49-F238E27FC236}">
-                <a16:creationId xmlns:a16="http://schemas.microsoft.com/office/drawing/2014/main" id="{3C33BC1E-FB79-4906-A967-9C7046C6D272}"/>
+                <a16:creationId xmlns:a16="http://schemas.microsoft.com/office/drawing/2014/main" xmlns="" id="{3C33BC1E-FB79-4906-A967-9C7046C6D272}"/>
               </a:ext>
             </a:extLst>
           </p:cNvPr>
@@ -1619,7 +1631,7 @@
           <p:cNvPr id="4" name="Content Placeholder 3">
             <a:extLst>
               <a:ext uri="{FF2B5EF4-FFF2-40B4-BE49-F238E27FC236}">
-                <a16:creationId xmlns:a16="http://schemas.microsoft.com/office/drawing/2014/main" id="{697A4EC6-1C42-4BA4-8108-32579276C17B}"/>
+                <a16:creationId xmlns:a16="http://schemas.microsoft.com/office/drawing/2014/main" xmlns="" id="{697A4EC6-1C42-4BA4-8108-32579276C17B}"/>
               </a:ext>
             </a:extLst>
           </p:cNvPr>
@@ -1682,7 +1694,7 @@
           <p:cNvPr id="5" name="Text Placeholder 4">
             <a:extLst>
               <a:ext uri="{FF2B5EF4-FFF2-40B4-BE49-F238E27FC236}">
-                <a16:creationId xmlns:a16="http://schemas.microsoft.com/office/drawing/2014/main" id="{8A2CA209-B9F5-4E1E-B302-74CC2D4CFDFB}"/>
+                <a16:creationId xmlns:a16="http://schemas.microsoft.com/office/drawing/2014/main" xmlns="" id="{8A2CA209-B9F5-4E1E-B302-74CC2D4CFDFB}"/>
               </a:ext>
             </a:extLst>
           </p:cNvPr>
@@ -1753,7 +1765,7 @@
           <p:cNvPr id="6" name="Content Placeholder 5">
             <a:extLst>
               <a:ext uri="{FF2B5EF4-FFF2-40B4-BE49-F238E27FC236}">
-                <a16:creationId xmlns:a16="http://schemas.microsoft.com/office/drawing/2014/main" id="{0E6E876D-DC4D-40EE-BA38-CD01089602CF}"/>
+                <a16:creationId xmlns:a16="http://schemas.microsoft.com/office/drawing/2014/main" xmlns="" id="{0E6E876D-DC4D-40EE-BA38-CD01089602CF}"/>
               </a:ext>
             </a:extLst>
           </p:cNvPr>
@@ -1816,7 +1828,7 @@
           <p:cNvPr id="7" name="Date Placeholder 6">
             <a:extLst>
               <a:ext uri="{FF2B5EF4-FFF2-40B4-BE49-F238E27FC236}">
-                <a16:creationId xmlns:a16="http://schemas.microsoft.com/office/drawing/2014/main" id="{F24E1D97-8B3C-41A1-B0BA-BA833AD8BC7C}"/>
+                <a16:creationId xmlns:a16="http://schemas.microsoft.com/office/drawing/2014/main" xmlns="" id="{F24E1D97-8B3C-41A1-B0BA-BA833AD8BC7C}"/>
               </a:ext>
             </a:extLst>
           </p:cNvPr>
@@ -1834,7 +1846,8 @@
           <a:p>
             <a:fld id="{03EC4E3E-8101-482F-A883-8B55DAFF7C07}" type="datetimeFigureOut">
               <a:rPr lang="en-SG" smtClean="0"/>
-              <a:t>6/7/2018</a:t>
+              <a:pPr/>
+              <a:t>31/3/2019</a:t>
             </a:fld>
             <a:endParaRPr lang="en-SG"/>
           </a:p>
@@ -1845,7 +1858,7 @@
           <p:cNvPr id="8" name="Footer Placeholder 7">
             <a:extLst>
               <a:ext uri="{FF2B5EF4-FFF2-40B4-BE49-F238E27FC236}">
-                <a16:creationId xmlns:a16="http://schemas.microsoft.com/office/drawing/2014/main" id="{FC358D8F-B7DA-4DCE-AC8F-706450EEC0DC}"/>
+                <a16:creationId xmlns:a16="http://schemas.microsoft.com/office/drawing/2014/main" xmlns="" id="{FC358D8F-B7DA-4DCE-AC8F-706450EEC0DC}"/>
               </a:ext>
             </a:extLst>
           </p:cNvPr>
@@ -1870,7 +1883,7 @@
           <p:cNvPr id="9" name="Slide Number Placeholder 8">
             <a:extLst>
               <a:ext uri="{FF2B5EF4-FFF2-40B4-BE49-F238E27FC236}">
-                <a16:creationId xmlns:a16="http://schemas.microsoft.com/office/drawing/2014/main" id="{40CE354E-2C73-4B6F-8AEB-14D1378A77E1}"/>
+                <a16:creationId xmlns:a16="http://schemas.microsoft.com/office/drawing/2014/main" xmlns="" id="{40CE354E-2C73-4B6F-8AEB-14D1378A77E1}"/>
               </a:ext>
             </a:extLst>
           </p:cNvPr>
@@ -1888,6 +1901,7 @@
           <a:p>
             <a:fld id="{F362EEBD-19F8-4A23-B3A5-01C987241991}" type="slidenum">
               <a:rPr lang="en-SG" smtClean="0"/>
+              <a:pPr/>
               <a:t>‹#›</a:t>
             </a:fld>
             <a:endParaRPr lang="en-SG"/>
@@ -1897,7 +1911,7 @@
     </p:spTree>
     <p:extLst>
       <p:ext uri="{BB962C8B-B14F-4D97-AF65-F5344CB8AC3E}">
-        <p14:creationId xmlns:p14="http://schemas.microsoft.com/office/powerpoint/2010/main" val="937260254"/>
+        <p14:creationId xmlns:p14="http://schemas.microsoft.com/office/powerpoint/2010/main" xmlns="" val="937260254"/>
       </p:ext>
     </p:extLst>
   </p:cSld>
@@ -1929,7 +1943,7 @@
           <p:cNvPr id="2" name="Title 1">
             <a:extLst>
               <a:ext uri="{FF2B5EF4-FFF2-40B4-BE49-F238E27FC236}">
-                <a16:creationId xmlns:a16="http://schemas.microsoft.com/office/drawing/2014/main" id="{17D9D381-288C-43FB-86C2-AAA4FCFD43FD}"/>
+                <a16:creationId xmlns:a16="http://schemas.microsoft.com/office/drawing/2014/main" xmlns="" id="{17D9D381-288C-43FB-86C2-AAA4FCFD43FD}"/>
               </a:ext>
             </a:extLst>
           </p:cNvPr>
@@ -1958,7 +1972,7 @@
           <p:cNvPr id="3" name="Date Placeholder 2">
             <a:extLst>
               <a:ext uri="{FF2B5EF4-FFF2-40B4-BE49-F238E27FC236}">
-                <a16:creationId xmlns:a16="http://schemas.microsoft.com/office/drawing/2014/main" id="{A85D75E5-4830-4F75-8132-91122609F925}"/>
+                <a16:creationId xmlns:a16="http://schemas.microsoft.com/office/drawing/2014/main" xmlns="" id="{A85D75E5-4830-4F75-8132-91122609F925}"/>
               </a:ext>
             </a:extLst>
           </p:cNvPr>
@@ -1976,7 +1990,8 @@
           <a:p>
             <a:fld id="{03EC4E3E-8101-482F-A883-8B55DAFF7C07}" type="datetimeFigureOut">
               <a:rPr lang="en-SG" smtClean="0"/>
-              <a:t>6/7/2018</a:t>
+              <a:pPr/>
+              <a:t>31/3/2019</a:t>
             </a:fld>
             <a:endParaRPr lang="en-SG"/>
           </a:p>
@@ -1987,7 +2002,7 @@
           <p:cNvPr id="4" name="Footer Placeholder 3">
             <a:extLst>
               <a:ext uri="{FF2B5EF4-FFF2-40B4-BE49-F238E27FC236}">
-                <a16:creationId xmlns:a16="http://schemas.microsoft.com/office/drawing/2014/main" id="{0C14A42C-834F-43EA-8053-84D5A665CEE7}"/>
+                <a16:creationId xmlns:a16="http://schemas.microsoft.com/office/drawing/2014/main" xmlns="" id="{0C14A42C-834F-43EA-8053-84D5A665CEE7}"/>
               </a:ext>
             </a:extLst>
           </p:cNvPr>
@@ -2012,7 +2027,7 @@
           <p:cNvPr id="5" name="Slide Number Placeholder 4">
             <a:extLst>
               <a:ext uri="{FF2B5EF4-FFF2-40B4-BE49-F238E27FC236}">
-                <a16:creationId xmlns:a16="http://schemas.microsoft.com/office/drawing/2014/main" id="{38C1E789-CDA9-48FF-A7BA-F21E31600226}"/>
+                <a16:creationId xmlns:a16="http://schemas.microsoft.com/office/drawing/2014/main" xmlns="" id="{38C1E789-CDA9-48FF-A7BA-F21E31600226}"/>
               </a:ext>
             </a:extLst>
           </p:cNvPr>
@@ -2030,6 +2045,7 @@
           <a:p>
             <a:fld id="{F362EEBD-19F8-4A23-B3A5-01C987241991}" type="slidenum">
               <a:rPr lang="en-SG" smtClean="0"/>
+              <a:pPr/>
               <a:t>‹#›</a:t>
             </a:fld>
             <a:endParaRPr lang="en-SG"/>
@@ -2039,7 +2055,7 @@
     </p:spTree>
     <p:extLst>
       <p:ext uri="{BB962C8B-B14F-4D97-AF65-F5344CB8AC3E}">
-        <p14:creationId xmlns:p14="http://schemas.microsoft.com/office/powerpoint/2010/main" val="2713172575"/>
+        <p14:creationId xmlns:p14="http://schemas.microsoft.com/office/powerpoint/2010/main" xmlns="" val="2713172575"/>
       </p:ext>
     </p:extLst>
   </p:cSld>
@@ -2071,7 +2087,7 @@
           <p:cNvPr id="2" name="Date Placeholder 1">
             <a:extLst>
               <a:ext uri="{FF2B5EF4-FFF2-40B4-BE49-F238E27FC236}">
-                <a16:creationId xmlns:a16="http://schemas.microsoft.com/office/drawing/2014/main" id="{21A40ECD-0ABD-4F35-B481-512A01FC643D}"/>
+                <a16:creationId xmlns:a16="http://schemas.microsoft.com/office/drawing/2014/main" xmlns="" id="{21A40ECD-0ABD-4F35-B481-512A01FC643D}"/>
               </a:ext>
             </a:extLst>
           </p:cNvPr>
@@ -2089,7 +2105,8 @@
           <a:p>
             <a:fld id="{03EC4E3E-8101-482F-A883-8B55DAFF7C07}" type="datetimeFigureOut">
               <a:rPr lang="en-SG" smtClean="0"/>
-              <a:t>6/7/2018</a:t>
+              <a:pPr/>
+              <a:t>31/3/2019</a:t>
             </a:fld>
             <a:endParaRPr lang="en-SG"/>
           </a:p>
@@ -2100,7 +2117,7 @@
           <p:cNvPr id="3" name="Footer Placeholder 2">
             <a:extLst>
               <a:ext uri="{FF2B5EF4-FFF2-40B4-BE49-F238E27FC236}">
-                <a16:creationId xmlns:a16="http://schemas.microsoft.com/office/drawing/2014/main" id="{D44B8F11-A412-4FA6-9070-B9C742F699F3}"/>
+                <a16:creationId xmlns:a16="http://schemas.microsoft.com/office/drawing/2014/main" xmlns="" id="{D44B8F11-A412-4FA6-9070-B9C742F699F3}"/>
               </a:ext>
             </a:extLst>
           </p:cNvPr>
@@ -2125,7 +2142,7 @@
           <p:cNvPr id="4" name="Slide Number Placeholder 3">
             <a:extLst>
               <a:ext uri="{FF2B5EF4-FFF2-40B4-BE49-F238E27FC236}">
-                <a16:creationId xmlns:a16="http://schemas.microsoft.com/office/drawing/2014/main" id="{E3EA086A-DA0B-4378-A128-F213644ECB0C}"/>
+                <a16:creationId xmlns:a16="http://schemas.microsoft.com/office/drawing/2014/main" xmlns="" id="{E3EA086A-DA0B-4378-A128-F213644ECB0C}"/>
               </a:ext>
             </a:extLst>
           </p:cNvPr>
@@ -2143,6 +2160,7 @@
           <a:p>
             <a:fld id="{F362EEBD-19F8-4A23-B3A5-01C987241991}" type="slidenum">
               <a:rPr lang="en-SG" smtClean="0"/>
+              <a:pPr/>
               <a:t>‹#›</a:t>
             </a:fld>
             <a:endParaRPr lang="en-SG"/>
@@ -2152,7 +2170,7 @@
     </p:spTree>
     <p:extLst>
       <p:ext uri="{BB962C8B-B14F-4D97-AF65-F5344CB8AC3E}">
-        <p14:creationId xmlns:p14="http://schemas.microsoft.com/office/powerpoint/2010/main" val="2808055610"/>
+        <p14:creationId xmlns:p14="http://schemas.microsoft.com/office/powerpoint/2010/main" xmlns="" val="2808055610"/>
       </p:ext>
     </p:extLst>
   </p:cSld>
@@ -2184,7 +2202,7 @@
           <p:cNvPr id="2" name="Title 1">
             <a:extLst>
               <a:ext uri="{FF2B5EF4-FFF2-40B4-BE49-F238E27FC236}">
-                <a16:creationId xmlns:a16="http://schemas.microsoft.com/office/drawing/2014/main" id="{765D165A-D423-4E89-A075-D59A9FB59792}"/>
+                <a16:creationId xmlns:a16="http://schemas.microsoft.com/office/drawing/2014/main" xmlns="" id="{765D165A-D423-4E89-A075-D59A9FB59792}"/>
               </a:ext>
             </a:extLst>
           </p:cNvPr>
@@ -2222,7 +2240,7 @@
           <p:cNvPr id="3" name="Content Placeholder 2">
             <a:extLst>
               <a:ext uri="{FF2B5EF4-FFF2-40B4-BE49-F238E27FC236}">
-                <a16:creationId xmlns:a16="http://schemas.microsoft.com/office/drawing/2014/main" id="{77C2A5CC-2876-49CA-993D-F4F73FC9D2B0}"/>
+                <a16:creationId xmlns:a16="http://schemas.microsoft.com/office/drawing/2014/main" xmlns="" id="{77C2A5CC-2876-49CA-993D-F4F73FC9D2B0}"/>
               </a:ext>
             </a:extLst>
           </p:cNvPr>
@@ -2313,7 +2331,7 @@
           <p:cNvPr id="4" name="Text Placeholder 3">
             <a:extLst>
               <a:ext uri="{FF2B5EF4-FFF2-40B4-BE49-F238E27FC236}">
-                <a16:creationId xmlns:a16="http://schemas.microsoft.com/office/drawing/2014/main" id="{7B4DE2E8-CCF6-4E88-A858-05A04CD0D736}"/>
+                <a16:creationId xmlns:a16="http://schemas.microsoft.com/office/drawing/2014/main" xmlns="" id="{7B4DE2E8-CCF6-4E88-A858-05A04CD0D736}"/>
               </a:ext>
             </a:extLst>
           </p:cNvPr>
@@ -2384,7 +2402,7 @@
           <p:cNvPr id="5" name="Date Placeholder 4">
             <a:extLst>
               <a:ext uri="{FF2B5EF4-FFF2-40B4-BE49-F238E27FC236}">
-                <a16:creationId xmlns:a16="http://schemas.microsoft.com/office/drawing/2014/main" id="{CAEBEC1E-DE48-4B55-A846-F8248E381145}"/>
+                <a16:creationId xmlns:a16="http://schemas.microsoft.com/office/drawing/2014/main" xmlns="" id="{CAEBEC1E-DE48-4B55-A846-F8248E381145}"/>
               </a:ext>
             </a:extLst>
           </p:cNvPr>
@@ -2402,7 +2420,8 @@
           <a:p>
             <a:fld id="{03EC4E3E-8101-482F-A883-8B55DAFF7C07}" type="datetimeFigureOut">
               <a:rPr lang="en-SG" smtClean="0"/>
-              <a:t>6/7/2018</a:t>
+              <a:pPr/>
+              <a:t>31/3/2019</a:t>
             </a:fld>
             <a:endParaRPr lang="en-SG"/>
           </a:p>
@@ -2413,7 +2432,7 @@
           <p:cNvPr id="6" name="Footer Placeholder 5">
             <a:extLst>
               <a:ext uri="{FF2B5EF4-FFF2-40B4-BE49-F238E27FC236}">
-                <a16:creationId xmlns:a16="http://schemas.microsoft.com/office/drawing/2014/main" id="{945A6E8B-6BC2-49E9-B4E5-DAD3F7A1A1BF}"/>
+                <a16:creationId xmlns:a16="http://schemas.microsoft.com/office/drawing/2014/main" xmlns="" id="{945A6E8B-6BC2-49E9-B4E5-DAD3F7A1A1BF}"/>
               </a:ext>
             </a:extLst>
           </p:cNvPr>
@@ -2438,7 +2457,7 @@
           <p:cNvPr id="7" name="Slide Number Placeholder 6">
             <a:extLst>
               <a:ext uri="{FF2B5EF4-FFF2-40B4-BE49-F238E27FC236}">
-                <a16:creationId xmlns:a16="http://schemas.microsoft.com/office/drawing/2014/main" id="{E5CF739B-EDF0-43CE-A87E-C49F040C85A5}"/>
+                <a16:creationId xmlns:a16="http://schemas.microsoft.com/office/drawing/2014/main" xmlns="" id="{E5CF739B-EDF0-43CE-A87E-C49F040C85A5}"/>
               </a:ext>
             </a:extLst>
           </p:cNvPr>
@@ -2456,6 +2475,7 @@
           <a:p>
             <a:fld id="{F362EEBD-19F8-4A23-B3A5-01C987241991}" type="slidenum">
               <a:rPr lang="en-SG" smtClean="0"/>
+              <a:pPr/>
               <a:t>‹#›</a:t>
             </a:fld>
             <a:endParaRPr lang="en-SG"/>
@@ -2465,7 +2485,7 @@
     </p:spTree>
     <p:extLst>
       <p:ext uri="{BB962C8B-B14F-4D97-AF65-F5344CB8AC3E}">
-        <p14:creationId xmlns:p14="http://schemas.microsoft.com/office/powerpoint/2010/main" val="4039745741"/>
+        <p14:creationId xmlns:p14="http://schemas.microsoft.com/office/powerpoint/2010/main" xmlns="" val="4039745741"/>
       </p:ext>
     </p:extLst>
   </p:cSld>
@@ -2497,7 +2517,7 @@
           <p:cNvPr id="2" name="Title 1">
             <a:extLst>
               <a:ext uri="{FF2B5EF4-FFF2-40B4-BE49-F238E27FC236}">
-                <a16:creationId xmlns:a16="http://schemas.microsoft.com/office/drawing/2014/main" id="{0091F49F-E849-4834-84DB-61CF2F2652D4}"/>
+                <a16:creationId xmlns:a16="http://schemas.microsoft.com/office/drawing/2014/main" xmlns="" id="{0091F49F-E849-4834-84DB-61CF2F2652D4}"/>
               </a:ext>
             </a:extLst>
           </p:cNvPr>
@@ -2535,7 +2555,7 @@
           <p:cNvPr id="3" name="Picture Placeholder 2">
             <a:extLst>
               <a:ext uri="{FF2B5EF4-FFF2-40B4-BE49-F238E27FC236}">
-                <a16:creationId xmlns:a16="http://schemas.microsoft.com/office/drawing/2014/main" id="{631D62A9-3420-4F1C-9EB9-09EF85106E78}"/>
+                <a16:creationId xmlns:a16="http://schemas.microsoft.com/office/drawing/2014/main" xmlns="" id="{631D62A9-3420-4F1C-9EB9-09EF85106E78}"/>
               </a:ext>
             </a:extLst>
           </p:cNvPr>
@@ -2602,7 +2622,7 @@
           <p:cNvPr id="4" name="Text Placeholder 3">
             <a:extLst>
               <a:ext uri="{FF2B5EF4-FFF2-40B4-BE49-F238E27FC236}">
-                <a16:creationId xmlns:a16="http://schemas.microsoft.com/office/drawing/2014/main" id="{E450EC8D-D7F4-45FC-AD8C-2E198A32CCA2}"/>
+                <a16:creationId xmlns:a16="http://schemas.microsoft.com/office/drawing/2014/main" xmlns="" id="{E450EC8D-D7F4-45FC-AD8C-2E198A32CCA2}"/>
               </a:ext>
             </a:extLst>
           </p:cNvPr>
@@ -2673,7 +2693,7 @@
           <p:cNvPr id="5" name="Date Placeholder 4">
             <a:extLst>
               <a:ext uri="{FF2B5EF4-FFF2-40B4-BE49-F238E27FC236}">
-                <a16:creationId xmlns:a16="http://schemas.microsoft.com/office/drawing/2014/main" id="{7A73D668-ABF4-41FE-958C-542EEDC5F6CC}"/>
+                <a16:creationId xmlns:a16="http://schemas.microsoft.com/office/drawing/2014/main" xmlns="" id="{7A73D668-ABF4-41FE-958C-542EEDC5F6CC}"/>
               </a:ext>
             </a:extLst>
           </p:cNvPr>
@@ -2691,7 +2711,8 @@
           <a:p>
             <a:fld id="{03EC4E3E-8101-482F-A883-8B55DAFF7C07}" type="datetimeFigureOut">
               <a:rPr lang="en-SG" smtClean="0"/>
-              <a:t>6/7/2018</a:t>
+              <a:pPr/>
+              <a:t>31/3/2019</a:t>
             </a:fld>
             <a:endParaRPr lang="en-SG"/>
           </a:p>
@@ -2702,7 +2723,7 @@
           <p:cNvPr id="6" name="Footer Placeholder 5">
             <a:extLst>
               <a:ext uri="{FF2B5EF4-FFF2-40B4-BE49-F238E27FC236}">
-                <a16:creationId xmlns:a16="http://schemas.microsoft.com/office/drawing/2014/main" id="{F4A83B1C-93E7-4D32-9D1B-3F37403B1ACD}"/>
+                <a16:creationId xmlns:a16="http://schemas.microsoft.com/office/drawing/2014/main" xmlns="" id="{F4A83B1C-93E7-4D32-9D1B-3F37403B1ACD}"/>
               </a:ext>
             </a:extLst>
           </p:cNvPr>
@@ -2727,7 +2748,7 @@
           <p:cNvPr id="7" name="Slide Number Placeholder 6">
             <a:extLst>
               <a:ext uri="{FF2B5EF4-FFF2-40B4-BE49-F238E27FC236}">
-                <a16:creationId xmlns:a16="http://schemas.microsoft.com/office/drawing/2014/main" id="{C6AF73BE-F17B-487B-943B-28655BB51C92}"/>
+                <a16:creationId xmlns:a16="http://schemas.microsoft.com/office/drawing/2014/main" xmlns="" id="{C6AF73BE-F17B-487B-943B-28655BB51C92}"/>
               </a:ext>
             </a:extLst>
           </p:cNvPr>
@@ -2745,6 +2766,7 @@
           <a:p>
             <a:fld id="{F362EEBD-19F8-4A23-B3A5-01C987241991}" type="slidenum">
               <a:rPr lang="en-SG" smtClean="0"/>
+              <a:pPr/>
               <a:t>‹#›</a:t>
             </a:fld>
             <a:endParaRPr lang="en-SG"/>
@@ -2754,7 +2776,7 @@
     </p:spTree>
     <p:extLst>
       <p:ext uri="{BB962C8B-B14F-4D97-AF65-F5344CB8AC3E}">
-        <p14:creationId xmlns:p14="http://schemas.microsoft.com/office/powerpoint/2010/main" val="1851851517"/>
+        <p14:creationId xmlns:p14="http://schemas.microsoft.com/office/powerpoint/2010/main" xmlns="" val="1851851517"/>
       </p:ext>
     </p:extLst>
   </p:cSld>
@@ -2791,7 +2813,7 @@
           <p:cNvPr id="2" name="Title Placeholder 1">
             <a:extLst>
               <a:ext uri="{FF2B5EF4-FFF2-40B4-BE49-F238E27FC236}">
-                <a16:creationId xmlns:a16="http://schemas.microsoft.com/office/drawing/2014/main" id="{96F7127E-5F47-4B37-9FDB-695AB14D9551}"/>
+                <a16:creationId xmlns:a16="http://schemas.microsoft.com/office/drawing/2014/main" xmlns="" id="{96F7127E-5F47-4B37-9FDB-695AB14D9551}"/>
               </a:ext>
             </a:extLst>
           </p:cNvPr>
@@ -2830,7 +2852,7 @@
           <p:cNvPr id="3" name="Text Placeholder 2">
             <a:extLst>
               <a:ext uri="{FF2B5EF4-FFF2-40B4-BE49-F238E27FC236}">
-                <a16:creationId xmlns:a16="http://schemas.microsoft.com/office/drawing/2014/main" id="{3BD20F0F-B303-4EE3-AF17-E303EA90B1A3}"/>
+                <a16:creationId xmlns:a16="http://schemas.microsoft.com/office/drawing/2014/main" xmlns="" id="{3BD20F0F-B303-4EE3-AF17-E303EA90B1A3}"/>
               </a:ext>
             </a:extLst>
           </p:cNvPr>
@@ -2898,7 +2920,7 @@
           <p:cNvPr id="4" name="Date Placeholder 3">
             <a:extLst>
               <a:ext uri="{FF2B5EF4-FFF2-40B4-BE49-F238E27FC236}">
-                <a16:creationId xmlns:a16="http://schemas.microsoft.com/office/drawing/2014/main" id="{7927ADFB-0C7F-4333-A456-815FAB4B0315}"/>
+                <a16:creationId xmlns:a16="http://schemas.microsoft.com/office/drawing/2014/main" xmlns="" id="{7927ADFB-0C7F-4333-A456-815FAB4B0315}"/>
               </a:ext>
             </a:extLst>
           </p:cNvPr>
@@ -2934,7 +2956,8 @@
           <a:p>
             <a:fld id="{03EC4E3E-8101-482F-A883-8B55DAFF7C07}" type="datetimeFigureOut">
               <a:rPr lang="en-SG" smtClean="0"/>
-              <a:t>6/7/2018</a:t>
+              <a:pPr/>
+              <a:t>31/3/2019</a:t>
             </a:fld>
             <a:endParaRPr lang="en-SG"/>
           </a:p>
@@ -2945,7 +2968,7 @@
           <p:cNvPr id="5" name="Footer Placeholder 4">
             <a:extLst>
               <a:ext uri="{FF2B5EF4-FFF2-40B4-BE49-F238E27FC236}">
-                <a16:creationId xmlns:a16="http://schemas.microsoft.com/office/drawing/2014/main" id="{A1992B28-8397-4C93-A277-5EE43A537825}"/>
+                <a16:creationId xmlns:a16="http://schemas.microsoft.com/office/drawing/2014/main" xmlns="" id="{A1992B28-8397-4C93-A277-5EE43A537825}"/>
               </a:ext>
             </a:extLst>
           </p:cNvPr>
@@ -2988,7 +3011,7 @@
           <p:cNvPr id="6" name="Slide Number Placeholder 5">
             <a:extLst>
               <a:ext uri="{FF2B5EF4-FFF2-40B4-BE49-F238E27FC236}">
-                <a16:creationId xmlns:a16="http://schemas.microsoft.com/office/drawing/2014/main" id="{D7231209-A74B-4134-87D0-421AB81BBB47}"/>
+                <a16:creationId xmlns:a16="http://schemas.microsoft.com/office/drawing/2014/main" xmlns="" id="{D7231209-A74B-4134-87D0-421AB81BBB47}"/>
               </a:ext>
             </a:extLst>
           </p:cNvPr>
@@ -3024,6 +3047,7 @@
           <a:p>
             <a:fld id="{F362EEBD-19F8-4A23-B3A5-01C987241991}" type="slidenum">
               <a:rPr lang="en-SG" smtClean="0"/>
+              <a:pPr/>
               <a:t>‹#›</a:t>
             </a:fld>
             <a:endParaRPr lang="en-SG"/>
@@ -3033,7 +3057,7 @@
     </p:spTree>
     <p:extLst>
       <p:ext uri="{BB962C8B-B14F-4D97-AF65-F5344CB8AC3E}">
-        <p14:creationId xmlns:p14="http://schemas.microsoft.com/office/powerpoint/2010/main" val="162984175"/>
+        <p14:creationId xmlns:p14="http://schemas.microsoft.com/office/powerpoint/2010/main" xmlns="" val="162984175"/>
       </p:ext>
     </p:extLst>
   </p:cSld>
@@ -3356,7 +3380,7 @@
           <p:cNvPr id="2" name="TextBox 1">
             <a:extLst>
               <a:ext uri="{FF2B5EF4-FFF2-40B4-BE49-F238E27FC236}">
-                <a16:creationId xmlns:a16="http://schemas.microsoft.com/office/drawing/2014/main" id="{032C4FEA-C10B-4133-9BF6-AF6F40CC1AD4}"/>
+                <a16:creationId xmlns:a16="http://schemas.microsoft.com/office/drawing/2014/main" xmlns="" id="{032C4FEA-C10B-4133-9BF6-AF6F40CC1AD4}"/>
               </a:ext>
             </a:extLst>
           </p:cNvPr>
@@ -3407,7 +3431,39 @@
             <a:pPr algn="ctr"/>
             <a:r>
               <a:rPr lang="en-SG" dirty="0"/>
-              <a:t>The state of the address book (before ‘add n/David …’ was executed) will be restored to state ab1.</a:t>
+              <a:t>The state of the </a:t>
+            </a:r>
+            <a:r>
+              <a:rPr lang="en-SG" dirty="0" err="1" smtClean="0"/>
+              <a:t>GradTrak</a:t>
+            </a:r>
+            <a:r>
+              <a:rPr lang="en-SG" dirty="0" smtClean="0"/>
+              <a:t> (before </a:t>
+            </a:r>
+            <a:r>
+              <a:rPr lang="en-SG" dirty="0"/>
+              <a:t>‘add </a:t>
+            </a:r>
+            <a:r>
+              <a:rPr lang="en-SG" dirty="0" smtClean="0"/>
+              <a:t>c/CS2103T </a:t>
+            </a:r>
+            <a:r>
+              <a:rPr lang="en-SG" dirty="0"/>
+              <a:t>…’ was executed) will be restored to state </a:t>
+            </a:r>
+            <a:r>
+              <a:rPr lang="en-SG" dirty="0" smtClean="0"/>
+              <a:t>gt</a:t>
+            </a:r>
+            <a:r>
+              <a:rPr lang="en-SG" dirty="0" smtClean="0"/>
+              <a:t>1</a:t>
+            </a:r>
+            <a:r>
+              <a:rPr lang="en-SG" dirty="0"/>
+              <a:t>.</a:t>
             </a:r>
           </a:p>
         </p:txBody>
@@ -3461,7 +3517,7 @@
           <p:cNvPr id="17" name="TextBox 16">
             <a:extLst>
               <a:ext uri="{FF2B5EF4-FFF2-40B4-BE49-F238E27FC236}">
-                <a16:creationId xmlns:a16="http://schemas.microsoft.com/office/drawing/2014/main" id="{3151A13B-9509-43FA-BFEB-1D9866A00B84}"/>
+                <a16:creationId xmlns:a16="http://schemas.microsoft.com/office/drawing/2014/main" xmlns="" id="{3151A13B-9509-43FA-BFEB-1D9866A00B84}"/>
               </a:ext>
             </a:extLst>
           </p:cNvPr>
@@ -3505,7 +3561,7 @@
           <p:cNvPr id="18" name="Table 17">
             <a:extLst>
               <a:ext uri="{FF2B5EF4-FFF2-40B4-BE49-F238E27FC236}">
-                <a16:creationId xmlns:a16="http://schemas.microsoft.com/office/drawing/2014/main" id="{F545FAB8-F1CE-4886-9BDE-E772BCB0A9C4}"/>
+                <a16:creationId xmlns:a16="http://schemas.microsoft.com/office/drawing/2014/main" xmlns="" id="{F545FAB8-F1CE-4886-9BDE-E772BCB0A9C4}"/>
               </a:ext>
             </a:extLst>
           </p:cNvPr>
@@ -3515,7 +3571,7 @@
           <p:nvPr>
             <p:extLst>
               <p:ext uri="{D42A27DB-BD31-4B8C-83A1-F6EECF244321}">
-                <p14:modId xmlns:p14="http://schemas.microsoft.com/office/powerpoint/2010/main" val="1674993041"/>
+                <p14:modId xmlns:p14="http://schemas.microsoft.com/office/powerpoint/2010/main" xmlns="" val="1674993041"/>
               </p:ext>
             </p:extLst>
           </p:nvPr>
@@ -3534,7 +3590,7 @@
                 <a:gridCol w="1825824">
                   <a:extLst>
                     <a:ext uri="{9D8B030D-6E8A-4147-A177-3AD203B41FA5}">
-                      <a16:colId xmlns:a16="http://schemas.microsoft.com/office/drawing/2014/main" val="4240773277"/>
+                      <a16:colId xmlns:a16="http://schemas.microsoft.com/office/drawing/2014/main" xmlns="" val="4240773277"/>
                     </a:ext>
                   </a:extLst>
                 </a:gridCol>
@@ -3546,12 +3602,12 @@
                     <a:lstStyle/>
                     <a:p>
                       <a:r>
-                        <a:rPr lang="en-SG" u="sng" dirty="0"/>
-                        <a:t>ab0:</a:t>
+                        <a:rPr lang="en-SG" u="sng" dirty="0" smtClean="0"/>
+                        <a:t>gt0:</a:t>
                       </a:r>
                       <a:r>
-                        <a:rPr lang="en-SG" sz="1800" u="sng" dirty="0"/>
-                        <a:t>AddressBook</a:t>
+                        <a:rPr lang="en-SG" sz="1800" u="sng" dirty="0" smtClean="0"/>
+                        <a:t>GradTrak</a:t>
                       </a:r>
                       <a:endParaRPr lang="en-SG" u="sng" dirty="0"/>
                     </a:p>
@@ -3560,7 +3616,7 @@
                 </a:tc>
                 <a:extLst>
                   <a:ext uri="{0D108BD9-81ED-4DB2-BD59-A6C34878D82A}">
-                    <a16:rowId xmlns:a16="http://schemas.microsoft.com/office/drawing/2014/main" val="2194462629"/>
+                    <a16:rowId xmlns:a16="http://schemas.microsoft.com/office/drawing/2014/main" xmlns="" val="2194462629"/>
                   </a:ext>
                 </a:extLst>
               </a:tr>
@@ -3619,7 +3675,7 @@
           <p:cNvPr id="29" name="TextBox 28">
             <a:extLst>
               <a:ext uri="{FF2B5EF4-FFF2-40B4-BE49-F238E27FC236}">
-                <a16:creationId xmlns:a16="http://schemas.microsoft.com/office/drawing/2014/main" id="{3151A13B-9509-43FA-BFEB-1D9866A00B84}"/>
+                <a16:creationId xmlns:a16="http://schemas.microsoft.com/office/drawing/2014/main" xmlns="" id="{3151A13B-9509-43FA-BFEB-1D9866A00B84}"/>
               </a:ext>
             </a:extLst>
           </p:cNvPr>
@@ -3709,7 +3765,7 @@
           <p:cNvPr id="16" name="Table 15">
             <a:extLst>
               <a:ext uri="{FF2B5EF4-FFF2-40B4-BE49-F238E27FC236}">
-                <a16:creationId xmlns:a16="http://schemas.microsoft.com/office/drawing/2014/main" id="{F545FAB8-F1CE-4886-9BDE-E772BCB0A9C4}"/>
+                <a16:creationId xmlns:a16="http://schemas.microsoft.com/office/drawing/2014/main" xmlns="" id="{F545FAB8-F1CE-4886-9BDE-E772BCB0A9C4}"/>
               </a:ext>
             </a:extLst>
           </p:cNvPr>
@@ -3719,7 +3775,7 @@
           <p:nvPr>
             <p:extLst>
               <p:ext uri="{D42A27DB-BD31-4B8C-83A1-F6EECF244321}">
-                <p14:modId xmlns:p14="http://schemas.microsoft.com/office/powerpoint/2010/main" val="3085921390"/>
+                <p14:modId xmlns:p14="http://schemas.microsoft.com/office/powerpoint/2010/main" xmlns="" val="3085921390"/>
               </p:ext>
             </p:extLst>
           </p:nvPr>
@@ -3738,7 +3794,7 @@
                 <a:gridCol w="1825824">
                   <a:extLst>
                     <a:ext uri="{9D8B030D-6E8A-4147-A177-3AD203B41FA5}">
-                      <a16:colId xmlns:a16="http://schemas.microsoft.com/office/drawing/2014/main" val="4240773277"/>
+                      <a16:colId xmlns:a16="http://schemas.microsoft.com/office/drawing/2014/main" xmlns="" val="4240773277"/>
                     </a:ext>
                   </a:extLst>
                 </a:gridCol>
@@ -3750,12 +3806,12 @@
                     <a:lstStyle/>
                     <a:p>
                       <a:r>
-                        <a:rPr lang="en-SG" u="sng" dirty="0"/>
-                        <a:t>ab1:</a:t>
+                        <a:rPr lang="en-SG" u="sng" dirty="0" smtClean="0"/>
+                        <a:t>gt1:</a:t>
                       </a:r>
                       <a:r>
-                        <a:rPr lang="en-SG" sz="1800" u="sng" dirty="0"/>
-                        <a:t>AddressBook</a:t>
+                        <a:rPr lang="en-SG" sz="1800" u="sng" dirty="0" smtClean="0"/>
+                        <a:t>GradTrak</a:t>
                       </a:r>
                       <a:endParaRPr lang="en-SG" u="sng" dirty="0"/>
                     </a:p>
@@ -3764,7 +3820,7 @@
                 </a:tc>
                 <a:extLst>
                   <a:ext uri="{0D108BD9-81ED-4DB2-BD59-A6C34878D82A}">
-                    <a16:rowId xmlns:a16="http://schemas.microsoft.com/office/drawing/2014/main" val="2194462629"/>
+                    <a16:rowId xmlns:a16="http://schemas.microsoft.com/office/drawing/2014/main" xmlns="" val="2194462629"/>
                   </a:ext>
                 </a:extLst>
               </a:tr>
@@ -3777,7 +3833,7 @@
           <p:cNvPr id="20" name="Table 19">
             <a:extLst>
               <a:ext uri="{FF2B5EF4-FFF2-40B4-BE49-F238E27FC236}">
-                <a16:creationId xmlns:a16="http://schemas.microsoft.com/office/drawing/2014/main" id="{F545FAB8-F1CE-4886-9BDE-E772BCB0A9C4}"/>
+                <a16:creationId xmlns:a16="http://schemas.microsoft.com/office/drawing/2014/main" xmlns="" id="{F545FAB8-F1CE-4886-9BDE-E772BCB0A9C4}"/>
               </a:ext>
             </a:extLst>
           </p:cNvPr>
@@ -3787,7 +3843,7 @@
           <p:nvPr>
             <p:extLst>
               <p:ext uri="{D42A27DB-BD31-4B8C-83A1-F6EECF244321}">
-                <p14:modId xmlns:p14="http://schemas.microsoft.com/office/powerpoint/2010/main" val="3504448791"/>
+                <p14:modId xmlns:p14="http://schemas.microsoft.com/office/powerpoint/2010/main" xmlns="" val="3504448791"/>
               </p:ext>
             </p:extLst>
           </p:nvPr>
@@ -3806,7 +3862,7 @@
                 <a:gridCol w="1825824">
                   <a:extLst>
                     <a:ext uri="{9D8B030D-6E8A-4147-A177-3AD203B41FA5}">
-                      <a16:colId xmlns:a16="http://schemas.microsoft.com/office/drawing/2014/main" val="4240773277"/>
+                      <a16:colId xmlns:a16="http://schemas.microsoft.com/office/drawing/2014/main" xmlns="" val="4240773277"/>
                     </a:ext>
                   </a:extLst>
                 </a:gridCol>
@@ -3818,12 +3874,12 @@
                     <a:lstStyle/>
                     <a:p>
                       <a:r>
-                        <a:rPr lang="en-SG" u="sng" dirty="0"/>
-                        <a:t>ab2:</a:t>
+                        <a:rPr lang="en-SG" u="sng" dirty="0" smtClean="0"/>
+                        <a:t>gt2:</a:t>
                       </a:r>
                       <a:r>
-                        <a:rPr lang="en-SG" sz="1800" u="sng" dirty="0"/>
-                        <a:t>AddressBook</a:t>
+                        <a:rPr lang="en-SG" sz="1800" u="sng" dirty="0" smtClean="0"/>
+                        <a:t>GradTrak</a:t>
                       </a:r>
                       <a:endParaRPr lang="en-SG" u="sng" dirty="0"/>
                     </a:p>
@@ -3832,7 +3888,7 @@
                 </a:tc>
                 <a:extLst>
                   <a:ext uri="{0D108BD9-81ED-4DB2-BD59-A6C34878D82A}">
-                    <a16:rowId xmlns:a16="http://schemas.microsoft.com/office/drawing/2014/main" val="2194462629"/>
+                    <a16:rowId xmlns:a16="http://schemas.microsoft.com/office/drawing/2014/main" xmlns="" val="2194462629"/>
                   </a:ext>
                 </a:extLst>
               </a:tr>
@@ -3845,7 +3901,7 @@
           <p:cNvPr id="21" name="Table 20">
             <a:extLst>
               <a:ext uri="{FF2B5EF4-FFF2-40B4-BE49-F238E27FC236}">
-                <a16:creationId xmlns:a16="http://schemas.microsoft.com/office/drawing/2014/main" id="{F545FAB8-F1CE-4886-9BDE-E772BCB0A9C4}"/>
+                <a16:creationId xmlns:a16="http://schemas.microsoft.com/office/drawing/2014/main" xmlns="" id="{F545FAB8-F1CE-4886-9BDE-E772BCB0A9C4}"/>
               </a:ext>
             </a:extLst>
           </p:cNvPr>
@@ -3855,7 +3911,7 @@
           <p:nvPr>
             <p:extLst>
               <p:ext uri="{D42A27DB-BD31-4B8C-83A1-F6EECF244321}">
-                <p14:modId xmlns:p14="http://schemas.microsoft.com/office/powerpoint/2010/main" val="3880678430"/>
+                <p14:modId xmlns:p14="http://schemas.microsoft.com/office/powerpoint/2010/main" xmlns="" val="3880678430"/>
               </p:ext>
             </p:extLst>
           </p:nvPr>
@@ -3874,7 +3930,7 @@
                 <a:gridCol w="1825824">
                   <a:extLst>
                     <a:ext uri="{9D8B030D-6E8A-4147-A177-3AD203B41FA5}">
-                      <a16:colId xmlns:a16="http://schemas.microsoft.com/office/drawing/2014/main" val="4240773277"/>
+                      <a16:colId xmlns:a16="http://schemas.microsoft.com/office/drawing/2014/main" xmlns="" val="4240773277"/>
                     </a:ext>
                   </a:extLst>
                 </a:gridCol>
@@ -3886,12 +3942,12 @@
                     <a:lstStyle/>
                     <a:p>
                       <a:r>
-                        <a:rPr lang="en-SG" u="sng" dirty="0"/>
-                        <a:t>ab0:</a:t>
+                        <a:rPr lang="en-SG" u="sng" dirty="0" smtClean="0"/>
+                        <a:t>gt0:</a:t>
                       </a:r>
                       <a:r>
-                        <a:rPr lang="en-SG" sz="1800" u="sng" dirty="0"/>
-                        <a:t>AddressBook</a:t>
+                        <a:rPr lang="en-SG" sz="1800" u="sng" dirty="0" smtClean="0"/>
+                        <a:t>GradTrak</a:t>
                       </a:r>
                       <a:endParaRPr lang="en-SG" u="sng" dirty="0"/>
                     </a:p>
@@ -3900,7 +3956,7 @@
                 </a:tc>
                 <a:extLst>
                   <a:ext uri="{0D108BD9-81ED-4DB2-BD59-A6C34878D82A}">
-                    <a16:rowId xmlns:a16="http://schemas.microsoft.com/office/drawing/2014/main" val="2194462629"/>
+                    <a16:rowId xmlns:a16="http://schemas.microsoft.com/office/drawing/2014/main" xmlns="" val="2194462629"/>
                   </a:ext>
                 </a:extLst>
               </a:tr>
@@ -3913,7 +3969,7 @@
           <p:cNvPr id="22" name="Table 21">
             <a:extLst>
               <a:ext uri="{FF2B5EF4-FFF2-40B4-BE49-F238E27FC236}">
-                <a16:creationId xmlns:a16="http://schemas.microsoft.com/office/drawing/2014/main" id="{F545FAB8-F1CE-4886-9BDE-E772BCB0A9C4}"/>
+                <a16:creationId xmlns:a16="http://schemas.microsoft.com/office/drawing/2014/main" xmlns="" id="{F545FAB8-F1CE-4886-9BDE-E772BCB0A9C4}"/>
               </a:ext>
             </a:extLst>
           </p:cNvPr>
@@ -3923,7 +3979,7 @@
           <p:nvPr>
             <p:extLst>
               <p:ext uri="{D42A27DB-BD31-4B8C-83A1-F6EECF244321}">
-                <p14:modId xmlns:p14="http://schemas.microsoft.com/office/powerpoint/2010/main" val="719723626"/>
+                <p14:modId xmlns:p14="http://schemas.microsoft.com/office/powerpoint/2010/main" xmlns="" val="719723626"/>
               </p:ext>
             </p:extLst>
           </p:nvPr>
@@ -3942,7 +3998,7 @@
                 <a:gridCol w="1825824">
                   <a:extLst>
                     <a:ext uri="{9D8B030D-6E8A-4147-A177-3AD203B41FA5}">
-                      <a16:colId xmlns:a16="http://schemas.microsoft.com/office/drawing/2014/main" val="4240773277"/>
+                      <a16:colId xmlns:a16="http://schemas.microsoft.com/office/drawing/2014/main" xmlns="" val="4240773277"/>
                     </a:ext>
                   </a:extLst>
                 </a:gridCol>
@@ -3954,12 +4010,12 @@
                     <a:lstStyle/>
                     <a:p>
                       <a:r>
-                        <a:rPr lang="en-SG" u="sng" dirty="0"/>
+                        <a:rPr lang="en-SG" u="sng" dirty="0" smtClean="0"/>
                         <a:t>ab1:</a:t>
                       </a:r>
                       <a:r>
-                        <a:rPr lang="en-SG" sz="1800" u="sng" dirty="0"/>
-                        <a:t>AddressBook</a:t>
+                        <a:rPr lang="en-SG" sz="1800" u="sng" dirty="0" smtClean="0"/>
+                        <a:t>GradTrak</a:t>
                       </a:r>
                       <a:endParaRPr lang="en-SG" u="sng" dirty="0"/>
                     </a:p>
@@ -3968,7 +4024,7 @@
                 </a:tc>
                 <a:extLst>
                   <a:ext uri="{0D108BD9-81ED-4DB2-BD59-A6C34878D82A}">
-                    <a16:rowId xmlns:a16="http://schemas.microsoft.com/office/drawing/2014/main" val="2194462629"/>
+                    <a16:rowId xmlns:a16="http://schemas.microsoft.com/office/drawing/2014/main" xmlns="" val="2194462629"/>
                   </a:ext>
                 </a:extLst>
               </a:tr>
@@ -3981,7 +4037,7 @@
           <p:cNvPr id="23" name="Table 22">
             <a:extLst>
               <a:ext uri="{FF2B5EF4-FFF2-40B4-BE49-F238E27FC236}">
-                <a16:creationId xmlns:a16="http://schemas.microsoft.com/office/drawing/2014/main" id="{F545FAB8-F1CE-4886-9BDE-E772BCB0A9C4}"/>
+                <a16:creationId xmlns:a16="http://schemas.microsoft.com/office/drawing/2014/main" xmlns="" id="{F545FAB8-F1CE-4886-9BDE-E772BCB0A9C4}"/>
               </a:ext>
             </a:extLst>
           </p:cNvPr>
@@ -3991,7 +4047,7 @@
           <p:nvPr>
             <p:extLst>
               <p:ext uri="{D42A27DB-BD31-4B8C-83A1-F6EECF244321}">
-                <p14:modId xmlns:p14="http://schemas.microsoft.com/office/powerpoint/2010/main" val="3592690620"/>
+                <p14:modId xmlns:p14="http://schemas.microsoft.com/office/powerpoint/2010/main" xmlns="" val="3592690620"/>
               </p:ext>
             </p:extLst>
           </p:nvPr>
@@ -4010,7 +4066,7 @@
                 <a:gridCol w="1825824">
                   <a:extLst>
                     <a:ext uri="{9D8B030D-6E8A-4147-A177-3AD203B41FA5}">
-                      <a16:colId xmlns:a16="http://schemas.microsoft.com/office/drawing/2014/main" val="4240773277"/>
+                      <a16:colId xmlns:a16="http://schemas.microsoft.com/office/drawing/2014/main" xmlns="" val="4240773277"/>
                     </a:ext>
                   </a:extLst>
                 </a:gridCol>
@@ -4022,12 +4078,12 @@
                     <a:lstStyle/>
                     <a:p>
                       <a:r>
-                        <a:rPr lang="en-SG" u="sng" dirty="0"/>
+                        <a:rPr lang="en-SG" u="sng" dirty="0" smtClean="0"/>
                         <a:t>ab2:</a:t>
                       </a:r>
                       <a:r>
-                        <a:rPr lang="en-SG" sz="1800" u="sng" dirty="0"/>
-                        <a:t>AddressBook</a:t>
+                        <a:rPr lang="en-SG" sz="1800" u="sng" dirty="0" smtClean="0"/>
+                        <a:t>GradTrak</a:t>
                       </a:r>
                       <a:endParaRPr lang="en-SG" u="sng" dirty="0"/>
                     </a:p>
@@ -4036,7 +4092,7 @@
                 </a:tc>
                 <a:extLst>
                   <a:ext uri="{0D108BD9-81ED-4DB2-BD59-A6C34878D82A}">
-                    <a16:rowId xmlns:a16="http://schemas.microsoft.com/office/drawing/2014/main" val="2194462629"/>
+                    <a16:rowId xmlns:a16="http://schemas.microsoft.com/office/drawing/2014/main" xmlns="" val="2194462629"/>
                   </a:ext>
                 </a:extLst>
               </a:tr>
@@ -4049,7 +4105,7 @@
           <p:cNvPr id="19" name="Straight Arrow Connector 18">
             <a:extLst>
               <a:ext uri="{FF2B5EF4-FFF2-40B4-BE49-F238E27FC236}">
-                <a16:creationId xmlns:a16="http://schemas.microsoft.com/office/drawing/2014/main" id="{DC8F2CFA-FFF8-41BD-B884-8ACDF8C96486}"/>
+                <a16:creationId xmlns:a16="http://schemas.microsoft.com/office/drawing/2014/main" xmlns="" id="{DC8F2CFA-FFF8-41BD-B884-8ACDF8C96486}"/>
               </a:ext>
             </a:extLst>
           </p:cNvPr>
@@ -4093,7 +4149,7 @@
           <p:cNvPr id="25" name="Straight Arrow Connector 24">
             <a:extLst>
               <a:ext uri="{FF2B5EF4-FFF2-40B4-BE49-F238E27FC236}">
-                <a16:creationId xmlns:a16="http://schemas.microsoft.com/office/drawing/2014/main" id="{CC39FF7A-ED45-4697-B75C-01E9C1C55F2A}"/>
+                <a16:creationId xmlns:a16="http://schemas.microsoft.com/office/drawing/2014/main" xmlns="" id="{CC39FF7A-ED45-4697-B75C-01E9C1C55F2A}"/>
               </a:ext>
             </a:extLst>
           </p:cNvPr>
@@ -4135,7 +4191,7 @@
     </p:spTree>
     <p:extLst>
       <p:ext uri="{BB962C8B-B14F-4D97-AF65-F5344CB8AC3E}">
-        <p14:creationId xmlns:p14="http://schemas.microsoft.com/office/powerpoint/2010/main" val="3338945851"/>
+        <p14:creationId xmlns:p14="http://schemas.microsoft.com/office/powerpoint/2010/main" xmlns="" val="3338945851"/>
       </p:ext>
     </p:extLst>
   </p:cSld>
@@ -4188,7 +4244,7 @@
     </a:clrScheme>
     <a:fontScheme name="Office">
       <a:majorFont>
-        <a:latin typeface="Calibri Light" panose="020F0302020204030204"/>
+        <a:latin typeface="Calibri Light"/>
         <a:ea typeface=""/>
         <a:cs typeface=""/>
         <a:font script="Jpan" typeface="游ゴシック Light"/>
@@ -4240,7 +4296,7 @@
         <a:font script="Tfng" typeface="Ebrima"/>
       </a:majorFont>
       <a:minorFont>
-        <a:latin typeface="Calibri" panose="020F0502020204030204"/>
+        <a:latin typeface="Calibri"/>
         <a:ea typeface=""/>
         <a:cs typeface=""/>
         <a:font script="Jpan" typeface="游ゴシック"/>
@@ -4434,7 +4490,7 @@
   <a:extraClrSchemeLst/>
   <a:extLst>
     <a:ext uri="{05A4C25C-085E-4340-85A3-A5531E510DB2}">
-      <thm15:themeFamily xmlns:thm15="http://schemas.microsoft.com/office/thememl/2012/main" name="Office Theme" id="{62F939B6-93AF-4DB8-9C6B-D6C7DFDC589F}" vid="{4A3C46E8-61CC-4603-A589-7422A47A8E4A}"/>
+      <thm15:themeFamily xmlns:thm15="http://schemas.microsoft.com/office/thememl/2012/main" xmlns="" name="Office Theme" id="{62F939B6-93AF-4DB8-9C6B-D6C7DFDC589F}" vid="{4A3C46E8-61CC-4603-A589-7422A47A8E4A}"/>
     </a:ext>
   </a:extLst>
 </a:theme>

--- a/docs/diagrams/UndoRedoExecuteUndoStateListDiagram.pptx
+++ b/docs/diagrams/UndoRedoExecuteUndoStateListDiagram.pptx
@@ -106,7 +106,7 @@
   </p:defaultTextStyle>
   <p:extLst>
     <p:ext uri="{EFAFB233-063F-42B5-8137-9DF3F51BA10A}">
-      <p15:sldGuideLst xmlns:p15="http://schemas.microsoft.com/office/powerpoint/2012/main"/>
+      <p15:sldGuideLst xmlns:p15="http://schemas.microsoft.com/office/powerpoint/2012/main" xmlns=""/>
     </p:ext>
   </p:extLst>
 </p:presentation>
@@ -138,7 +138,7 @@
           <p:cNvPr id="2" name="Title 1">
             <a:extLst>
               <a:ext uri="{FF2B5EF4-FFF2-40B4-BE49-F238E27FC236}">
-                <a16:creationId xmlns:a16="http://schemas.microsoft.com/office/drawing/2014/main" id="{39FCC519-EE2E-4054-A653-93D611E0133E}"/>
+                <a16:creationId xmlns:a16="http://schemas.microsoft.com/office/drawing/2014/main" xmlns="" id="{39FCC519-EE2E-4054-A653-93D611E0133E}"/>
               </a:ext>
             </a:extLst>
           </p:cNvPr>
@@ -176,7 +176,7 @@
           <p:cNvPr id="3" name="Subtitle 2">
             <a:extLst>
               <a:ext uri="{FF2B5EF4-FFF2-40B4-BE49-F238E27FC236}">
-                <a16:creationId xmlns:a16="http://schemas.microsoft.com/office/drawing/2014/main" id="{3EDEA74E-4030-4F69-A055-4C6319EEEC29}"/>
+                <a16:creationId xmlns:a16="http://schemas.microsoft.com/office/drawing/2014/main" xmlns="" id="{3EDEA74E-4030-4F69-A055-4C6319EEEC29}"/>
               </a:ext>
             </a:extLst>
           </p:cNvPr>
@@ -247,7 +247,7 @@
           <p:cNvPr id="4" name="Date Placeholder 3">
             <a:extLst>
               <a:ext uri="{FF2B5EF4-FFF2-40B4-BE49-F238E27FC236}">
-                <a16:creationId xmlns:a16="http://schemas.microsoft.com/office/drawing/2014/main" id="{E5CC99E3-37A6-4485-B9A2-AF27A72608C6}"/>
+                <a16:creationId xmlns:a16="http://schemas.microsoft.com/office/drawing/2014/main" xmlns="" id="{E5CC99E3-37A6-4485-B9A2-AF27A72608C6}"/>
               </a:ext>
             </a:extLst>
           </p:cNvPr>
@@ -265,7 +265,7 @@
           <a:p>
             <a:fld id="{03EC4E3E-8101-482F-A883-8B55DAFF7C07}" type="datetimeFigureOut">
               <a:rPr lang="en-SG" smtClean="0"/>
-              <a:t>6/7/2018</a:t>
+              <a:t>31/3/2019</a:t>
             </a:fld>
             <a:endParaRPr lang="en-SG"/>
           </a:p>
@@ -276,7 +276,7 @@
           <p:cNvPr id="5" name="Footer Placeholder 4">
             <a:extLst>
               <a:ext uri="{FF2B5EF4-FFF2-40B4-BE49-F238E27FC236}">
-                <a16:creationId xmlns:a16="http://schemas.microsoft.com/office/drawing/2014/main" id="{D75BD546-D949-4A25-8EA4-47DF23229409}"/>
+                <a16:creationId xmlns:a16="http://schemas.microsoft.com/office/drawing/2014/main" xmlns="" id="{D75BD546-D949-4A25-8EA4-47DF23229409}"/>
               </a:ext>
             </a:extLst>
           </p:cNvPr>
@@ -301,7 +301,7 @@
           <p:cNvPr id="6" name="Slide Number Placeholder 5">
             <a:extLst>
               <a:ext uri="{FF2B5EF4-FFF2-40B4-BE49-F238E27FC236}">
-                <a16:creationId xmlns:a16="http://schemas.microsoft.com/office/drawing/2014/main" id="{68147391-4DF6-4ACF-BCE9-C1A9DAC803E3}"/>
+                <a16:creationId xmlns:a16="http://schemas.microsoft.com/office/drawing/2014/main" xmlns="" id="{68147391-4DF6-4ACF-BCE9-C1A9DAC803E3}"/>
               </a:ext>
             </a:extLst>
           </p:cNvPr>
@@ -360,7 +360,7 @@
           <p:cNvPr id="2" name="Title 1">
             <a:extLst>
               <a:ext uri="{FF2B5EF4-FFF2-40B4-BE49-F238E27FC236}">
-                <a16:creationId xmlns:a16="http://schemas.microsoft.com/office/drawing/2014/main" id="{251D3DFE-0C62-45F5-B1BF-FD1F194ED112}"/>
+                <a16:creationId xmlns:a16="http://schemas.microsoft.com/office/drawing/2014/main" xmlns="" id="{251D3DFE-0C62-45F5-B1BF-FD1F194ED112}"/>
               </a:ext>
             </a:extLst>
           </p:cNvPr>
@@ -389,7 +389,7 @@
           <p:cNvPr id="3" name="Vertical Text Placeholder 2">
             <a:extLst>
               <a:ext uri="{FF2B5EF4-FFF2-40B4-BE49-F238E27FC236}">
-                <a16:creationId xmlns:a16="http://schemas.microsoft.com/office/drawing/2014/main" id="{D2392762-3586-4B6D-A174-2D3ACF0A125B}"/>
+                <a16:creationId xmlns:a16="http://schemas.microsoft.com/office/drawing/2014/main" xmlns="" id="{D2392762-3586-4B6D-A174-2D3ACF0A125B}"/>
               </a:ext>
             </a:extLst>
           </p:cNvPr>
@@ -447,7 +447,7 @@
           <p:cNvPr id="4" name="Date Placeholder 3">
             <a:extLst>
               <a:ext uri="{FF2B5EF4-FFF2-40B4-BE49-F238E27FC236}">
-                <a16:creationId xmlns:a16="http://schemas.microsoft.com/office/drawing/2014/main" id="{73B232E7-84FB-4535-9FC1-1BEF8F17421F}"/>
+                <a16:creationId xmlns:a16="http://schemas.microsoft.com/office/drawing/2014/main" xmlns="" id="{73B232E7-84FB-4535-9FC1-1BEF8F17421F}"/>
               </a:ext>
             </a:extLst>
           </p:cNvPr>
@@ -465,7 +465,7 @@
           <a:p>
             <a:fld id="{03EC4E3E-8101-482F-A883-8B55DAFF7C07}" type="datetimeFigureOut">
               <a:rPr lang="en-SG" smtClean="0"/>
-              <a:t>6/7/2018</a:t>
+              <a:t>31/3/2019</a:t>
             </a:fld>
             <a:endParaRPr lang="en-SG"/>
           </a:p>
@@ -476,7 +476,7 @@
           <p:cNvPr id="5" name="Footer Placeholder 4">
             <a:extLst>
               <a:ext uri="{FF2B5EF4-FFF2-40B4-BE49-F238E27FC236}">
-                <a16:creationId xmlns:a16="http://schemas.microsoft.com/office/drawing/2014/main" id="{76F796EF-04EF-401A-AC84-F7BDBC99DE80}"/>
+                <a16:creationId xmlns:a16="http://schemas.microsoft.com/office/drawing/2014/main" xmlns="" id="{76F796EF-04EF-401A-AC84-F7BDBC99DE80}"/>
               </a:ext>
             </a:extLst>
           </p:cNvPr>
@@ -501,7 +501,7 @@
           <p:cNvPr id="6" name="Slide Number Placeholder 5">
             <a:extLst>
               <a:ext uri="{FF2B5EF4-FFF2-40B4-BE49-F238E27FC236}">
-                <a16:creationId xmlns:a16="http://schemas.microsoft.com/office/drawing/2014/main" id="{8F55F009-0A64-4649-A732-4AA6D619F1F3}"/>
+                <a16:creationId xmlns:a16="http://schemas.microsoft.com/office/drawing/2014/main" xmlns="" id="{8F55F009-0A64-4649-A732-4AA6D619F1F3}"/>
               </a:ext>
             </a:extLst>
           </p:cNvPr>
@@ -560,7 +560,7 @@
           <p:cNvPr id="2" name="Vertical Title 1">
             <a:extLst>
               <a:ext uri="{FF2B5EF4-FFF2-40B4-BE49-F238E27FC236}">
-                <a16:creationId xmlns:a16="http://schemas.microsoft.com/office/drawing/2014/main" id="{F7DE9595-D7A8-4E19-B4C6-E295F978F6A4}"/>
+                <a16:creationId xmlns:a16="http://schemas.microsoft.com/office/drawing/2014/main" xmlns="" id="{F7DE9595-D7A8-4E19-B4C6-E295F978F6A4}"/>
               </a:ext>
             </a:extLst>
           </p:cNvPr>
@@ -594,7 +594,7 @@
           <p:cNvPr id="3" name="Vertical Text Placeholder 2">
             <a:extLst>
               <a:ext uri="{FF2B5EF4-FFF2-40B4-BE49-F238E27FC236}">
-                <a16:creationId xmlns:a16="http://schemas.microsoft.com/office/drawing/2014/main" id="{0D2975B7-7A6D-40EA-B2F6-338022AD2BF1}"/>
+                <a16:creationId xmlns:a16="http://schemas.microsoft.com/office/drawing/2014/main" xmlns="" id="{0D2975B7-7A6D-40EA-B2F6-338022AD2BF1}"/>
               </a:ext>
             </a:extLst>
           </p:cNvPr>
@@ -657,7 +657,7 @@
           <p:cNvPr id="4" name="Date Placeholder 3">
             <a:extLst>
               <a:ext uri="{FF2B5EF4-FFF2-40B4-BE49-F238E27FC236}">
-                <a16:creationId xmlns:a16="http://schemas.microsoft.com/office/drawing/2014/main" id="{C8230AC3-1BED-4D2B-96D3-51C50E14A9E6}"/>
+                <a16:creationId xmlns:a16="http://schemas.microsoft.com/office/drawing/2014/main" xmlns="" id="{C8230AC3-1BED-4D2B-96D3-51C50E14A9E6}"/>
               </a:ext>
             </a:extLst>
           </p:cNvPr>
@@ -675,7 +675,7 @@
           <a:p>
             <a:fld id="{03EC4E3E-8101-482F-A883-8B55DAFF7C07}" type="datetimeFigureOut">
               <a:rPr lang="en-SG" smtClean="0"/>
-              <a:t>6/7/2018</a:t>
+              <a:t>31/3/2019</a:t>
             </a:fld>
             <a:endParaRPr lang="en-SG"/>
           </a:p>
@@ -686,7 +686,7 @@
           <p:cNvPr id="5" name="Footer Placeholder 4">
             <a:extLst>
               <a:ext uri="{FF2B5EF4-FFF2-40B4-BE49-F238E27FC236}">
-                <a16:creationId xmlns:a16="http://schemas.microsoft.com/office/drawing/2014/main" id="{4AD6CA96-231A-43AD-B530-7C509651DE3B}"/>
+                <a16:creationId xmlns:a16="http://schemas.microsoft.com/office/drawing/2014/main" xmlns="" id="{4AD6CA96-231A-43AD-B530-7C509651DE3B}"/>
               </a:ext>
             </a:extLst>
           </p:cNvPr>
@@ -711,7 +711,7 @@
           <p:cNvPr id="6" name="Slide Number Placeholder 5">
             <a:extLst>
               <a:ext uri="{FF2B5EF4-FFF2-40B4-BE49-F238E27FC236}">
-                <a16:creationId xmlns:a16="http://schemas.microsoft.com/office/drawing/2014/main" id="{12063E3B-180A-454E-A661-6CCD48D7062C}"/>
+                <a16:creationId xmlns:a16="http://schemas.microsoft.com/office/drawing/2014/main" xmlns="" id="{12063E3B-180A-454E-A661-6CCD48D7062C}"/>
               </a:ext>
             </a:extLst>
           </p:cNvPr>
@@ -770,7 +770,7 @@
           <p:cNvPr id="2" name="Title 1">
             <a:extLst>
               <a:ext uri="{FF2B5EF4-FFF2-40B4-BE49-F238E27FC236}">
-                <a16:creationId xmlns:a16="http://schemas.microsoft.com/office/drawing/2014/main" id="{7E861C8D-BAF0-4DD9-92B9-591B272791CA}"/>
+                <a16:creationId xmlns:a16="http://schemas.microsoft.com/office/drawing/2014/main" xmlns="" id="{7E861C8D-BAF0-4DD9-92B9-591B272791CA}"/>
               </a:ext>
             </a:extLst>
           </p:cNvPr>
@@ -799,7 +799,7 @@
           <p:cNvPr id="3" name="Content Placeholder 2">
             <a:extLst>
               <a:ext uri="{FF2B5EF4-FFF2-40B4-BE49-F238E27FC236}">
-                <a16:creationId xmlns:a16="http://schemas.microsoft.com/office/drawing/2014/main" id="{534DA4BD-1D78-446B-B79F-C1229642DDEB}"/>
+                <a16:creationId xmlns:a16="http://schemas.microsoft.com/office/drawing/2014/main" xmlns="" id="{534DA4BD-1D78-446B-B79F-C1229642DDEB}"/>
               </a:ext>
             </a:extLst>
           </p:cNvPr>
@@ -857,7 +857,7 @@
           <p:cNvPr id="4" name="Date Placeholder 3">
             <a:extLst>
               <a:ext uri="{FF2B5EF4-FFF2-40B4-BE49-F238E27FC236}">
-                <a16:creationId xmlns:a16="http://schemas.microsoft.com/office/drawing/2014/main" id="{AD6BEDB5-7B62-4953-BECB-7F7F3E909CAC}"/>
+                <a16:creationId xmlns:a16="http://schemas.microsoft.com/office/drawing/2014/main" xmlns="" id="{AD6BEDB5-7B62-4953-BECB-7F7F3E909CAC}"/>
               </a:ext>
             </a:extLst>
           </p:cNvPr>
@@ -875,7 +875,7 @@
           <a:p>
             <a:fld id="{03EC4E3E-8101-482F-A883-8B55DAFF7C07}" type="datetimeFigureOut">
               <a:rPr lang="en-SG" smtClean="0"/>
-              <a:t>6/7/2018</a:t>
+              <a:t>31/3/2019</a:t>
             </a:fld>
             <a:endParaRPr lang="en-SG"/>
           </a:p>
@@ -886,7 +886,7 @@
           <p:cNvPr id="5" name="Footer Placeholder 4">
             <a:extLst>
               <a:ext uri="{FF2B5EF4-FFF2-40B4-BE49-F238E27FC236}">
-                <a16:creationId xmlns:a16="http://schemas.microsoft.com/office/drawing/2014/main" id="{349CD732-2DD1-42BE-8480-5C6507018294}"/>
+                <a16:creationId xmlns:a16="http://schemas.microsoft.com/office/drawing/2014/main" xmlns="" id="{349CD732-2DD1-42BE-8480-5C6507018294}"/>
               </a:ext>
             </a:extLst>
           </p:cNvPr>
@@ -911,7 +911,7 @@
           <p:cNvPr id="6" name="Slide Number Placeholder 5">
             <a:extLst>
               <a:ext uri="{FF2B5EF4-FFF2-40B4-BE49-F238E27FC236}">
-                <a16:creationId xmlns:a16="http://schemas.microsoft.com/office/drawing/2014/main" id="{574C27E0-F36A-4438-9402-C2CB0377D92D}"/>
+                <a16:creationId xmlns:a16="http://schemas.microsoft.com/office/drawing/2014/main" xmlns="" id="{574C27E0-F36A-4438-9402-C2CB0377D92D}"/>
               </a:ext>
             </a:extLst>
           </p:cNvPr>
@@ -970,7 +970,7 @@
           <p:cNvPr id="2" name="Title 1">
             <a:extLst>
               <a:ext uri="{FF2B5EF4-FFF2-40B4-BE49-F238E27FC236}">
-                <a16:creationId xmlns:a16="http://schemas.microsoft.com/office/drawing/2014/main" id="{80A42FFA-8A45-40F8-9C5C-9906971B38AB}"/>
+                <a16:creationId xmlns:a16="http://schemas.microsoft.com/office/drawing/2014/main" xmlns="" id="{80A42FFA-8A45-40F8-9C5C-9906971B38AB}"/>
               </a:ext>
             </a:extLst>
           </p:cNvPr>
@@ -1008,7 +1008,7 @@
           <p:cNvPr id="3" name="Text Placeholder 2">
             <a:extLst>
               <a:ext uri="{FF2B5EF4-FFF2-40B4-BE49-F238E27FC236}">
-                <a16:creationId xmlns:a16="http://schemas.microsoft.com/office/drawing/2014/main" id="{7D8879A7-8225-4473-B738-B780B6224EC5}"/>
+                <a16:creationId xmlns:a16="http://schemas.microsoft.com/office/drawing/2014/main" xmlns="" id="{7D8879A7-8225-4473-B738-B780B6224EC5}"/>
               </a:ext>
             </a:extLst>
           </p:cNvPr>
@@ -1133,7 +1133,7 @@
           <p:cNvPr id="4" name="Date Placeholder 3">
             <a:extLst>
               <a:ext uri="{FF2B5EF4-FFF2-40B4-BE49-F238E27FC236}">
-                <a16:creationId xmlns:a16="http://schemas.microsoft.com/office/drawing/2014/main" id="{6CF7978C-FE65-4091-9152-E33029C12AEA}"/>
+                <a16:creationId xmlns:a16="http://schemas.microsoft.com/office/drawing/2014/main" xmlns="" id="{6CF7978C-FE65-4091-9152-E33029C12AEA}"/>
               </a:ext>
             </a:extLst>
           </p:cNvPr>
@@ -1151,7 +1151,7 @@
           <a:p>
             <a:fld id="{03EC4E3E-8101-482F-A883-8B55DAFF7C07}" type="datetimeFigureOut">
               <a:rPr lang="en-SG" smtClean="0"/>
-              <a:t>6/7/2018</a:t>
+              <a:t>31/3/2019</a:t>
             </a:fld>
             <a:endParaRPr lang="en-SG"/>
           </a:p>
@@ -1162,7 +1162,7 @@
           <p:cNvPr id="5" name="Footer Placeholder 4">
             <a:extLst>
               <a:ext uri="{FF2B5EF4-FFF2-40B4-BE49-F238E27FC236}">
-                <a16:creationId xmlns:a16="http://schemas.microsoft.com/office/drawing/2014/main" id="{B344C9CC-480F-4DCB-AC70-D7A4CCA0B8B7}"/>
+                <a16:creationId xmlns:a16="http://schemas.microsoft.com/office/drawing/2014/main" xmlns="" id="{B344C9CC-480F-4DCB-AC70-D7A4CCA0B8B7}"/>
               </a:ext>
             </a:extLst>
           </p:cNvPr>
@@ -1187,7 +1187,7 @@
           <p:cNvPr id="6" name="Slide Number Placeholder 5">
             <a:extLst>
               <a:ext uri="{FF2B5EF4-FFF2-40B4-BE49-F238E27FC236}">
-                <a16:creationId xmlns:a16="http://schemas.microsoft.com/office/drawing/2014/main" id="{8F5A07EC-843A-4ED9-8F1C-AD703CA36D58}"/>
+                <a16:creationId xmlns:a16="http://schemas.microsoft.com/office/drawing/2014/main" xmlns="" id="{8F5A07EC-843A-4ED9-8F1C-AD703CA36D58}"/>
               </a:ext>
             </a:extLst>
           </p:cNvPr>
@@ -1246,7 +1246,7 @@
           <p:cNvPr id="2" name="Title 1">
             <a:extLst>
               <a:ext uri="{FF2B5EF4-FFF2-40B4-BE49-F238E27FC236}">
-                <a16:creationId xmlns:a16="http://schemas.microsoft.com/office/drawing/2014/main" id="{056EE2DA-07D9-4774-A8CA-0CA247F8C72A}"/>
+                <a16:creationId xmlns:a16="http://schemas.microsoft.com/office/drawing/2014/main" xmlns="" id="{056EE2DA-07D9-4774-A8CA-0CA247F8C72A}"/>
               </a:ext>
             </a:extLst>
           </p:cNvPr>
@@ -1275,7 +1275,7 @@
           <p:cNvPr id="3" name="Content Placeholder 2">
             <a:extLst>
               <a:ext uri="{FF2B5EF4-FFF2-40B4-BE49-F238E27FC236}">
-                <a16:creationId xmlns:a16="http://schemas.microsoft.com/office/drawing/2014/main" id="{3CF93A59-4E25-4FFA-8796-AA06EF3E5C3E}"/>
+                <a16:creationId xmlns:a16="http://schemas.microsoft.com/office/drawing/2014/main" xmlns="" id="{3CF93A59-4E25-4FFA-8796-AA06EF3E5C3E}"/>
               </a:ext>
             </a:extLst>
           </p:cNvPr>
@@ -1338,7 +1338,7 @@
           <p:cNvPr id="4" name="Content Placeholder 3">
             <a:extLst>
               <a:ext uri="{FF2B5EF4-FFF2-40B4-BE49-F238E27FC236}">
-                <a16:creationId xmlns:a16="http://schemas.microsoft.com/office/drawing/2014/main" id="{81373B10-E346-4893-AFEE-65E014405E2D}"/>
+                <a16:creationId xmlns:a16="http://schemas.microsoft.com/office/drawing/2014/main" xmlns="" id="{81373B10-E346-4893-AFEE-65E014405E2D}"/>
               </a:ext>
             </a:extLst>
           </p:cNvPr>
@@ -1401,7 +1401,7 @@
           <p:cNvPr id="5" name="Date Placeholder 4">
             <a:extLst>
               <a:ext uri="{FF2B5EF4-FFF2-40B4-BE49-F238E27FC236}">
-                <a16:creationId xmlns:a16="http://schemas.microsoft.com/office/drawing/2014/main" id="{D9C411A1-6D64-4C63-A758-5D2FEE677F45}"/>
+                <a16:creationId xmlns:a16="http://schemas.microsoft.com/office/drawing/2014/main" xmlns="" id="{D9C411A1-6D64-4C63-A758-5D2FEE677F45}"/>
               </a:ext>
             </a:extLst>
           </p:cNvPr>
@@ -1419,7 +1419,7 @@
           <a:p>
             <a:fld id="{03EC4E3E-8101-482F-A883-8B55DAFF7C07}" type="datetimeFigureOut">
               <a:rPr lang="en-SG" smtClean="0"/>
-              <a:t>6/7/2018</a:t>
+              <a:t>31/3/2019</a:t>
             </a:fld>
             <a:endParaRPr lang="en-SG"/>
           </a:p>
@@ -1430,7 +1430,7 @@
           <p:cNvPr id="6" name="Footer Placeholder 5">
             <a:extLst>
               <a:ext uri="{FF2B5EF4-FFF2-40B4-BE49-F238E27FC236}">
-                <a16:creationId xmlns:a16="http://schemas.microsoft.com/office/drawing/2014/main" id="{8D9C2E46-644C-4155-A697-764A7A0AB1F4}"/>
+                <a16:creationId xmlns:a16="http://schemas.microsoft.com/office/drawing/2014/main" xmlns="" id="{8D9C2E46-644C-4155-A697-764A7A0AB1F4}"/>
               </a:ext>
             </a:extLst>
           </p:cNvPr>
@@ -1455,7 +1455,7 @@
           <p:cNvPr id="7" name="Slide Number Placeholder 6">
             <a:extLst>
               <a:ext uri="{FF2B5EF4-FFF2-40B4-BE49-F238E27FC236}">
-                <a16:creationId xmlns:a16="http://schemas.microsoft.com/office/drawing/2014/main" id="{6192DEDD-6479-45E4-B1F5-6EDD41BBB103}"/>
+                <a16:creationId xmlns:a16="http://schemas.microsoft.com/office/drawing/2014/main" xmlns="" id="{6192DEDD-6479-45E4-B1F5-6EDD41BBB103}"/>
               </a:ext>
             </a:extLst>
           </p:cNvPr>
@@ -1514,7 +1514,7 @@
           <p:cNvPr id="2" name="Title 1">
             <a:extLst>
               <a:ext uri="{FF2B5EF4-FFF2-40B4-BE49-F238E27FC236}">
-                <a16:creationId xmlns:a16="http://schemas.microsoft.com/office/drawing/2014/main" id="{DC0ED888-63EF-4CC0-8500-9C8DB672FEC2}"/>
+                <a16:creationId xmlns:a16="http://schemas.microsoft.com/office/drawing/2014/main" xmlns="" id="{DC0ED888-63EF-4CC0-8500-9C8DB672FEC2}"/>
               </a:ext>
             </a:extLst>
           </p:cNvPr>
@@ -1548,7 +1548,7 @@
           <p:cNvPr id="3" name="Text Placeholder 2">
             <a:extLst>
               <a:ext uri="{FF2B5EF4-FFF2-40B4-BE49-F238E27FC236}">
-                <a16:creationId xmlns:a16="http://schemas.microsoft.com/office/drawing/2014/main" id="{3C33BC1E-FB79-4906-A967-9C7046C6D272}"/>
+                <a16:creationId xmlns:a16="http://schemas.microsoft.com/office/drawing/2014/main" xmlns="" id="{3C33BC1E-FB79-4906-A967-9C7046C6D272}"/>
               </a:ext>
             </a:extLst>
           </p:cNvPr>
@@ -1619,7 +1619,7 @@
           <p:cNvPr id="4" name="Content Placeholder 3">
             <a:extLst>
               <a:ext uri="{FF2B5EF4-FFF2-40B4-BE49-F238E27FC236}">
-                <a16:creationId xmlns:a16="http://schemas.microsoft.com/office/drawing/2014/main" id="{697A4EC6-1C42-4BA4-8108-32579276C17B}"/>
+                <a16:creationId xmlns:a16="http://schemas.microsoft.com/office/drawing/2014/main" xmlns="" id="{697A4EC6-1C42-4BA4-8108-32579276C17B}"/>
               </a:ext>
             </a:extLst>
           </p:cNvPr>
@@ -1682,7 +1682,7 @@
           <p:cNvPr id="5" name="Text Placeholder 4">
             <a:extLst>
               <a:ext uri="{FF2B5EF4-FFF2-40B4-BE49-F238E27FC236}">
-                <a16:creationId xmlns:a16="http://schemas.microsoft.com/office/drawing/2014/main" id="{8A2CA209-B9F5-4E1E-B302-74CC2D4CFDFB}"/>
+                <a16:creationId xmlns:a16="http://schemas.microsoft.com/office/drawing/2014/main" xmlns="" id="{8A2CA209-B9F5-4E1E-B302-74CC2D4CFDFB}"/>
               </a:ext>
             </a:extLst>
           </p:cNvPr>
@@ -1753,7 +1753,7 @@
           <p:cNvPr id="6" name="Content Placeholder 5">
             <a:extLst>
               <a:ext uri="{FF2B5EF4-FFF2-40B4-BE49-F238E27FC236}">
-                <a16:creationId xmlns:a16="http://schemas.microsoft.com/office/drawing/2014/main" id="{0E6E876D-DC4D-40EE-BA38-CD01089602CF}"/>
+                <a16:creationId xmlns:a16="http://schemas.microsoft.com/office/drawing/2014/main" xmlns="" id="{0E6E876D-DC4D-40EE-BA38-CD01089602CF}"/>
               </a:ext>
             </a:extLst>
           </p:cNvPr>
@@ -1816,7 +1816,7 @@
           <p:cNvPr id="7" name="Date Placeholder 6">
             <a:extLst>
               <a:ext uri="{FF2B5EF4-FFF2-40B4-BE49-F238E27FC236}">
-                <a16:creationId xmlns:a16="http://schemas.microsoft.com/office/drawing/2014/main" id="{F24E1D97-8B3C-41A1-B0BA-BA833AD8BC7C}"/>
+                <a16:creationId xmlns:a16="http://schemas.microsoft.com/office/drawing/2014/main" xmlns="" id="{F24E1D97-8B3C-41A1-B0BA-BA833AD8BC7C}"/>
               </a:ext>
             </a:extLst>
           </p:cNvPr>
@@ -1834,7 +1834,7 @@
           <a:p>
             <a:fld id="{03EC4E3E-8101-482F-A883-8B55DAFF7C07}" type="datetimeFigureOut">
               <a:rPr lang="en-SG" smtClean="0"/>
-              <a:t>6/7/2018</a:t>
+              <a:t>31/3/2019</a:t>
             </a:fld>
             <a:endParaRPr lang="en-SG"/>
           </a:p>
@@ -1845,7 +1845,7 @@
           <p:cNvPr id="8" name="Footer Placeholder 7">
             <a:extLst>
               <a:ext uri="{FF2B5EF4-FFF2-40B4-BE49-F238E27FC236}">
-                <a16:creationId xmlns:a16="http://schemas.microsoft.com/office/drawing/2014/main" id="{FC358D8F-B7DA-4DCE-AC8F-706450EEC0DC}"/>
+                <a16:creationId xmlns:a16="http://schemas.microsoft.com/office/drawing/2014/main" xmlns="" id="{FC358D8F-B7DA-4DCE-AC8F-706450EEC0DC}"/>
               </a:ext>
             </a:extLst>
           </p:cNvPr>
@@ -1870,7 +1870,7 @@
           <p:cNvPr id="9" name="Slide Number Placeholder 8">
             <a:extLst>
               <a:ext uri="{FF2B5EF4-FFF2-40B4-BE49-F238E27FC236}">
-                <a16:creationId xmlns:a16="http://schemas.microsoft.com/office/drawing/2014/main" id="{40CE354E-2C73-4B6F-8AEB-14D1378A77E1}"/>
+                <a16:creationId xmlns:a16="http://schemas.microsoft.com/office/drawing/2014/main" xmlns="" id="{40CE354E-2C73-4B6F-8AEB-14D1378A77E1}"/>
               </a:ext>
             </a:extLst>
           </p:cNvPr>
@@ -1929,7 +1929,7 @@
           <p:cNvPr id="2" name="Title 1">
             <a:extLst>
               <a:ext uri="{FF2B5EF4-FFF2-40B4-BE49-F238E27FC236}">
-                <a16:creationId xmlns:a16="http://schemas.microsoft.com/office/drawing/2014/main" id="{17D9D381-288C-43FB-86C2-AAA4FCFD43FD}"/>
+                <a16:creationId xmlns:a16="http://schemas.microsoft.com/office/drawing/2014/main" xmlns="" id="{17D9D381-288C-43FB-86C2-AAA4FCFD43FD}"/>
               </a:ext>
             </a:extLst>
           </p:cNvPr>
@@ -1958,7 +1958,7 @@
           <p:cNvPr id="3" name="Date Placeholder 2">
             <a:extLst>
               <a:ext uri="{FF2B5EF4-FFF2-40B4-BE49-F238E27FC236}">
-                <a16:creationId xmlns:a16="http://schemas.microsoft.com/office/drawing/2014/main" id="{A85D75E5-4830-4F75-8132-91122609F925}"/>
+                <a16:creationId xmlns:a16="http://schemas.microsoft.com/office/drawing/2014/main" xmlns="" id="{A85D75E5-4830-4F75-8132-91122609F925}"/>
               </a:ext>
             </a:extLst>
           </p:cNvPr>
@@ -1976,7 +1976,7 @@
           <a:p>
             <a:fld id="{03EC4E3E-8101-482F-A883-8B55DAFF7C07}" type="datetimeFigureOut">
               <a:rPr lang="en-SG" smtClean="0"/>
-              <a:t>6/7/2018</a:t>
+              <a:t>31/3/2019</a:t>
             </a:fld>
             <a:endParaRPr lang="en-SG"/>
           </a:p>
@@ -1987,7 +1987,7 @@
           <p:cNvPr id="4" name="Footer Placeholder 3">
             <a:extLst>
               <a:ext uri="{FF2B5EF4-FFF2-40B4-BE49-F238E27FC236}">
-                <a16:creationId xmlns:a16="http://schemas.microsoft.com/office/drawing/2014/main" id="{0C14A42C-834F-43EA-8053-84D5A665CEE7}"/>
+                <a16:creationId xmlns:a16="http://schemas.microsoft.com/office/drawing/2014/main" xmlns="" id="{0C14A42C-834F-43EA-8053-84D5A665CEE7}"/>
               </a:ext>
             </a:extLst>
           </p:cNvPr>
@@ -2012,7 +2012,7 @@
           <p:cNvPr id="5" name="Slide Number Placeholder 4">
             <a:extLst>
               <a:ext uri="{FF2B5EF4-FFF2-40B4-BE49-F238E27FC236}">
-                <a16:creationId xmlns:a16="http://schemas.microsoft.com/office/drawing/2014/main" id="{38C1E789-CDA9-48FF-A7BA-F21E31600226}"/>
+                <a16:creationId xmlns:a16="http://schemas.microsoft.com/office/drawing/2014/main" xmlns="" id="{38C1E789-CDA9-48FF-A7BA-F21E31600226}"/>
               </a:ext>
             </a:extLst>
           </p:cNvPr>
@@ -2071,7 +2071,7 @@
           <p:cNvPr id="2" name="Date Placeholder 1">
             <a:extLst>
               <a:ext uri="{FF2B5EF4-FFF2-40B4-BE49-F238E27FC236}">
-                <a16:creationId xmlns:a16="http://schemas.microsoft.com/office/drawing/2014/main" id="{21A40ECD-0ABD-4F35-B481-512A01FC643D}"/>
+                <a16:creationId xmlns:a16="http://schemas.microsoft.com/office/drawing/2014/main" xmlns="" id="{21A40ECD-0ABD-4F35-B481-512A01FC643D}"/>
               </a:ext>
             </a:extLst>
           </p:cNvPr>
@@ -2089,7 +2089,7 @@
           <a:p>
             <a:fld id="{03EC4E3E-8101-482F-A883-8B55DAFF7C07}" type="datetimeFigureOut">
               <a:rPr lang="en-SG" smtClean="0"/>
-              <a:t>6/7/2018</a:t>
+              <a:t>31/3/2019</a:t>
             </a:fld>
             <a:endParaRPr lang="en-SG"/>
           </a:p>
@@ -2100,7 +2100,7 @@
           <p:cNvPr id="3" name="Footer Placeholder 2">
             <a:extLst>
               <a:ext uri="{FF2B5EF4-FFF2-40B4-BE49-F238E27FC236}">
-                <a16:creationId xmlns:a16="http://schemas.microsoft.com/office/drawing/2014/main" id="{D44B8F11-A412-4FA6-9070-B9C742F699F3}"/>
+                <a16:creationId xmlns:a16="http://schemas.microsoft.com/office/drawing/2014/main" xmlns="" id="{D44B8F11-A412-4FA6-9070-B9C742F699F3}"/>
               </a:ext>
             </a:extLst>
           </p:cNvPr>
@@ -2125,7 +2125,7 @@
           <p:cNvPr id="4" name="Slide Number Placeholder 3">
             <a:extLst>
               <a:ext uri="{FF2B5EF4-FFF2-40B4-BE49-F238E27FC236}">
-                <a16:creationId xmlns:a16="http://schemas.microsoft.com/office/drawing/2014/main" id="{E3EA086A-DA0B-4378-A128-F213644ECB0C}"/>
+                <a16:creationId xmlns:a16="http://schemas.microsoft.com/office/drawing/2014/main" xmlns="" id="{E3EA086A-DA0B-4378-A128-F213644ECB0C}"/>
               </a:ext>
             </a:extLst>
           </p:cNvPr>
@@ -2184,7 +2184,7 @@
           <p:cNvPr id="2" name="Title 1">
             <a:extLst>
               <a:ext uri="{FF2B5EF4-FFF2-40B4-BE49-F238E27FC236}">
-                <a16:creationId xmlns:a16="http://schemas.microsoft.com/office/drawing/2014/main" id="{765D165A-D423-4E89-A075-D59A9FB59792}"/>
+                <a16:creationId xmlns:a16="http://schemas.microsoft.com/office/drawing/2014/main" xmlns="" id="{765D165A-D423-4E89-A075-D59A9FB59792}"/>
               </a:ext>
             </a:extLst>
           </p:cNvPr>
@@ -2222,7 +2222,7 @@
           <p:cNvPr id="3" name="Content Placeholder 2">
             <a:extLst>
               <a:ext uri="{FF2B5EF4-FFF2-40B4-BE49-F238E27FC236}">
-                <a16:creationId xmlns:a16="http://schemas.microsoft.com/office/drawing/2014/main" id="{77C2A5CC-2876-49CA-993D-F4F73FC9D2B0}"/>
+                <a16:creationId xmlns:a16="http://schemas.microsoft.com/office/drawing/2014/main" xmlns="" id="{77C2A5CC-2876-49CA-993D-F4F73FC9D2B0}"/>
               </a:ext>
             </a:extLst>
           </p:cNvPr>
@@ -2313,7 +2313,7 @@
           <p:cNvPr id="4" name="Text Placeholder 3">
             <a:extLst>
               <a:ext uri="{FF2B5EF4-FFF2-40B4-BE49-F238E27FC236}">
-                <a16:creationId xmlns:a16="http://schemas.microsoft.com/office/drawing/2014/main" id="{7B4DE2E8-CCF6-4E88-A858-05A04CD0D736}"/>
+                <a16:creationId xmlns:a16="http://schemas.microsoft.com/office/drawing/2014/main" xmlns="" id="{7B4DE2E8-CCF6-4E88-A858-05A04CD0D736}"/>
               </a:ext>
             </a:extLst>
           </p:cNvPr>
@@ -2384,7 +2384,7 @@
           <p:cNvPr id="5" name="Date Placeholder 4">
             <a:extLst>
               <a:ext uri="{FF2B5EF4-FFF2-40B4-BE49-F238E27FC236}">
-                <a16:creationId xmlns:a16="http://schemas.microsoft.com/office/drawing/2014/main" id="{CAEBEC1E-DE48-4B55-A846-F8248E381145}"/>
+                <a16:creationId xmlns:a16="http://schemas.microsoft.com/office/drawing/2014/main" xmlns="" id="{CAEBEC1E-DE48-4B55-A846-F8248E381145}"/>
               </a:ext>
             </a:extLst>
           </p:cNvPr>
@@ -2402,7 +2402,7 @@
           <a:p>
             <a:fld id="{03EC4E3E-8101-482F-A883-8B55DAFF7C07}" type="datetimeFigureOut">
               <a:rPr lang="en-SG" smtClean="0"/>
-              <a:t>6/7/2018</a:t>
+              <a:t>31/3/2019</a:t>
             </a:fld>
             <a:endParaRPr lang="en-SG"/>
           </a:p>
@@ -2413,7 +2413,7 @@
           <p:cNvPr id="6" name="Footer Placeholder 5">
             <a:extLst>
               <a:ext uri="{FF2B5EF4-FFF2-40B4-BE49-F238E27FC236}">
-                <a16:creationId xmlns:a16="http://schemas.microsoft.com/office/drawing/2014/main" id="{945A6E8B-6BC2-49E9-B4E5-DAD3F7A1A1BF}"/>
+                <a16:creationId xmlns:a16="http://schemas.microsoft.com/office/drawing/2014/main" xmlns="" id="{945A6E8B-6BC2-49E9-B4E5-DAD3F7A1A1BF}"/>
               </a:ext>
             </a:extLst>
           </p:cNvPr>
@@ -2438,7 +2438,7 @@
           <p:cNvPr id="7" name="Slide Number Placeholder 6">
             <a:extLst>
               <a:ext uri="{FF2B5EF4-FFF2-40B4-BE49-F238E27FC236}">
-                <a16:creationId xmlns:a16="http://schemas.microsoft.com/office/drawing/2014/main" id="{E5CF739B-EDF0-43CE-A87E-C49F040C85A5}"/>
+                <a16:creationId xmlns:a16="http://schemas.microsoft.com/office/drawing/2014/main" xmlns="" id="{E5CF739B-EDF0-43CE-A87E-C49F040C85A5}"/>
               </a:ext>
             </a:extLst>
           </p:cNvPr>
@@ -2497,7 +2497,7 @@
           <p:cNvPr id="2" name="Title 1">
             <a:extLst>
               <a:ext uri="{FF2B5EF4-FFF2-40B4-BE49-F238E27FC236}">
-                <a16:creationId xmlns:a16="http://schemas.microsoft.com/office/drawing/2014/main" id="{0091F49F-E849-4834-84DB-61CF2F2652D4}"/>
+                <a16:creationId xmlns:a16="http://schemas.microsoft.com/office/drawing/2014/main" xmlns="" id="{0091F49F-E849-4834-84DB-61CF2F2652D4}"/>
               </a:ext>
             </a:extLst>
           </p:cNvPr>
@@ -2535,7 +2535,7 @@
           <p:cNvPr id="3" name="Picture Placeholder 2">
             <a:extLst>
               <a:ext uri="{FF2B5EF4-FFF2-40B4-BE49-F238E27FC236}">
-                <a16:creationId xmlns:a16="http://schemas.microsoft.com/office/drawing/2014/main" id="{631D62A9-3420-4F1C-9EB9-09EF85106E78}"/>
+                <a16:creationId xmlns:a16="http://schemas.microsoft.com/office/drawing/2014/main" xmlns="" id="{631D62A9-3420-4F1C-9EB9-09EF85106E78}"/>
               </a:ext>
             </a:extLst>
           </p:cNvPr>
@@ -2602,7 +2602,7 @@
           <p:cNvPr id="4" name="Text Placeholder 3">
             <a:extLst>
               <a:ext uri="{FF2B5EF4-FFF2-40B4-BE49-F238E27FC236}">
-                <a16:creationId xmlns:a16="http://schemas.microsoft.com/office/drawing/2014/main" id="{E450EC8D-D7F4-45FC-AD8C-2E198A32CCA2}"/>
+                <a16:creationId xmlns:a16="http://schemas.microsoft.com/office/drawing/2014/main" xmlns="" id="{E450EC8D-D7F4-45FC-AD8C-2E198A32CCA2}"/>
               </a:ext>
             </a:extLst>
           </p:cNvPr>
@@ -2673,7 +2673,7 @@
           <p:cNvPr id="5" name="Date Placeholder 4">
             <a:extLst>
               <a:ext uri="{FF2B5EF4-FFF2-40B4-BE49-F238E27FC236}">
-                <a16:creationId xmlns:a16="http://schemas.microsoft.com/office/drawing/2014/main" id="{7A73D668-ABF4-41FE-958C-542EEDC5F6CC}"/>
+                <a16:creationId xmlns:a16="http://schemas.microsoft.com/office/drawing/2014/main" xmlns="" id="{7A73D668-ABF4-41FE-958C-542EEDC5F6CC}"/>
               </a:ext>
             </a:extLst>
           </p:cNvPr>
@@ -2691,7 +2691,7 @@
           <a:p>
             <a:fld id="{03EC4E3E-8101-482F-A883-8B55DAFF7C07}" type="datetimeFigureOut">
               <a:rPr lang="en-SG" smtClean="0"/>
-              <a:t>6/7/2018</a:t>
+              <a:t>31/3/2019</a:t>
             </a:fld>
             <a:endParaRPr lang="en-SG"/>
           </a:p>
@@ -2702,7 +2702,7 @@
           <p:cNvPr id="6" name="Footer Placeholder 5">
             <a:extLst>
               <a:ext uri="{FF2B5EF4-FFF2-40B4-BE49-F238E27FC236}">
-                <a16:creationId xmlns:a16="http://schemas.microsoft.com/office/drawing/2014/main" id="{F4A83B1C-93E7-4D32-9D1B-3F37403B1ACD}"/>
+                <a16:creationId xmlns:a16="http://schemas.microsoft.com/office/drawing/2014/main" xmlns="" id="{F4A83B1C-93E7-4D32-9D1B-3F37403B1ACD}"/>
               </a:ext>
             </a:extLst>
           </p:cNvPr>
@@ -2727,7 +2727,7 @@
           <p:cNvPr id="7" name="Slide Number Placeholder 6">
             <a:extLst>
               <a:ext uri="{FF2B5EF4-FFF2-40B4-BE49-F238E27FC236}">
-                <a16:creationId xmlns:a16="http://schemas.microsoft.com/office/drawing/2014/main" id="{C6AF73BE-F17B-487B-943B-28655BB51C92}"/>
+                <a16:creationId xmlns:a16="http://schemas.microsoft.com/office/drawing/2014/main" xmlns="" id="{C6AF73BE-F17B-487B-943B-28655BB51C92}"/>
               </a:ext>
             </a:extLst>
           </p:cNvPr>
@@ -2791,7 +2791,7 @@
           <p:cNvPr id="2" name="Title Placeholder 1">
             <a:extLst>
               <a:ext uri="{FF2B5EF4-FFF2-40B4-BE49-F238E27FC236}">
-                <a16:creationId xmlns:a16="http://schemas.microsoft.com/office/drawing/2014/main" id="{96F7127E-5F47-4B37-9FDB-695AB14D9551}"/>
+                <a16:creationId xmlns:a16="http://schemas.microsoft.com/office/drawing/2014/main" xmlns="" id="{96F7127E-5F47-4B37-9FDB-695AB14D9551}"/>
               </a:ext>
             </a:extLst>
           </p:cNvPr>
@@ -2830,7 +2830,7 @@
           <p:cNvPr id="3" name="Text Placeholder 2">
             <a:extLst>
               <a:ext uri="{FF2B5EF4-FFF2-40B4-BE49-F238E27FC236}">
-                <a16:creationId xmlns:a16="http://schemas.microsoft.com/office/drawing/2014/main" id="{3BD20F0F-B303-4EE3-AF17-E303EA90B1A3}"/>
+                <a16:creationId xmlns:a16="http://schemas.microsoft.com/office/drawing/2014/main" xmlns="" id="{3BD20F0F-B303-4EE3-AF17-E303EA90B1A3}"/>
               </a:ext>
             </a:extLst>
           </p:cNvPr>
@@ -2898,7 +2898,7 @@
           <p:cNvPr id="4" name="Date Placeholder 3">
             <a:extLst>
               <a:ext uri="{FF2B5EF4-FFF2-40B4-BE49-F238E27FC236}">
-                <a16:creationId xmlns:a16="http://schemas.microsoft.com/office/drawing/2014/main" id="{7927ADFB-0C7F-4333-A456-815FAB4B0315}"/>
+                <a16:creationId xmlns:a16="http://schemas.microsoft.com/office/drawing/2014/main" xmlns="" id="{7927ADFB-0C7F-4333-A456-815FAB4B0315}"/>
               </a:ext>
             </a:extLst>
           </p:cNvPr>
@@ -2934,7 +2934,7 @@
           <a:p>
             <a:fld id="{03EC4E3E-8101-482F-A883-8B55DAFF7C07}" type="datetimeFigureOut">
               <a:rPr lang="en-SG" smtClean="0"/>
-              <a:t>6/7/2018</a:t>
+              <a:t>31/3/2019</a:t>
             </a:fld>
             <a:endParaRPr lang="en-SG"/>
           </a:p>
@@ -2945,7 +2945,7 @@
           <p:cNvPr id="5" name="Footer Placeholder 4">
             <a:extLst>
               <a:ext uri="{FF2B5EF4-FFF2-40B4-BE49-F238E27FC236}">
-                <a16:creationId xmlns:a16="http://schemas.microsoft.com/office/drawing/2014/main" id="{A1992B28-8397-4C93-A277-5EE43A537825}"/>
+                <a16:creationId xmlns:a16="http://schemas.microsoft.com/office/drawing/2014/main" xmlns="" id="{A1992B28-8397-4C93-A277-5EE43A537825}"/>
               </a:ext>
             </a:extLst>
           </p:cNvPr>
@@ -2988,7 +2988,7 @@
           <p:cNvPr id="6" name="Slide Number Placeholder 5">
             <a:extLst>
               <a:ext uri="{FF2B5EF4-FFF2-40B4-BE49-F238E27FC236}">
-                <a16:creationId xmlns:a16="http://schemas.microsoft.com/office/drawing/2014/main" id="{D7231209-A74B-4134-87D0-421AB81BBB47}"/>
+                <a16:creationId xmlns:a16="http://schemas.microsoft.com/office/drawing/2014/main" xmlns="" id="{D7231209-A74B-4134-87D0-421AB81BBB47}"/>
               </a:ext>
             </a:extLst>
           </p:cNvPr>
@@ -3356,7 +3356,7 @@
           <p:cNvPr id="2" name="TextBox 1">
             <a:extLst>
               <a:ext uri="{FF2B5EF4-FFF2-40B4-BE49-F238E27FC236}">
-                <a16:creationId xmlns:a16="http://schemas.microsoft.com/office/drawing/2014/main" id="{032C4FEA-C10B-4133-9BF6-AF6F40CC1AD4}"/>
+                <a16:creationId xmlns:a16="http://schemas.microsoft.com/office/drawing/2014/main" xmlns="" id="{032C4FEA-C10B-4133-9BF6-AF6F40CC1AD4}"/>
               </a:ext>
             </a:extLst>
           </p:cNvPr>
@@ -3365,7 +3365,7 @@
         </p:nvSpPr>
         <p:spPr>
           <a:xfrm>
-            <a:off x="5890055" y="4704348"/>
+            <a:off x="5459749" y="4704348"/>
             <a:ext cx="5504846" cy="646331"/>
           </a:xfrm>
           <a:prstGeom prst="rect">
@@ -3407,7 +3407,47 @@
             <a:pPr algn="ctr"/>
             <a:r>
               <a:rPr lang="en-SG" dirty="0"/>
-              <a:t>The state of the address book (before ‘add n/David …’ was executed) will be restored to state ab1.</a:t>
+              <a:t>The state of </a:t>
+            </a:r>
+            <a:r>
+              <a:rPr lang="en-SG" dirty="0" err="1" smtClean="0"/>
+              <a:t>TopDeck</a:t>
+            </a:r>
+            <a:r>
+              <a:rPr lang="en-SG" dirty="0" smtClean="0"/>
+              <a:t> (before </a:t>
+            </a:r>
+            <a:r>
+              <a:rPr lang="en-SG" dirty="0"/>
+              <a:t>‘add </a:t>
+            </a:r>
+            <a:r>
+              <a:rPr lang="en-SG" dirty="0" smtClean="0"/>
+              <a:t>n/</a:t>
+            </a:r>
+            <a:r>
+              <a:rPr lang="en-SG" dirty="0" err="1" smtClean="0"/>
+              <a:t>SampleDeck</a:t>
+            </a:r>
+            <a:r>
+              <a:rPr lang="en-SG" dirty="0" smtClean="0"/>
+              <a:t> </a:t>
+            </a:r>
+            <a:r>
+              <a:rPr lang="en-SG" dirty="0"/>
+              <a:t>…’ was executed) will be restored to state </a:t>
+            </a:r>
+            <a:r>
+              <a:rPr lang="en-SG" dirty="0" smtClean="0"/>
+              <a:t>td</a:t>
+            </a:r>
+            <a:r>
+              <a:rPr lang="en-SG" dirty="0" smtClean="0"/>
+              <a:t>1</a:t>
+            </a:r>
+            <a:r>
+              <a:rPr lang="en-SG" dirty="0"/>
+              <a:t>.</a:t>
             </a:r>
           </a:p>
         </p:txBody>
@@ -3420,7 +3460,7 @@
         </p:nvSpPr>
         <p:spPr>
           <a:xfrm>
-            <a:off x="7512000" y="2116184"/>
+            <a:off x="6525883" y="2157119"/>
             <a:ext cx="1335908" cy="1558834"/>
           </a:xfrm>
           <a:prstGeom prst="downArrow">
@@ -3461,7 +3501,7 @@
           <p:cNvPr id="17" name="TextBox 16">
             <a:extLst>
               <a:ext uri="{FF2B5EF4-FFF2-40B4-BE49-F238E27FC236}">
-                <a16:creationId xmlns:a16="http://schemas.microsoft.com/office/drawing/2014/main" id="{3151A13B-9509-43FA-BFEB-1D9866A00B84}"/>
+                <a16:creationId xmlns:a16="http://schemas.microsoft.com/office/drawing/2014/main" xmlns="" id="{3151A13B-9509-43FA-BFEB-1D9866A00B84}"/>
               </a:ext>
             </a:extLst>
           </p:cNvPr>
@@ -3470,7 +3510,7 @@
         </p:nvSpPr>
         <p:spPr>
           <a:xfrm>
-            <a:off x="3917960" y="2726030"/>
+            <a:off x="2755171" y="2728568"/>
             <a:ext cx="3207000" cy="369332"/>
           </a:xfrm>
           <a:prstGeom prst="rect">
@@ -3505,7 +3545,7 @@
           <p:cNvPr id="18" name="Table 17">
             <a:extLst>
               <a:ext uri="{FF2B5EF4-FFF2-40B4-BE49-F238E27FC236}">
-                <a16:creationId xmlns:a16="http://schemas.microsoft.com/office/drawing/2014/main" id="{F545FAB8-F1CE-4886-9BDE-E772BCB0A9C4}"/>
+                <a16:creationId xmlns:a16="http://schemas.microsoft.com/office/drawing/2014/main" xmlns="" id="{F545FAB8-F1CE-4886-9BDE-E772BCB0A9C4}"/>
               </a:ext>
             </a:extLst>
           </p:cNvPr>
@@ -3515,14 +3555,14 @@
           <p:nvPr>
             <p:extLst>
               <p:ext uri="{D42A27DB-BD31-4B8C-83A1-F6EECF244321}">
-                <p14:modId xmlns:p14="http://schemas.microsoft.com/office/powerpoint/2010/main" val="1674993041"/>
+                <p14:modId xmlns:p14="http://schemas.microsoft.com/office/powerpoint/2010/main" val="4019782274"/>
               </p:ext>
             </p:extLst>
           </p:nvPr>
         </p:nvGraphicFramePr>
         <p:xfrm>
           <a:off x="473240" y="1476102"/>
-          <a:ext cx="1825824" cy="417888"/>
+          <a:ext cx="1364525" cy="417888"/>
         </p:xfrm>
         <a:graphic>
           <a:graphicData uri="http://schemas.openxmlformats.org/drawingml/2006/table">
@@ -3531,10 +3571,10 @@
                 <a:tableStyleId>{638B1855-1B75-4FBE-930C-398BA8C253C6}</a:tableStyleId>
               </a:tblPr>
               <a:tblGrid>
-                <a:gridCol w="1825824">
+                <a:gridCol w="1364525">
                   <a:extLst>
                     <a:ext uri="{9D8B030D-6E8A-4147-A177-3AD203B41FA5}">
-                      <a16:colId xmlns:a16="http://schemas.microsoft.com/office/drawing/2014/main" val="4240773277"/>
+                      <a16:colId xmlns:a16="http://schemas.microsoft.com/office/drawing/2014/main" xmlns="" val="4240773277"/>
                     </a:ext>
                   </a:extLst>
                 </a:gridCol>
@@ -3546,12 +3586,12 @@
                     <a:lstStyle/>
                     <a:p>
                       <a:r>
-                        <a:rPr lang="en-SG" u="sng" dirty="0"/>
-                        <a:t>ab0:</a:t>
+                        <a:rPr lang="en-SG" u="sng" dirty="0" smtClean="0"/>
+                        <a:t>td0:</a:t>
                       </a:r>
                       <a:r>
-                        <a:rPr lang="en-SG" sz="1800" u="sng" dirty="0"/>
-                        <a:t>AddressBook</a:t>
+                        <a:rPr lang="en-SG" sz="1800" u="sng" dirty="0" smtClean="0"/>
+                        <a:t>TopDeck</a:t>
                       </a:r>
                       <a:endParaRPr lang="en-SG" u="sng" dirty="0"/>
                     </a:p>
@@ -3560,7 +3600,7 @@
                 </a:tc>
                 <a:extLst>
                   <a:ext uri="{0D108BD9-81ED-4DB2-BD59-A6C34878D82A}">
-                    <a16:rowId xmlns:a16="http://schemas.microsoft.com/office/drawing/2014/main" val="2194462629"/>
+                    <a16:rowId xmlns:a16="http://schemas.microsoft.com/office/drawing/2014/main" xmlns="" val="2194462629"/>
                   </a:ext>
                 </a:extLst>
               </a:tr>
@@ -3619,7 +3659,7 @@
           <p:cNvPr id="29" name="TextBox 28">
             <a:extLst>
               <a:ext uri="{FF2B5EF4-FFF2-40B4-BE49-F238E27FC236}">
-                <a16:creationId xmlns:a16="http://schemas.microsoft.com/office/drawing/2014/main" id="{3151A13B-9509-43FA-BFEB-1D9866A00B84}"/>
+                <a16:creationId xmlns:a16="http://schemas.microsoft.com/office/drawing/2014/main" xmlns="" id="{3151A13B-9509-43FA-BFEB-1D9866A00B84}"/>
               </a:ext>
             </a:extLst>
           </p:cNvPr>
@@ -3628,7 +3668,7 @@
         </p:nvSpPr>
         <p:spPr>
           <a:xfrm>
-            <a:off x="1939992" y="5234888"/>
+            <a:off x="1357286" y="5234888"/>
             <a:ext cx="3207000" cy="369332"/>
           </a:xfrm>
           <a:prstGeom prst="rect">
@@ -3709,7 +3749,7 @@
           <p:cNvPr id="16" name="Table 15">
             <a:extLst>
               <a:ext uri="{FF2B5EF4-FFF2-40B4-BE49-F238E27FC236}">
-                <a16:creationId xmlns:a16="http://schemas.microsoft.com/office/drawing/2014/main" id="{F545FAB8-F1CE-4886-9BDE-E772BCB0A9C4}"/>
+                <a16:creationId xmlns:a16="http://schemas.microsoft.com/office/drawing/2014/main" xmlns="" id="{F545FAB8-F1CE-4886-9BDE-E772BCB0A9C4}"/>
               </a:ext>
             </a:extLst>
           </p:cNvPr>
@@ -3719,14 +3759,14 @@
           <p:nvPr>
             <p:extLst>
               <p:ext uri="{D42A27DB-BD31-4B8C-83A1-F6EECF244321}">
-                <p14:modId xmlns:p14="http://schemas.microsoft.com/office/powerpoint/2010/main" val="3085921390"/>
+                <p14:modId xmlns:p14="http://schemas.microsoft.com/office/powerpoint/2010/main" val="387241364"/>
               </p:ext>
             </p:extLst>
           </p:nvPr>
         </p:nvGraphicFramePr>
         <p:xfrm>
-          <a:off x="2440458" y="1476102"/>
-          <a:ext cx="1825824" cy="417888"/>
+          <a:off x="1939992" y="1476102"/>
+          <a:ext cx="1351613" cy="417888"/>
         </p:xfrm>
         <a:graphic>
           <a:graphicData uri="http://schemas.openxmlformats.org/drawingml/2006/table">
@@ -3735,10 +3775,180 @@
                 <a:tableStyleId>{638B1855-1B75-4FBE-930C-398BA8C253C6}</a:tableStyleId>
               </a:tblPr>
               <a:tblGrid>
-                <a:gridCol w="1825824">
+                <a:gridCol w="1351613">
                   <a:extLst>
                     <a:ext uri="{9D8B030D-6E8A-4147-A177-3AD203B41FA5}">
-                      <a16:colId xmlns:a16="http://schemas.microsoft.com/office/drawing/2014/main" val="4240773277"/>
+                      <a16:colId xmlns:a16="http://schemas.microsoft.com/office/drawing/2014/main" xmlns="" val="4240773277"/>
+                    </a:ext>
+                  </a:extLst>
+                </a:gridCol>
+              </a:tblGrid>
+              <a:tr h="417888">
+                <a:tc>
+                  <a:txBody>
+                    <a:bodyPr/>
+                    <a:lstStyle/>
+                    <a:p>
+                      <a:pPr marL="0" marR="0" indent="0" algn="l" defTabSz="914400" rtl="0" eaLnBrk="1" fontAlgn="auto" latinLnBrk="0" hangingPunct="1">
+                        <a:lnSpc>
+                          <a:spcPct val="100000"/>
+                        </a:lnSpc>
+                        <a:spcBef>
+                          <a:spcPts val="0"/>
+                        </a:spcBef>
+                        <a:spcAft>
+                          <a:spcPts val="0"/>
+                        </a:spcAft>
+                        <a:buClrTx/>
+                        <a:buSzTx/>
+                        <a:buFontTx/>
+                        <a:buNone/>
+                        <a:tabLst/>
+                        <a:defRPr/>
+                      </a:pPr>
+                      <a:r>
+                        <a:rPr lang="en-SG" u="sng" dirty="0" smtClean="0"/>
+                        <a:t>td1:</a:t>
+                      </a:r>
+                      <a:r>
+                        <a:rPr lang="en-SG" sz="1800" u="sng" dirty="0" smtClean="0"/>
+                        <a:t>TopDeck</a:t>
+                      </a:r>
+                      <a:endParaRPr lang="en-SG" u="sng" dirty="0" smtClean="0"/>
+                    </a:p>
+                  </a:txBody>
+                  <a:tcPr/>
+                </a:tc>
+                <a:extLst>
+                  <a:ext uri="{0D108BD9-81ED-4DB2-BD59-A6C34878D82A}">
+                    <a16:rowId xmlns:a16="http://schemas.microsoft.com/office/drawing/2014/main" xmlns="" val="2194462629"/>
+                  </a:ext>
+                </a:extLst>
+              </a:tr>
+            </a:tbl>
+          </a:graphicData>
+        </a:graphic>
+      </p:graphicFrame>
+      <p:graphicFrame>
+        <p:nvGraphicFramePr>
+          <p:cNvPr id="20" name="Table 19">
+            <a:extLst>
+              <a:ext uri="{FF2B5EF4-FFF2-40B4-BE49-F238E27FC236}">
+                <a16:creationId xmlns:a16="http://schemas.microsoft.com/office/drawing/2014/main" xmlns="" id="{F545FAB8-F1CE-4886-9BDE-E772BCB0A9C4}"/>
+              </a:ext>
+            </a:extLst>
+          </p:cNvPr>
+          <p:cNvGraphicFramePr>
+            <a:graphicFrameLocks noGrp="1"/>
+          </p:cNvGraphicFramePr>
+          <p:nvPr>
+            <p:extLst>
+              <p:ext uri="{D42A27DB-BD31-4B8C-83A1-F6EECF244321}">
+                <p14:modId xmlns:p14="http://schemas.microsoft.com/office/powerpoint/2010/main" val="1807352796"/>
+              </p:ext>
+            </p:extLst>
+          </p:nvPr>
+        </p:nvGraphicFramePr>
+        <p:xfrm>
+          <a:off x="3380763" y="1476102"/>
+          <a:ext cx="1363486" cy="417888"/>
+        </p:xfrm>
+        <a:graphic>
+          <a:graphicData uri="http://schemas.openxmlformats.org/drawingml/2006/table">
+            <a:tbl>
+              <a:tblPr>
+                <a:tableStyleId>{638B1855-1B75-4FBE-930C-398BA8C253C6}</a:tableStyleId>
+              </a:tblPr>
+              <a:tblGrid>
+                <a:gridCol w="1363486">
+                  <a:extLst>
+                    <a:ext uri="{9D8B030D-6E8A-4147-A177-3AD203B41FA5}">
+                      <a16:colId xmlns:a16="http://schemas.microsoft.com/office/drawing/2014/main" xmlns="" val="4240773277"/>
+                    </a:ext>
+                  </a:extLst>
+                </a:gridCol>
+              </a:tblGrid>
+              <a:tr h="417888">
+                <a:tc>
+                  <a:txBody>
+                    <a:bodyPr/>
+                    <a:lstStyle/>
+                    <a:p>
+                      <a:pPr marL="0" marR="0" indent="0" algn="l" defTabSz="914400" rtl="0" eaLnBrk="1" fontAlgn="auto" latinLnBrk="0" hangingPunct="1">
+                        <a:lnSpc>
+                          <a:spcPct val="100000"/>
+                        </a:lnSpc>
+                        <a:spcBef>
+                          <a:spcPts val="0"/>
+                        </a:spcBef>
+                        <a:spcAft>
+                          <a:spcPts val="0"/>
+                        </a:spcAft>
+                        <a:buClrTx/>
+                        <a:buSzTx/>
+                        <a:buFontTx/>
+                        <a:buNone/>
+                        <a:tabLst/>
+                        <a:defRPr/>
+                      </a:pPr>
+                      <a:r>
+                        <a:rPr lang="en-SG" u="sng" dirty="0" smtClean="0"/>
+                        <a:t>td2:</a:t>
+                      </a:r>
+                      <a:r>
+                        <a:rPr lang="en-SG" sz="1800" u="sng" dirty="0" smtClean="0"/>
+                        <a:t>TopDeck</a:t>
+                      </a:r>
+                      <a:endParaRPr lang="en-SG" u="sng" dirty="0" smtClean="0"/>
+                    </a:p>
+                  </a:txBody>
+                  <a:tcPr/>
+                </a:tc>
+                <a:extLst>
+                  <a:ext uri="{0D108BD9-81ED-4DB2-BD59-A6C34878D82A}">
+                    <a16:rowId xmlns:a16="http://schemas.microsoft.com/office/drawing/2014/main" xmlns="" val="2194462629"/>
+                  </a:ext>
+                </a:extLst>
+              </a:tr>
+            </a:tbl>
+          </a:graphicData>
+        </a:graphic>
+      </p:graphicFrame>
+      <p:graphicFrame>
+        <p:nvGraphicFramePr>
+          <p:cNvPr id="21" name="Table 20">
+            <a:extLst>
+              <a:ext uri="{FF2B5EF4-FFF2-40B4-BE49-F238E27FC236}">
+                <a16:creationId xmlns:a16="http://schemas.microsoft.com/office/drawing/2014/main" xmlns="" id="{F545FAB8-F1CE-4886-9BDE-E772BCB0A9C4}"/>
+              </a:ext>
+            </a:extLst>
+          </p:cNvPr>
+          <p:cNvGraphicFramePr>
+            <a:graphicFrameLocks noGrp="1"/>
+          </p:cNvGraphicFramePr>
+          <p:nvPr>
+            <p:extLst>
+              <p:ext uri="{D42A27DB-BD31-4B8C-83A1-F6EECF244321}">
+                <p14:modId xmlns:p14="http://schemas.microsoft.com/office/powerpoint/2010/main" val="1436584289"/>
+              </p:ext>
+            </p:extLst>
+          </p:nvPr>
+        </p:nvGraphicFramePr>
+        <p:xfrm>
+          <a:off x="473240" y="3922133"/>
+          <a:ext cx="1382454" cy="417888"/>
+        </p:xfrm>
+        <a:graphic>
+          <a:graphicData uri="http://schemas.openxmlformats.org/drawingml/2006/table">
+            <a:tbl>
+              <a:tblPr>
+                <a:tableStyleId>{638B1855-1B75-4FBE-930C-398BA8C253C6}</a:tableStyleId>
+              </a:tblPr>
+              <a:tblGrid>
+                <a:gridCol w="1382454">
+                  <a:extLst>
+                    <a:ext uri="{9D8B030D-6E8A-4147-A177-3AD203B41FA5}">
+                      <a16:colId xmlns:a16="http://schemas.microsoft.com/office/drawing/2014/main" xmlns="" val="4240773277"/>
                     </a:ext>
                   </a:extLst>
                 </a:gridCol>
@@ -3750,12 +3960,8 @@
                     <a:lstStyle/>
                     <a:p>
                       <a:r>
-                        <a:rPr lang="en-SG" u="sng" dirty="0"/>
-                        <a:t>ab1:</a:t>
-                      </a:r>
-                      <a:r>
-                        <a:rPr lang="en-SG" sz="1800" u="sng" dirty="0"/>
-                        <a:t>AddressBook</a:t>
+                        <a:rPr lang="en-SG" u="sng" dirty="0" smtClean="0"/>
+                        <a:t>td0:TopDeck</a:t>
                       </a:r>
                       <a:endParaRPr lang="en-SG" u="sng" dirty="0"/>
                     </a:p>
@@ -3764,7 +3970,7 @@
                 </a:tc>
                 <a:extLst>
                   <a:ext uri="{0D108BD9-81ED-4DB2-BD59-A6C34878D82A}">
-                    <a16:rowId xmlns:a16="http://schemas.microsoft.com/office/drawing/2014/main" val="2194462629"/>
+                    <a16:rowId xmlns:a16="http://schemas.microsoft.com/office/drawing/2014/main" xmlns="" val="2194462629"/>
                   </a:ext>
                 </a:extLst>
               </a:tr>
@@ -3774,10 +3980,10 @@
       </p:graphicFrame>
       <p:graphicFrame>
         <p:nvGraphicFramePr>
-          <p:cNvPr id="20" name="Table 19">
-            <a:extLst>
-              <a:ext uri="{FF2B5EF4-FFF2-40B4-BE49-F238E27FC236}">
-                <a16:creationId xmlns:a16="http://schemas.microsoft.com/office/drawing/2014/main" id="{F545FAB8-F1CE-4886-9BDE-E772BCB0A9C4}"/>
+          <p:cNvPr id="22" name="Table 21">
+            <a:extLst>
+              <a:ext uri="{FF2B5EF4-FFF2-40B4-BE49-F238E27FC236}">
+                <a16:creationId xmlns:a16="http://schemas.microsoft.com/office/drawing/2014/main" xmlns="" id="{F545FAB8-F1CE-4886-9BDE-E772BCB0A9C4}"/>
               </a:ext>
             </a:extLst>
           </p:cNvPr>
@@ -3787,14 +3993,14 @@
           <p:nvPr>
             <p:extLst>
               <p:ext uri="{D42A27DB-BD31-4B8C-83A1-F6EECF244321}">
-                <p14:modId xmlns:p14="http://schemas.microsoft.com/office/powerpoint/2010/main" val="3504448791"/>
+                <p14:modId xmlns:p14="http://schemas.microsoft.com/office/powerpoint/2010/main" val="3875235991"/>
               </p:ext>
             </p:extLst>
           </p:nvPr>
         </p:nvGraphicFramePr>
         <p:xfrm>
-          <a:off x="4409785" y="1476102"/>
-          <a:ext cx="1825824" cy="417888"/>
+          <a:off x="1966397" y="3926589"/>
+          <a:ext cx="1414366" cy="417888"/>
         </p:xfrm>
         <a:graphic>
           <a:graphicData uri="http://schemas.openxmlformats.org/drawingml/2006/table">
@@ -3803,10 +4009,10 @@
                 <a:tableStyleId>{638B1855-1B75-4FBE-930C-398BA8C253C6}</a:tableStyleId>
               </a:tblPr>
               <a:tblGrid>
-                <a:gridCol w="1825824">
+                <a:gridCol w="1414366">
                   <a:extLst>
                     <a:ext uri="{9D8B030D-6E8A-4147-A177-3AD203B41FA5}">
-                      <a16:colId xmlns:a16="http://schemas.microsoft.com/office/drawing/2014/main" val="4240773277"/>
+                      <a16:colId xmlns:a16="http://schemas.microsoft.com/office/drawing/2014/main" xmlns="" val="4240773277"/>
                     </a:ext>
                   </a:extLst>
                 </a:gridCol>
@@ -3818,12 +4024,12 @@
                     <a:lstStyle/>
                     <a:p>
                       <a:r>
-                        <a:rPr lang="en-SG" u="sng" dirty="0"/>
-                        <a:t>ab2:</a:t>
+                        <a:rPr lang="en-SG" u="sng" dirty="0" smtClean="0"/>
+                        <a:t>td1:</a:t>
                       </a:r>
                       <a:r>
-                        <a:rPr lang="en-SG" sz="1800" u="sng" dirty="0"/>
-                        <a:t>AddressBook</a:t>
+                        <a:rPr lang="en-SG" sz="1800" u="sng" dirty="0" smtClean="0"/>
+                        <a:t>TopDeck</a:t>
                       </a:r>
                       <a:endParaRPr lang="en-SG" u="sng" dirty="0"/>
                     </a:p>
@@ -3832,7 +4038,7 @@
                 </a:tc>
                 <a:extLst>
                   <a:ext uri="{0D108BD9-81ED-4DB2-BD59-A6C34878D82A}">
-                    <a16:rowId xmlns:a16="http://schemas.microsoft.com/office/drawing/2014/main" val="2194462629"/>
+                    <a16:rowId xmlns:a16="http://schemas.microsoft.com/office/drawing/2014/main" xmlns="" val="2194462629"/>
                   </a:ext>
                 </a:extLst>
               </a:tr>
@@ -3842,10 +4048,10 @@
       </p:graphicFrame>
       <p:graphicFrame>
         <p:nvGraphicFramePr>
-          <p:cNvPr id="21" name="Table 20">
-            <a:extLst>
-              <a:ext uri="{FF2B5EF4-FFF2-40B4-BE49-F238E27FC236}">
-                <a16:creationId xmlns:a16="http://schemas.microsoft.com/office/drawing/2014/main" id="{F545FAB8-F1CE-4886-9BDE-E772BCB0A9C4}"/>
+          <p:cNvPr id="23" name="Table 22">
+            <a:extLst>
+              <a:ext uri="{FF2B5EF4-FFF2-40B4-BE49-F238E27FC236}">
+                <a16:creationId xmlns:a16="http://schemas.microsoft.com/office/drawing/2014/main" xmlns="" id="{F545FAB8-F1CE-4886-9BDE-E772BCB0A9C4}"/>
               </a:ext>
             </a:extLst>
           </p:cNvPr>
@@ -3855,14 +4061,14 @@
           <p:nvPr>
             <p:extLst>
               <p:ext uri="{D42A27DB-BD31-4B8C-83A1-F6EECF244321}">
-                <p14:modId xmlns:p14="http://schemas.microsoft.com/office/powerpoint/2010/main" val="3880678430"/>
+                <p14:modId xmlns:p14="http://schemas.microsoft.com/office/powerpoint/2010/main" val="2511528597"/>
               </p:ext>
             </p:extLst>
           </p:nvPr>
         </p:nvGraphicFramePr>
         <p:xfrm>
-          <a:off x="473240" y="3922133"/>
-          <a:ext cx="1825824" cy="417888"/>
+          <a:off x="3507876" y="3926589"/>
+          <a:ext cx="1377889" cy="417888"/>
         </p:xfrm>
         <a:graphic>
           <a:graphicData uri="http://schemas.openxmlformats.org/drawingml/2006/table">
@@ -3871,10 +4077,10 @@
                 <a:tableStyleId>{638B1855-1B75-4FBE-930C-398BA8C253C6}</a:tableStyleId>
               </a:tblPr>
               <a:tblGrid>
-                <a:gridCol w="1825824">
+                <a:gridCol w="1377889">
                   <a:extLst>
                     <a:ext uri="{9D8B030D-6E8A-4147-A177-3AD203B41FA5}">
-                      <a16:colId xmlns:a16="http://schemas.microsoft.com/office/drawing/2014/main" val="4240773277"/>
+                      <a16:colId xmlns:a16="http://schemas.microsoft.com/office/drawing/2014/main" xmlns="" val="4240773277"/>
                     </a:ext>
                   </a:extLst>
                 </a:gridCol>
@@ -3886,12 +4092,12 @@
                     <a:lstStyle/>
                     <a:p>
                       <a:r>
-                        <a:rPr lang="en-SG" u="sng" dirty="0"/>
-                        <a:t>ab0:</a:t>
+                        <a:rPr lang="en-SG" u="sng" dirty="0" smtClean="0"/>
+                        <a:t>td2:</a:t>
                       </a:r>
                       <a:r>
-                        <a:rPr lang="en-SG" sz="1800" u="sng" dirty="0"/>
-                        <a:t>AddressBook</a:t>
+                        <a:rPr lang="en-SG" sz="1800" u="sng" dirty="0" smtClean="0"/>
+                        <a:t>TopDeck</a:t>
                       </a:r>
                       <a:endParaRPr lang="en-SG" u="sng" dirty="0"/>
                     </a:p>
@@ -3900,143 +4106,7 @@
                 </a:tc>
                 <a:extLst>
                   <a:ext uri="{0D108BD9-81ED-4DB2-BD59-A6C34878D82A}">
-                    <a16:rowId xmlns:a16="http://schemas.microsoft.com/office/drawing/2014/main" val="2194462629"/>
-                  </a:ext>
-                </a:extLst>
-              </a:tr>
-            </a:tbl>
-          </a:graphicData>
-        </a:graphic>
-      </p:graphicFrame>
-      <p:graphicFrame>
-        <p:nvGraphicFramePr>
-          <p:cNvPr id="22" name="Table 21">
-            <a:extLst>
-              <a:ext uri="{FF2B5EF4-FFF2-40B4-BE49-F238E27FC236}">
-                <a16:creationId xmlns:a16="http://schemas.microsoft.com/office/drawing/2014/main" id="{F545FAB8-F1CE-4886-9BDE-E772BCB0A9C4}"/>
-              </a:ext>
-            </a:extLst>
-          </p:cNvPr>
-          <p:cNvGraphicFramePr>
-            <a:graphicFrameLocks noGrp="1"/>
-          </p:cNvGraphicFramePr>
-          <p:nvPr>
-            <p:extLst>
-              <p:ext uri="{D42A27DB-BD31-4B8C-83A1-F6EECF244321}">
-                <p14:modId xmlns:p14="http://schemas.microsoft.com/office/powerpoint/2010/main" val="719723626"/>
-              </p:ext>
-            </p:extLst>
-          </p:nvPr>
-        </p:nvGraphicFramePr>
-        <p:xfrm>
-          <a:off x="2440458" y="3922133"/>
-          <a:ext cx="1825824" cy="417888"/>
-        </p:xfrm>
-        <a:graphic>
-          <a:graphicData uri="http://schemas.openxmlformats.org/drawingml/2006/table">
-            <a:tbl>
-              <a:tblPr>
-                <a:tableStyleId>{638B1855-1B75-4FBE-930C-398BA8C253C6}</a:tableStyleId>
-              </a:tblPr>
-              <a:tblGrid>
-                <a:gridCol w="1825824">
-                  <a:extLst>
-                    <a:ext uri="{9D8B030D-6E8A-4147-A177-3AD203B41FA5}">
-                      <a16:colId xmlns:a16="http://schemas.microsoft.com/office/drawing/2014/main" val="4240773277"/>
-                    </a:ext>
-                  </a:extLst>
-                </a:gridCol>
-              </a:tblGrid>
-              <a:tr h="417888">
-                <a:tc>
-                  <a:txBody>
-                    <a:bodyPr/>
-                    <a:lstStyle/>
-                    <a:p>
-                      <a:r>
-                        <a:rPr lang="en-SG" u="sng" dirty="0"/>
-                        <a:t>ab1:</a:t>
-                      </a:r>
-                      <a:r>
-                        <a:rPr lang="en-SG" sz="1800" u="sng" dirty="0"/>
-                        <a:t>AddressBook</a:t>
-                      </a:r>
-                      <a:endParaRPr lang="en-SG" u="sng" dirty="0"/>
-                    </a:p>
-                  </a:txBody>
-                  <a:tcPr/>
-                </a:tc>
-                <a:extLst>
-                  <a:ext uri="{0D108BD9-81ED-4DB2-BD59-A6C34878D82A}">
-                    <a16:rowId xmlns:a16="http://schemas.microsoft.com/office/drawing/2014/main" val="2194462629"/>
-                  </a:ext>
-                </a:extLst>
-              </a:tr>
-            </a:tbl>
-          </a:graphicData>
-        </a:graphic>
-      </p:graphicFrame>
-      <p:graphicFrame>
-        <p:nvGraphicFramePr>
-          <p:cNvPr id="23" name="Table 22">
-            <a:extLst>
-              <a:ext uri="{FF2B5EF4-FFF2-40B4-BE49-F238E27FC236}">
-                <a16:creationId xmlns:a16="http://schemas.microsoft.com/office/drawing/2014/main" id="{F545FAB8-F1CE-4886-9BDE-E772BCB0A9C4}"/>
-              </a:ext>
-            </a:extLst>
-          </p:cNvPr>
-          <p:cNvGraphicFramePr>
-            <a:graphicFrameLocks noGrp="1"/>
-          </p:cNvGraphicFramePr>
-          <p:nvPr>
-            <p:extLst>
-              <p:ext uri="{D42A27DB-BD31-4B8C-83A1-F6EECF244321}">
-                <p14:modId xmlns:p14="http://schemas.microsoft.com/office/powerpoint/2010/main" val="3592690620"/>
-              </p:ext>
-            </p:extLst>
-          </p:nvPr>
-        </p:nvGraphicFramePr>
-        <p:xfrm>
-          <a:off x="4409785" y="3922133"/>
-          <a:ext cx="1825824" cy="417888"/>
-        </p:xfrm>
-        <a:graphic>
-          <a:graphicData uri="http://schemas.openxmlformats.org/drawingml/2006/table">
-            <a:tbl>
-              <a:tblPr>
-                <a:tableStyleId>{638B1855-1B75-4FBE-930C-398BA8C253C6}</a:tableStyleId>
-              </a:tblPr>
-              <a:tblGrid>
-                <a:gridCol w="1825824">
-                  <a:extLst>
-                    <a:ext uri="{9D8B030D-6E8A-4147-A177-3AD203B41FA5}">
-                      <a16:colId xmlns:a16="http://schemas.microsoft.com/office/drawing/2014/main" val="4240773277"/>
-                    </a:ext>
-                  </a:extLst>
-                </a:gridCol>
-              </a:tblGrid>
-              <a:tr h="417888">
-                <a:tc>
-                  <a:txBody>
-                    <a:bodyPr/>
-                    <a:lstStyle/>
-                    <a:p>
-                      <a:r>
-                        <a:rPr lang="en-SG" u="sng" dirty="0"/>
-                        <a:t>ab2:</a:t>
-                      </a:r>
-                      <a:r>
-                        <a:rPr lang="en-SG" sz="1800" u="sng" dirty="0"/>
-                        <a:t>AddressBook</a:t>
-                      </a:r>
-                      <a:endParaRPr lang="en-SG" u="sng" dirty="0"/>
-                    </a:p>
-                  </a:txBody>
-                  <a:tcPr/>
-                </a:tc>
-                <a:extLst>
-                  <a:ext uri="{0D108BD9-81ED-4DB2-BD59-A6C34878D82A}">
-                    <a16:rowId xmlns:a16="http://schemas.microsoft.com/office/drawing/2014/main" val="2194462629"/>
+                    <a16:rowId xmlns:a16="http://schemas.microsoft.com/office/drawing/2014/main" xmlns="" val="2194462629"/>
                   </a:ext>
                 </a:extLst>
               </a:tr>
@@ -4049,7 +4119,7 @@
           <p:cNvPr id="19" name="Straight Arrow Connector 18">
             <a:extLst>
               <a:ext uri="{FF2B5EF4-FFF2-40B4-BE49-F238E27FC236}">
-                <a16:creationId xmlns:a16="http://schemas.microsoft.com/office/drawing/2014/main" id="{DC8F2CFA-FFF8-41BD-B884-8ACDF8C96486}"/>
+                <a16:creationId xmlns:a16="http://schemas.microsoft.com/office/drawing/2014/main" xmlns="" id="{DC8F2CFA-FFF8-41BD-B884-8ACDF8C96486}"/>
               </a:ext>
             </a:extLst>
           </p:cNvPr>
@@ -4060,7 +4130,7 @@
         </p:nvCxnSpPr>
         <p:spPr>
           <a:xfrm flipV="1">
-            <a:off x="5377343" y="2019157"/>
+            <a:off x="4113319" y="1994140"/>
             <a:ext cx="0" cy="706873"/>
           </a:xfrm>
           <a:prstGeom prst="straightConnector1">
@@ -4093,7 +4163,7 @@
           <p:cNvPr id="25" name="Straight Arrow Connector 24">
             <a:extLst>
               <a:ext uri="{FF2B5EF4-FFF2-40B4-BE49-F238E27FC236}">
-                <a16:creationId xmlns:a16="http://schemas.microsoft.com/office/drawing/2014/main" id="{CC39FF7A-ED45-4697-B75C-01E9C1C55F2A}"/>
+                <a16:creationId xmlns:a16="http://schemas.microsoft.com/office/drawing/2014/main" xmlns="" id="{CC39FF7A-ED45-4697-B75C-01E9C1C55F2A}"/>
               </a:ext>
             </a:extLst>
           </p:cNvPr>
@@ -4104,7 +4174,7 @@
         </p:nvCxnSpPr>
         <p:spPr>
           <a:xfrm flipV="1">
-            <a:off x="3380763" y="4504888"/>
+            <a:off x="2755171" y="4432492"/>
             <a:ext cx="0" cy="730001"/>
           </a:xfrm>
           <a:prstGeom prst="straightConnector1">
@@ -4434,7 +4504,7 @@
   <a:extraClrSchemeLst/>
   <a:extLst>
     <a:ext uri="{05A4C25C-085E-4340-85A3-A5531E510DB2}">
-      <thm15:themeFamily xmlns:thm15="http://schemas.microsoft.com/office/thememl/2012/main" name="Office Theme" id="{62F939B6-93AF-4DB8-9C6B-D6C7DFDC589F}" vid="{4A3C46E8-61CC-4603-A589-7422A47A8E4A}"/>
+      <thm15:themeFamily xmlns:thm15="http://schemas.microsoft.com/office/thememl/2012/main" xmlns="" name="Office Theme" id="{62F939B6-93AF-4DB8-9C6B-D6C7DFDC589F}" vid="{4A3C46E8-61CC-4603-A589-7422A47A8E4A}"/>
     </a:ext>
   </a:extLst>
 </a:theme>

--- a/docs/diagrams/UndoRedoExecuteUndoStateListDiagram.pptx
+++ b/docs/diagrams/UndoRedoExecuteUndoStateListDiagram.pptx
@@ -112,10 +112,6 @@
 </p:presentation>
 </file>
 
-<file path=ppt/revisionInfo.xml><?xml version="1.0" encoding="utf-8"?>
-<p1510:revInfo xmlns:a="http://schemas.openxmlformats.org/drawingml/2006/main" xmlns:r="http://schemas.openxmlformats.org/officeDocument/2006/relationships" xmlns:p1510="http://schemas.microsoft.com/office/powerpoint/2015/10/main"/>
-</file>
-
 <file path=ppt/slideLayouts/slideLayout1.xml><?xml version="1.0" encoding="utf-8"?>
 <p:sldLayout xmlns:a="http://schemas.openxmlformats.org/drawingml/2006/main" xmlns:r="http://schemas.openxmlformats.org/officeDocument/2006/relationships" xmlns:p="http://schemas.openxmlformats.org/presentationml/2006/main" type="title" preserve="1">
   <p:cSld name="Title Slide">
@@ -265,7 +261,7 @@
           <a:p>
             <a:fld id="{03EC4E3E-8101-482F-A883-8B55DAFF7C07}" type="datetimeFigureOut">
               <a:rPr lang="en-SG" smtClean="0"/>
-              <a:t>6/7/2018</a:t>
+              <a:t>1/4/2019</a:t>
             </a:fld>
             <a:endParaRPr lang="en-SG"/>
           </a:p>
@@ -465,7 +461,7 @@
           <a:p>
             <a:fld id="{03EC4E3E-8101-482F-A883-8B55DAFF7C07}" type="datetimeFigureOut">
               <a:rPr lang="en-SG" smtClean="0"/>
-              <a:t>6/7/2018</a:t>
+              <a:t>1/4/2019</a:t>
             </a:fld>
             <a:endParaRPr lang="en-SG"/>
           </a:p>
@@ -675,7 +671,7 @@
           <a:p>
             <a:fld id="{03EC4E3E-8101-482F-A883-8B55DAFF7C07}" type="datetimeFigureOut">
               <a:rPr lang="en-SG" smtClean="0"/>
-              <a:t>6/7/2018</a:t>
+              <a:t>1/4/2019</a:t>
             </a:fld>
             <a:endParaRPr lang="en-SG"/>
           </a:p>
@@ -875,7 +871,7 @@
           <a:p>
             <a:fld id="{03EC4E3E-8101-482F-A883-8B55DAFF7C07}" type="datetimeFigureOut">
               <a:rPr lang="en-SG" smtClean="0"/>
-              <a:t>6/7/2018</a:t>
+              <a:t>1/4/2019</a:t>
             </a:fld>
             <a:endParaRPr lang="en-SG"/>
           </a:p>
@@ -1151,7 +1147,7 @@
           <a:p>
             <a:fld id="{03EC4E3E-8101-482F-A883-8B55DAFF7C07}" type="datetimeFigureOut">
               <a:rPr lang="en-SG" smtClean="0"/>
-              <a:t>6/7/2018</a:t>
+              <a:t>1/4/2019</a:t>
             </a:fld>
             <a:endParaRPr lang="en-SG"/>
           </a:p>
@@ -1419,7 +1415,7 @@
           <a:p>
             <a:fld id="{03EC4E3E-8101-482F-A883-8B55DAFF7C07}" type="datetimeFigureOut">
               <a:rPr lang="en-SG" smtClean="0"/>
-              <a:t>6/7/2018</a:t>
+              <a:t>1/4/2019</a:t>
             </a:fld>
             <a:endParaRPr lang="en-SG"/>
           </a:p>
@@ -1834,7 +1830,7 @@
           <a:p>
             <a:fld id="{03EC4E3E-8101-482F-A883-8B55DAFF7C07}" type="datetimeFigureOut">
               <a:rPr lang="en-SG" smtClean="0"/>
-              <a:t>6/7/2018</a:t>
+              <a:t>1/4/2019</a:t>
             </a:fld>
             <a:endParaRPr lang="en-SG"/>
           </a:p>
@@ -1976,7 +1972,7 @@
           <a:p>
             <a:fld id="{03EC4E3E-8101-482F-A883-8B55DAFF7C07}" type="datetimeFigureOut">
               <a:rPr lang="en-SG" smtClean="0"/>
-              <a:t>6/7/2018</a:t>
+              <a:t>1/4/2019</a:t>
             </a:fld>
             <a:endParaRPr lang="en-SG"/>
           </a:p>
@@ -2089,7 +2085,7 @@
           <a:p>
             <a:fld id="{03EC4E3E-8101-482F-A883-8B55DAFF7C07}" type="datetimeFigureOut">
               <a:rPr lang="en-SG" smtClean="0"/>
-              <a:t>6/7/2018</a:t>
+              <a:t>1/4/2019</a:t>
             </a:fld>
             <a:endParaRPr lang="en-SG"/>
           </a:p>
@@ -2402,7 +2398,7 @@
           <a:p>
             <a:fld id="{03EC4E3E-8101-482F-A883-8B55DAFF7C07}" type="datetimeFigureOut">
               <a:rPr lang="en-SG" smtClean="0"/>
-              <a:t>6/7/2018</a:t>
+              <a:t>1/4/2019</a:t>
             </a:fld>
             <a:endParaRPr lang="en-SG"/>
           </a:p>
@@ -2691,7 +2687,7 @@
           <a:p>
             <a:fld id="{03EC4E3E-8101-482F-A883-8B55DAFF7C07}" type="datetimeFigureOut">
               <a:rPr lang="en-SG" smtClean="0"/>
-              <a:t>6/7/2018</a:t>
+              <a:t>1/4/2019</a:t>
             </a:fld>
             <a:endParaRPr lang="en-SG"/>
           </a:p>
@@ -2934,7 +2930,7 @@
           <a:p>
             <a:fld id="{03EC4E3E-8101-482F-A883-8B55DAFF7C07}" type="datetimeFigureOut">
               <a:rPr lang="en-SG" smtClean="0"/>
-              <a:t>6/7/2018</a:t>
+              <a:t>1/4/2019</a:t>
             </a:fld>
             <a:endParaRPr lang="en-SG"/>
           </a:p>
@@ -3365,8 +3361,8 @@
         </p:nvSpPr>
         <p:spPr>
           <a:xfrm>
-            <a:off x="5890055" y="4704348"/>
-            <a:ext cx="5504846" cy="646331"/>
+            <a:off x="5890054" y="4704348"/>
+            <a:ext cx="5701867" cy="646331"/>
           </a:xfrm>
           <a:prstGeom prst="rect">
             <a:avLst/>
@@ -3407,7 +3403,7 @@
             <a:pPr algn="ctr"/>
             <a:r>
               <a:rPr lang="en-SG" dirty="0"/>
-              <a:t>The state of the address book (before ‘add n/David …’ was executed) will be restored to state ab1.</a:t>
+              <a:t>The state of the finance tracker (before ‘spend n/burger …’ was executed) will be restored to state ft1.</a:t>
             </a:r>
           </a:p>
         </p:txBody>
@@ -3515,14 +3511,14 @@
           <p:nvPr>
             <p:extLst>
               <p:ext uri="{D42A27DB-BD31-4B8C-83A1-F6EECF244321}">
-                <p14:modId xmlns:p14="http://schemas.microsoft.com/office/powerpoint/2010/main" val="1674993041"/>
+                <p14:modId xmlns:p14="http://schemas.microsoft.com/office/powerpoint/2010/main" val="3523876985"/>
               </p:ext>
             </p:extLst>
           </p:nvPr>
         </p:nvGraphicFramePr>
         <p:xfrm>
-          <a:off x="473240" y="1476102"/>
-          <a:ext cx="1825824" cy="417888"/>
+          <a:off x="473239" y="1476102"/>
+          <a:ext cx="1967207" cy="417888"/>
         </p:xfrm>
         <a:graphic>
           <a:graphicData uri="http://schemas.openxmlformats.org/drawingml/2006/table">
@@ -3531,7 +3527,7 @@
                 <a:tableStyleId>{638B1855-1B75-4FBE-930C-398BA8C253C6}</a:tableStyleId>
               </a:tblPr>
               <a:tblGrid>
-                <a:gridCol w="1825824">
+                <a:gridCol w="1967207">
                   <a:extLst>
                     <a:ext uri="{9D8B030D-6E8A-4147-A177-3AD203B41FA5}">
                       <a16:colId xmlns:a16="http://schemas.microsoft.com/office/drawing/2014/main" val="4240773277"/>
@@ -3547,13 +3543,9 @@
                     <a:p>
                       <a:r>
                         <a:rPr lang="en-SG" u="sng" dirty="0"/>
-                        <a:t>ab0:</a:t>
+                        <a:t>ft0:FinanceTracker</a:t>
                       </a:r>
-                      <a:r>
-                        <a:rPr lang="en-SG" sz="1800" u="sng" dirty="0"/>
-                        <a:t>AddressBook</a:t>
-                      </a:r>
-                      <a:endParaRPr lang="en-SG" u="sng" dirty="0"/>
+                      <a:endParaRPr lang="en-SG" sz="1600" u="sng" dirty="0"/>
                     </a:p>
                   </a:txBody>
                   <a:tcPr/>
@@ -3719,14 +3711,14 @@
           <p:nvPr>
             <p:extLst>
               <p:ext uri="{D42A27DB-BD31-4B8C-83A1-F6EECF244321}">
-                <p14:modId xmlns:p14="http://schemas.microsoft.com/office/powerpoint/2010/main" val="3085921390"/>
+                <p14:modId xmlns:p14="http://schemas.microsoft.com/office/powerpoint/2010/main" val="3186454817"/>
               </p:ext>
             </p:extLst>
           </p:nvPr>
         </p:nvGraphicFramePr>
         <p:xfrm>
-          <a:off x="2440458" y="1476102"/>
-          <a:ext cx="1825824" cy="417888"/>
+          <a:off x="2548887" y="1476102"/>
+          <a:ext cx="2026209" cy="417888"/>
         </p:xfrm>
         <a:graphic>
           <a:graphicData uri="http://schemas.openxmlformats.org/drawingml/2006/table">
@@ -3735,7 +3727,7 @@
                 <a:tableStyleId>{638B1855-1B75-4FBE-930C-398BA8C253C6}</a:tableStyleId>
               </a:tblPr>
               <a:tblGrid>
-                <a:gridCol w="1825824">
+                <a:gridCol w="2026209">
                   <a:extLst>
                     <a:ext uri="{9D8B030D-6E8A-4147-A177-3AD203B41FA5}">
                       <a16:colId xmlns:a16="http://schemas.microsoft.com/office/drawing/2014/main" val="4240773277"/>
@@ -3751,13 +3743,9 @@
                     <a:p>
                       <a:r>
                         <a:rPr lang="en-SG" u="sng" dirty="0"/>
-                        <a:t>ab1:</a:t>
+                        <a:t>ft1:FinanceTracker</a:t>
                       </a:r>
-                      <a:r>
-                        <a:rPr lang="en-SG" sz="1800" u="sng" dirty="0"/>
-                        <a:t>AddressBook</a:t>
-                      </a:r>
-                      <a:endParaRPr lang="en-SG" u="sng" dirty="0"/>
+                      <a:endParaRPr lang="en-SG" sz="1600" u="sng" dirty="0"/>
                     </a:p>
                   </a:txBody>
                   <a:tcPr/>
@@ -3787,14 +3775,14 @@
           <p:nvPr>
             <p:extLst>
               <p:ext uri="{D42A27DB-BD31-4B8C-83A1-F6EECF244321}">
-                <p14:modId xmlns:p14="http://schemas.microsoft.com/office/powerpoint/2010/main" val="3504448791"/>
+                <p14:modId xmlns:p14="http://schemas.microsoft.com/office/powerpoint/2010/main" val="1221876564"/>
               </p:ext>
             </p:extLst>
           </p:nvPr>
         </p:nvGraphicFramePr>
         <p:xfrm>
-          <a:off x="4409785" y="1476102"/>
-          <a:ext cx="1825824" cy="417888"/>
+          <a:off x="4683536" y="1476102"/>
+          <a:ext cx="1967207" cy="417888"/>
         </p:xfrm>
         <a:graphic>
           <a:graphicData uri="http://schemas.openxmlformats.org/drawingml/2006/table">
@@ -3803,7 +3791,7 @@
                 <a:tableStyleId>{638B1855-1B75-4FBE-930C-398BA8C253C6}</a:tableStyleId>
               </a:tblPr>
               <a:tblGrid>
-                <a:gridCol w="1825824">
+                <a:gridCol w="1967207">
                   <a:extLst>
                     <a:ext uri="{9D8B030D-6E8A-4147-A177-3AD203B41FA5}">
                       <a16:colId xmlns:a16="http://schemas.microsoft.com/office/drawing/2014/main" val="4240773277"/>
@@ -3819,217 +3807,9 @@
                     <a:p>
                       <a:r>
                         <a:rPr lang="en-SG" u="sng" dirty="0"/>
-                        <a:t>ab2:</a:t>
+                        <a:t>ft2:FinanceTracker</a:t>
                       </a:r>
-                      <a:r>
-                        <a:rPr lang="en-SG" sz="1800" u="sng" dirty="0"/>
-                        <a:t>AddressBook</a:t>
-                      </a:r>
-                      <a:endParaRPr lang="en-SG" u="sng" dirty="0"/>
-                    </a:p>
-                  </a:txBody>
-                  <a:tcPr/>
-                </a:tc>
-                <a:extLst>
-                  <a:ext uri="{0D108BD9-81ED-4DB2-BD59-A6C34878D82A}">
-                    <a16:rowId xmlns:a16="http://schemas.microsoft.com/office/drawing/2014/main" val="2194462629"/>
-                  </a:ext>
-                </a:extLst>
-              </a:tr>
-            </a:tbl>
-          </a:graphicData>
-        </a:graphic>
-      </p:graphicFrame>
-      <p:graphicFrame>
-        <p:nvGraphicFramePr>
-          <p:cNvPr id="21" name="Table 20">
-            <a:extLst>
-              <a:ext uri="{FF2B5EF4-FFF2-40B4-BE49-F238E27FC236}">
-                <a16:creationId xmlns:a16="http://schemas.microsoft.com/office/drawing/2014/main" id="{F545FAB8-F1CE-4886-9BDE-E772BCB0A9C4}"/>
-              </a:ext>
-            </a:extLst>
-          </p:cNvPr>
-          <p:cNvGraphicFramePr>
-            <a:graphicFrameLocks noGrp="1"/>
-          </p:cNvGraphicFramePr>
-          <p:nvPr>
-            <p:extLst>
-              <p:ext uri="{D42A27DB-BD31-4B8C-83A1-F6EECF244321}">
-                <p14:modId xmlns:p14="http://schemas.microsoft.com/office/powerpoint/2010/main" val="3880678430"/>
-              </p:ext>
-            </p:extLst>
-          </p:nvPr>
-        </p:nvGraphicFramePr>
-        <p:xfrm>
-          <a:off x="473240" y="3922133"/>
-          <a:ext cx="1825824" cy="417888"/>
-        </p:xfrm>
-        <a:graphic>
-          <a:graphicData uri="http://schemas.openxmlformats.org/drawingml/2006/table">
-            <a:tbl>
-              <a:tblPr>
-                <a:tableStyleId>{638B1855-1B75-4FBE-930C-398BA8C253C6}</a:tableStyleId>
-              </a:tblPr>
-              <a:tblGrid>
-                <a:gridCol w="1825824">
-                  <a:extLst>
-                    <a:ext uri="{9D8B030D-6E8A-4147-A177-3AD203B41FA5}">
-                      <a16:colId xmlns:a16="http://schemas.microsoft.com/office/drawing/2014/main" val="4240773277"/>
-                    </a:ext>
-                  </a:extLst>
-                </a:gridCol>
-              </a:tblGrid>
-              <a:tr h="417888">
-                <a:tc>
-                  <a:txBody>
-                    <a:bodyPr/>
-                    <a:lstStyle/>
-                    <a:p>
-                      <a:r>
-                        <a:rPr lang="en-SG" u="sng" dirty="0"/>
-                        <a:t>ab0:</a:t>
-                      </a:r>
-                      <a:r>
-                        <a:rPr lang="en-SG" sz="1800" u="sng" dirty="0"/>
-                        <a:t>AddressBook</a:t>
-                      </a:r>
-                      <a:endParaRPr lang="en-SG" u="sng" dirty="0"/>
-                    </a:p>
-                  </a:txBody>
-                  <a:tcPr/>
-                </a:tc>
-                <a:extLst>
-                  <a:ext uri="{0D108BD9-81ED-4DB2-BD59-A6C34878D82A}">
-                    <a16:rowId xmlns:a16="http://schemas.microsoft.com/office/drawing/2014/main" val="2194462629"/>
-                  </a:ext>
-                </a:extLst>
-              </a:tr>
-            </a:tbl>
-          </a:graphicData>
-        </a:graphic>
-      </p:graphicFrame>
-      <p:graphicFrame>
-        <p:nvGraphicFramePr>
-          <p:cNvPr id="22" name="Table 21">
-            <a:extLst>
-              <a:ext uri="{FF2B5EF4-FFF2-40B4-BE49-F238E27FC236}">
-                <a16:creationId xmlns:a16="http://schemas.microsoft.com/office/drawing/2014/main" id="{F545FAB8-F1CE-4886-9BDE-E772BCB0A9C4}"/>
-              </a:ext>
-            </a:extLst>
-          </p:cNvPr>
-          <p:cNvGraphicFramePr>
-            <a:graphicFrameLocks noGrp="1"/>
-          </p:cNvGraphicFramePr>
-          <p:nvPr>
-            <p:extLst>
-              <p:ext uri="{D42A27DB-BD31-4B8C-83A1-F6EECF244321}">
-                <p14:modId xmlns:p14="http://schemas.microsoft.com/office/powerpoint/2010/main" val="719723626"/>
-              </p:ext>
-            </p:extLst>
-          </p:nvPr>
-        </p:nvGraphicFramePr>
-        <p:xfrm>
-          <a:off x="2440458" y="3922133"/>
-          <a:ext cx="1825824" cy="417888"/>
-        </p:xfrm>
-        <a:graphic>
-          <a:graphicData uri="http://schemas.openxmlformats.org/drawingml/2006/table">
-            <a:tbl>
-              <a:tblPr>
-                <a:tableStyleId>{638B1855-1B75-4FBE-930C-398BA8C253C6}</a:tableStyleId>
-              </a:tblPr>
-              <a:tblGrid>
-                <a:gridCol w="1825824">
-                  <a:extLst>
-                    <a:ext uri="{9D8B030D-6E8A-4147-A177-3AD203B41FA5}">
-                      <a16:colId xmlns:a16="http://schemas.microsoft.com/office/drawing/2014/main" val="4240773277"/>
-                    </a:ext>
-                  </a:extLst>
-                </a:gridCol>
-              </a:tblGrid>
-              <a:tr h="417888">
-                <a:tc>
-                  <a:txBody>
-                    <a:bodyPr/>
-                    <a:lstStyle/>
-                    <a:p>
-                      <a:r>
-                        <a:rPr lang="en-SG" u="sng" dirty="0"/>
-                        <a:t>ab1:</a:t>
-                      </a:r>
-                      <a:r>
-                        <a:rPr lang="en-SG" sz="1800" u="sng" dirty="0"/>
-                        <a:t>AddressBook</a:t>
-                      </a:r>
-                      <a:endParaRPr lang="en-SG" u="sng" dirty="0"/>
-                    </a:p>
-                  </a:txBody>
-                  <a:tcPr/>
-                </a:tc>
-                <a:extLst>
-                  <a:ext uri="{0D108BD9-81ED-4DB2-BD59-A6C34878D82A}">
-                    <a16:rowId xmlns:a16="http://schemas.microsoft.com/office/drawing/2014/main" val="2194462629"/>
-                  </a:ext>
-                </a:extLst>
-              </a:tr>
-            </a:tbl>
-          </a:graphicData>
-        </a:graphic>
-      </p:graphicFrame>
-      <p:graphicFrame>
-        <p:nvGraphicFramePr>
-          <p:cNvPr id="23" name="Table 22">
-            <a:extLst>
-              <a:ext uri="{FF2B5EF4-FFF2-40B4-BE49-F238E27FC236}">
-                <a16:creationId xmlns:a16="http://schemas.microsoft.com/office/drawing/2014/main" id="{F545FAB8-F1CE-4886-9BDE-E772BCB0A9C4}"/>
-              </a:ext>
-            </a:extLst>
-          </p:cNvPr>
-          <p:cNvGraphicFramePr>
-            <a:graphicFrameLocks noGrp="1"/>
-          </p:cNvGraphicFramePr>
-          <p:nvPr>
-            <p:extLst>
-              <p:ext uri="{D42A27DB-BD31-4B8C-83A1-F6EECF244321}">
-                <p14:modId xmlns:p14="http://schemas.microsoft.com/office/powerpoint/2010/main" val="3592690620"/>
-              </p:ext>
-            </p:extLst>
-          </p:nvPr>
-        </p:nvGraphicFramePr>
-        <p:xfrm>
-          <a:off x="4409785" y="3922133"/>
-          <a:ext cx="1825824" cy="417888"/>
-        </p:xfrm>
-        <a:graphic>
-          <a:graphicData uri="http://schemas.openxmlformats.org/drawingml/2006/table">
-            <a:tbl>
-              <a:tblPr>
-                <a:tableStyleId>{638B1855-1B75-4FBE-930C-398BA8C253C6}</a:tableStyleId>
-              </a:tblPr>
-              <a:tblGrid>
-                <a:gridCol w="1825824">
-                  <a:extLst>
-                    <a:ext uri="{9D8B030D-6E8A-4147-A177-3AD203B41FA5}">
-                      <a16:colId xmlns:a16="http://schemas.microsoft.com/office/drawing/2014/main" val="4240773277"/>
-                    </a:ext>
-                  </a:extLst>
-                </a:gridCol>
-              </a:tblGrid>
-              <a:tr h="417888">
-                <a:tc>
-                  <a:txBody>
-                    <a:bodyPr/>
-                    <a:lstStyle/>
-                    <a:p>
-                      <a:r>
-                        <a:rPr lang="en-SG" u="sng" dirty="0"/>
-                        <a:t>ab2:</a:t>
-                      </a:r>
-                      <a:r>
-                        <a:rPr lang="en-SG" sz="1800" u="sng" dirty="0"/>
-                        <a:t>AddressBook</a:t>
-                      </a:r>
-                      <a:endParaRPr lang="en-SG" u="sng" dirty="0"/>
+                      <a:endParaRPr lang="en-SG" sz="1600" u="sng" dirty="0"/>
                     </a:p>
                   </a:txBody>
                   <a:tcPr/>
@@ -4132,6 +3912,198 @@
           </a:fontRef>
         </p:style>
       </p:cxnSp>
+      <p:graphicFrame>
+        <p:nvGraphicFramePr>
+          <p:cNvPr id="26" name="Table 25">
+            <a:extLst>
+              <a:ext uri="{FF2B5EF4-FFF2-40B4-BE49-F238E27FC236}">
+                <a16:creationId xmlns:a16="http://schemas.microsoft.com/office/drawing/2014/main" id="{513C2C21-0B0D-4403-BCD8-5820CFF1EA79}"/>
+              </a:ext>
+            </a:extLst>
+          </p:cNvPr>
+          <p:cNvGraphicFramePr>
+            <a:graphicFrameLocks noGrp="1"/>
+          </p:cNvGraphicFramePr>
+          <p:nvPr>
+            <p:extLst>
+              <p:ext uri="{D42A27DB-BD31-4B8C-83A1-F6EECF244321}">
+                <p14:modId xmlns:p14="http://schemas.microsoft.com/office/powerpoint/2010/main" val="2168188032"/>
+              </p:ext>
+            </p:extLst>
+          </p:nvPr>
+        </p:nvGraphicFramePr>
+        <p:xfrm>
+          <a:off x="473239" y="3894746"/>
+          <a:ext cx="1967207" cy="417888"/>
+        </p:xfrm>
+        <a:graphic>
+          <a:graphicData uri="http://schemas.openxmlformats.org/drawingml/2006/table">
+            <a:tbl>
+              <a:tblPr>
+                <a:tableStyleId>{638B1855-1B75-4FBE-930C-398BA8C253C6}</a:tableStyleId>
+              </a:tblPr>
+              <a:tblGrid>
+                <a:gridCol w="1967207">
+                  <a:extLst>
+                    <a:ext uri="{9D8B030D-6E8A-4147-A177-3AD203B41FA5}">
+                      <a16:colId xmlns:a16="http://schemas.microsoft.com/office/drawing/2014/main" val="4240773277"/>
+                    </a:ext>
+                  </a:extLst>
+                </a:gridCol>
+              </a:tblGrid>
+              <a:tr h="417888">
+                <a:tc>
+                  <a:txBody>
+                    <a:bodyPr/>
+                    <a:lstStyle/>
+                    <a:p>
+                      <a:r>
+                        <a:rPr lang="en-SG" u="sng" dirty="0"/>
+                        <a:t>ft0:FinanceTracker</a:t>
+                      </a:r>
+                      <a:endParaRPr lang="en-SG" sz="1600" u="sng" dirty="0"/>
+                    </a:p>
+                  </a:txBody>
+                  <a:tcPr/>
+                </a:tc>
+                <a:extLst>
+                  <a:ext uri="{0D108BD9-81ED-4DB2-BD59-A6C34878D82A}">
+                    <a16:rowId xmlns:a16="http://schemas.microsoft.com/office/drawing/2014/main" val="2194462629"/>
+                  </a:ext>
+                </a:extLst>
+              </a:tr>
+            </a:tbl>
+          </a:graphicData>
+        </a:graphic>
+      </p:graphicFrame>
+      <p:graphicFrame>
+        <p:nvGraphicFramePr>
+          <p:cNvPr id="27" name="Table 26">
+            <a:extLst>
+              <a:ext uri="{FF2B5EF4-FFF2-40B4-BE49-F238E27FC236}">
+                <a16:creationId xmlns:a16="http://schemas.microsoft.com/office/drawing/2014/main" id="{3A619BA2-E6E4-487A-AF13-00BF08814E87}"/>
+              </a:ext>
+            </a:extLst>
+          </p:cNvPr>
+          <p:cNvGraphicFramePr>
+            <a:graphicFrameLocks noGrp="1"/>
+          </p:cNvGraphicFramePr>
+          <p:nvPr>
+            <p:extLst>
+              <p:ext uri="{D42A27DB-BD31-4B8C-83A1-F6EECF244321}">
+                <p14:modId xmlns:p14="http://schemas.microsoft.com/office/powerpoint/2010/main" val="496427299"/>
+              </p:ext>
+            </p:extLst>
+          </p:nvPr>
+        </p:nvGraphicFramePr>
+        <p:xfrm>
+          <a:off x="2548887" y="3894746"/>
+          <a:ext cx="2026209" cy="417888"/>
+        </p:xfrm>
+        <a:graphic>
+          <a:graphicData uri="http://schemas.openxmlformats.org/drawingml/2006/table">
+            <a:tbl>
+              <a:tblPr>
+                <a:tableStyleId>{638B1855-1B75-4FBE-930C-398BA8C253C6}</a:tableStyleId>
+              </a:tblPr>
+              <a:tblGrid>
+                <a:gridCol w="2026209">
+                  <a:extLst>
+                    <a:ext uri="{9D8B030D-6E8A-4147-A177-3AD203B41FA5}">
+                      <a16:colId xmlns:a16="http://schemas.microsoft.com/office/drawing/2014/main" val="4240773277"/>
+                    </a:ext>
+                  </a:extLst>
+                </a:gridCol>
+              </a:tblGrid>
+              <a:tr h="417888">
+                <a:tc>
+                  <a:txBody>
+                    <a:bodyPr/>
+                    <a:lstStyle/>
+                    <a:p>
+                      <a:r>
+                        <a:rPr lang="en-SG" u="sng" dirty="0"/>
+                        <a:t>ft1:FinanceTracker</a:t>
+                      </a:r>
+                      <a:endParaRPr lang="en-SG" sz="1600" u="sng" dirty="0"/>
+                    </a:p>
+                  </a:txBody>
+                  <a:tcPr/>
+                </a:tc>
+                <a:extLst>
+                  <a:ext uri="{0D108BD9-81ED-4DB2-BD59-A6C34878D82A}">
+                    <a16:rowId xmlns:a16="http://schemas.microsoft.com/office/drawing/2014/main" val="2194462629"/>
+                  </a:ext>
+                </a:extLst>
+              </a:tr>
+            </a:tbl>
+          </a:graphicData>
+        </a:graphic>
+      </p:graphicFrame>
+      <p:graphicFrame>
+        <p:nvGraphicFramePr>
+          <p:cNvPr id="30" name="Table 29">
+            <a:extLst>
+              <a:ext uri="{FF2B5EF4-FFF2-40B4-BE49-F238E27FC236}">
+                <a16:creationId xmlns:a16="http://schemas.microsoft.com/office/drawing/2014/main" id="{AC16251F-B481-40FC-A0FB-275FE82BD7D1}"/>
+              </a:ext>
+            </a:extLst>
+          </p:cNvPr>
+          <p:cNvGraphicFramePr>
+            <a:graphicFrameLocks noGrp="1"/>
+          </p:cNvGraphicFramePr>
+          <p:nvPr>
+            <p:extLst>
+              <p:ext uri="{D42A27DB-BD31-4B8C-83A1-F6EECF244321}">
+                <p14:modId xmlns:p14="http://schemas.microsoft.com/office/powerpoint/2010/main" val="501310080"/>
+              </p:ext>
+            </p:extLst>
+          </p:nvPr>
+        </p:nvGraphicFramePr>
+        <p:xfrm>
+          <a:off x="4683536" y="3894746"/>
+          <a:ext cx="1967207" cy="417888"/>
+        </p:xfrm>
+        <a:graphic>
+          <a:graphicData uri="http://schemas.openxmlformats.org/drawingml/2006/table">
+            <a:tbl>
+              <a:tblPr>
+                <a:tableStyleId>{638B1855-1B75-4FBE-930C-398BA8C253C6}</a:tableStyleId>
+              </a:tblPr>
+              <a:tblGrid>
+                <a:gridCol w="1967207">
+                  <a:extLst>
+                    <a:ext uri="{9D8B030D-6E8A-4147-A177-3AD203B41FA5}">
+                      <a16:colId xmlns:a16="http://schemas.microsoft.com/office/drawing/2014/main" val="4240773277"/>
+                    </a:ext>
+                  </a:extLst>
+                </a:gridCol>
+              </a:tblGrid>
+              <a:tr h="417888">
+                <a:tc>
+                  <a:txBody>
+                    <a:bodyPr/>
+                    <a:lstStyle/>
+                    <a:p>
+                      <a:r>
+                        <a:rPr lang="en-SG" u="sng" dirty="0"/>
+                        <a:t>ft2:FinanceTracker</a:t>
+                      </a:r>
+                      <a:endParaRPr lang="en-SG" sz="1600" u="sng" dirty="0"/>
+                    </a:p>
+                  </a:txBody>
+                  <a:tcPr/>
+                </a:tc>
+                <a:extLst>
+                  <a:ext uri="{0D108BD9-81ED-4DB2-BD59-A6C34878D82A}">
+                    <a16:rowId xmlns:a16="http://schemas.microsoft.com/office/drawing/2014/main" val="2194462629"/>
+                  </a:ext>
+                </a:extLst>
+              </a:tr>
+            </a:tbl>
+          </a:graphicData>
+        </a:graphic>
+      </p:graphicFrame>
     </p:spTree>
     <p:extLst>
       <p:ext uri="{BB962C8B-B14F-4D97-AF65-F5344CB8AC3E}">

--- a/docs/diagrams/UndoRedoExecuteUndoStateListDiagram.pptx
+++ b/docs/diagrams/UndoRedoExecuteUndoStateListDiagram.pptx
@@ -106,14 +106,21 @@
   </p:defaultTextStyle>
   <p:extLst>
     <p:ext uri="{EFAFB233-063F-42B5-8137-9DF3F51BA10A}">
-      <p15:sldGuideLst xmlns:p15="http://schemas.microsoft.com/office/powerpoint/2012/main" xmlns=""/>
+      <p15:sldGuideLst xmlns:p15="http://schemas.microsoft.com/office/powerpoint/2012/main">
+        <p15:guide id="1" orient="horz" pos="2160">
+          <p15:clr>
+            <a:srgbClr val="A4A3A4"/>
+          </p15:clr>
+        </p15:guide>
+        <p15:guide id="2" pos="3840">
+          <p15:clr>
+            <a:srgbClr val="A4A3A4"/>
+          </p15:clr>
+        </p15:guide>
+      </p15:sldGuideLst>
     </p:ext>
   </p:extLst>
 </p:presentation>
-</file>
-
-<file path=ppt/revisionInfo.xml><?xml version="1.0" encoding="utf-8"?>
-<p1510:revInfo xmlns:a="http://schemas.openxmlformats.org/drawingml/2006/main" xmlns:r="http://schemas.openxmlformats.org/officeDocument/2006/relationships" xmlns:p1510="http://schemas.microsoft.com/office/powerpoint/2015/10/main"/>
 </file>
 
 <file path=ppt/slideLayouts/slideLayout1.xml><?xml version="1.0" encoding="utf-8"?>
@@ -138,7 +145,7 @@
           <p:cNvPr id="2" name="Title 1">
             <a:extLst>
               <a:ext uri="{FF2B5EF4-FFF2-40B4-BE49-F238E27FC236}">
-                <a16:creationId xmlns:a16="http://schemas.microsoft.com/office/drawing/2014/main" xmlns="" id="{39FCC519-EE2E-4054-A653-93D611E0133E}"/>
+                <a16:creationId xmlns:a16="http://schemas.microsoft.com/office/drawing/2014/main" id="{39FCC519-EE2E-4054-A653-93D611E0133E}"/>
               </a:ext>
             </a:extLst>
           </p:cNvPr>
@@ -176,7 +183,7 @@
           <p:cNvPr id="3" name="Subtitle 2">
             <a:extLst>
               <a:ext uri="{FF2B5EF4-FFF2-40B4-BE49-F238E27FC236}">
-                <a16:creationId xmlns:a16="http://schemas.microsoft.com/office/drawing/2014/main" xmlns="" id="{3EDEA74E-4030-4F69-A055-4C6319EEEC29}"/>
+                <a16:creationId xmlns:a16="http://schemas.microsoft.com/office/drawing/2014/main" id="{3EDEA74E-4030-4F69-A055-4C6319EEEC29}"/>
               </a:ext>
             </a:extLst>
           </p:cNvPr>
@@ -247,7 +254,7 @@
           <p:cNvPr id="4" name="Date Placeholder 3">
             <a:extLst>
               <a:ext uri="{FF2B5EF4-FFF2-40B4-BE49-F238E27FC236}">
-                <a16:creationId xmlns:a16="http://schemas.microsoft.com/office/drawing/2014/main" xmlns="" id="{E5CC99E3-37A6-4485-B9A2-AF27A72608C6}"/>
+                <a16:creationId xmlns:a16="http://schemas.microsoft.com/office/drawing/2014/main" id="{E5CC99E3-37A6-4485-B9A2-AF27A72608C6}"/>
               </a:ext>
             </a:extLst>
           </p:cNvPr>
@@ -266,7 +273,7 @@
             <a:fld id="{03EC4E3E-8101-482F-A883-8B55DAFF7C07}" type="datetimeFigureOut">
               <a:rPr lang="en-SG" smtClean="0"/>
               <a:pPr/>
-              <a:t>31/3/2019</a:t>
+              <a:t>2/4/2019</a:t>
             </a:fld>
             <a:endParaRPr lang="en-SG"/>
           </a:p>
@@ -277,7 +284,7 @@
           <p:cNvPr id="5" name="Footer Placeholder 4">
             <a:extLst>
               <a:ext uri="{FF2B5EF4-FFF2-40B4-BE49-F238E27FC236}">
-                <a16:creationId xmlns:a16="http://schemas.microsoft.com/office/drawing/2014/main" xmlns="" id="{D75BD546-D949-4A25-8EA4-47DF23229409}"/>
+                <a16:creationId xmlns:a16="http://schemas.microsoft.com/office/drawing/2014/main" id="{D75BD546-D949-4A25-8EA4-47DF23229409}"/>
               </a:ext>
             </a:extLst>
           </p:cNvPr>
@@ -302,7 +309,7 @@
           <p:cNvPr id="6" name="Slide Number Placeholder 5">
             <a:extLst>
               <a:ext uri="{FF2B5EF4-FFF2-40B4-BE49-F238E27FC236}">
-                <a16:creationId xmlns:a16="http://schemas.microsoft.com/office/drawing/2014/main" xmlns="" id="{68147391-4DF6-4ACF-BCE9-C1A9DAC803E3}"/>
+                <a16:creationId xmlns:a16="http://schemas.microsoft.com/office/drawing/2014/main" id="{68147391-4DF6-4ACF-BCE9-C1A9DAC803E3}"/>
               </a:ext>
             </a:extLst>
           </p:cNvPr>
@@ -330,7 +337,7 @@
     </p:spTree>
     <p:extLst>
       <p:ext uri="{BB962C8B-B14F-4D97-AF65-F5344CB8AC3E}">
-        <p14:creationId xmlns:p14="http://schemas.microsoft.com/office/powerpoint/2010/main" xmlns="" val="4227771393"/>
+        <p14:creationId xmlns:p14="http://schemas.microsoft.com/office/powerpoint/2010/main" val="4227771393"/>
       </p:ext>
     </p:extLst>
   </p:cSld>
@@ -362,7 +369,7 @@
           <p:cNvPr id="2" name="Title 1">
             <a:extLst>
               <a:ext uri="{FF2B5EF4-FFF2-40B4-BE49-F238E27FC236}">
-                <a16:creationId xmlns:a16="http://schemas.microsoft.com/office/drawing/2014/main" xmlns="" id="{251D3DFE-0C62-45F5-B1BF-FD1F194ED112}"/>
+                <a16:creationId xmlns:a16="http://schemas.microsoft.com/office/drawing/2014/main" id="{251D3DFE-0C62-45F5-B1BF-FD1F194ED112}"/>
               </a:ext>
             </a:extLst>
           </p:cNvPr>
@@ -391,7 +398,7 @@
           <p:cNvPr id="3" name="Vertical Text Placeholder 2">
             <a:extLst>
               <a:ext uri="{FF2B5EF4-FFF2-40B4-BE49-F238E27FC236}">
-                <a16:creationId xmlns:a16="http://schemas.microsoft.com/office/drawing/2014/main" xmlns="" id="{D2392762-3586-4B6D-A174-2D3ACF0A125B}"/>
+                <a16:creationId xmlns:a16="http://schemas.microsoft.com/office/drawing/2014/main" id="{D2392762-3586-4B6D-A174-2D3ACF0A125B}"/>
               </a:ext>
             </a:extLst>
           </p:cNvPr>
@@ -449,7 +456,7 @@
           <p:cNvPr id="4" name="Date Placeholder 3">
             <a:extLst>
               <a:ext uri="{FF2B5EF4-FFF2-40B4-BE49-F238E27FC236}">
-                <a16:creationId xmlns:a16="http://schemas.microsoft.com/office/drawing/2014/main" xmlns="" id="{73B232E7-84FB-4535-9FC1-1BEF8F17421F}"/>
+                <a16:creationId xmlns:a16="http://schemas.microsoft.com/office/drawing/2014/main" id="{73B232E7-84FB-4535-9FC1-1BEF8F17421F}"/>
               </a:ext>
             </a:extLst>
           </p:cNvPr>
@@ -468,7 +475,7 @@
             <a:fld id="{03EC4E3E-8101-482F-A883-8B55DAFF7C07}" type="datetimeFigureOut">
               <a:rPr lang="en-SG" smtClean="0"/>
               <a:pPr/>
-              <a:t>31/3/2019</a:t>
+              <a:t>2/4/2019</a:t>
             </a:fld>
             <a:endParaRPr lang="en-SG"/>
           </a:p>
@@ -479,7 +486,7 @@
           <p:cNvPr id="5" name="Footer Placeholder 4">
             <a:extLst>
               <a:ext uri="{FF2B5EF4-FFF2-40B4-BE49-F238E27FC236}">
-                <a16:creationId xmlns:a16="http://schemas.microsoft.com/office/drawing/2014/main" xmlns="" id="{76F796EF-04EF-401A-AC84-F7BDBC99DE80}"/>
+                <a16:creationId xmlns:a16="http://schemas.microsoft.com/office/drawing/2014/main" id="{76F796EF-04EF-401A-AC84-F7BDBC99DE80}"/>
               </a:ext>
             </a:extLst>
           </p:cNvPr>
@@ -504,7 +511,7 @@
           <p:cNvPr id="6" name="Slide Number Placeholder 5">
             <a:extLst>
               <a:ext uri="{FF2B5EF4-FFF2-40B4-BE49-F238E27FC236}">
-                <a16:creationId xmlns:a16="http://schemas.microsoft.com/office/drawing/2014/main" xmlns="" id="{8F55F009-0A64-4649-A732-4AA6D619F1F3}"/>
+                <a16:creationId xmlns:a16="http://schemas.microsoft.com/office/drawing/2014/main" id="{8F55F009-0A64-4649-A732-4AA6D619F1F3}"/>
               </a:ext>
             </a:extLst>
           </p:cNvPr>
@@ -532,7 +539,7 @@
     </p:spTree>
     <p:extLst>
       <p:ext uri="{BB962C8B-B14F-4D97-AF65-F5344CB8AC3E}">
-        <p14:creationId xmlns:p14="http://schemas.microsoft.com/office/powerpoint/2010/main" xmlns="" val="2305198193"/>
+        <p14:creationId xmlns:p14="http://schemas.microsoft.com/office/powerpoint/2010/main" val="2305198193"/>
       </p:ext>
     </p:extLst>
   </p:cSld>
@@ -564,7 +571,7 @@
           <p:cNvPr id="2" name="Vertical Title 1">
             <a:extLst>
               <a:ext uri="{FF2B5EF4-FFF2-40B4-BE49-F238E27FC236}">
-                <a16:creationId xmlns:a16="http://schemas.microsoft.com/office/drawing/2014/main" xmlns="" id="{F7DE9595-D7A8-4E19-B4C6-E295F978F6A4}"/>
+                <a16:creationId xmlns:a16="http://schemas.microsoft.com/office/drawing/2014/main" id="{F7DE9595-D7A8-4E19-B4C6-E295F978F6A4}"/>
               </a:ext>
             </a:extLst>
           </p:cNvPr>
@@ -598,7 +605,7 @@
           <p:cNvPr id="3" name="Vertical Text Placeholder 2">
             <a:extLst>
               <a:ext uri="{FF2B5EF4-FFF2-40B4-BE49-F238E27FC236}">
-                <a16:creationId xmlns:a16="http://schemas.microsoft.com/office/drawing/2014/main" xmlns="" id="{0D2975B7-7A6D-40EA-B2F6-338022AD2BF1}"/>
+                <a16:creationId xmlns:a16="http://schemas.microsoft.com/office/drawing/2014/main" id="{0D2975B7-7A6D-40EA-B2F6-338022AD2BF1}"/>
               </a:ext>
             </a:extLst>
           </p:cNvPr>
@@ -661,7 +668,7 @@
           <p:cNvPr id="4" name="Date Placeholder 3">
             <a:extLst>
               <a:ext uri="{FF2B5EF4-FFF2-40B4-BE49-F238E27FC236}">
-                <a16:creationId xmlns:a16="http://schemas.microsoft.com/office/drawing/2014/main" xmlns="" id="{C8230AC3-1BED-4D2B-96D3-51C50E14A9E6}"/>
+                <a16:creationId xmlns:a16="http://schemas.microsoft.com/office/drawing/2014/main" id="{C8230AC3-1BED-4D2B-96D3-51C50E14A9E6}"/>
               </a:ext>
             </a:extLst>
           </p:cNvPr>
@@ -680,7 +687,7 @@
             <a:fld id="{03EC4E3E-8101-482F-A883-8B55DAFF7C07}" type="datetimeFigureOut">
               <a:rPr lang="en-SG" smtClean="0"/>
               <a:pPr/>
-              <a:t>31/3/2019</a:t>
+              <a:t>2/4/2019</a:t>
             </a:fld>
             <a:endParaRPr lang="en-SG"/>
           </a:p>
@@ -691,7 +698,7 @@
           <p:cNvPr id="5" name="Footer Placeholder 4">
             <a:extLst>
               <a:ext uri="{FF2B5EF4-FFF2-40B4-BE49-F238E27FC236}">
-                <a16:creationId xmlns:a16="http://schemas.microsoft.com/office/drawing/2014/main" xmlns="" id="{4AD6CA96-231A-43AD-B530-7C509651DE3B}"/>
+                <a16:creationId xmlns:a16="http://schemas.microsoft.com/office/drawing/2014/main" id="{4AD6CA96-231A-43AD-B530-7C509651DE3B}"/>
               </a:ext>
             </a:extLst>
           </p:cNvPr>
@@ -716,7 +723,7 @@
           <p:cNvPr id="6" name="Slide Number Placeholder 5">
             <a:extLst>
               <a:ext uri="{FF2B5EF4-FFF2-40B4-BE49-F238E27FC236}">
-                <a16:creationId xmlns:a16="http://schemas.microsoft.com/office/drawing/2014/main" xmlns="" id="{12063E3B-180A-454E-A661-6CCD48D7062C}"/>
+                <a16:creationId xmlns:a16="http://schemas.microsoft.com/office/drawing/2014/main" id="{12063E3B-180A-454E-A661-6CCD48D7062C}"/>
               </a:ext>
             </a:extLst>
           </p:cNvPr>
@@ -744,7 +751,7 @@
     </p:spTree>
     <p:extLst>
       <p:ext uri="{BB962C8B-B14F-4D97-AF65-F5344CB8AC3E}">
-        <p14:creationId xmlns:p14="http://schemas.microsoft.com/office/powerpoint/2010/main" xmlns="" val="1148984362"/>
+        <p14:creationId xmlns:p14="http://schemas.microsoft.com/office/powerpoint/2010/main" val="1148984362"/>
       </p:ext>
     </p:extLst>
   </p:cSld>
@@ -776,7 +783,7 @@
           <p:cNvPr id="2" name="Title 1">
             <a:extLst>
               <a:ext uri="{FF2B5EF4-FFF2-40B4-BE49-F238E27FC236}">
-                <a16:creationId xmlns:a16="http://schemas.microsoft.com/office/drawing/2014/main" xmlns="" id="{7E861C8D-BAF0-4DD9-92B9-591B272791CA}"/>
+                <a16:creationId xmlns:a16="http://schemas.microsoft.com/office/drawing/2014/main" id="{7E861C8D-BAF0-4DD9-92B9-591B272791CA}"/>
               </a:ext>
             </a:extLst>
           </p:cNvPr>
@@ -805,7 +812,7 @@
           <p:cNvPr id="3" name="Content Placeholder 2">
             <a:extLst>
               <a:ext uri="{FF2B5EF4-FFF2-40B4-BE49-F238E27FC236}">
-                <a16:creationId xmlns:a16="http://schemas.microsoft.com/office/drawing/2014/main" xmlns="" id="{534DA4BD-1D78-446B-B79F-C1229642DDEB}"/>
+                <a16:creationId xmlns:a16="http://schemas.microsoft.com/office/drawing/2014/main" id="{534DA4BD-1D78-446B-B79F-C1229642DDEB}"/>
               </a:ext>
             </a:extLst>
           </p:cNvPr>
@@ -863,7 +870,7 @@
           <p:cNvPr id="4" name="Date Placeholder 3">
             <a:extLst>
               <a:ext uri="{FF2B5EF4-FFF2-40B4-BE49-F238E27FC236}">
-                <a16:creationId xmlns:a16="http://schemas.microsoft.com/office/drawing/2014/main" xmlns="" id="{AD6BEDB5-7B62-4953-BECB-7F7F3E909CAC}"/>
+                <a16:creationId xmlns:a16="http://schemas.microsoft.com/office/drawing/2014/main" id="{AD6BEDB5-7B62-4953-BECB-7F7F3E909CAC}"/>
               </a:ext>
             </a:extLst>
           </p:cNvPr>
@@ -882,7 +889,7 @@
             <a:fld id="{03EC4E3E-8101-482F-A883-8B55DAFF7C07}" type="datetimeFigureOut">
               <a:rPr lang="en-SG" smtClean="0"/>
               <a:pPr/>
-              <a:t>31/3/2019</a:t>
+              <a:t>2/4/2019</a:t>
             </a:fld>
             <a:endParaRPr lang="en-SG"/>
           </a:p>
@@ -893,7 +900,7 @@
           <p:cNvPr id="5" name="Footer Placeholder 4">
             <a:extLst>
               <a:ext uri="{FF2B5EF4-FFF2-40B4-BE49-F238E27FC236}">
-                <a16:creationId xmlns:a16="http://schemas.microsoft.com/office/drawing/2014/main" xmlns="" id="{349CD732-2DD1-42BE-8480-5C6507018294}"/>
+                <a16:creationId xmlns:a16="http://schemas.microsoft.com/office/drawing/2014/main" id="{349CD732-2DD1-42BE-8480-5C6507018294}"/>
               </a:ext>
             </a:extLst>
           </p:cNvPr>
@@ -918,7 +925,7 @@
           <p:cNvPr id="6" name="Slide Number Placeholder 5">
             <a:extLst>
               <a:ext uri="{FF2B5EF4-FFF2-40B4-BE49-F238E27FC236}">
-                <a16:creationId xmlns:a16="http://schemas.microsoft.com/office/drawing/2014/main" xmlns="" id="{574C27E0-F36A-4438-9402-C2CB0377D92D}"/>
+                <a16:creationId xmlns:a16="http://schemas.microsoft.com/office/drawing/2014/main" id="{574C27E0-F36A-4438-9402-C2CB0377D92D}"/>
               </a:ext>
             </a:extLst>
           </p:cNvPr>
@@ -946,7 +953,7 @@
     </p:spTree>
     <p:extLst>
       <p:ext uri="{BB962C8B-B14F-4D97-AF65-F5344CB8AC3E}">
-        <p14:creationId xmlns:p14="http://schemas.microsoft.com/office/powerpoint/2010/main" xmlns="" val="111561436"/>
+        <p14:creationId xmlns:p14="http://schemas.microsoft.com/office/powerpoint/2010/main" val="111561436"/>
       </p:ext>
     </p:extLst>
   </p:cSld>
@@ -978,7 +985,7 @@
           <p:cNvPr id="2" name="Title 1">
             <a:extLst>
               <a:ext uri="{FF2B5EF4-FFF2-40B4-BE49-F238E27FC236}">
-                <a16:creationId xmlns:a16="http://schemas.microsoft.com/office/drawing/2014/main" xmlns="" id="{80A42FFA-8A45-40F8-9C5C-9906971B38AB}"/>
+                <a16:creationId xmlns:a16="http://schemas.microsoft.com/office/drawing/2014/main" id="{80A42FFA-8A45-40F8-9C5C-9906971B38AB}"/>
               </a:ext>
             </a:extLst>
           </p:cNvPr>
@@ -1016,7 +1023,7 @@
           <p:cNvPr id="3" name="Text Placeholder 2">
             <a:extLst>
               <a:ext uri="{FF2B5EF4-FFF2-40B4-BE49-F238E27FC236}">
-                <a16:creationId xmlns:a16="http://schemas.microsoft.com/office/drawing/2014/main" xmlns="" id="{7D8879A7-8225-4473-B738-B780B6224EC5}"/>
+                <a16:creationId xmlns:a16="http://schemas.microsoft.com/office/drawing/2014/main" id="{7D8879A7-8225-4473-B738-B780B6224EC5}"/>
               </a:ext>
             </a:extLst>
           </p:cNvPr>
@@ -1141,7 +1148,7 @@
           <p:cNvPr id="4" name="Date Placeholder 3">
             <a:extLst>
               <a:ext uri="{FF2B5EF4-FFF2-40B4-BE49-F238E27FC236}">
-                <a16:creationId xmlns:a16="http://schemas.microsoft.com/office/drawing/2014/main" xmlns="" id="{6CF7978C-FE65-4091-9152-E33029C12AEA}"/>
+                <a16:creationId xmlns:a16="http://schemas.microsoft.com/office/drawing/2014/main" id="{6CF7978C-FE65-4091-9152-E33029C12AEA}"/>
               </a:ext>
             </a:extLst>
           </p:cNvPr>
@@ -1160,7 +1167,7 @@
             <a:fld id="{03EC4E3E-8101-482F-A883-8B55DAFF7C07}" type="datetimeFigureOut">
               <a:rPr lang="en-SG" smtClean="0"/>
               <a:pPr/>
-              <a:t>31/3/2019</a:t>
+              <a:t>2/4/2019</a:t>
             </a:fld>
             <a:endParaRPr lang="en-SG"/>
           </a:p>
@@ -1171,7 +1178,7 @@
           <p:cNvPr id="5" name="Footer Placeholder 4">
             <a:extLst>
               <a:ext uri="{FF2B5EF4-FFF2-40B4-BE49-F238E27FC236}">
-                <a16:creationId xmlns:a16="http://schemas.microsoft.com/office/drawing/2014/main" xmlns="" id="{B344C9CC-480F-4DCB-AC70-D7A4CCA0B8B7}"/>
+                <a16:creationId xmlns:a16="http://schemas.microsoft.com/office/drawing/2014/main" id="{B344C9CC-480F-4DCB-AC70-D7A4CCA0B8B7}"/>
               </a:ext>
             </a:extLst>
           </p:cNvPr>
@@ -1196,7 +1203,7 @@
           <p:cNvPr id="6" name="Slide Number Placeholder 5">
             <a:extLst>
               <a:ext uri="{FF2B5EF4-FFF2-40B4-BE49-F238E27FC236}">
-                <a16:creationId xmlns:a16="http://schemas.microsoft.com/office/drawing/2014/main" xmlns="" id="{8F5A07EC-843A-4ED9-8F1C-AD703CA36D58}"/>
+                <a16:creationId xmlns:a16="http://schemas.microsoft.com/office/drawing/2014/main" id="{8F5A07EC-843A-4ED9-8F1C-AD703CA36D58}"/>
               </a:ext>
             </a:extLst>
           </p:cNvPr>
@@ -1224,7 +1231,7 @@
     </p:spTree>
     <p:extLst>
       <p:ext uri="{BB962C8B-B14F-4D97-AF65-F5344CB8AC3E}">
-        <p14:creationId xmlns:p14="http://schemas.microsoft.com/office/powerpoint/2010/main" xmlns="" val="2217340100"/>
+        <p14:creationId xmlns:p14="http://schemas.microsoft.com/office/powerpoint/2010/main" val="2217340100"/>
       </p:ext>
     </p:extLst>
   </p:cSld>
@@ -1256,7 +1263,7 @@
           <p:cNvPr id="2" name="Title 1">
             <a:extLst>
               <a:ext uri="{FF2B5EF4-FFF2-40B4-BE49-F238E27FC236}">
-                <a16:creationId xmlns:a16="http://schemas.microsoft.com/office/drawing/2014/main" xmlns="" id="{056EE2DA-07D9-4774-A8CA-0CA247F8C72A}"/>
+                <a16:creationId xmlns:a16="http://schemas.microsoft.com/office/drawing/2014/main" id="{056EE2DA-07D9-4774-A8CA-0CA247F8C72A}"/>
               </a:ext>
             </a:extLst>
           </p:cNvPr>
@@ -1285,7 +1292,7 @@
           <p:cNvPr id="3" name="Content Placeholder 2">
             <a:extLst>
               <a:ext uri="{FF2B5EF4-FFF2-40B4-BE49-F238E27FC236}">
-                <a16:creationId xmlns:a16="http://schemas.microsoft.com/office/drawing/2014/main" xmlns="" id="{3CF93A59-4E25-4FFA-8796-AA06EF3E5C3E}"/>
+                <a16:creationId xmlns:a16="http://schemas.microsoft.com/office/drawing/2014/main" id="{3CF93A59-4E25-4FFA-8796-AA06EF3E5C3E}"/>
               </a:ext>
             </a:extLst>
           </p:cNvPr>
@@ -1348,7 +1355,7 @@
           <p:cNvPr id="4" name="Content Placeholder 3">
             <a:extLst>
               <a:ext uri="{FF2B5EF4-FFF2-40B4-BE49-F238E27FC236}">
-                <a16:creationId xmlns:a16="http://schemas.microsoft.com/office/drawing/2014/main" xmlns="" id="{81373B10-E346-4893-AFEE-65E014405E2D}"/>
+                <a16:creationId xmlns:a16="http://schemas.microsoft.com/office/drawing/2014/main" id="{81373B10-E346-4893-AFEE-65E014405E2D}"/>
               </a:ext>
             </a:extLst>
           </p:cNvPr>
@@ -1411,7 +1418,7 @@
           <p:cNvPr id="5" name="Date Placeholder 4">
             <a:extLst>
               <a:ext uri="{FF2B5EF4-FFF2-40B4-BE49-F238E27FC236}">
-                <a16:creationId xmlns:a16="http://schemas.microsoft.com/office/drawing/2014/main" xmlns="" id="{D9C411A1-6D64-4C63-A758-5D2FEE677F45}"/>
+                <a16:creationId xmlns:a16="http://schemas.microsoft.com/office/drawing/2014/main" id="{D9C411A1-6D64-4C63-A758-5D2FEE677F45}"/>
               </a:ext>
             </a:extLst>
           </p:cNvPr>
@@ -1430,7 +1437,7 @@
             <a:fld id="{03EC4E3E-8101-482F-A883-8B55DAFF7C07}" type="datetimeFigureOut">
               <a:rPr lang="en-SG" smtClean="0"/>
               <a:pPr/>
-              <a:t>31/3/2019</a:t>
+              <a:t>2/4/2019</a:t>
             </a:fld>
             <a:endParaRPr lang="en-SG"/>
           </a:p>
@@ -1441,7 +1448,7 @@
           <p:cNvPr id="6" name="Footer Placeholder 5">
             <a:extLst>
               <a:ext uri="{FF2B5EF4-FFF2-40B4-BE49-F238E27FC236}">
-                <a16:creationId xmlns:a16="http://schemas.microsoft.com/office/drawing/2014/main" xmlns="" id="{8D9C2E46-644C-4155-A697-764A7A0AB1F4}"/>
+                <a16:creationId xmlns:a16="http://schemas.microsoft.com/office/drawing/2014/main" id="{8D9C2E46-644C-4155-A697-764A7A0AB1F4}"/>
               </a:ext>
             </a:extLst>
           </p:cNvPr>
@@ -1466,7 +1473,7 @@
           <p:cNvPr id="7" name="Slide Number Placeholder 6">
             <a:extLst>
               <a:ext uri="{FF2B5EF4-FFF2-40B4-BE49-F238E27FC236}">
-                <a16:creationId xmlns:a16="http://schemas.microsoft.com/office/drawing/2014/main" xmlns="" id="{6192DEDD-6479-45E4-B1F5-6EDD41BBB103}"/>
+                <a16:creationId xmlns:a16="http://schemas.microsoft.com/office/drawing/2014/main" id="{6192DEDD-6479-45E4-B1F5-6EDD41BBB103}"/>
               </a:ext>
             </a:extLst>
           </p:cNvPr>
@@ -1494,7 +1501,7 @@
     </p:spTree>
     <p:extLst>
       <p:ext uri="{BB962C8B-B14F-4D97-AF65-F5344CB8AC3E}">
-        <p14:creationId xmlns:p14="http://schemas.microsoft.com/office/powerpoint/2010/main" xmlns="" val="1298304602"/>
+        <p14:creationId xmlns:p14="http://schemas.microsoft.com/office/powerpoint/2010/main" val="1298304602"/>
       </p:ext>
     </p:extLst>
   </p:cSld>
@@ -1526,7 +1533,7 @@
           <p:cNvPr id="2" name="Title 1">
             <a:extLst>
               <a:ext uri="{FF2B5EF4-FFF2-40B4-BE49-F238E27FC236}">
-                <a16:creationId xmlns:a16="http://schemas.microsoft.com/office/drawing/2014/main" xmlns="" id="{DC0ED888-63EF-4CC0-8500-9C8DB672FEC2}"/>
+                <a16:creationId xmlns:a16="http://schemas.microsoft.com/office/drawing/2014/main" id="{DC0ED888-63EF-4CC0-8500-9C8DB672FEC2}"/>
               </a:ext>
             </a:extLst>
           </p:cNvPr>
@@ -1560,7 +1567,7 @@
           <p:cNvPr id="3" name="Text Placeholder 2">
             <a:extLst>
               <a:ext uri="{FF2B5EF4-FFF2-40B4-BE49-F238E27FC236}">
-                <a16:creationId xmlns:a16="http://schemas.microsoft.com/office/drawing/2014/main" xmlns="" id="{3C33BC1E-FB79-4906-A967-9C7046C6D272}"/>
+                <a16:creationId xmlns:a16="http://schemas.microsoft.com/office/drawing/2014/main" id="{3C33BC1E-FB79-4906-A967-9C7046C6D272}"/>
               </a:ext>
             </a:extLst>
           </p:cNvPr>
@@ -1631,7 +1638,7 @@
           <p:cNvPr id="4" name="Content Placeholder 3">
             <a:extLst>
               <a:ext uri="{FF2B5EF4-FFF2-40B4-BE49-F238E27FC236}">
-                <a16:creationId xmlns:a16="http://schemas.microsoft.com/office/drawing/2014/main" xmlns="" id="{697A4EC6-1C42-4BA4-8108-32579276C17B}"/>
+                <a16:creationId xmlns:a16="http://schemas.microsoft.com/office/drawing/2014/main" id="{697A4EC6-1C42-4BA4-8108-32579276C17B}"/>
               </a:ext>
             </a:extLst>
           </p:cNvPr>
@@ -1694,7 +1701,7 @@
           <p:cNvPr id="5" name="Text Placeholder 4">
             <a:extLst>
               <a:ext uri="{FF2B5EF4-FFF2-40B4-BE49-F238E27FC236}">
-                <a16:creationId xmlns:a16="http://schemas.microsoft.com/office/drawing/2014/main" xmlns="" id="{8A2CA209-B9F5-4E1E-B302-74CC2D4CFDFB}"/>
+                <a16:creationId xmlns:a16="http://schemas.microsoft.com/office/drawing/2014/main" id="{8A2CA209-B9F5-4E1E-B302-74CC2D4CFDFB}"/>
               </a:ext>
             </a:extLst>
           </p:cNvPr>
@@ -1765,7 +1772,7 @@
           <p:cNvPr id="6" name="Content Placeholder 5">
             <a:extLst>
               <a:ext uri="{FF2B5EF4-FFF2-40B4-BE49-F238E27FC236}">
-                <a16:creationId xmlns:a16="http://schemas.microsoft.com/office/drawing/2014/main" xmlns="" id="{0E6E876D-DC4D-40EE-BA38-CD01089602CF}"/>
+                <a16:creationId xmlns:a16="http://schemas.microsoft.com/office/drawing/2014/main" id="{0E6E876D-DC4D-40EE-BA38-CD01089602CF}"/>
               </a:ext>
             </a:extLst>
           </p:cNvPr>
@@ -1828,7 +1835,7 @@
           <p:cNvPr id="7" name="Date Placeholder 6">
             <a:extLst>
               <a:ext uri="{FF2B5EF4-FFF2-40B4-BE49-F238E27FC236}">
-                <a16:creationId xmlns:a16="http://schemas.microsoft.com/office/drawing/2014/main" xmlns="" id="{F24E1D97-8B3C-41A1-B0BA-BA833AD8BC7C}"/>
+                <a16:creationId xmlns:a16="http://schemas.microsoft.com/office/drawing/2014/main" id="{F24E1D97-8B3C-41A1-B0BA-BA833AD8BC7C}"/>
               </a:ext>
             </a:extLst>
           </p:cNvPr>
@@ -1847,7 +1854,7 @@
             <a:fld id="{03EC4E3E-8101-482F-A883-8B55DAFF7C07}" type="datetimeFigureOut">
               <a:rPr lang="en-SG" smtClean="0"/>
               <a:pPr/>
-              <a:t>31/3/2019</a:t>
+              <a:t>2/4/2019</a:t>
             </a:fld>
             <a:endParaRPr lang="en-SG"/>
           </a:p>
@@ -1858,7 +1865,7 @@
           <p:cNvPr id="8" name="Footer Placeholder 7">
             <a:extLst>
               <a:ext uri="{FF2B5EF4-FFF2-40B4-BE49-F238E27FC236}">
-                <a16:creationId xmlns:a16="http://schemas.microsoft.com/office/drawing/2014/main" xmlns="" id="{FC358D8F-B7DA-4DCE-AC8F-706450EEC0DC}"/>
+                <a16:creationId xmlns:a16="http://schemas.microsoft.com/office/drawing/2014/main" id="{FC358D8F-B7DA-4DCE-AC8F-706450EEC0DC}"/>
               </a:ext>
             </a:extLst>
           </p:cNvPr>
@@ -1883,7 +1890,7 @@
           <p:cNvPr id="9" name="Slide Number Placeholder 8">
             <a:extLst>
               <a:ext uri="{FF2B5EF4-FFF2-40B4-BE49-F238E27FC236}">
-                <a16:creationId xmlns:a16="http://schemas.microsoft.com/office/drawing/2014/main" xmlns="" id="{40CE354E-2C73-4B6F-8AEB-14D1378A77E1}"/>
+                <a16:creationId xmlns:a16="http://schemas.microsoft.com/office/drawing/2014/main" id="{40CE354E-2C73-4B6F-8AEB-14D1378A77E1}"/>
               </a:ext>
             </a:extLst>
           </p:cNvPr>
@@ -1911,7 +1918,7 @@
     </p:spTree>
     <p:extLst>
       <p:ext uri="{BB962C8B-B14F-4D97-AF65-F5344CB8AC3E}">
-        <p14:creationId xmlns:p14="http://schemas.microsoft.com/office/powerpoint/2010/main" xmlns="" val="937260254"/>
+        <p14:creationId xmlns:p14="http://schemas.microsoft.com/office/powerpoint/2010/main" val="937260254"/>
       </p:ext>
     </p:extLst>
   </p:cSld>
@@ -1943,7 +1950,7 @@
           <p:cNvPr id="2" name="Title 1">
             <a:extLst>
               <a:ext uri="{FF2B5EF4-FFF2-40B4-BE49-F238E27FC236}">
-                <a16:creationId xmlns:a16="http://schemas.microsoft.com/office/drawing/2014/main" xmlns="" id="{17D9D381-288C-43FB-86C2-AAA4FCFD43FD}"/>
+                <a16:creationId xmlns:a16="http://schemas.microsoft.com/office/drawing/2014/main" id="{17D9D381-288C-43FB-86C2-AAA4FCFD43FD}"/>
               </a:ext>
             </a:extLst>
           </p:cNvPr>
@@ -1972,7 +1979,7 @@
           <p:cNvPr id="3" name="Date Placeholder 2">
             <a:extLst>
               <a:ext uri="{FF2B5EF4-FFF2-40B4-BE49-F238E27FC236}">
-                <a16:creationId xmlns:a16="http://schemas.microsoft.com/office/drawing/2014/main" xmlns="" id="{A85D75E5-4830-4F75-8132-91122609F925}"/>
+                <a16:creationId xmlns:a16="http://schemas.microsoft.com/office/drawing/2014/main" id="{A85D75E5-4830-4F75-8132-91122609F925}"/>
               </a:ext>
             </a:extLst>
           </p:cNvPr>
@@ -1991,7 +1998,7 @@
             <a:fld id="{03EC4E3E-8101-482F-A883-8B55DAFF7C07}" type="datetimeFigureOut">
               <a:rPr lang="en-SG" smtClean="0"/>
               <a:pPr/>
-              <a:t>31/3/2019</a:t>
+              <a:t>2/4/2019</a:t>
             </a:fld>
             <a:endParaRPr lang="en-SG"/>
           </a:p>
@@ -2002,7 +2009,7 @@
           <p:cNvPr id="4" name="Footer Placeholder 3">
             <a:extLst>
               <a:ext uri="{FF2B5EF4-FFF2-40B4-BE49-F238E27FC236}">
-                <a16:creationId xmlns:a16="http://schemas.microsoft.com/office/drawing/2014/main" xmlns="" id="{0C14A42C-834F-43EA-8053-84D5A665CEE7}"/>
+                <a16:creationId xmlns:a16="http://schemas.microsoft.com/office/drawing/2014/main" id="{0C14A42C-834F-43EA-8053-84D5A665CEE7}"/>
               </a:ext>
             </a:extLst>
           </p:cNvPr>
@@ -2027,7 +2034,7 @@
           <p:cNvPr id="5" name="Slide Number Placeholder 4">
             <a:extLst>
               <a:ext uri="{FF2B5EF4-FFF2-40B4-BE49-F238E27FC236}">
-                <a16:creationId xmlns:a16="http://schemas.microsoft.com/office/drawing/2014/main" xmlns="" id="{38C1E789-CDA9-48FF-A7BA-F21E31600226}"/>
+                <a16:creationId xmlns:a16="http://schemas.microsoft.com/office/drawing/2014/main" id="{38C1E789-CDA9-48FF-A7BA-F21E31600226}"/>
               </a:ext>
             </a:extLst>
           </p:cNvPr>
@@ -2055,7 +2062,7 @@
     </p:spTree>
     <p:extLst>
       <p:ext uri="{BB962C8B-B14F-4D97-AF65-F5344CB8AC3E}">
-        <p14:creationId xmlns:p14="http://schemas.microsoft.com/office/powerpoint/2010/main" xmlns="" val="2713172575"/>
+        <p14:creationId xmlns:p14="http://schemas.microsoft.com/office/powerpoint/2010/main" val="2713172575"/>
       </p:ext>
     </p:extLst>
   </p:cSld>
@@ -2087,7 +2094,7 @@
           <p:cNvPr id="2" name="Date Placeholder 1">
             <a:extLst>
               <a:ext uri="{FF2B5EF4-FFF2-40B4-BE49-F238E27FC236}">
-                <a16:creationId xmlns:a16="http://schemas.microsoft.com/office/drawing/2014/main" xmlns="" id="{21A40ECD-0ABD-4F35-B481-512A01FC643D}"/>
+                <a16:creationId xmlns:a16="http://schemas.microsoft.com/office/drawing/2014/main" id="{21A40ECD-0ABD-4F35-B481-512A01FC643D}"/>
               </a:ext>
             </a:extLst>
           </p:cNvPr>
@@ -2106,7 +2113,7 @@
             <a:fld id="{03EC4E3E-8101-482F-A883-8B55DAFF7C07}" type="datetimeFigureOut">
               <a:rPr lang="en-SG" smtClean="0"/>
               <a:pPr/>
-              <a:t>31/3/2019</a:t>
+              <a:t>2/4/2019</a:t>
             </a:fld>
             <a:endParaRPr lang="en-SG"/>
           </a:p>
@@ -2117,7 +2124,7 @@
           <p:cNvPr id="3" name="Footer Placeholder 2">
             <a:extLst>
               <a:ext uri="{FF2B5EF4-FFF2-40B4-BE49-F238E27FC236}">
-                <a16:creationId xmlns:a16="http://schemas.microsoft.com/office/drawing/2014/main" xmlns="" id="{D44B8F11-A412-4FA6-9070-B9C742F699F3}"/>
+                <a16:creationId xmlns:a16="http://schemas.microsoft.com/office/drawing/2014/main" id="{D44B8F11-A412-4FA6-9070-B9C742F699F3}"/>
               </a:ext>
             </a:extLst>
           </p:cNvPr>
@@ -2142,7 +2149,7 @@
           <p:cNvPr id="4" name="Slide Number Placeholder 3">
             <a:extLst>
               <a:ext uri="{FF2B5EF4-FFF2-40B4-BE49-F238E27FC236}">
-                <a16:creationId xmlns:a16="http://schemas.microsoft.com/office/drawing/2014/main" xmlns="" id="{E3EA086A-DA0B-4378-A128-F213644ECB0C}"/>
+                <a16:creationId xmlns:a16="http://schemas.microsoft.com/office/drawing/2014/main" id="{E3EA086A-DA0B-4378-A128-F213644ECB0C}"/>
               </a:ext>
             </a:extLst>
           </p:cNvPr>
@@ -2170,7 +2177,7 @@
     </p:spTree>
     <p:extLst>
       <p:ext uri="{BB962C8B-B14F-4D97-AF65-F5344CB8AC3E}">
-        <p14:creationId xmlns:p14="http://schemas.microsoft.com/office/powerpoint/2010/main" xmlns="" val="2808055610"/>
+        <p14:creationId xmlns:p14="http://schemas.microsoft.com/office/powerpoint/2010/main" val="2808055610"/>
       </p:ext>
     </p:extLst>
   </p:cSld>
@@ -2202,7 +2209,7 @@
           <p:cNvPr id="2" name="Title 1">
             <a:extLst>
               <a:ext uri="{FF2B5EF4-FFF2-40B4-BE49-F238E27FC236}">
-                <a16:creationId xmlns:a16="http://schemas.microsoft.com/office/drawing/2014/main" xmlns="" id="{765D165A-D423-4E89-A075-D59A9FB59792}"/>
+                <a16:creationId xmlns:a16="http://schemas.microsoft.com/office/drawing/2014/main" id="{765D165A-D423-4E89-A075-D59A9FB59792}"/>
               </a:ext>
             </a:extLst>
           </p:cNvPr>
@@ -2240,7 +2247,7 @@
           <p:cNvPr id="3" name="Content Placeholder 2">
             <a:extLst>
               <a:ext uri="{FF2B5EF4-FFF2-40B4-BE49-F238E27FC236}">
-                <a16:creationId xmlns:a16="http://schemas.microsoft.com/office/drawing/2014/main" xmlns="" id="{77C2A5CC-2876-49CA-993D-F4F73FC9D2B0}"/>
+                <a16:creationId xmlns:a16="http://schemas.microsoft.com/office/drawing/2014/main" id="{77C2A5CC-2876-49CA-993D-F4F73FC9D2B0}"/>
               </a:ext>
             </a:extLst>
           </p:cNvPr>
@@ -2331,7 +2338,7 @@
           <p:cNvPr id="4" name="Text Placeholder 3">
             <a:extLst>
               <a:ext uri="{FF2B5EF4-FFF2-40B4-BE49-F238E27FC236}">
-                <a16:creationId xmlns:a16="http://schemas.microsoft.com/office/drawing/2014/main" xmlns="" id="{7B4DE2E8-CCF6-4E88-A858-05A04CD0D736}"/>
+                <a16:creationId xmlns:a16="http://schemas.microsoft.com/office/drawing/2014/main" id="{7B4DE2E8-CCF6-4E88-A858-05A04CD0D736}"/>
               </a:ext>
             </a:extLst>
           </p:cNvPr>
@@ -2402,7 +2409,7 @@
           <p:cNvPr id="5" name="Date Placeholder 4">
             <a:extLst>
               <a:ext uri="{FF2B5EF4-FFF2-40B4-BE49-F238E27FC236}">
-                <a16:creationId xmlns:a16="http://schemas.microsoft.com/office/drawing/2014/main" xmlns="" id="{CAEBEC1E-DE48-4B55-A846-F8248E381145}"/>
+                <a16:creationId xmlns:a16="http://schemas.microsoft.com/office/drawing/2014/main" id="{CAEBEC1E-DE48-4B55-A846-F8248E381145}"/>
               </a:ext>
             </a:extLst>
           </p:cNvPr>
@@ -2421,7 +2428,7 @@
             <a:fld id="{03EC4E3E-8101-482F-A883-8B55DAFF7C07}" type="datetimeFigureOut">
               <a:rPr lang="en-SG" smtClean="0"/>
               <a:pPr/>
-              <a:t>31/3/2019</a:t>
+              <a:t>2/4/2019</a:t>
             </a:fld>
             <a:endParaRPr lang="en-SG"/>
           </a:p>
@@ -2432,7 +2439,7 @@
           <p:cNvPr id="6" name="Footer Placeholder 5">
             <a:extLst>
               <a:ext uri="{FF2B5EF4-FFF2-40B4-BE49-F238E27FC236}">
-                <a16:creationId xmlns:a16="http://schemas.microsoft.com/office/drawing/2014/main" xmlns="" id="{945A6E8B-6BC2-49E9-B4E5-DAD3F7A1A1BF}"/>
+                <a16:creationId xmlns:a16="http://schemas.microsoft.com/office/drawing/2014/main" id="{945A6E8B-6BC2-49E9-B4E5-DAD3F7A1A1BF}"/>
               </a:ext>
             </a:extLst>
           </p:cNvPr>
@@ -2457,7 +2464,7 @@
           <p:cNvPr id="7" name="Slide Number Placeholder 6">
             <a:extLst>
               <a:ext uri="{FF2B5EF4-FFF2-40B4-BE49-F238E27FC236}">
-                <a16:creationId xmlns:a16="http://schemas.microsoft.com/office/drawing/2014/main" xmlns="" id="{E5CF739B-EDF0-43CE-A87E-C49F040C85A5}"/>
+                <a16:creationId xmlns:a16="http://schemas.microsoft.com/office/drawing/2014/main" id="{E5CF739B-EDF0-43CE-A87E-C49F040C85A5}"/>
               </a:ext>
             </a:extLst>
           </p:cNvPr>
@@ -2485,7 +2492,7 @@
     </p:spTree>
     <p:extLst>
       <p:ext uri="{BB962C8B-B14F-4D97-AF65-F5344CB8AC3E}">
-        <p14:creationId xmlns:p14="http://schemas.microsoft.com/office/powerpoint/2010/main" xmlns="" val="4039745741"/>
+        <p14:creationId xmlns:p14="http://schemas.microsoft.com/office/powerpoint/2010/main" val="4039745741"/>
       </p:ext>
     </p:extLst>
   </p:cSld>
@@ -2517,7 +2524,7 @@
           <p:cNvPr id="2" name="Title 1">
             <a:extLst>
               <a:ext uri="{FF2B5EF4-FFF2-40B4-BE49-F238E27FC236}">
-                <a16:creationId xmlns:a16="http://schemas.microsoft.com/office/drawing/2014/main" xmlns="" id="{0091F49F-E849-4834-84DB-61CF2F2652D4}"/>
+                <a16:creationId xmlns:a16="http://schemas.microsoft.com/office/drawing/2014/main" id="{0091F49F-E849-4834-84DB-61CF2F2652D4}"/>
               </a:ext>
             </a:extLst>
           </p:cNvPr>
@@ -2555,7 +2562,7 @@
           <p:cNvPr id="3" name="Picture Placeholder 2">
             <a:extLst>
               <a:ext uri="{FF2B5EF4-FFF2-40B4-BE49-F238E27FC236}">
-                <a16:creationId xmlns:a16="http://schemas.microsoft.com/office/drawing/2014/main" xmlns="" id="{631D62A9-3420-4F1C-9EB9-09EF85106E78}"/>
+                <a16:creationId xmlns:a16="http://schemas.microsoft.com/office/drawing/2014/main" id="{631D62A9-3420-4F1C-9EB9-09EF85106E78}"/>
               </a:ext>
             </a:extLst>
           </p:cNvPr>
@@ -2622,7 +2629,7 @@
           <p:cNvPr id="4" name="Text Placeholder 3">
             <a:extLst>
               <a:ext uri="{FF2B5EF4-FFF2-40B4-BE49-F238E27FC236}">
-                <a16:creationId xmlns:a16="http://schemas.microsoft.com/office/drawing/2014/main" xmlns="" id="{E450EC8D-D7F4-45FC-AD8C-2E198A32CCA2}"/>
+                <a16:creationId xmlns:a16="http://schemas.microsoft.com/office/drawing/2014/main" id="{E450EC8D-D7F4-45FC-AD8C-2E198A32CCA2}"/>
               </a:ext>
             </a:extLst>
           </p:cNvPr>
@@ -2693,7 +2700,7 @@
           <p:cNvPr id="5" name="Date Placeholder 4">
             <a:extLst>
               <a:ext uri="{FF2B5EF4-FFF2-40B4-BE49-F238E27FC236}">
-                <a16:creationId xmlns:a16="http://schemas.microsoft.com/office/drawing/2014/main" xmlns="" id="{7A73D668-ABF4-41FE-958C-542EEDC5F6CC}"/>
+                <a16:creationId xmlns:a16="http://schemas.microsoft.com/office/drawing/2014/main" id="{7A73D668-ABF4-41FE-958C-542EEDC5F6CC}"/>
               </a:ext>
             </a:extLst>
           </p:cNvPr>
@@ -2712,7 +2719,7 @@
             <a:fld id="{03EC4E3E-8101-482F-A883-8B55DAFF7C07}" type="datetimeFigureOut">
               <a:rPr lang="en-SG" smtClean="0"/>
               <a:pPr/>
-              <a:t>31/3/2019</a:t>
+              <a:t>2/4/2019</a:t>
             </a:fld>
             <a:endParaRPr lang="en-SG"/>
           </a:p>
@@ -2723,7 +2730,7 @@
           <p:cNvPr id="6" name="Footer Placeholder 5">
             <a:extLst>
               <a:ext uri="{FF2B5EF4-FFF2-40B4-BE49-F238E27FC236}">
-                <a16:creationId xmlns:a16="http://schemas.microsoft.com/office/drawing/2014/main" xmlns="" id="{F4A83B1C-93E7-4D32-9D1B-3F37403B1ACD}"/>
+                <a16:creationId xmlns:a16="http://schemas.microsoft.com/office/drawing/2014/main" id="{F4A83B1C-93E7-4D32-9D1B-3F37403B1ACD}"/>
               </a:ext>
             </a:extLst>
           </p:cNvPr>
@@ -2748,7 +2755,7 @@
           <p:cNvPr id="7" name="Slide Number Placeholder 6">
             <a:extLst>
               <a:ext uri="{FF2B5EF4-FFF2-40B4-BE49-F238E27FC236}">
-                <a16:creationId xmlns:a16="http://schemas.microsoft.com/office/drawing/2014/main" xmlns="" id="{C6AF73BE-F17B-487B-943B-28655BB51C92}"/>
+                <a16:creationId xmlns:a16="http://schemas.microsoft.com/office/drawing/2014/main" id="{C6AF73BE-F17B-487B-943B-28655BB51C92}"/>
               </a:ext>
             </a:extLst>
           </p:cNvPr>
@@ -2776,7 +2783,7 @@
     </p:spTree>
     <p:extLst>
       <p:ext uri="{BB962C8B-B14F-4D97-AF65-F5344CB8AC3E}">
-        <p14:creationId xmlns:p14="http://schemas.microsoft.com/office/powerpoint/2010/main" xmlns="" val="1851851517"/>
+        <p14:creationId xmlns:p14="http://schemas.microsoft.com/office/powerpoint/2010/main" val="1851851517"/>
       </p:ext>
     </p:extLst>
   </p:cSld>
@@ -2813,7 +2820,7 @@
           <p:cNvPr id="2" name="Title Placeholder 1">
             <a:extLst>
               <a:ext uri="{FF2B5EF4-FFF2-40B4-BE49-F238E27FC236}">
-                <a16:creationId xmlns:a16="http://schemas.microsoft.com/office/drawing/2014/main" xmlns="" id="{96F7127E-5F47-4B37-9FDB-695AB14D9551}"/>
+                <a16:creationId xmlns:a16="http://schemas.microsoft.com/office/drawing/2014/main" id="{96F7127E-5F47-4B37-9FDB-695AB14D9551}"/>
               </a:ext>
             </a:extLst>
           </p:cNvPr>
@@ -2852,7 +2859,7 @@
           <p:cNvPr id="3" name="Text Placeholder 2">
             <a:extLst>
               <a:ext uri="{FF2B5EF4-FFF2-40B4-BE49-F238E27FC236}">
-                <a16:creationId xmlns:a16="http://schemas.microsoft.com/office/drawing/2014/main" xmlns="" id="{3BD20F0F-B303-4EE3-AF17-E303EA90B1A3}"/>
+                <a16:creationId xmlns:a16="http://schemas.microsoft.com/office/drawing/2014/main" id="{3BD20F0F-B303-4EE3-AF17-E303EA90B1A3}"/>
               </a:ext>
             </a:extLst>
           </p:cNvPr>
@@ -2920,7 +2927,7 @@
           <p:cNvPr id="4" name="Date Placeholder 3">
             <a:extLst>
               <a:ext uri="{FF2B5EF4-FFF2-40B4-BE49-F238E27FC236}">
-                <a16:creationId xmlns:a16="http://schemas.microsoft.com/office/drawing/2014/main" xmlns="" id="{7927ADFB-0C7F-4333-A456-815FAB4B0315}"/>
+                <a16:creationId xmlns:a16="http://schemas.microsoft.com/office/drawing/2014/main" id="{7927ADFB-0C7F-4333-A456-815FAB4B0315}"/>
               </a:ext>
             </a:extLst>
           </p:cNvPr>
@@ -2957,7 +2964,7 @@
             <a:fld id="{03EC4E3E-8101-482F-A883-8B55DAFF7C07}" type="datetimeFigureOut">
               <a:rPr lang="en-SG" smtClean="0"/>
               <a:pPr/>
-              <a:t>31/3/2019</a:t>
+              <a:t>2/4/2019</a:t>
             </a:fld>
             <a:endParaRPr lang="en-SG"/>
           </a:p>
@@ -2968,7 +2975,7 @@
           <p:cNvPr id="5" name="Footer Placeholder 4">
             <a:extLst>
               <a:ext uri="{FF2B5EF4-FFF2-40B4-BE49-F238E27FC236}">
-                <a16:creationId xmlns:a16="http://schemas.microsoft.com/office/drawing/2014/main" xmlns="" id="{A1992B28-8397-4C93-A277-5EE43A537825}"/>
+                <a16:creationId xmlns:a16="http://schemas.microsoft.com/office/drawing/2014/main" id="{A1992B28-8397-4C93-A277-5EE43A537825}"/>
               </a:ext>
             </a:extLst>
           </p:cNvPr>
@@ -3011,7 +3018,7 @@
           <p:cNvPr id="6" name="Slide Number Placeholder 5">
             <a:extLst>
               <a:ext uri="{FF2B5EF4-FFF2-40B4-BE49-F238E27FC236}">
-                <a16:creationId xmlns:a16="http://schemas.microsoft.com/office/drawing/2014/main" xmlns="" id="{D7231209-A74B-4134-87D0-421AB81BBB47}"/>
+                <a16:creationId xmlns:a16="http://schemas.microsoft.com/office/drawing/2014/main" id="{D7231209-A74B-4134-87D0-421AB81BBB47}"/>
               </a:ext>
             </a:extLst>
           </p:cNvPr>
@@ -3057,7 +3064,7 @@
     </p:spTree>
     <p:extLst>
       <p:ext uri="{BB962C8B-B14F-4D97-AF65-F5344CB8AC3E}">
-        <p14:creationId xmlns:p14="http://schemas.microsoft.com/office/powerpoint/2010/main" xmlns="" val="162984175"/>
+        <p14:creationId xmlns:p14="http://schemas.microsoft.com/office/powerpoint/2010/main" val="162984175"/>
       </p:ext>
     </p:extLst>
   </p:cSld>
@@ -3380,7 +3387,7 @@
           <p:cNvPr id="2" name="TextBox 1">
             <a:extLst>
               <a:ext uri="{FF2B5EF4-FFF2-40B4-BE49-F238E27FC236}">
-                <a16:creationId xmlns:a16="http://schemas.microsoft.com/office/drawing/2014/main" xmlns="" id="{032C4FEA-C10B-4133-9BF6-AF6F40CC1AD4}"/>
+                <a16:creationId xmlns:a16="http://schemas.microsoft.com/office/drawing/2014/main" id="{032C4FEA-C10B-4133-9BF6-AF6F40CC1AD4}"/>
               </a:ext>
             </a:extLst>
           </p:cNvPr>
@@ -3434,36 +3441,12 @@
               <a:t>The state of the </a:t>
             </a:r>
             <a:r>
-              <a:rPr lang="en-SG" dirty="0" err="1" smtClean="0"/>
+              <a:rPr lang="en-SG" dirty="0" err="1"/>
               <a:t>GradTrak</a:t>
             </a:r>
             <a:r>
-              <a:rPr lang="en-SG" dirty="0" smtClean="0"/>
-              <a:t> (before </a:t>
-            </a:r>
-            <a:r>
               <a:rPr lang="en-SG" dirty="0"/>
-              <a:t>‘add </a:t>
-            </a:r>
-            <a:r>
-              <a:rPr lang="en-SG" dirty="0" smtClean="0"/>
-              <a:t>c/CS2103T </a:t>
-            </a:r>
-            <a:r>
-              <a:rPr lang="en-SG" dirty="0"/>
-              <a:t>…’ was executed) will be restored to state </a:t>
-            </a:r>
-            <a:r>
-              <a:rPr lang="en-SG" dirty="0" smtClean="0"/>
-              <a:t>gt</a:t>
-            </a:r>
-            <a:r>
-              <a:rPr lang="en-SG" dirty="0" smtClean="0"/>
-              <a:t>1</a:t>
-            </a:r>
-            <a:r>
-              <a:rPr lang="en-SG" dirty="0"/>
-              <a:t>.</a:t>
+              <a:t> (before ‘add c/CS2103T …’ was executed) will be restored to state gt1.</a:t>
             </a:r>
           </a:p>
         </p:txBody>
@@ -3517,7 +3500,7 @@
           <p:cNvPr id="17" name="TextBox 16">
             <a:extLst>
               <a:ext uri="{FF2B5EF4-FFF2-40B4-BE49-F238E27FC236}">
-                <a16:creationId xmlns:a16="http://schemas.microsoft.com/office/drawing/2014/main" xmlns="" id="{3151A13B-9509-43FA-BFEB-1D9866A00B84}"/>
+                <a16:creationId xmlns:a16="http://schemas.microsoft.com/office/drawing/2014/main" id="{3151A13B-9509-43FA-BFEB-1D9866A00B84}"/>
               </a:ext>
             </a:extLst>
           </p:cNvPr>
@@ -3561,7 +3544,7 @@
           <p:cNvPr id="18" name="Table 17">
             <a:extLst>
               <a:ext uri="{FF2B5EF4-FFF2-40B4-BE49-F238E27FC236}">
-                <a16:creationId xmlns:a16="http://schemas.microsoft.com/office/drawing/2014/main" xmlns="" id="{F545FAB8-F1CE-4886-9BDE-E772BCB0A9C4}"/>
+                <a16:creationId xmlns:a16="http://schemas.microsoft.com/office/drawing/2014/main" id="{F545FAB8-F1CE-4886-9BDE-E772BCB0A9C4}"/>
               </a:ext>
             </a:extLst>
           </p:cNvPr>
@@ -3571,7 +3554,7 @@
           <p:nvPr>
             <p:extLst>
               <p:ext uri="{D42A27DB-BD31-4B8C-83A1-F6EECF244321}">
-                <p14:modId xmlns:p14="http://schemas.microsoft.com/office/powerpoint/2010/main" xmlns="" val="1674993041"/>
+                <p14:modId xmlns:p14="http://schemas.microsoft.com/office/powerpoint/2010/main" val="1674993041"/>
               </p:ext>
             </p:extLst>
           </p:nvPr>
@@ -3590,7 +3573,7 @@
                 <a:gridCol w="1825824">
                   <a:extLst>
                     <a:ext uri="{9D8B030D-6E8A-4147-A177-3AD203B41FA5}">
-                      <a16:colId xmlns:a16="http://schemas.microsoft.com/office/drawing/2014/main" xmlns="" val="4240773277"/>
+                      <a16:colId xmlns:a16="http://schemas.microsoft.com/office/drawing/2014/main" val="4240773277"/>
                     </a:ext>
                   </a:extLst>
                 </a:gridCol>
@@ -3602,11 +3585,11 @@
                     <a:lstStyle/>
                     <a:p>
                       <a:r>
-                        <a:rPr lang="en-SG" u="sng" dirty="0" smtClean="0"/>
+                        <a:rPr lang="en-SG" u="sng" dirty="0"/>
                         <a:t>gt0:</a:t>
                       </a:r>
                       <a:r>
-                        <a:rPr lang="en-SG" sz="1800" u="sng" dirty="0" smtClean="0"/>
+                        <a:rPr lang="en-SG" sz="1800" u="sng" dirty="0"/>
                         <a:t>GradTrak</a:t>
                       </a:r>
                       <a:endParaRPr lang="en-SG" u="sng" dirty="0"/>
@@ -3616,7 +3599,7 @@
                 </a:tc>
                 <a:extLst>
                   <a:ext uri="{0D108BD9-81ED-4DB2-BD59-A6C34878D82A}">
-                    <a16:rowId xmlns:a16="http://schemas.microsoft.com/office/drawing/2014/main" xmlns="" val="2194462629"/>
+                    <a16:rowId xmlns:a16="http://schemas.microsoft.com/office/drawing/2014/main" val="2194462629"/>
                   </a:ext>
                 </a:extLst>
               </a:tr>
@@ -3675,7 +3658,7 @@
           <p:cNvPr id="29" name="TextBox 28">
             <a:extLst>
               <a:ext uri="{FF2B5EF4-FFF2-40B4-BE49-F238E27FC236}">
-                <a16:creationId xmlns:a16="http://schemas.microsoft.com/office/drawing/2014/main" xmlns="" id="{3151A13B-9509-43FA-BFEB-1D9866A00B84}"/>
+                <a16:creationId xmlns:a16="http://schemas.microsoft.com/office/drawing/2014/main" id="{3151A13B-9509-43FA-BFEB-1D9866A00B84}"/>
               </a:ext>
             </a:extLst>
           </p:cNvPr>
@@ -3765,7 +3748,7 @@
           <p:cNvPr id="16" name="Table 15">
             <a:extLst>
               <a:ext uri="{FF2B5EF4-FFF2-40B4-BE49-F238E27FC236}">
-                <a16:creationId xmlns:a16="http://schemas.microsoft.com/office/drawing/2014/main" xmlns="" id="{F545FAB8-F1CE-4886-9BDE-E772BCB0A9C4}"/>
+                <a16:creationId xmlns:a16="http://schemas.microsoft.com/office/drawing/2014/main" id="{F545FAB8-F1CE-4886-9BDE-E772BCB0A9C4}"/>
               </a:ext>
             </a:extLst>
           </p:cNvPr>
@@ -3775,7 +3758,7 @@
           <p:nvPr>
             <p:extLst>
               <p:ext uri="{D42A27DB-BD31-4B8C-83A1-F6EECF244321}">
-                <p14:modId xmlns:p14="http://schemas.microsoft.com/office/powerpoint/2010/main" xmlns="" val="3085921390"/>
+                <p14:modId xmlns:p14="http://schemas.microsoft.com/office/powerpoint/2010/main" val="3085921390"/>
               </p:ext>
             </p:extLst>
           </p:nvPr>
@@ -3794,7 +3777,7 @@
                 <a:gridCol w="1825824">
                   <a:extLst>
                     <a:ext uri="{9D8B030D-6E8A-4147-A177-3AD203B41FA5}">
-                      <a16:colId xmlns:a16="http://schemas.microsoft.com/office/drawing/2014/main" xmlns="" val="4240773277"/>
+                      <a16:colId xmlns:a16="http://schemas.microsoft.com/office/drawing/2014/main" val="4240773277"/>
                     </a:ext>
                   </a:extLst>
                 </a:gridCol>
@@ -3806,11 +3789,11 @@
                     <a:lstStyle/>
                     <a:p>
                       <a:r>
-                        <a:rPr lang="en-SG" u="sng" dirty="0" smtClean="0"/>
+                        <a:rPr lang="en-SG" u="sng" dirty="0"/>
                         <a:t>gt1:</a:t>
                       </a:r>
                       <a:r>
-                        <a:rPr lang="en-SG" sz="1800" u="sng" dirty="0" smtClean="0"/>
+                        <a:rPr lang="en-SG" sz="1800" u="sng" dirty="0"/>
                         <a:t>GradTrak</a:t>
                       </a:r>
                       <a:endParaRPr lang="en-SG" u="sng" dirty="0"/>
@@ -3820,7 +3803,7 @@
                 </a:tc>
                 <a:extLst>
                   <a:ext uri="{0D108BD9-81ED-4DB2-BD59-A6C34878D82A}">
-                    <a16:rowId xmlns:a16="http://schemas.microsoft.com/office/drawing/2014/main" xmlns="" val="2194462629"/>
+                    <a16:rowId xmlns:a16="http://schemas.microsoft.com/office/drawing/2014/main" val="2194462629"/>
                   </a:ext>
                 </a:extLst>
               </a:tr>
@@ -3833,7 +3816,7 @@
           <p:cNvPr id="20" name="Table 19">
             <a:extLst>
               <a:ext uri="{FF2B5EF4-FFF2-40B4-BE49-F238E27FC236}">
-                <a16:creationId xmlns:a16="http://schemas.microsoft.com/office/drawing/2014/main" xmlns="" id="{F545FAB8-F1CE-4886-9BDE-E772BCB0A9C4}"/>
+                <a16:creationId xmlns:a16="http://schemas.microsoft.com/office/drawing/2014/main" id="{F545FAB8-F1CE-4886-9BDE-E772BCB0A9C4}"/>
               </a:ext>
             </a:extLst>
           </p:cNvPr>
@@ -3843,7 +3826,7 @@
           <p:nvPr>
             <p:extLst>
               <p:ext uri="{D42A27DB-BD31-4B8C-83A1-F6EECF244321}">
-                <p14:modId xmlns:p14="http://schemas.microsoft.com/office/powerpoint/2010/main" xmlns="" val="3504448791"/>
+                <p14:modId xmlns:p14="http://schemas.microsoft.com/office/powerpoint/2010/main" val="3504448791"/>
               </p:ext>
             </p:extLst>
           </p:nvPr>
@@ -3862,7 +3845,7 @@
                 <a:gridCol w="1825824">
                   <a:extLst>
                     <a:ext uri="{9D8B030D-6E8A-4147-A177-3AD203B41FA5}">
-                      <a16:colId xmlns:a16="http://schemas.microsoft.com/office/drawing/2014/main" xmlns="" val="4240773277"/>
+                      <a16:colId xmlns:a16="http://schemas.microsoft.com/office/drawing/2014/main" val="4240773277"/>
                     </a:ext>
                   </a:extLst>
                 </a:gridCol>
@@ -3874,11 +3857,11 @@
                     <a:lstStyle/>
                     <a:p>
                       <a:r>
-                        <a:rPr lang="en-SG" u="sng" dirty="0" smtClean="0"/>
+                        <a:rPr lang="en-SG" u="sng" dirty="0"/>
                         <a:t>gt2:</a:t>
                       </a:r>
                       <a:r>
-                        <a:rPr lang="en-SG" sz="1800" u="sng" dirty="0" smtClean="0"/>
+                        <a:rPr lang="en-SG" sz="1800" u="sng" dirty="0"/>
                         <a:t>GradTrak</a:t>
                       </a:r>
                       <a:endParaRPr lang="en-SG" u="sng" dirty="0"/>
@@ -3888,7 +3871,7 @@
                 </a:tc>
                 <a:extLst>
                   <a:ext uri="{0D108BD9-81ED-4DB2-BD59-A6C34878D82A}">
-                    <a16:rowId xmlns:a16="http://schemas.microsoft.com/office/drawing/2014/main" xmlns="" val="2194462629"/>
+                    <a16:rowId xmlns:a16="http://schemas.microsoft.com/office/drawing/2014/main" val="2194462629"/>
                   </a:ext>
                 </a:extLst>
               </a:tr>
@@ -3901,7 +3884,7 @@
           <p:cNvPr id="21" name="Table 20">
             <a:extLst>
               <a:ext uri="{FF2B5EF4-FFF2-40B4-BE49-F238E27FC236}">
-                <a16:creationId xmlns:a16="http://schemas.microsoft.com/office/drawing/2014/main" xmlns="" id="{F545FAB8-F1CE-4886-9BDE-E772BCB0A9C4}"/>
+                <a16:creationId xmlns:a16="http://schemas.microsoft.com/office/drawing/2014/main" id="{F545FAB8-F1CE-4886-9BDE-E772BCB0A9C4}"/>
               </a:ext>
             </a:extLst>
           </p:cNvPr>
@@ -3911,7 +3894,7 @@
           <p:nvPr>
             <p:extLst>
               <p:ext uri="{D42A27DB-BD31-4B8C-83A1-F6EECF244321}">
-                <p14:modId xmlns:p14="http://schemas.microsoft.com/office/powerpoint/2010/main" xmlns="" val="3880678430"/>
+                <p14:modId xmlns:p14="http://schemas.microsoft.com/office/powerpoint/2010/main" val="3880678430"/>
               </p:ext>
             </p:extLst>
           </p:nvPr>
@@ -3930,7 +3913,7 @@
                 <a:gridCol w="1825824">
                   <a:extLst>
                     <a:ext uri="{9D8B030D-6E8A-4147-A177-3AD203B41FA5}">
-                      <a16:colId xmlns:a16="http://schemas.microsoft.com/office/drawing/2014/main" xmlns="" val="4240773277"/>
+                      <a16:colId xmlns:a16="http://schemas.microsoft.com/office/drawing/2014/main" val="4240773277"/>
                     </a:ext>
                   </a:extLst>
                 </a:gridCol>
@@ -3942,11 +3925,11 @@
                     <a:lstStyle/>
                     <a:p>
                       <a:r>
-                        <a:rPr lang="en-SG" u="sng" dirty="0" smtClean="0"/>
+                        <a:rPr lang="en-SG" u="sng" dirty="0"/>
                         <a:t>gt0:</a:t>
                       </a:r>
                       <a:r>
-                        <a:rPr lang="en-SG" sz="1800" u="sng" dirty="0" smtClean="0"/>
+                        <a:rPr lang="en-SG" sz="1800" u="sng" dirty="0"/>
                         <a:t>GradTrak</a:t>
                       </a:r>
                       <a:endParaRPr lang="en-SG" u="sng" dirty="0"/>
@@ -3956,7 +3939,7 @@
                 </a:tc>
                 <a:extLst>
                   <a:ext uri="{0D108BD9-81ED-4DB2-BD59-A6C34878D82A}">
-                    <a16:rowId xmlns:a16="http://schemas.microsoft.com/office/drawing/2014/main" xmlns="" val="2194462629"/>
+                    <a16:rowId xmlns:a16="http://schemas.microsoft.com/office/drawing/2014/main" val="2194462629"/>
                   </a:ext>
                 </a:extLst>
               </a:tr>
@@ -3969,7 +3952,7 @@
           <p:cNvPr id="22" name="Table 21">
             <a:extLst>
               <a:ext uri="{FF2B5EF4-FFF2-40B4-BE49-F238E27FC236}">
-                <a16:creationId xmlns:a16="http://schemas.microsoft.com/office/drawing/2014/main" xmlns="" id="{F545FAB8-F1CE-4886-9BDE-E772BCB0A9C4}"/>
+                <a16:creationId xmlns:a16="http://schemas.microsoft.com/office/drawing/2014/main" id="{F545FAB8-F1CE-4886-9BDE-E772BCB0A9C4}"/>
               </a:ext>
             </a:extLst>
           </p:cNvPr>
@@ -3979,7 +3962,7 @@
           <p:nvPr>
             <p:extLst>
               <p:ext uri="{D42A27DB-BD31-4B8C-83A1-F6EECF244321}">
-                <p14:modId xmlns:p14="http://schemas.microsoft.com/office/powerpoint/2010/main" xmlns="" val="719723626"/>
+                <p14:modId xmlns:p14="http://schemas.microsoft.com/office/powerpoint/2010/main" val="167224383"/>
               </p:ext>
             </p:extLst>
           </p:nvPr>
@@ -3998,7 +3981,7 @@
                 <a:gridCol w="1825824">
                   <a:extLst>
                     <a:ext uri="{9D8B030D-6E8A-4147-A177-3AD203B41FA5}">
-                      <a16:colId xmlns:a16="http://schemas.microsoft.com/office/drawing/2014/main" xmlns="" val="4240773277"/>
+                      <a16:colId xmlns:a16="http://schemas.microsoft.com/office/drawing/2014/main" val="4240773277"/>
                     </a:ext>
                   </a:extLst>
                 </a:gridCol>
@@ -4010,11 +3993,11 @@
                     <a:lstStyle/>
                     <a:p>
                       <a:r>
-                        <a:rPr lang="en-SG" u="sng" dirty="0" smtClean="0"/>
-                        <a:t>ab1:</a:t>
+                        <a:rPr lang="en-SG" u="sng" dirty="0"/>
+                        <a:t>gt1:</a:t>
                       </a:r>
                       <a:r>
-                        <a:rPr lang="en-SG" sz="1800" u="sng" dirty="0" smtClean="0"/>
+                        <a:rPr lang="en-SG" sz="1800" u="sng" dirty="0"/>
                         <a:t>GradTrak</a:t>
                       </a:r>
                       <a:endParaRPr lang="en-SG" u="sng" dirty="0"/>
@@ -4024,7 +4007,7 @@
                 </a:tc>
                 <a:extLst>
                   <a:ext uri="{0D108BD9-81ED-4DB2-BD59-A6C34878D82A}">
-                    <a16:rowId xmlns:a16="http://schemas.microsoft.com/office/drawing/2014/main" xmlns="" val="2194462629"/>
+                    <a16:rowId xmlns:a16="http://schemas.microsoft.com/office/drawing/2014/main" val="2194462629"/>
                   </a:ext>
                 </a:extLst>
               </a:tr>
@@ -4037,7 +4020,7 @@
           <p:cNvPr id="23" name="Table 22">
             <a:extLst>
               <a:ext uri="{FF2B5EF4-FFF2-40B4-BE49-F238E27FC236}">
-                <a16:creationId xmlns:a16="http://schemas.microsoft.com/office/drawing/2014/main" xmlns="" id="{F545FAB8-F1CE-4886-9BDE-E772BCB0A9C4}"/>
+                <a16:creationId xmlns:a16="http://schemas.microsoft.com/office/drawing/2014/main" id="{F545FAB8-F1CE-4886-9BDE-E772BCB0A9C4}"/>
               </a:ext>
             </a:extLst>
           </p:cNvPr>
@@ -4047,7 +4030,7 @@
           <p:nvPr>
             <p:extLst>
               <p:ext uri="{D42A27DB-BD31-4B8C-83A1-F6EECF244321}">
-                <p14:modId xmlns:p14="http://schemas.microsoft.com/office/powerpoint/2010/main" xmlns="" val="3592690620"/>
+                <p14:modId xmlns:p14="http://schemas.microsoft.com/office/powerpoint/2010/main" val="1217906233"/>
               </p:ext>
             </p:extLst>
           </p:nvPr>
@@ -4066,7 +4049,7 @@
                 <a:gridCol w="1825824">
                   <a:extLst>
                     <a:ext uri="{9D8B030D-6E8A-4147-A177-3AD203B41FA5}">
-                      <a16:colId xmlns:a16="http://schemas.microsoft.com/office/drawing/2014/main" xmlns="" val="4240773277"/>
+                      <a16:colId xmlns:a16="http://schemas.microsoft.com/office/drawing/2014/main" val="4240773277"/>
                     </a:ext>
                   </a:extLst>
                 </a:gridCol>
@@ -4078,11 +4061,11 @@
                     <a:lstStyle/>
                     <a:p>
                       <a:r>
-                        <a:rPr lang="en-SG" u="sng" dirty="0" smtClean="0"/>
-                        <a:t>ab2:</a:t>
+                        <a:rPr lang="en-SG" u="sng" dirty="0"/>
+                        <a:t>gt2:</a:t>
                       </a:r>
                       <a:r>
-                        <a:rPr lang="en-SG" sz="1800" u="sng" dirty="0" smtClean="0"/>
+                        <a:rPr lang="en-SG" sz="1800" u="sng" dirty="0"/>
                         <a:t>GradTrak</a:t>
                       </a:r>
                       <a:endParaRPr lang="en-SG" u="sng" dirty="0"/>
@@ -4092,7 +4075,7 @@
                 </a:tc>
                 <a:extLst>
                   <a:ext uri="{0D108BD9-81ED-4DB2-BD59-A6C34878D82A}">
-                    <a16:rowId xmlns:a16="http://schemas.microsoft.com/office/drawing/2014/main" xmlns="" val="2194462629"/>
+                    <a16:rowId xmlns:a16="http://schemas.microsoft.com/office/drawing/2014/main" val="2194462629"/>
                   </a:ext>
                 </a:extLst>
               </a:tr>
@@ -4105,7 +4088,7 @@
           <p:cNvPr id="19" name="Straight Arrow Connector 18">
             <a:extLst>
               <a:ext uri="{FF2B5EF4-FFF2-40B4-BE49-F238E27FC236}">
-                <a16:creationId xmlns:a16="http://schemas.microsoft.com/office/drawing/2014/main" xmlns="" id="{DC8F2CFA-FFF8-41BD-B884-8ACDF8C96486}"/>
+                <a16:creationId xmlns:a16="http://schemas.microsoft.com/office/drawing/2014/main" id="{DC8F2CFA-FFF8-41BD-B884-8ACDF8C96486}"/>
               </a:ext>
             </a:extLst>
           </p:cNvPr>
@@ -4149,7 +4132,7 @@
           <p:cNvPr id="25" name="Straight Arrow Connector 24">
             <a:extLst>
               <a:ext uri="{FF2B5EF4-FFF2-40B4-BE49-F238E27FC236}">
-                <a16:creationId xmlns:a16="http://schemas.microsoft.com/office/drawing/2014/main" xmlns="" id="{CC39FF7A-ED45-4697-B75C-01E9C1C55F2A}"/>
+                <a16:creationId xmlns:a16="http://schemas.microsoft.com/office/drawing/2014/main" id="{CC39FF7A-ED45-4697-B75C-01E9C1C55F2A}"/>
               </a:ext>
             </a:extLst>
           </p:cNvPr>
@@ -4191,7 +4174,7 @@
     </p:spTree>
     <p:extLst>
       <p:ext uri="{BB962C8B-B14F-4D97-AF65-F5344CB8AC3E}">
-        <p14:creationId xmlns:p14="http://schemas.microsoft.com/office/powerpoint/2010/main" xmlns="" val="3338945851"/>
+        <p14:creationId xmlns:p14="http://schemas.microsoft.com/office/powerpoint/2010/main" val="3338945851"/>
       </p:ext>
     </p:extLst>
   </p:cSld>
@@ -4490,7 +4473,7 @@
   <a:extraClrSchemeLst/>
   <a:extLst>
     <a:ext uri="{05A4C25C-085E-4340-85A3-A5531E510DB2}">
-      <thm15:themeFamily xmlns:thm15="http://schemas.microsoft.com/office/thememl/2012/main" xmlns="" name="Office Theme" id="{62F939B6-93AF-4DB8-9C6B-D6C7DFDC589F}" vid="{4A3C46E8-61CC-4603-A589-7422A47A8E4A}"/>
+      <thm15:themeFamily xmlns:thm15="http://schemas.microsoft.com/office/thememl/2012/main" name="Office Theme" id="{62F939B6-93AF-4DB8-9C6B-D6C7DFDC589F}" vid="{4A3C46E8-61CC-4603-A589-7422A47A8E4A}"/>
     </a:ext>
   </a:extLst>
 </a:theme>

--- a/docs/diagrams/UndoRedoExecuteUndoStateListDiagram.pptx
+++ b/docs/diagrams/UndoRedoExecuteUndoStateListDiagram.pptx
@@ -112,10 +112,6 @@
 </p:presentation>
 </file>
 
-<file path=ppt/revisionInfo.xml><?xml version="1.0" encoding="utf-8"?>
-<p1510:revInfo xmlns:a="http://schemas.openxmlformats.org/drawingml/2006/main" xmlns:r="http://schemas.openxmlformats.org/officeDocument/2006/relationships" xmlns:p1510="http://schemas.microsoft.com/office/powerpoint/2015/10/main"/>
-</file>
-
 <file path=ppt/slideLayouts/slideLayout1.xml><?xml version="1.0" encoding="utf-8"?>
 <p:sldLayout xmlns:a="http://schemas.openxmlformats.org/drawingml/2006/main" xmlns:r="http://schemas.openxmlformats.org/officeDocument/2006/relationships" xmlns:p="http://schemas.openxmlformats.org/presentationml/2006/main" type="title" preserve="1">
   <p:cSld name="Title Slide">
@@ -265,7 +261,7 @@
           <a:p>
             <a:fld id="{03EC4E3E-8101-482F-A883-8B55DAFF7C07}" type="datetimeFigureOut">
               <a:rPr lang="en-SG" smtClean="0"/>
-              <a:t>6/7/2018</a:t>
+              <a:t>5/4/19</a:t>
             </a:fld>
             <a:endParaRPr lang="en-SG"/>
           </a:p>
@@ -465,7 +461,7 @@
           <a:p>
             <a:fld id="{03EC4E3E-8101-482F-A883-8B55DAFF7C07}" type="datetimeFigureOut">
               <a:rPr lang="en-SG" smtClean="0"/>
-              <a:t>6/7/2018</a:t>
+              <a:t>5/4/19</a:t>
             </a:fld>
             <a:endParaRPr lang="en-SG"/>
           </a:p>
@@ -675,7 +671,7 @@
           <a:p>
             <a:fld id="{03EC4E3E-8101-482F-A883-8B55DAFF7C07}" type="datetimeFigureOut">
               <a:rPr lang="en-SG" smtClean="0"/>
-              <a:t>6/7/2018</a:t>
+              <a:t>5/4/19</a:t>
             </a:fld>
             <a:endParaRPr lang="en-SG"/>
           </a:p>
@@ -875,7 +871,7 @@
           <a:p>
             <a:fld id="{03EC4E3E-8101-482F-A883-8B55DAFF7C07}" type="datetimeFigureOut">
               <a:rPr lang="en-SG" smtClean="0"/>
-              <a:t>6/7/2018</a:t>
+              <a:t>5/4/19</a:t>
             </a:fld>
             <a:endParaRPr lang="en-SG"/>
           </a:p>
@@ -1151,7 +1147,7 @@
           <a:p>
             <a:fld id="{03EC4E3E-8101-482F-A883-8B55DAFF7C07}" type="datetimeFigureOut">
               <a:rPr lang="en-SG" smtClean="0"/>
-              <a:t>6/7/2018</a:t>
+              <a:t>5/4/19</a:t>
             </a:fld>
             <a:endParaRPr lang="en-SG"/>
           </a:p>
@@ -1419,7 +1415,7 @@
           <a:p>
             <a:fld id="{03EC4E3E-8101-482F-A883-8B55DAFF7C07}" type="datetimeFigureOut">
               <a:rPr lang="en-SG" smtClean="0"/>
-              <a:t>6/7/2018</a:t>
+              <a:t>5/4/19</a:t>
             </a:fld>
             <a:endParaRPr lang="en-SG"/>
           </a:p>
@@ -1834,7 +1830,7 @@
           <a:p>
             <a:fld id="{03EC4E3E-8101-482F-A883-8B55DAFF7C07}" type="datetimeFigureOut">
               <a:rPr lang="en-SG" smtClean="0"/>
-              <a:t>6/7/2018</a:t>
+              <a:t>5/4/19</a:t>
             </a:fld>
             <a:endParaRPr lang="en-SG"/>
           </a:p>
@@ -1976,7 +1972,7 @@
           <a:p>
             <a:fld id="{03EC4E3E-8101-482F-A883-8B55DAFF7C07}" type="datetimeFigureOut">
               <a:rPr lang="en-SG" smtClean="0"/>
-              <a:t>6/7/2018</a:t>
+              <a:t>5/4/19</a:t>
             </a:fld>
             <a:endParaRPr lang="en-SG"/>
           </a:p>
@@ -2089,7 +2085,7 @@
           <a:p>
             <a:fld id="{03EC4E3E-8101-482F-A883-8B55DAFF7C07}" type="datetimeFigureOut">
               <a:rPr lang="en-SG" smtClean="0"/>
-              <a:t>6/7/2018</a:t>
+              <a:t>5/4/19</a:t>
             </a:fld>
             <a:endParaRPr lang="en-SG"/>
           </a:p>
@@ -2402,7 +2398,7 @@
           <a:p>
             <a:fld id="{03EC4E3E-8101-482F-A883-8B55DAFF7C07}" type="datetimeFigureOut">
               <a:rPr lang="en-SG" smtClean="0"/>
-              <a:t>6/7/2018</a:t>
+              <a:t>5/4/19</a:t>
             </a:fld>
             <a:endParaRPr lang="en-SG"/>
           </a:p>
@@ -2691,7 +2687,7 @@
           <a:p>
             <a:fld id="{03EC4E3E-8101-482F-A883-8B55DAFF7C07}" type="datetimeFigureOut">
               <a:rPr lang="en-SG" smtClean="0"/>
-              <a:t>6/7/2018</a:t>
+              <a:t>5/4/19</a:t>
             </a:fld>
             <a:endParaRPr lang="en-SG"/>
           </a:p>
@@ -2934,7 +2930,7 @@
           <a:p>
             <a:fld id="{03EC4E3E-8101-482F-A883-8B55DAFF7C07}" type="datetimeFigureOut">
               <a:rPr lang="en-SG" smtClean="0"/>
-              <a:t>6/7/2018</a:t>
+              <a:t>5/4/19</a:t>
             </a:fld>
             <a:endParaRPr lang="en-SG"/>
           </a:p>
@@ -3407,7 +3403,7 @@
             <a:pPr algn="ctr"/>
             <a:r>
               <a:rPr lang="en-SG" dirty="0"/>
-              <a:t>The state of the address book (before ‘add n/David …’ was executed) will be restored to state ab1.</a:t>
+              <a:t>The state of the food diary (before ‘add n/David …’ was executed) will be restored to state fd1.</a:t>
             </a:r>
           </a:p>
         </p:txBody>
@@ -3515,7 +3511,7 @@
           <p:nvPr>
             <p:extLst>
               <p:ext uri="{D42A27DB-BD31-4B8C-83A1-F6EECF244321}">
-                <p14:modId xmlns:p14="http://schemas.microsoft.com/office/powerpoint/2010/main" val="1674993041"/>
+                <p14:modId xmlns:p14="http://schemas.microsoft.com/office/powerpoint/2010/main" val="39426625"/>
               </p:ext>
             </p:extLst>
           </p:nvPr>
@@ -3545,15 +3541,11 @@
                     <a:bodyPr/>
                     <a:lstStyle/>
                     <a:p>
+                      <a:pPr algn="ctr"/>
                       <a:r>
                         <a:rPr lang="en-SG" u="sng" dirty="0"/>
-                        <a:t>ab0:</a:t>
+                        <a:t>fd0:FoodDiary</a:t>
                       </a:r>
-                      <a:r>
-                        <a:rPr lang="en-SG" sz="1800" u="sng" dirty="0"/>
-                        <a:t>AddressBook</a:t>
-                      </a:r>
-                      <a:endParaRPr lang="en-SG" u="sng" dirty="0"/>
                     </a:p>
                   </a:txBody>
                   <a:tcPr/>
@@ -3719,7 +3711,7 @@
           <p:nvPr>
             <p:extLst>
               <p:ext uri="{D42A27DB-BD31-4B8C-83A1-F6EECF244321}">
-                <p14:modId xmlns:p14="http://schemas.microsoft.com/office/powerpoint/2010/main" val="3085921390"/>
+                <p14:modId xmlns:p14="http://schemas.microsoft.com/office/powerpoint/2010/main" val="2418156838"/>
               </p:ext>
             </p:extLst>
           </p:nvPr>
@@ -3749,15 +3741,11 @@
                     <a:bodyPr/>
                     <a:lstStyle/>
                     <a:p>
+                      <a:pPr algn="ctr"/>
                       <a:r>
                         <a:rPr lang="en-SG" u="sng" dirty="0"/>
-                        <a:t>ab1:</a:t>
+                        <a:t>fd1:FoodDiary</a:t>
                       </a:r>
-                      <a:r>
-                        <a:rPr lang="en-SG" sz="1800" u="sng" dirty="0"/>
-                        <a:t>AddressBook</a:t>
-                      </a:r>
-                      <a:endParaRPr lang="en-SG" u="sng" dirty="0"/>
                     </a:p>
                   </a:txBody>
                   <a:tcPr/>
@@ -3787,7 +3775,7 @@
           <p:nvPr>
             <p:extLst>
               <p:ext uri="{D42A27DB-BD31-4B8C-83A1-F6EECF244321}">
-                <p14:modId xmlns:p14="http://schemas.microsoft.com/office/powerpoint/2010/main" val="3504448791"/>
+                <p14:modId xmlns:p14="http://schemas.microsoft.com/office/powerpoint/2010/main" val="3510571708"/>
               </p:ext>
             </p:extLst>
           </p:nvPr>
@@ -3817,15 +3805,11 @@
                     <a:bodyPr/>
                     <a:lstStyle/>
                     <a:p>
+                      <a:pPr algn="ctr"/>
                       <a:r>
                         <a:rPr lang="en-SG" u="sng" dirty="0"/>
-                        <a:t>ab2:</a:t>
+                        <a:t>fd2:FoodDiary</a:t>
                       </a:r>
-                      <a:r>
-                        <a:rPr lang="en-SG" sz="1800" u="sng" dirty="0"/>
-                        <a:t>AddressBook</a:t>
-                      </a:r>
-                      <a:endParaRPr lang="en-SG" u="sng" dirty="0"/>
                     </a:p>
                   </a:txBody>
                   <a:tcPr/>
@@ -3855,7 +3839,7 @@
           <p:nvPr>
             <p:extLst>
               <p:ext uri="{D42A27DB-BD31-4B8C-83A1-F6EECF244321}">
-                <p14:modId xmlns:p14="http://schemas.microsoft.com/office/powerpoint/2010/main" val="3880678430"/>
+                <p14:modId xmlns:p14="http://schemas.microsoft.com/office/powerpoint/2010/main" val="3111422915"/>
               </p:ext>
             </p:extLst>
           </p:nvPr>
@@ -3885,15 +3869,11 @@
                     <a:bodyPr/>
                     <a:lstStyle/>
                     <a:p>
+                      <a:pPr algn="ctr"/>
                       <a:r>
                         <a:rPr lang="en-SG" u="sng" dirty="0"/>
-                        <a:t>ab0:</a:t>
+                        <a:t>fd0:FoodDiary</a:t>
                       </a:r>
-                      <a:r>
-                        <a:rPr lang="en-SG" sz="1800" u="sng" dirty="0"/>
-                        <a:t>AddressBook</a:t>
-                      </a:r>
-                      <a:endParaRPr lang="en-SG" u="sng" dirty="0"/>
                     </a:p>
                   </a:txBody>
                   <a:tcPr/>
@@ -3923,7 +3903,7 @@
           <p:nvPr>
             <p:extLst>
               <p:ext uri="{D42A27DB-BD31-4B8C-83A1-F6EECF244321}">
-                <p14:modId xmlns:p14="http://schemas.microsoft.com/office/powerpoint/2010/main" val="719723626"/>
+                <p14:modId xmlns:p14="http://schemas.microsoft.com/office/powerpoint/2010/main" val="2471919711"/>
               </p:ext>
             </p:extLst>
           </p:nvPr>
@@ -3953,15 +3933,11 @@
                     <a:bodyPr/>
                     <a:lstStyle/>
                     <a:p>
+                      <a:pPr algn="ctr"/>
                       <a:r>
                         <a:rPr lang="en-SG" u="sng" dirty="0"/>
-                        <a:t>ab1:</a:t>
+                        <a:t>fd1:FoodDiary</a:t>
                       </a:r>
-                      <a:r>
-                        <a:rPr lang="en-SG" sz="1800" u="sng" dirty="0"/>
-                        <a:t>AddressBook</a:t>
-                      </a:r>
-                      <a:endParaRPr lang="en-SG" u="sng" dirty="0"/>
                     </a:p>
                   </a:txBody>
                   <a:tcPr/>
@@ -3991,7 +3967,7 @@
           <p:nvPr>
             <p:extLst>
               <p:ext uri="{D42A27DB-BD31-4B8C-83A1-F6EECF244321}">
-                <p14:modId xmlns:p14="http://schemas.microsoft.com/office/powerpoint/2010/main" val="3592690620"/>
+                <p14:modId xmlns:p14="http://schemas.microsoft.com/office/powerpoint/2010/main" val="2496324706"/>
               </p:ext>
             </p:extLst>
           </p:nvPr>
@@ -4021,15 +3997,11 @@
                     <a:bodyPr/>
                     <a:lstStyle/>
                     <a:p>
+                      <a:pPr algn="ctr"/>
                       <a:r>
                         <a:rPr lang="en-SG" u="sng" dirty="0"/>
-                        <a:t>ab2:</a:t>
+                        <a:t>fd2:FoodDiary</a:t>
                       </a:r>
-                      <a:r>
-                        <a:rPr lang="en-SG" sz="1800" u="sng" dirty="0"/>
-                        <a:t>AddressBook</a:t>
-                      </a:r>
-                      <a:endParaRPr lang="en-SG" u="sng" dirty="0"/>
                     </a:p>
                   </a:txBody>
                   <a:tcPr/>

--- a/docs/diagrams/UndoRedoExecuteUndoStateListDiagram.pptx
+++ b/docs/diagrams/UndoRedoExecuteUndoStateListDiagram.pptx
@@ -106,7 +106,7 @@
   </p:defaultTextStyle>
   <p:extLst>
     <p:ext uri="{EFAFB233-063F-42B5-8137-9DF3F51BA10A}">
-      <p15:sldGuideLst xmlns:p15="http://schemas.microsoft.com/office/powerpoint/2012/main">
+      <p15:sldGuideLst xmlns:p15="http://schemas.microsoft.com/office/powerpoint/2012/main" xmlns="">
         <p15:guide id="1" orient="horz" pos="2160">
           <p15:clr>
             <a:srgbClr val="A4A3A4"/>
@@ -145,7 +145,7 @@
           <p:cNvPr id="2" name="Title 1">
             <a:extLst>
               <a:ext uri="{FF2B5EF4-FFF2-40B4-BE49-F238E27FC236}">
-                <a16:creationId xmlns:a16="http://schemas.microsoft.com/office/drawing/2014/main" id="{39FCC519-EE2E-4054-A653-93D611E0133E}"/>
+                <a16:creationId xmlns:a16="http://schemas.microsoft.com/office/drawing/2014/main" xmlns="" id="{39FCC519-EE2E-4054-A653-93D611E0133E}"/>
               </a:ext>
             </a:extLst>
           </p:cNvPr>
@@ -183,7 +183,7 @@
           <p:cNvPr id="3" name="Subtitle 2">
             <a:extLst>
               <a:ext uri="{FF2B5EF4-FFF2-40B4-BE49-F238E27FC236}">
-                <a16:creationId xmlns:a16="http://schemas.microsoft.com/office/drawing/2014/main" id="{3EDEA74E-4030-4F69-A055-4C6319EEEC29}"/>
+                <a16:creationId xmlns:a16="http://schemas.microsoft.com/office/drawing/2014/main" xmlns="" id="{3EDEA74E-4030-4F69-A055-4C6319EEEC29}"/>
               </a:ext>
             </a:extLst>
           </p:cNvPr>
@@ -254,7 +254,7 @@
           <p:cNvPr id="4" name="Date Placeholder 3">
             <a:extLst>
               <a:ext uri="{FF2B5EF4-FFF2-40B4-BE49-F238E27FC236}">
-                <a16:creationId xmlns:a16="http://schemas.microsoft.com/office/drawing/2014/main" id="{E5CC99E3-37A6-4485-B9A2-AF27A72608C6}"/>
+                <a16:creationId xmlns:a16="http://schemas.microsoft.com/office/drawing/2014/main" xmlns="" id="{E5CC99E3-37A6-4485-B9A2-AF27A72608C6}"/>
               </a:ext>
             </a:extLst>
           </p:cNvPr>
@@ -273,9 +273,9 @@
             <a:fld id="{03EC4E3E-8101-482F-A883-8B55DAFF7C07}" type="datetimeFigureOut">
               <a:rPr lang="en-SG" smtClean="0"/>
               <a:pPr/>
-              <a:t>2/4/2019</a:t>
+              <a:t>11/4/2019</a:t>
             </a:fld>
-            <a:endParaRPr lang="en-SG"/>
+            <a:endParaRPr lang="en-SG" dirty="0"/>
           </a:p>
         </p:txBody>
       </p:sp>
@@ -284,7 +284,7 @@
           <p:cNvPr id="5" name="Footer Placeholder 4">
             <a:extLst>
               <a:ext uri="{FF2B5EF4-FFF2-40B4-BE49-F238E27FC236}">
-                <a16:creationId xmlns:a16="http://schemas.microsoft.com/office/drawing/2014/main" id="{D75BD546-D949-4A25-8EA4-47DF23229409}"/>
+                <a16:creationId xmlns:a16="http://schemas.microsoft.com/office/drawing/2014/main" xmlns="" id="{D75BD546-D949-4A25-8EA4-47DF23229409}"/>
               </a:ext>
             </a:extLst>
           </p:cNvPr>
@@ -300,7 +300,7 @@
           <a:bodyPr/>
           <a:lstStyle/>
           <a:p>
-            <a:endParaRPr lang="en-SG"/>
+            <a:endParaRPr lang="en-SG" dirty="0"/>
           </a:p>
         </p:txBody>
       </p:sp>
@@ -309,7 +309,7 @@
           <p:cNvPr id="6" name="Slide Number Placeholder 5">
             <a:extLst>
               <a:ext uri="{FF2B5EF4-FFF2-40B4-BE49-F238E27FC236}">
-                <a16:creationId xmlns:a16="http://schemas.microsoft.com/office/drawing/2014/main" id="{68147391-4DF6-4ACF-BCE9-C1A9DAC803E3}"/>
+                <a16:creationId xmlns:a16="http://schemas.microsoft.com/office/drawing/2014/main" xmlns="" id="{68147391-4DF6-4ACF-BCE9-C1A9DAC803E3}"/>
               </a:ext>
             </a:extLst>
           </p:cNvPr>
@@ -330,14 +330,14 @@
               <a:pPr/>
               <a:t>‹#›</a:t>
             </a:fld>
-            <a:endParaRPr lang="en-SG"/>
+            <a:endParaRPr lang="en-SG" dirty="0"/>
           </a:p>
         </p:txBody>
       </p:sp>
     </p:spTree>
     <p:extLst>
       <p:ext uri="{BB962C8B-B14F-4D97-AF65-F5344CB8AC3E}">
-        <p14:creationId xmlns:p14="http://schemas.microsoft.com/office/powerpoint/2010/main" val="4227771393"/>
+        <p14:creationId xmlns:p14="http://schemas.microsoft.com/office/powerpoint/2010/main" xmlns="" val="4227771393"/>
       </p:ext>
     </p:extLst>
   </p:cSld>
@@ -369,7 +369,7 @@
           <p:cNvPr id="2" name="Title 1">
             <a:extLst>
               <a:ext uri="{FF2B5EF4-FFF2-40B4-BE49-F238E27FC236}">
-                <a16:creationId xmlns:a16="http://schemas.microsoft.com/office/drawing/2014/main" id="{251D3DFE-0C62-45F5-B1BF-FD1F194ED112}"/>
+                <a16:creationId xmlns:a16="http://schemas.microsoft.com/office/drawing/2014/main" xmlns="" id="{251D3DFE-0C62-45F5-B1BF-FD1F194ED112}"/>
               </a:ext>
             </a:extLst>
           </p:cNvPr>
@@ -398,7 +398,7 @@
           <p:cNvPr id="3" name="Vertical Text Placeholder 2">
             <a:extLst>
               <a:ext uri="{FF2B5EF4-FFF2-40B4-BE49-F238E27FC236}">
-                <a16:creationId xmlns:a16="http://schemas.microsoft.com/office/drawing/2014/main" id="{D2392762-3586-4B6D-A174-2D3ACF0A125B}"/>
+                <a16:creationId xmlns:a16="http://schemas.microsoft.com/office/drawing/2014/main" xmlns="" id="{D2392762-3586-4B6D-A174-2D3ACF0A125B}"/>
               </a:ext>
             </a:extLst>
           </p:cNvPr>
@@ -456,7 +456,7 @@
           <p:cNvPr id="4" name="Date Placeholder 3">
             <a:extLst>
               <a:ext uri="{FF2B5EF4-FFF2-40B4-BE49-F238E27FC236}">
-                <a16:creationId xmlns:a16="http://schemas.microsoft.com/office/drawing/2014/main" id="{73B232E7-84FB-4535-9FC1-1BEF8F17421F}"/>
+                <a16:creationId xmlns:a16="http://schemas.microsoft.com/office/drawing/2014/main" xmlns="" id="{73B232E7-84FB-4535-9FC1-1BEF8F17421F}"/>
               </a:ext>
             </a:extLst>
           </p:cNvPr>
@@ -475,9 +475,9 @@
             <a:fld id="{03EC4E3E-8101-482F-A883-8B55DAFF7C07}" type="datetimeFigureOut">
               <a:rPr lang="en-SG" smtClean="0"/>
               <a:pPr/>
-              <a:t>2/4/2019</a:t>
+              <a:t>11/4/2019</a:t>
             </a:fld>
-            <a:endParaRPr lang="en-SG"/>
+            <a:endParaRPr lang="en-SG" dirty="0"/>
           </a:p>
         </p:txBody>
       </p:sp>
@@ -486,7 +486,7 @@
           <p:cNvPr id="5" name="Footer Placeholder 4">
             <a:extLst>
               <a:ext uri="{FF2B5EF4-FFF2-40B4-BE49-F238E27FC236}">
-                <a16:creationId xmlns:a16="http://schemas.microsoft.com/office/drawing/2014/main" id="{76F796EF-04EF-401A-AC84-F7BDBC99DE80}"/>
+                <a16:creationId xmlns:a16="http://schemas.microsoft.com/office/drawing/2014/main" xmlns="" id="{76F796EF-04EF-401A-AC84-F7BDBC99DE80}"/>
               </a:ext>
             </a:extLst>
           </p:cNvPr>
@@ -502,7 +502,7 @@
           <a:bodyPr/>
           <a:lstStyle/>
           <a:p>
-            <a:endParaRPr lang="en-SG"/>
+            <a:endParaRPr lang="en-SG" dirty="0"/>
           </a:p>
         </p:txBody>
       </p:sp>
@@ -511,7 +511,7 @@
           <p:cNvPr id="6" name="Slide Number Placeholder 5">
             <a:extLst>
               <a:ext uri="{FF2B5EF4-FFF2-40B4-BE49-F238E27FC236}">
-                <a16:creationId xmlns:a16="http://schemas.microsoft.com/office/drawing/2014/main" id="{8F55F009-0A64-4649-A732-4AA6D619F1F3}"/>
+                <a16:creationId xmlns:a16="http://schemas.microsoft.com/office/drawing/2014/main" xmlns="" id="{8F55F009-0A64-4649-A732-4AA6D619F1F3}"/>
               </a:ext>
             </a:extLst>
           </p:cNvPr>
@@ -532,14 +532,14 @@
               <a:pPr/>
               <a:t>‹#›</a:t>
             </a:fld>
-            <a:endParaRPr lang="en-SG"/>
+            <a:endParaRPr lang="en-SG" dirty="0"/>
           </a:p>
         </p:txBody>
       </p:sp>
     </p:spTree>
     <p:extLst>
       <p:ext uri="{BB962C8B-B14F-4D97-AF65-F5344CB8AC3E}">
-        <p14:creationId xmlns:p14="http://schemas.microsoft.com/office/powerpoint/2010/main" val="2305198193"/>
+        <p14:creationId xmlns:p14="http://schemas.microsoft.com/office/powerpoint/2010/main" xmlns="" val="2305198193"/>
       </p:ext>
     </p:extLst>
   </p:cSld>
@@ -571,7 +571,7 @@
           <p:cNvPr id="2" name="Vertical Title 1">
             <a:extLst>
               <a:ext uri="{FF2B5EF4-FFF2-40B4-BE49-F238E27FC236}">
-                <a16:creationId xmlns:a16="http://schemas.microsoft.com/office/drawing/2014/main" id="{F7DE9595-D7A8-4E19-B4C6-E295F978F6A4}"/>
+                <a16:creationId xmlns:a16="http://schemas.microsoft.com/office/drawing/2014/main" xmlns="" id="{F7DE9595-D7A8-4E19-B4C6-E295F978F6A4}"/>
               </a:ext>
             </a:extLst>
           </p:cNvPr>
@@ -605,7 +605,7 @@
           <p:cNvPr id="3" name="Vertical Text Placeholder 2">
             <a:extLst>
               <a:ext uri="{FF2B5EF4-FFF2-40B4-BE49-F238E27FC236}">
-                <a16:creationId xmlns:a16="http://schemas.microsoft.com/office/drawing/2014/main" id="{0D2975B7-7A6D-40EA-B2F6-338022AD2BF1}"/>
+                <a16:creationId xmlns:a16="http://schemas.microsoft.com/office/drawing/2014/main" xmlns="" id="{0D2975B7-7A6D-40EA-B2F6-338022AD2BF1}"/>
               </a:ext>
             </a:extLst>
           </p:cNvPr>
@@ -668,7 +668,7 @@
           <p:cNvPr id="4" name="Date Placeholder 3">
             <a:extLst>
               <a:ext uri="{FF2B5EF4-FFF2-40B4-BE49-F238E27FC236}">
-                <a16:creationId xmlns:a16="http://schemas.microsoft.com/office/drawing/2014/main" id="{C8230AC3-1BED-4D2B-96D3-51C50E14A9E6}"/>
+                <a16:creationId xmlns:a16="http://schemas.microsoft.com/office/drawing/2014/main" xmlns="" id="{C8230AC3-1BED-4D2B-96D3-51C50E14A9E6}"/>
               </a:ext>
             </a:extLst>
           </p:cNvPr>
@@ -687,9 +687,9 @@
             <a:fld id="{03EC4E3E-8101-482F-A883-8B55DAFF7C07}" type="datetimeFigureOut">
               <a:rPr lang="en-SG" smtClean="0"/>
               <a:pPr/>
-              <a:t>2/4/2019</a:t>
+              <a:t>11/4/2019</a:t>
             </a:fld>
-            <a:endParaRPr lang="en-SG"/>
+            <a:endParaRPr lang="en-SG" dirty="0"/>
           </a:p>
         </p:txBody>
       </p:sp>
@@ -698,7 +698,7 @@
           <p:cNvPr id="5" name="Footer Placeholder 4">
             <a:extLst>
               <a:ext uri="{FF2B5EF4-FFF2-40B4-BE49-F238E27FC236}">
-                <a16:creationId xmlns:a16="http://schemas.microsoft.com/office/drawing/2014/main" id="{4AD6CA96-231A-43AD-B530-7C509651DE3B}"/>
+                <a16:creationId xmlns:a16="http://schemas.microsoft.com/office/drawing/2014/main" xmlns="" id="{4AD6CA96-231A-43AD-B530-7C509651DE3B}"/>
               </a:ext>
             </a:extLst>
           </p:cNvPr>
@@ -714,7 +714,7 @@
           <a:bodyPr/>
           <a:lstStyle/>
           <a:p>
-            <a:endParaRPr lang="en-SG"/>
+            <a:endParaRPr lang="en-SG" dirty="0"/>
           </a:p>
         </p:txBody>
       </p:sp>
@@ -723,7 +723,7 @@
           <p:cNvPr id="6" name="Slide Number Placeholder 5">
             <a:extLst>
               <a:ext uri="{FF2B5EF4-FFF2-40B4-BE49-F238E27FC236}">
-                <a16:creationId xmlns:a16="http://schemas.microsoft.com/office/drawing/2014/main" id="{12063E3B-180A-454E-A661-6CCD48D7062C}"/>
+                <a16:creationId xmlns:a16="http://schemas.microsoft.com/office/drawing/2014/main" xmlns="" id="{12063E3B-180A-454E-A661-6CCD48D7062C}"/>
               </a:ext>
             </a:extLst>
           </p:cNvPr>
@@ -744,14 +744,14 @@
               <a:pPr/>
               <a:t>‹#›</a:t>
             </a:fld>
-            <a:endParaRPr lang="en-SG"/>
+            <a:endParaRPr lang="en-SG" dirty="0"/>
           </a:p>
         </p:txBody>
       </p:sp>
     </p:spTree>
     <p:extLst>
       <p:ext uri="{BB962C8B-B14F-4D97-AF65-F5344CB8AC3E}">
-        <p14:creationId xmlns:p14="http://schemas.microsoft.com/office/powerpoint/2010/main" val="1148984362"/>
+        <p14:creationId xmlns:p14="http://schemas.microsoft.com/office/powerpoint/2010/main" xmlns="" val="1148984362"/>
       </p:ext>
     </p:extLst>
   </p:cSld>
@@ -783,7 +783,7 @@
           <p:cNvPr id="2" name="Title 1">
             <a:extLst>
               <a:ext uri="{FF2B5EF4-FFF2-40B4-BE49-F238E27FC236}">
-                <a16:creationId xmlns:a16="http://schemas.microsoft.com/office/drawing/2014/main" id="{7E861C8D-BAF0-4DD9-92B9-591B272791CA}"/>
+                <a16:creationId xmlns:a16="http://schemas.microsoft.com/office/drawing/2014/main" xmlns="" id="{7E861C8D-BAF0-4DD9-92B9-591B272791CA}"/>
               </a:ext>
             </a:extLst>
           </p:cNvPr>
@@ -812,7 +812,7 @@
           <p:cNvPr id="3" name="Content Placeholder 2">
             <a:extLst>
               <a:ext uri="{FF2B5EF4-FFF2-40B4-BE49-F238E27FC236}">
-                <a16:creationId xmlns:a16="http://schemas.microsoft.com/office/drawing/2014/main" id="{534DA4BD-1D78-446B-B79F-C1229642DDEB}"/>
+                <a16:creationId xmlns:a16="http://schemas.microsoft.com/office/drawing/2014/main" xmlns="" id="{534DA4BD-1D78-446B-B79F-C1229642DDEB}"/>
               </a:ext>
             </a:extLst>
           </p:cNvPr>
@@ -870,7 +870,7 @@
           <p:cNvPr id="4" name="Date Placeholder 3">
             <a:extLst>
               <a:ext uri="{FF2B5EF4-FFF2-40B4-BE49-F238E27FC236}">
-                <a16:creationId xmlns:a16="http://schemas.microsoft.com/office/drawing/2014/main" id="{AD6BEDB5-7B62-4953-BECB-7F7F3E909CAC}"/>
+                <a16:creationId xmlns:a16="http://schemas.microsoft.com/office/drawing/2014/main" xmlns="" id="{AD6BEDB5-7B62-4953-BECB-7F7F3E909CAC}"/>
               </a:ext>
             </a:extLst>
           </p:cNvPr>
@@ -889,9 +889,9 @@
             <a:fld id="{03EC4E3E-8101-482F-A883-8B55DAFF7C07}" type="datetimeFigureOut">
               <a:rPr lang="en-SG" smtClean="0"/>
               <a:pPr/>
-              <a:t>2/4/2019</a:t>
+              <a:t>11/4/2019</a:t>
             </a:fld>
-            <a:endParaRPr lang="en-SG"/>
+            <a:endParaRPr lang="en-SG" dirty="0"/>
           </a:p>
         </p:txBody>
       </p:sp>
@@ -900,7 +900,7 @@
           <p:cNvPr id="5" name="Footer Placeholder 4">
             <a:extLst>
               <a:ext uri="{FF2B5EF4-FFF2-40B4-BE49-F238E27FC236}">
-                <a16:creationId xmlns:a16="http://schemas.microsoft.com/office/drawing/2014/main" id="{349CD732-2DD1-42BE-8480-5C6507018294}"/>
+                <a16:creationId xmlns:a16="http://schemas.microsoft.com/office/drawing/2014/main" xmlns="" id="{349CD732-2DD1-42BE-8480-5C6507018294}"/>
               </a:ext>
             </a:extLst>
           </p:cNvPr>
@@ -916,7 +916,7 @@
           <a:bodyPr/>
           <a:lstStyle/>
           <a:p>
-            <a:endParaRPr lang="en-SG"/>
+            <a:endParaRPr lang="en-SG" dirty="0"/>
           </a:p>
         </p:txBody>
       </p:sp>
@@ -925,7 +925,7 @@
           <p:cNvPr id="6" name="Slide Number Placeholder 5">
             <a:extLst>
               <a:ext uri="{FF2B5EF4-FFF2-40B4-BE49-F238E27FC236}">
-                <a16:creationId xmlns:a16="http://schemas.microsoft.com/office/drawing/2014/main" id="{574C27E0-F36A-4438-9402-C2CB0377D92D}"/>
+                <a16:creationId xmlns:a16="http://schemas.microsoft.com/office/drawing/2014/main" xmlns="" id="{574C27E0-F36A-4438-9402-C2CB0377D92D}"/>
               </a:ext>
             </a:extLst>
           </p:cNvPr>
@@ -946,14 +946,14 @@
               <a:pPr/>
               <a:t>‹#›</a:t>
             </a:fld>
-            <a:endParaRPr lang="en-SG"/>
+            <a:endParaRPr lang="en-SG" dirty="0"/>
           </a:p>
         </p:txBody>
       </p:sp>
     </p:spTree>
     <p:extLst>
       <p:ext uri="{BB962C8B-B14F-4D97-AF65-F5344CB8AC3E}">
-        <p14:creationId xmlns:p14="http://schemas.microsoft.com/office/powerpoint/2010/main" val="111561436"/>
+        <p14:creationId xmlns:p14="http://schemas.microsoft.com/office/powerpoint/2010/main" xmlns="" val="111561436"/>
       </p:ext>
     </p:extLst>
   </p:cSld>
@@ -985,7 +985,7 @@
           <p:cNvPr id="2" name="Title 1">
             <a:extLst>
               <a:ext uri="{FF2B5EF4-FFF2-40B4-BE49-F238E27FC236}">
-                <a16:creationId xmlns:a16="http://schemas.microsoft.com/office/drawing/2014/main" id="{80A42FFA-8A45-40F8-9C5C-9906971B38AB}"/>
+                <a16:creationId xmlns:a16="http://schemas.microsoft.com/office/drawing/2014/main" xmlns="" id="{80A42FFA-8A45-40F8-9C5C-9906971B38AB}"/>
               </a:ext>
             </a:extLst>
           </p:cNvPr>
@@ -1023,7 +1023,7 @@
           <p:cNvPr id="3" name="Text Placeholder 2">
             <a:extLst>
               <a:ext uri="{FF2B5EF4-FFF2-40B4-BE49-F238E27FC236}">
-                <a16:creationId xmlns:a16="http://schemas.microsoft.com/office/drawing/2014/main" id="{7D8879A7-8225-4473-B738-B780B6224EC5}"/>
+                <a16:creationId xmlns:a16="http://schemas.microsoft.com/office/drawing/2014/main" xmlns="" id="{7D8879A7-8225-4473-B738-B780B6224EC5}"/>
               </a:ext>
             </a:extLst>
           </p:cNvPr>
@@ -1148,7 +1148,7 @@
           <p:cNvPr id="4" name="Date Placeholder 3">
             <a:extLst>
               <a:ext uri="{FF2B5EF4-FFF2-40B4-BE49-F238E27FC236}">
-                <a16:creationId xmlns:a16="http://schemas.microsoft.com/office/drawing/2014/main" id="{6CF7978C-FE65-4091-9152-E33029C12AEA}"/>
+                <a16:creationId xmlns:a16="http://schemas.microsoft.com/office/drawing/2014/main" xmlns="" id="{6CF7978C-FE65-4091-9152-E33029C12AEA}"/>
               </a:ext>
             </a:extLst>
           </p:cNvPr>
@@ -1167,9 +1167,9 @@
             <a:fld id="{03EC4E3E-8101-482F-A883-8B55DAFF7C07}" type="datetimeFigureOut">
               <a:rPr lang="en-SG" smtClean="0"/>
               <a:pPr/>
-              <a:t>2/4/2019</a:t>
+              <a:t>11/4/2019</a:t>
             </a:fld>
-            <a:endParaRPr lang="en-SG"/>
+            <a:endParaRPr lang="en-SG" dirty="0"/>
           </a:p>
         </p:txBody>
       </p:sp>
@@ -1178,7 +1178,7 @@
           <p:cNvPr id="5" name="Footer Placeholder 4">
             <a:extLst>
               <a:ext uri="{FF2B5EF4-FFF2-40B4-BE49-F238E27FC236}">
-                <a16:creationId xmlns:a16="http://schemas.microsoft.com/office/drawing/2014/main" id="{B344C9CC-480F-4DCB-AC70-D7A4CCA0B8B7}"/>
+                <a16:creationId xmlns:a16="http://schemas.microsoft.com/office/drawing/2014/main" xmlns="" id="{B344C9CC-480F-4DCB-AC70-D7A4CCA0B8B7}"/>
               </a:ext>
             </a:extLst>
           </p:cNvPr>
@@ -1194,7 +1194,7 @@
           <a:bodyPr/>
           <a:lstStyle/>
           <a:p>
-            <a:endParaRPr lang="en-SG"/>
+            <a:endParaRPr lang="en-SG" dirty="0"/>
           </a:p>
         </p:txBody>
       </p:sp>
@@ -1203,7 +1203,7 @@
           <p:cNvPr id="6" name="Slide Number Placeholder 5">
             <a:extLst>
               <a:ext uri="{FF2B5EF4-FFF2-40B4-BE49-F238E27FC236}">
-                <a16:creationId xmlns:a16="http://schemas.microsoft.com/office/drawing/2014/main" id="{8F5A07EC-843A-4ED9-8F1C-AD703CA36D58}"/>
+                <a16:creationId xmlns:a16="http://schemas.microsoft.com/office/drawing/2014/main" xmlns="" id="{8F5A07EC-843A-4ED9-8F1C-AD703CA36D58}"/>
               </a:ext>
             </a:extLst>
           </p:cNvPr>
@@ -1224,14 +1224,14 @@
               <a:pPr/>
               <a:t>‹#›</a:t>
             </a:fld>
-            <a:endParaRPr lang="en-SG"/>
+            <a:endParaRPr lang="en-SG" dirty="0"/>
           </a:p>
         </p:txBody>
       </p:sp>
     </p:spTree>
     <p:extLst>
       <p:ext uri="{BB962C8B-B14F-4D97-AF65-F5344CB8AC3E}">
-        <p14:creationId xmlns:p14="http://schemas.microsoft.com/office/powerpoint/2010/main" val="2217340100"/>
+        <p14:creationId xmlns:p14="http://schemas.microsoft.com/office/powerpoint/2010/main" xmlns="" val="2217340100"/>
       </p:ext>
     </p:extLst>
   </p:cSld>
@@ -1263,7 +1263,7 @@
           <p:cNvPr id="2" name="Title 1">
             <a:extLst>
               <a:ext uri="{FF2B5EF4-FFF2-40B4-BE49-F238E27FC236}">
-                <a16:creationId xmlns:a16="http://schemas.microsoft.com/office/drawing/2014/main" id="{056EE2DA-07D9-4774-A8CA-0CA247F8C72A}"/>
+                <a16:creationId xmlns:a16="http://schemas.microsoft.com/office/drawing/2014/main" xmlns="" id="{056EE2DA-07D9-4774-A8CA-0CA247F8C72A}"/>
               </a:ext>
             </a:extLst>
           </p:cNvPr>
@@ -1292,7 +1292,7 @@
           <p:cNvPr id="3" name="Content Placeholder 2">
             <a:extLst>
               <a:ext uri="{FF2B5EF4-FFF2-40B4-BE49-F238E27FC236}">
-                <a16:creationId xmlns:a16="http://schemas.microsoft.com/office/drawing/2014/main" id="{3CF93A59-4E25-4FFA-8796-AA06EF3E5C3E}"/>
+                <a16:creationId xmlns:a16="http://schemas.microsoft.com/office/drawing/2014/main" xmlns="" id="{3CF93A59-4E25-4FFA-8796-AA06EF3E5C3E}"/>
               </a:ext>
             </a:extLst>
           </p:cNvPr>
@@ -1355,7 +1355,7 @@
           <p:cNvPr id="4" name="Content Placeholder 3">
             <a:extLst>
               <a:ext uri="{FF2B5EF4-FFF2-40B4-BE49-F238E27FC236}">
-                <a16:creationId xmlns:a16="http://schemas.microsoft.com/office/drawing/2014/main" id="{81373B10-E346-4893-AFEE-65E014405E2D}"/>
+                <a16:creationId xmlns:a16="http://schemas.microsoft.com/office/drawing/2014/main" xmlns="" id="{81373B10-E346-4893-AFEE-65E014405E2D}"/>
               </a:ext>
             </a:extLst>
           </p:cNvPr>
@@ -1418,7 +1418,7 @@
           <p:cNvPr id="5" name="Date Placeholder 4">
             <a:extLst>
               <a:ext uri="{FF2B5EF4-FFF2-40B4-BE49-F238E27FC236}">
-                <a16:creationId xmlns:a16="http://schemas.microsoft.com/office/drawing/2014/main" id="{D9C411A1-6D64-4C63-A758-5D2FEE677F45}"/>
+                <a16:creationId xmlns:a16="http://schemas.microsoft.com/office/drawing/2014/main" xmlns="" id="{D9C411A1-6D64-4C63-A758-5D2FEE677F45}"/>
               </a:ext>
             </a:extLst>
           </p:cNvPr>
@@ -1437,9 +1437,9 @@
             <a:fld id="{03EC4E3E-8101-482F-A883-8B55DAFF7C07}" type="datetimeFigureOut">
               <a:rPr lang="en-SG" smtClean="0"/>
               <a:pPr/>
-              <a:t>2/4/2019</a:t>
+              <a:t>11/4/2019</a:t>
             </a:fld>
-            <a:endParaRPr lang="en-SG"/>
+            <a:endParaRPr lang="en-SG" dirty="0"/>
           </a:p>
         </p:txBody>
       </p:sp>
@@ -1448,7 +1448,7 @@
           <p:cNvPr id="6" name="Footer Placeholder 5">
             <a:extLst>
               <a:ext uri="{FF2B5EF4-FFF2-40B4-BE49-F238E27FC236}">
-                <a16:creationId xmlns:a16="http://schemas.microsoft.com/office/drawing/2014/main" id="{8D9C2E46-644C-4155-A697-764A7A0AB1F4}"/>
+                <a16:creationId xmlns:a16="http://schemas.microsoft.com/office/drawing/2014/main" xmlns="" id="{8D9C2E46-644C-4155-A697-764A7A0AB1F4}"/>
               </a:ext>
             </a:extLst>
           </p:cNvPr>
@@ -1464,7 +1464,7 @@
           <a:bodyPr/>
           <a:lstStyle/>
           <a:p>
-            <a:endParaRPr lang="en-SG"/>
+            <a:endParaRPr lang="en-SG" dirty="0"/>
           </a:p>
         </p:txBody>
       </p:sp>
@@ -1473,7 +1473,7 @@
           <p:cNvPr id="7" name="Slide Number Placeholder 6">
             <a:extLst>
               <a:ext uri="{FF2B5EF4-FFF2-40B4-BE49-F238E27FC236}">
-                <a16:creationId xmlns:a16="http://schemas.microsoft.com/office/drawing/2014/main" id="{6192DEDD-6479-45E4-B1F5-6EDD41BBB103}"/>
+                <a16:creationId xmlns:a16="http://schemas.microsoft.com/office/drawing/2014/main" xmlns="" id="{6192DEDD-6479-45E4-B1F5-6EDD41BBB103}"/>
               </a:ext>
             </a:extLst>
           </p:cNvPr>
@@ -1494,14 +1494,14 @@
               <a:pPr/>
               <a:t>‹#›</a:t>
             </a:fld>
-            <a:endParaRPr lang="en-SG"/>
+            <a:endParaRPr lang="en-SG" dirty="0"/>
           </a:p>
         </p:txBody>
       </p:sp>
     </p:spTree>
     <p:extLst>
       <p:ext uri="{BB962C8B-B14F-4D97-AF65-F5344CB8AC3E}">
-        <p14:creationId xmlns:p14="http://schemas.microsoft.com/office/powerpoint/2010/main" val="1298304602"/>
+        <p14:creationId xmlns:p14="http://schemas.microsoft.com/office/powerpoint/2010/main" xmlns="" val="1298304602"/>
       </p:ext>
     </p:extLst>
   </p:cSld>
@@ -1533,7 +1533,7 @@
           <p:cNvPr id="2" name="Title 1">
             <a:extLst>
               <a:ext uri="{FF2B5EF4-FFF2-40B4-BE49-F238E27FC236}">
-                <a16:creationId xmlns:a16="http://schemas.microsoft.com/office/drawing/2014/main" id="{DC0ED888-63EF-4CC0-8500-9C8DB672FEC2}"/>
+                <a16:creationId xmlns:a16="http://schemas.microsoft.com/office/drawing/2014/main" xmlns="" id="{DC0ED888-63EF-4CC0-8500-9C8DB672FEC2}"/>
               </a:ext>
             </a:extLst>
           </p:cNvPr>
@@ -1567,7 +1567,7 @@
           <p:cNvPr id="3" name="Text Placeholder 2">
             <a:extLst>
               <a:ext uri="{FF2B5EF4-FFF2-40B4-BE49-F238E27FC236}">
-                <a16:creationId xmlns:a16="http://schemas.microsoft.com/office/drawing/2014/main" id="{3C33BC1E-FB79-4906-A967-9C7046C6D272}"/>
+                <a16:creationId xmlns:a16="http://schemas.microsoft.com/office/drawing/2014/main" xmlns="" id="{3C33BC1E-FB79-4906-A967-9C7046C6D272}"/>
               </a:ext>
             </a:extLst>
           </p:cNvPr>
@@ -1638,7 +1638,7 @@
           <p:cNvPr id="4" name="Content Placeholder 3">
             <a:extLst>
               <a:ext uri="{FF2B5EF4-FFF2-40B4-BE49-F238E27FC236}">
-                <a16:creationId xmlns:a16="http://schemas.microsoft.com/office/drawing/2014/main" id="{697A4EC6-1C42-4BA4-8108-32579276C17B}"/>
+                <a16:creationId xmlns:a16="http://schemas.microsoft.com/office/drawing/2014/main" xmlns="" id="{697A4EC6-1C42-4BA4-8108-32579276C17B}"/>
               </a:ext>
             </a:extLst>
           </p:cNvPr>
@@ -1701,7 +1701,7 @@
           <p:cNvPr id="5" name="Text Placeholder 4">
             <a:extLst>
               <a:ext uri="{FF2B5EF4-FFF2-40B4-BE49-F238E27FC236}">
-                <a16:creationId xmlns:a16="http://schemas.microsoft.com/office/drawing/2014/main" id="{8A2CA209-B9F5-4E1E-B302-74CC2D4CFDFB}"/>
+                <a16:creationId xmlns:a16="http://schemas.microsoft.com/office/drawing/2014/main" xmlns="" id="{8A2CA209-B9F5-4E1E-B302-74CC2D4CFDFB}"/>
               </a:ext>
             </a:extLst>
           </p:cNvPr>
@@ -1772,7 +1772,7 @@
           <p:cNvPr id="6" name="Content Placeholder 5">
             <a:extLst>
               <a:ext uri="{FF2B5EF4-FFF2-40B4-BE49-F238E27FC236}">
-                <a16:creationId xmlns:a16="http://schemas.microsoft.com/office/drawing/2014/main" id="{0E6E876D-DC4D-40EE-BA38-CD01089602CF}"/>
+                <a16:creationId xmlns:a16="http://schemas.microsoft.com/office/drawing/2014/main" xmlns="" id="{0E6E876D-DC4D-40EE-BA38-CD01089602CF}"/>
               </a:ext>
             </a:extLst>
           </p:cNvPr>
@@ -1835,7 +1835,7 @@
           <p:cNvPr id="7" name="Date Placeholder 6">
             <a:extLst>
               <a:ext uri="{FF2B5EF4-FFF2-40B4-BE49-F238E27FC236}">
-                <a16:creationId xmlns:a16="http://schemas.microsoft.com/office/drawing/2014/main" id="{F24E1D97-8B3C-41A1-B0BA-BA833AD8BC7C}"/>
+                <a16:creationId xmlns:a16="http://schemas.microsoft.com/office/drawing/2014/main" xmlns="" id="{F24E1D97-8B3C-41A1-B0BA-BA833AD8BC7C}"/>
               </a:ext>
             </a:extLst>
           </p:cNvPr>
@@ -1854,9 +1854,9 @@
             <a:fld id="{03EC4E3E-8101-482F-A883-8B55DAFF7C07}" type="datetimeFigureOut">
               <a:rPr lang="en-SG" smtClean="0"/>
               <a:pPr/>
-              <a:t>2/4/2019</a:t>
+              <a:t>11/4/2019</a:t>
             </a:fld>
-            <a:endParaRPr lang="en-SG"/>
+            <a:endParaRPr lang="en-SG" dirty="0"/>
           </a:p>
         </p:txBody>
       </p:sp>
@@ -1865,7 +1865,7 @@
           <p:cNvPr id="8" name="Footer Placeholder 7">
             <a:extLst>
               <a:ext uri="{FF2B5EF4-FFF2-40B4-BE49-F238E27FC236}">
-                <a16:creationId xmlns:a16="http://schemas.microsoft.com/office/drawing/2014/main" id="{FC358D8F-B7DA-4DCE-AC8F-706450EEC0DC}"/>
+                <a16:creationId xmlns:a16="http://schemas.microsoft.com/office/drawing/2014/main" xmlns="" id="{FC358D8F-B7DA-4DCE-AC8F-706450EEC0DC}"/>
               </a:ext>
             </a:extLst>
           </p:cNvPr>
@@ -1881,7 +1881,7 @@
           <a:bodyPr/>
           <a:lstStyle/>
           <a:p>
-            <a:endParaRPr lang="en-SG"/>
+            <a:endParaRPr lang="en-SG" dirty="0"/>
           </a:p>
         </p:txBody>
       </p:sp>
@@ -1890,7 +1890,7 @@
           <p:cNvPr id="9" name="Slide Number Placeholder 8">
             <a:extLst>
               <a:ext uri="{FF2B5EF4-FFF2-40B4-BE49-F238E27FC236}">
-                <a16:creationId xmlns:a16="http://schemas.microsoft.com/office/drawing/2014/main" id="{40CE354E-2C73-4B6F-8AEB-14D1378A77E1}"/>
+                <a16:creationId xmlns:a16="http://schemas.microsoft.com/office/drawing/2014/main" xmlns="" id="{40CE354E-2C73-4B6F-8AEB-14D1378A77E1}"/>
               </a:ext>
             </a:extLst>
           </p:cNvPr>
@@ -1911,14 +1911,14 @@
               <a:pPr/>
               <a:t>‹#›</a:t>
             </a:fld>
-            <a:endParaRPr lang="en-SG"/>
+            <a:endParaRPr lang="en-SG" dirty="0"/>
           </a:p>
         </p:txBody>
       </p:sp>
     </p:spTree>
     <p:extLst>
       <p:ext uri="{BB962C8B-B14F-4D97-AF65-F5344CB8AC3E}">
-        <p14:creationId xmlns:p14="http://schemas.microsoft.com/office/powerpoint/2010/main" val="937260254"/>
+        <p14:creationId xmlns:p14="http://schemas.microsoft.com/office/powerpoint/2010/main" xmlns="" val="937260254"/>
       </p:ext>
     </p:extLst>
   </p:cSld>
@@ -1950,7 +1950,7 @@
           <p:cNvPr id="2" name="Title 1">
             <a:extLst>
               <a:ext uri="{FF2B5EF4-FFF2-40B4-BE49-F238E27FC236}">
-                <a16:creationId xmlns:a16="http://schemas.microsoft.com/office/drawing/2014/main" id="{17D9D381-288C-43FB-86C2-AAA4FCFD43FD}"/>
+                <a16:creationId xmlns:a16="http://schemas.microsoft.com/office/drawing/2014/main" xmlns="" id="{17D9D381-288C-43FB-86C2-AAA4FCFD43FD}"/>
               </a:ext>
             </a:extLst>
           </p:cNvPr>
@@ -1979,7 +1979,7 @@
           <p:cNvPr id="3" name="Date Placeholder 2">
             <a:extLst>
               <a:ext uri="{FF2B5EF4-FFF2-40B4-BE49-F238E27FC236}">
-                <a16:creationId xmlns:a16="http://schemas.microsoft.com/office/drawing/2014/main" id="{A85D75E5-4830-4F75-8132-91122609F925}"/>
+                <a16:creationId xmlns:a16="http://schemas.microsoft.com/office/drawing/2014/main" xmlns="" id="{A85D75E5-4830-4F75-8132-91122609F925}"/>
               </a:ext>
             </a:extLst>
           </p:cNvPr>
@@ -1998,9 +1998,9 @@
             <a:fld id="{03EC4E3E-8101-482F-A883-8B55DAFF7C07}" type="datetimeFigureOut">
               <a:rPr lang="en-SG" smtClean="0"/>
               <a:pPr/>
-              <a:t>2/4/2019</a:t>
+              <a:t>11/4/2019</a:t>
             </a:fld>
-            <a:endParaRPr lang="en-SG"/>
+            <a:endParaRPr lang="en-SG" dirty="0"/>
           </a:p>
         </p:txBody>
       </p:sp>
@@ -2009,7 +2009,7 @@
           <p:cNvPr id="4" name="Footer Placeholder 3">
             <a:extLst>
               <a:ext uri="{FF2B5EF4-FFF2-40B4-BE49-F238E27FC236}">
-                <a16:creationId xmlns:a16="http://schemas.microsoft.com/office/drawing/2014/main" id="{0C14A42C-834F-43EA-8053-84D5A665CEE7}"/>
+                <a16:creationId xmlns:a16="http://schemas.microsoft.com/office/drawing/2014/main" xmlns="" id="{0C14A42C-834F-43EA-8053-84D5A665CEE7}"/>
               </a:ext>
             </a:extLst>
           </p:cNvPr>
@@ -2025,7 +2025,7 @@
           <a:bodyPr/>
           <a:lstStyle/>
           <a:p>
-            <a:endParaRPr lang="en-SG"/>
+            <a:endParaRPr lang="en-SG" dirty="0"/>
           </a:p>
         </p:txBody>
       </p:sp>
@@ -2034,7 +2034,7 @@
           <p:cNvPr id="5" name="Slide Number Placeholder 4">
             <a:extLst>
               <a:ext uri="{FF2B5EF4-FFF2-40B4-BE49-F238E27FC236}">
-                <a16:creationId xmlns:a16="http://schemas.microsoft.com/office/drawing/2014/main" id="{38C1E789-CDA9-48FF-A7BA-F21E31600226}"/>
+                <a16:creationId xmlns:a16="http://schemas.microsoft.com/office/drawing/2014/main" xmlns="" id="{38C1E789-CDA9-48FF-A7BA-F21E31600226}"/>
               </a:ext>
             </a:extLst>
           </p:cNvPr>
@@ -2055,14 +2055,14 @@
               <a:pPr/>
               <a:t>‹#›</a:t>
             </a:fld>
-            <a:endParaRPr lang="en-SG"/>
+            <a:endParaRPr lang="en-SG" dirty="0"/>
           </a:p>
         </p:txBody>
       </p:sp>
     </p:spTree>
     <p:extLst>
       <p:ext uri="{BB962C8B-B14F-4D97-AF65-F5344CB8AC3E}">
-        <p14:creationId xmlns:p14="http://schemas.microsoft.com/office/powerpoint/2010/main" val="2713172575"/>
+        <p14:creationId xmlns:p14="http://schemas.microsoft.com/office/powerpoint/2010/main" xmlns="" val="2713172575"/>
       </p:ext>
     </p:extLst>
   </p:cSld>
@@ -2094,7 +2094,7 @@
           <p:cNvPr id="2" name="Date Placeholder 1">
             <a:extLst>
               <a:ext uri="{FF2B5EF4-FFF2-40B4-BE49-F238E27FC236}">
-                <a16:creationId xmlns:a16="http://schemas.microsoft.com/office/drawing/2014/main" id="{21A40ECD-0ABD-4F35-B481-512A01FC643D}"/>
+                <a16:creationId xmlns:a16="http://schemas.microsoft.com/office/drawing/2014/main" xmlns="" id="{21A40ECD-0ABD-4F35-B481-512A01FC643D}"/>
               </a:ext>
             </a:extLst>
           </p:cNvPr>
@@ -2113,9 +2113,9 @@
             <a:fld id="{03EC4E3E-8101-482F-A883-8B55DAFF7C07}" type="datetimeFigureOut">
               <a:rPr lang="en-SG" smtClean="0"/>
               <a:pPr/>
-              <a:t>2/4/2019</a:t>
+              <a:t>11/4/2019</a:t>
             </a:fld>
-            <a:endParaRPr lang="en-SG"/>
+            <a:endParaRPr lang="en-SG" dirty="0"/>
           </a:p>
         </p:txBody>
       </p:sp>
@@ -2124,7 +2124,7 @@
           <p:cNvPr id="3" name="Footer Placeholder 2">
             <a:extLst>
               <a:ext uri="{FF2B5EF4-FFF2-40B4-BE49-F238E27FC236}">
-                <a16:creationId xmlns:a16="http://schemas.microsoft.com/office/drawing/2014/main" id="{D44B8F11-A412-4FA6-9070-B9C742F699F3}"/>
+                <a16:creationId xmlns:a16="http://schemas.microsoft.com/office/drawing/2014/main" xmlns="" id="{D44B8F11-A412-4FA6-9070-B9C742F699F3}"/>
               </a:ext>
             </a:extLst>
           </p:cNvPr>
@@ -2140,7 +2140,7 @@
           <a:bodyPr/>
           <a:lstStyle/>
           <a:p>
-            <a:endParaRPr lang="en-SG"/>
+            <a:endParaRPr lang="en-SG" dirty="0"/>
           </a:p>
         </p:txBody>
       </p:sp>
@@ -2149,7 +2149,7 @@
           <p:cNvPr id="4" name="Slide Number Placeholder 3">
             <a:extLst>
               <a:ext uri="{FF2B5EF4-FFF2-40B4-BE49-F238E27FC236}">
-                <a16:creationId xmlns:a16="http://schemas.microsoft.com/office/drawing/2014/main" id="{E3EA086A-DA0B-4378-A128-F213644ECB0C}"/>
+                <a16:creationId xmlns:a16="http://schemas.microsoft.com/office/drawing/2014/main" xmlns="" id="{E3EA086A-DA0B-4378-A128-F213644ECB0C}"/>
               </a:ext>
             </a:extLst>
           </p:cNvPr>
@@ -2170,14 +2170,14 @@
               <a:pPr/>
               <a:t>‹#›</a:t>
             </a:fld>
-            <a:endParaRPr lang="en-SG"/>
+            <a:endParaRPr lang="en-SG" dirty="0"/>
           </a:p>
         </p:txBody>
       </p:sp>
     </p:spTree>
     <p:extLst>
       <p:ext uri="{BB962C8B-B14F-4D97-AF65-F5344CB8AC3E}">
-        <p14:creationId xmlns:p14="http://schemas.microsoft.com/office/powerpoint/2010/main" val="2808055610"/>
+        <p14:creationId xmlns:p14="http://schemas.microsoft.com/office/powerpoint/2010/main" xmlns="" val="2808055610"/>
       </p:ext>
     </p:extLst>
   </p:cSld>
@@ -2209,7 +2209,7 @@
           <p:cNvPr id="2" name="Title 1">
             <a:extLst>
               <a:ext uri="{FF2B5EF4-FFF2-40B4-BE49-F238E27FC236}">
-                <a16:creationId xmlns:a16="http://schemas.microsoft.com/office/drawing/2014/main" id="{765D165A-D423-4E89-A075-D59A9FB59792}"/>
+                <a16:creationId xmlns:a16="http://schemas.microsoft.com/office/drawing/2014/main" xmlns="" id="{765D165A-D423-4E89-A075-D59A9FB59792}"/>
               </a:ext>
             </a:extLst>
           </p:cNvPr>
@@ -2247,7 +2247,7 @@
           <p:cNvPr id="3" name="Content Placeholder 2">
             <a:extLst>
               <a:ext uri="{FF2B5EF4-FFF2-40B4-BE49-F238E27FC236}">
-                <a16:creationId xmlns:a16="http://schemas.microsoft.com/office/drawing/2014/main" id="{77C2A5CC-2876-49CA-993D-F4F73FC9D2B0}"/>
+                <a16:creationId xmlns:a16="http://schemas.microsoft.com/office/drawing/2014/main" xmlns="" id="{77C2A5CC-2876-49CA-993D-F4F73FC9D2B0}"/>
               </a:ext>
             </a:extLst>
           </p:cNvPr>
@@ -2338,7 +2338,7 @@
           <p:cNvPr id="4" name="Text Placeholder 3">
             <a:extLst>
               <a:ext uri="{FF2B5EF4-FFF2-40B4-BE49-F238E27FC236}">
-                <a16:creationId xmlns:a16="http://schemas.microsoft.com/office/drawing/2014/main" id="{7B4DE2E8-CCF6-4E88-A858-05A04CD0D736}"/>
+                <a16:creationId xmlns:a16="http://schemas.microsoft.com/office/drawing/2014/main" xmlns="" id="{7B4DE2E8-CCF6-4E88-A858-05A04CD0D736}"/>
               </a:ext>
             </a:extLst>
           </p:cNvPr>
@@ -2409,7 +2409,7 @@
           <p:cNvPr id="5" name="Date Placeholder 4">
             <a:extLst>
               <a:ext uri="{FF2B5EF4-FFF2-40B4-BE49-F238E27FC236}">
-                <a16:creationId xmlns:a16="http://schemas.microsoft.com/office/drawing/2014/main" id="{CAEBEC1E-DE48-4B55-A846-F8248E381145}"/>
+                <a16:creationId xmlns:a16="http://schemas.microsoft.com/office/drawing/2014/main" xmlns="" id="{CAEBEC1E-DE48-4B55-A846-F8248E381145}"/>
               </a:ext>
             </a:extLst>
           </p:cNvPr>
@@ -2428,9 +2428,9 @@
             <a:fld id="{03EC4E3E-8101-482F-A883-8B55DAFF7C07}" type="datetimeFigureOut">
               <a:rPr lang="en-SG" smtClean="0"/>
               <a:pPr/>
-              <a:t>2/4/2019</a:t>
+              <a:t>11/4/2019</a:t>
             </a:fld>
-            <a:endParaRPr lang="en-SG"/>
+            <a:endParaRPr lang="en-SG" dirty="0"/>
           </a:p>
         </p:txBody>
       </p:sp>
@@ -2439,7 +2439,7 @@
           <p:cNvPr id="6" name="Footer Placeholder 5">
             <a:extLst>
               <a:ext uri="{FF2B5EF4-FFF2-40B4-BE49-F238E27FC236}">
-                <a16:creationId xmlns:a16="http://schemas.microsoft.com/office/drawing/2014/main" id="{945A6E8B-6BC2-49E9-B4E5-DAD3F7A1A1BF}"/>
+                <a16:creationId xmlns:a16="http://schemas.microsoft.com/office/drawing/2014/main" xmlns="" id="{945A6E8B-6BC2-49E9-B4E5-DAD3F7A1A1BF}"/>
               </a:ext>
             </a:extLst>
           </p:cNvPr>
@@ -2455,7 +2455,7 @@
           <a:bodyPr/>
           <a:lstStyle/>
           <a:p>
-            <a:endParaRPr lang="en-SG"/>
+            <a:endParaRPr lang="en-SG" dirty="0"/>
           </a:p>
         </p:txBody>
       </p:sp>
@@ -2464,7 +2464,7 @@
           <p:cNvPr id="7" name="Slide Number Placeholder 6">
             <a:extLst>
               <a:ext uri="{FF2B5EF4-FFF2-40B4-BE49-F238E27FC236}">
-                <a16:creationId xmlns:a16="http://schemas.microsoft.com/office/drawing/2014/main" id="{E5CF739B-EDF0-43CE-A87E-C49F040C85A5}"/>
+                <a16:creationId xmlns:a16="http://schemas.microsoft.com/office/drawing/2014/main" xmlns="" id="{E5CF739B-EDF0-43CE-A87E-C49F040C85A5}"/>
               </a:ext>
             </a:extLst>
           </p:cNvPr>
@@ -2485,14 +2485,14 @@
               <a:pPr/>
               <a:t>‹#›</a:t>
             </a:fld>
-            <a:endParaRPr lang="en-SG"/>
+            <a:endParaRPr lang="en-SG" dirty="0"/>
           </a:p>
         </p:txBody>
       </p:sp>
     </p:spTree>
     <p:extLst>
       <p:ext uri="{BB962C8B-B14F-4D97-AF65-F5344CB8AC3E}">
-        <p14:creationId xmlns:p14="http://schemas.microsoft.com/office/powerpoint/2010/main" val="4039745741"/>
+        <p14:creationId xmlns:p14="http://schemas.microsoft.com/office/powerpoint/2010/main" xmlns="" val="4039745741"/>
       </p:ext>
     </p:extLst>
   </p:cSld>
@@ -2524,7 +2524,7 @@
           <p:cNvPr id="2" name="Title 1">
             <a:extLst>
               <a:ext uri="{FF2B5EF4-FFF2-40B4-BE49-F238E27FC236}">
-                <a16:creationId xmlns:a16="http://schemas.microsoft.com/office/drawing/2014/main" id="{0091F49F-E849-4834-84DB-61CF2F2652D4}"/>
+                <a16:creationId xmlns:a16="http://schemas.microsoft.com/office/drawing/2014/main" xmlns="" id="{0091F49F-E849-4834-84DB-61CF2F2652D4}"/>
               </a:ext>
             </a:extLst>
           </p:cNvPr>
@@ -2562,7 +2562,7 @@
           <p:cNvPr id="3" name="Picture Placeholder 2">
             <a:extLst>
               <a:ext uri="{FF2B5EF4-FFF2-40B4-BE49-F238E27FC236}">
-                <a16:creationId xmlns:a16="http://schemas.microsoft.com/office/drawing/2014/main" id="{631D62A9-3420-4F1C-9EB9-09EF85106E78}"/>
+                <a16:creationId xmlns:a16="http://schemas.microsoft.com/office/drawing/2014/main" xmlns="" id="{631D62A9-3420-4F1C-9EB9-09EF85106E78}"/>
               </a:ext>
             </a:extLst>
           </p:cNvPr>
@@ -2620,7 +2620,7 @@
             </a:lvl9pPr>
           </a:lstStyle>
           <a:p>
-            <a:endParaRPr lang="en-SG"/>
+            <a:endParaRPr lang="en-SG" dirty="0"/>
           </a:p>
         </p:txBody>
       </p:sp>
@@ -2629,7 +2629,7 @@
           <p:cNvPr id="4" name="Text Placeholder 3">
             <a:extLst>
               <a:ext uri="{FF2B5EF4-FFF2-40B4-BE49-F238E27FC236}">
-                <a16:creationId xmlns:a16="http://schemas.microsoft.com/office/drawing/2014/main" id="{E450EC8D-D7F4-45FC-AD8C-2E198A32CCA2}"/>
+                <a16:creationId xmlns:a16="http://schemas.microsoft.com/office/drawing/2014/main" xmlns="" id="{E450EC8D-D7F4-45FC-AD8C-2E198A32CCA2}"/>
               </a:ext>
             </a:extLst>
           </p:cNvPr>
@@ -2700,7 +2700,7 @@
           <p:cNvPr id="5" name="Date Placeholder 4">
             <a:extLst>
               <a:ext uri="{FF2B5EF4-FFF2-40B4-BE49-F238E27FC236}">
-                <a16:creationId xmlns:a16="http://schemas.microsoft.com/office/drawing/2014/main" id="{7A73D668-ABF4-41FE-958C-542EEDC5F6CC}"/>
+                <a16:creationId xmlns:a16="http://schemas.microsoft.com/office/drawing/2014/main" xmlns="" id="{7A73D668-ABF4-41FE-958C-542EEDC5F6CC}"/>
               </a:ext>
             </a:extLst>
           </p:cNvPr>
@@ -2719,9 +2719,9 @@
             <a:fld id="{03EC4E3E-8101-482F-A883-8B55DAFF7C07}" type="datetimeFigureOut">
               <a:rPr lang="en-SG" smtClean="0"/>
               <a:pPr/>
-              <a:t>2/4/2019</a:t>
+              <a:t>11/4/2019</a:t>
             </a:fld>
-            <a:endParaRPr lang="en-SG"/>
+            <a:endParaRPr lang="en-SG" dirty="0"/>
           </a:p>
         </p:txBody>
       </p:sp>
@@ -2730,7 +2730,7 @@
           <p:cNvPr id="6" name="Footer Placeholder 5">
             <a:extLst>
               <a:ext uri="{FF2B5EF4-FFF2-40B4-BE49-F238E27FC236}">
-                <a16:creationId xmlns:a16="http://schemas.microsoft.com/office/drawing/2014/main" id="{F4A83B1C-93E7-4D32-9D1B-3F37403B1ACD}"/>
+                <a16:creationId xmlns:a16="http://schemas.microsoft.com/office/drawing/2014/main" xmlns="" id="{F4A83B1C-93E7-4D32-9D1B-3F37403B1ACD}"/>
               </a:ext>
             </a:extLst>
           </p:cNvPr>
@@ -2746,7 +2746,7 @@
           <a:bodyPr/>
           <a:lstStyle/>
           <a:p>
-            <a:endParaRPr lang="en-SG"/>
+            <a:endParaRPr lang="en-SG" dirty="0"/>
           </a:p>
         </p:txBody>
       </p:sp>
@@ -2755,7 +2755,7 @@
           <p:cNvPr id="7" name="Slide Number Placeholder 6">
             <a:extLst>
               <a:ext uri="{FF2B5EF4-FFF2-40B4-BE49-F238E27FC236}">
-                <a16:creationId xmlns:a16="http://schemas.microsoft.com/office/drawing/2014/main" id="{C6AF73BE-F17B-487B-943B-28655BB51C92}"/>
+                <a16:creationId xmlns:a16="http://schemas.microsoft.com/office/drawing/2014/main" xmlns="" id="{C6AF73BE-F17B-487B-943B-28655BB51C92}"/>
               </a:ext>
             </a:extLst>
           </p:cNvPr>
@@ -2776,14 +2776,14 @@
               <a:pPr/>
               <a:t>‹#›</a:t>
             </a:fld>
-            <a:endParaRPr lang="en-SG"/>
+            <a:endParaRPr lang="en-SG" dirty="0"/>
           </a:p>
         </p:txBody>
       </p:sp>
     </p:spTree>
     <p:extLst>
       <p:ext uri="{BB962C8B-B14F-4D97-AF65-F5344CB8AC3E}">
-        <p14:creationId xmlns:p14="http://schemas.microsoft.com/office/powerpoint/2010/main" val="1851851517"/>
+        <p14:creationId xmlns:p14="http://schemas.microsoft.com/office/powerpoint/2010/main" xmlns="" val="1851851517"/>
       </p:ext>
     </p:extLst>
   </p:cSld>
@@ -2820,7 +2820,7 @@
           <p:cNvPr id="2" name="Title Placeholder 1">
             <a:extLst>
               <a:ext uri="{FF2B5EF4-FFF2-40B4-BE49-F238E27FC236}">
-                <a16:creationId xmlns:a16="http://schemas.microsoft.com/office/drawing/2014/main" id="{96F7127E-5F47-4B37-9FDB-695AB14D9551}"/>
+                <a16:creationId xmlns:a16="http://schemas.microsoft.com/office/drawing/2014/main" xmlns="" id="{96F7127E-5F47-4B37-9FDB-695AB14D9551}"/>
               </a:ext>
             </a:extLst>
           </p:cNvPr>
@@ -2859,7 +2859,7 @@
           <p:cNvPr id="3" name="Text Placeholder 2">
             <a:extLst>
               <a:ext uri="{FF2B5EF4-FFF2-40B4-BE49-F238E27FC236}">
-                <a16:creationId xmlns:a16="http://schemas.microsoft.com/office/drawing/2014/main" id="{3BD20F0F-B303-4EE3-AF17-E303EA90B1A3}"/>
+                <a16:creationId xmlns:a16="http://schemas.microsoft.com/office/drawing/2014/main" xmlns="" id="{3BD20F0F-B303-4EE3-AF17-E303EA90B1A3}"/>
               </a:ext>
             </a:extLst>
           </p:cNvPr>
@@ -2927,7 +2927,7 @@
           <p:cNvPr id="4" name="Date Placeholder 3">
             <a:extLst>
               <a:ext uri="{FF2B5EF4-FFF2-40B4-BE49-F238E27FC236}">
-                <a16:creationId xmlns:a16="http://schemas.microsoft.com/office/drawing/2014/main" id="{7927ADFB-0C7F-4333-A456-815FAB4B0315}"/>
+                <a16:creationId xmlns:a16="http://schemas.microsoft.com/office/drawing/2014/main" xmlns="" id="{7927ADFB-0C7F-4333-A456-815FAB4B0315}"/>
               </a:ext>
             </a:extLst>
           </p:cNvPr>
@@ -2964,9 +2964,9 @@
             <a:fld id="{03EC4E3E-8101-482F-A883-8B55DAFF7C07}" type="datetimeFigureOut">
               <a:rPr lang="en-SG" smtClean="0"/>
               <a:pPr/>
-              <a:t>2/4/2019</a:t>
+              <a:t>11/4/2019</a:t>
             </a:fld>
-            <a:endParaRPr lang="en-SG"/>
+            <a:endParaRPr lang="en-SG" dirty="0"/>
           </a:p>
         </p:txBody>
       </p:sp>
@@ -2975,7 +2975,7 @@
           <p:cNvPr id="5" name="Footer Placeholder 4">
             <a:extLst>
               <a:ext uri="{FF2B5EF4-FFF2-40B4-BE49-F238E27FC236}">
-                <a16:creationId xmlns:a16="http://schemas.microsoft.com/office/drawing/2014/main" id="{A1992B28-8397-4C93-A277-5EE43A537825}"/>
+                <a16:creationId xmlns:a16="http://schemas.microsoft.com/office/drawing/2014/main" xmlns="" id="{A1992B28-8397-4C93-A277-5EE43A537825}"/>
               </a:ext>
             </a:extLst>
           </p:cNvPr>
@@ -3009,7 +3009,7 @@
             </a:lvl1pPr>
           </a:lstStyle>
           <a:p>
-            <a:endParaRPr lang="en-SG"/>
+            <a:endParaRPr lang="en-SG" dirty="0"/>
           </a:p>
         </p:txBody>
       </p:sp>
@@ -3018,7 +3018,7 @@
           <p:cNvPr id="6" name="Slide Number Placeholder 5">
             <a:extLst>
               <a:ext uri="{FF2B5EF4-FFF2-40B4-BE49-F238E27FC236}">
-                <a16:creationId xmlns:a16="http://schemas.microsoft.com/office/drawing/2014/main" id="{D7231209-A74B-4134-87D0-421AB81BBB47}"/>
+                <a16:creationId xmlns:a16="http://schemas.microsoft.com/office/drawing/2014/main" xmlns="" id="{D7231209-A74B-4134-87D0-421AB81BBB47}"/>
               </a:ext>
             </a:extLst>
           </p:cNvPr>
@@ -3057,14 +3057,14 @@
               <a:pPr/>
               <a:t>‹#›</a:t>
             </a:fld>
-            <a:endParaRPr lang="en-SG"/>
+            <a:endParaRPr lang="en-SG" dirty="0"/>
           </a:p>
         </p:txBody>
       </p:sp>
     </p:spTree>
     <p:extLst>
       <p:ext uri="{BB962C8B-B14F-4D97-AF65-F5344CB8AC3E}">
-        <p14:creationId xmlns:p14="http://schemas.microsoft.com/office/powerpoint/2010/main" val="162984175"/>
+        <p14:creationId xmlns:p14="http://schemas.microsoft.com/office/powerpoint/2010/main" xmlns="" val="162984175"/>
       </p:ext>
     </p:extLst>
   </p:cSld>
@@ -3387,7 +3387,7 @@
           <p:cNvPr id="2" name="TextBox 1">
             <a:extLst>
               <a:ext uri="{FF2B5EF4-FFF2-40B4-BE49-F238E27FC236}">
-                <a16:creationId xmlns:a16="http://schemas.microsoft.com/office/drawing/2014/main" id="{032C4FEA-C10B-4133-9BF6-AF6F40CC1AD4}"/>
+                <a16:creationId xmlns:a16="http://schemas.microsoft.com/office/drawing/2014/main" xmlns="" id="{032C4FEA-C10B-4133-9BF6-AF6F40CC1AD4}"/>
               </a:ext>
             </a:extLst>
           </p:cNvPr>
@@ -3438,15 +3438,7 @@
             <a:pPr algn="ctr"/>
             <a:r>
               <a:rPr lang="en-SG" dirty="0"/>
-              <a:t>The state of the </a:t>
-            </a:r>
-            <a:r>
-              <a:rPr lang="en-SG" dirty="0" err="1"/>
-              <a:t>GradTrak</a:t>
-            </a:r>
-            <a:r>
-              <a:rPr lang="en-SG" dirty="0"/>
-              <a:t> (before ‘add c/CS2103T …’ was executed) will be restored to state gt1.</a:t>
+              <a:t>The state of the GradTrak (before ‘add c/CS2103T …’ was executed) will be restored to state gt1.</a:t>
             </a:r>
           </a:p>
         </p:txBody>
@@ -3500,7 +3492,7 @@
           <p:cNvPr id="17" name="TextBox 16">
             <a:extLst>
               <a:ext uri="{FF2B5EF4-FFF2-40B4-BE49-F238E27FC236}">
-                <a16:creationId xmlns:a16="http://schemas.microsoft.com/office/drawing/2014/main" id="{3151A13B-9509-43FA-BFEB-1D9866A00B84}"/>
+                <a16:creationId xmlns:a16="http://schemas.microsoft.com/office/drawing/2014/main" xmlns="" id="{3151A13B-9509-43FA-BFEB-1D9866A00B84}"/>
               </a:ext>
             </a:extLst>
           </p:cNvPr>
@@ -3525,16 +3517,10 @@
           <a:p>
             <a:pPr algn="ctr"/>
             <a:r>
-              <a:rPr lang="en-SG" dirty="0" err="1">
-                <a:latin typeface="Consolas" panose="020B0609020204030204" pitchFamily="49" charset="0"/>
-              </a:rPr>
-              <a:t>currentStatePointer</a:t>
-            </a:r>
-            <a:r>
               <a:rPr lang="en-SG" dirty="0">
                 <a:latin typeface="Consolas" panose="020B0609020204030204" pitchFamily="49" charset="0"/>
               </a:rPr>
-              <a:t> = 2</a:t>
+              <a:t>currentStatePointer = 2</a:t>
             </a:r>
           </a:p>
         </p:txBody>
@@ -3544,7 +3530,7 @@
           <p:cNvPr id="18" name="Table 17">
             <a:extLst>
               <a:ext uri="{FF2B5EF4-FFF2-40B4-BE49-F238E27FC236}">
-                <a16:creationId xmlns:a16="http://schemas.microsoft.com/office/drawing/2014/main" id="{F545FAB8-F1CE-4886-9BDE-E772BCB0A9C4}"/>
+                <a16:creationId xmlns:a16="http://schemas.microsoft.com/office/drawing/2014/main" xmlns="" id="{F545FAB8-F1CE-4886-9BDE-E772BCB0A9C4}"/>
               </a:ext>
             </a:extLst>
           </p:cNvPr>
@@ -3554,7 +3540,7 @@
           <p:nvPr>
             <p:extLst>
               <p:ext uri="{D42A27DB-BD31-4B8C-83A1-F6EECF244321}">
-                <p14:modId xmlns:p14="http://schemas.microsoft.com/office/powerpoint/2010/main" val="1674993041"/>
+                <p14:modId xmlns:p14="http://schemas.microsoft.com/office/powerpoint/2010/main" xmlns="" val="1674993041"/>
               </p:ext>
             </p:extLst>
           </p:nvPr>
@@ -3573,7 +3559,7 @@
                 <a:gridCol w="1825824">
                   <a:extLst>
                     <a:ext uri="{9D8B030D-6E8A-4147-A177-3AD203B41FA5}">
-                      <a16:colId xmlns:a16="http://schemas.microsoft.com/office/drawing/2014/main" val="4240773277"/>
+                      <a16:colId xmlns:a16="http://schemas.microsoft.com/office/drawing/2014/main" xmlns="" val="4240773277"/>
                     </a:ext>
                   </a:extLst>
                 </a:gridCol>
@@ -3599,7 +3585,7 @@
                 </a:tc>
                 <a:extLst>
                   <a:ext uri="{0D108BD9-81ED-4DB2-BD59-A6C34878D82A}">
-                    <a16:rowId xmlns:a16="http://schemas.microsoft.com/office/drawing/2014/main" val="2194462629"/>
+                    <a16:rowId xmlns:a16="http://schemas.microsoft.com/office/drawing/2014/main" xmlns="" val="2194462629"/>
                   </a:ext>
                 </a:extLst>
               </a:tr>
@@ -3649,7 +3635,7 @@
           <a:lstStyle/>
           <a:p>
             <a:pPr algn="ctr"/>
-            <a:endParaRPr lang="en-US"/>
+            <a:endParaRPr lang="en-US" dirty="0"/>
           </a:p>
         </p:txBody>
       </p:sp>
@@ -3658,7 +3644,7 @@
           <p:cNvPr id="29" name="TextBox 28">
             <a:extLst>
               <a:ext uri="{FF2B5EF4-FFF2-40B4-BE49-F238E27FC236}">
-                <a16:creationId xmlns:a16="http://schemas.microsoft.com/office/drawing/2014/main" id="{3151A13B-9509-43FA-BFEB-1D9866A00B84}"/>
+                <a16:creationId xmlns:a16="http://schemas.microsoft.com/office/drawing/2014/main" xmlns="" id="{3151A13B-9509-43FA-BFEB-1D9866A00B84}"/>
               </a:ext>
             </a:extLst>
           </p:cNvPr>
@@ -3683,16 +3669,10 @@
           <a:p>
             <a:pPr algn="ctr"/>
             <a:r>
-              <a:rPr lang="en-SG" dirty="0" err="1">
-                <a:latin typeface="Consolas" panose="020B0609020204030204" pitchFamily="49" charset="0"/>
-              </a:rPr>
-              <a:t>currentStatePointer</a:t>
-            </a:r>
-            <a:r>
               <a:rPr lang="en-SG" dirty="0">
                 <a:latin typeface="Consolas" panose="020B0609020204030204" pitchFamily="49" charset="0"/>
               </a:rPr>
-              <a:t> = 1</a:t>
+              <a:t>currentStatePointer = 1</a:t>
             </a:r>
           </a:p>
         </p:txBody>
@@ -3739,7 +3719,7 @@
           <a:lstStyle/>
           <a:p>
             <a:pPr algn="ctr"/>
-            <a:endParaRPr lang="en-US"/>
+            <a:endParaRPr lang="en-US" dirty="0"/>
           </a:p>
         </p:txBody>
       </p:sp>
@@ -3748,7 +3728,7 @@
           <p:cNvPr id="16" name="Table 15">
             <a:extLst>
               <a:ext uri="{FF2B5EF4-FFF2-40B4-BE49-F238E27FC236}">
-                <a16:creationId xmlns:a16="http://schemas.microsoft.com/office/drawing/2014/main" id="{F545FAB8-F1CE-4886-9BDE-E772BCB0A9C4}"/>
+                <a16:creationId xmlns:a16="http://schemas.microsoft.com/office/drawing/2014/main" xmlns="" id="{F545FAB8-F1CE-4886-9BDE-E772BCB0A9C4}"/>
               </a:ext>
             </a:extLst>
           </p:cNvPr>
@@ -3758,7 +3738,7 @@
           <p:nvPr>
             <p:extLst>
               <p:ext uri="{D42A27DB-BD31-4B8C-83A1-F6EECF244321}">
-                <p14:modId xmlns:p14="http://schemas.microsoft.com/office/powerpoint/2010/main" val="3085921390"/>
+                <p14:modId xmlns:p14="http://schemas.microsoft.com/office/powerpoint/2010/main" xmlns="" val="3085921390"/>
               </p:ext>
             </p:extLst>
           </p:nvPr>
@@ -3777,7 +3757,7 @@
                 <a:gridCol w="1825824">
                   <a:extLst>
                     <a:ext uri="{9D8B030D-6E8A-4147-A177-3AD203B41FA5}">
-                      <a16:colId xmlns:a16="http://schemas.microsoft.com/office/drawing/2014/main" val="4240773277"/>
+                      <a16:colId xmlns:a16="http://schemas.microsoft.com/office/drawing/2014/main" xmlns="" val="4240773277"/>
                     </a:ext>
                   </a:extLst>
                 </a:gridCol>
@@ -3803,7 +3783,7 @@
                 </a:tc>
                 <a:extLst>
                   <a:ext uri="{0D108BD9-81ED-4DB2-BD59-A6C34878D82A}">
-                    <a16:rowId xmlns:a16="http://schemas.microsoft.com/office/drawing/2014/main" val="2194462629"/>
+                    <a16:rowId xmlns:a16="http://schemas.microsoft.com/office/drawing/2014/main" xmlns="" val="2194462629"/>
                   </a:ext>
                 </a:extLst>
               </a:tr>
@@ -3816,7 +3796,7 @@
           <p:cNvPr id="20" name="Table 19">
             <a:extLst>
               <a:ext uri="{FF2B5EF4-FFF2-40B4-BE49-F238E27FC236}">
-                <a16:creationId xmlns:a16="http://schemas.microsoft.com/office/drawing/2014/main" id="{F545FAB8-F1CE-4886-9BDE-E772BCB0A9C4}"/>
+                <a16:creationId xmlns:a16="http://schemas.microsoft.com/office/drawing/2014/main" xmlns="" id="{F545FAB8-F1CE-4886-9BDE-E772BCB0A9C4}"/>
               </a:ext>
             </a:extLst>
           </p:cNvPr>
@@ -3826,7 +3806,7 @@
           <p:nvPr>
             <p:extLst>
               <p:ext uri="{D42A27DB-BD31-4B8C-83A1-F6EECF244321}">
-                <p14:modId xmlns:p14="http://schemas.microsoft.com/office/powerpoint/2010/main" val="3504448791"/>
+                <p14:modId xmlns:p14="http://schemas.microsoft.com/office/powerpoint/2010/main" xmlns="" val="3504448791"/>
               </p:ext>
             </p:extLst>
           </p:nvPr>
@@ -3845,7 +3825,7 @@
                 <a:gridCol w="1825824">
                   <a:extLst>
                     <a:ext uri="{9D8B030D-6E8A-4147-A177-3AD203B41FA5}">
-                      <a16:colId xmlns:a16="http://schemas.microsoft.com/office/drawing/2014/main" val="4240773277"/>
+                      <a16:colId xmlns:a16="http://schemas.microsoft.com/office/drawing/2014/main" xmlns="" val="4240773277"/>
                     </a:ext>
                   </a:extLst>
                 </a:gridCol>
@@ -3871,7 +3851,7 @@
                 </a:tc>
                 <a:extLst>
                   <a:ext uri="{0D108BD9-81ED-4DB2-BD59-A6C34878D82A}">
-                    <a16:rowId xmlns:a16="http://schemas.microsoft.com/office/drawing/2014/main" val="2194462629"/>
+                    <a16:rowId xmlns:a16="http://schemas.microsoft.com/office/drawing/2014/main" xmlns="" val="2194462629"/>
                   </a:ext>
                 </a:extLst>
               </a:tr>
@@ -3884,7 +3864,7 @@
           <p:cNvPr id="21" name="Table 20">
             <a:extLst>
               <a:ext uri="{FF2B5EF4-FFF2-40B4-BE49-F238E27FC236}">
-                <a16:creationId xmlns:a16="http://schemas.microsoft.com/office/drawing/2014/main" id="{F545FAB8-F1CE-4886-9BDE-E772BCB0A9C4}"/>
+                <a16:creationId xmlns:a16="http://schemas.microsoft.com/office/drawing/2014/main" xmlns="" id="{F545FAB8-F1CE-4886-9BDE-E772BCB0A9C4}"/>
               </a:ext>
             </a:extLst>
           </p:cNvPr>
@@ -3894,7 +3874,7 @@
           <p:nvPr>
             <p:extLst>
               <p:ext uri="{D42A27DB-BD31-4B8C-83A1-F6EECF244321}">
-                <p14:modId xmlns:p14="http://schemas.microsoft.com/office/powerpoint/2010/main" val="3880678430"/>
+                <p14:modId xmlns:p14="http://schemas.microsoft.com/office/powerpoint/2010/main" xmlns="" val="3880678430"/>
               </p:ext>
             </p:extLst>
           </p:nvPr>
@@ -3913,7 +3893,7 @@
                 <a:gridCol w="1825824">
                   <a:extLst>
                     <a:ext uri="{9D8B030D-6E8A-4147-A177-3AD203B41FA5}">
-                      <a16:colId xmlns:a16="http://schemas.microsoft.com/office/drawing/2014/main" val="4240773277"/>
+                      <a16:colId xmlns:a16="http://schemas.microsoft.com/office/drawing/2014/main" xmlns="" val="4240773277"/>
                     </a:ext>
                   </a:extLst>
                 </a:gridCol>
@@ -3939,7 +3919,7 @@
                 </a:tc>
                 <a:extLst>
                   <a:ext uri="{0D108BD9-81ED-4DB2-BD59-A6C34878D82A}">
-                    <a16:rowId xmlns:a16="http://schemas.microsoft.com/office/drawing/2014/main" val="2194462629"/>
+                    <a16:rowId xmlns:a16="http://schemas.microsoft.com/office/drawing/2014/main" xmlns="" val="2194462629"/>
                   </a:ext>
                 </a:extLst>
               </a:tr>
@@ -3952,7 +3932,7 @@
           <p:cNvPr id="22" name="Table 21">
             <a:extLst>
               <a:ext uri="{FF2B5EF4-FFF2-40B4-BE49-F238E27FC236}">
-                <a16:creationId xmlns:a16="http://schemas.microsoft.com/office/drawing/2014/main" id="{F545FAB8-F1CE-4886-9BDE-E772BCB0A9C4}"/>
+                <a16:creationId xmlns:a16="http://schemas.microsoft.com/office/drawing/2014/main" xmlns="" id="{F545FAB8-F1CE-4886-9BDE-E772BCB0A9C4}"/>
               </a:ext>
             </a:extLst>
           </p:cNvPr>
@@ -3962,7 +3942,7 @@
           <p:nvPr>
             <p:extLst>
               <p:ext uri="{D42A27DB-BD31-4B8C-83A1-F6EECF244321}">
-                <p14:modId xmlns:p14="http://schemas.microsoft.com/office/powerpoint/2010/main" val="167224383"/>
+                <p14:modId xmlns:p14="http://schemas.microsoft.com/office/powerpoint/2010/main" xmlns="" val="167224383"/>
               </p:ext>
             </p:extLst>
           </p:nvPr>
@@ -3981,7 +3961,7 @@
                 <a:gridCol w="1825824">
                   <a:extLst>
                     <a:ext uri="{9D8B030D-6E8A-4147-A177-3AD203B41FA5}">
-                      <a16:colId xmlns:a16="http://schemas.microsoft.com/office/drawing/2014/main" val="4240773277"/>
+                      <a16:colId xmlns:a16="http://schemas.microsoft.com/office/drawing/2014/main" xmlns="" val="4240773277"/>
                     </a:ext>
                   </a:extLst>
                 </a:gridCol>
@@ -4007,7 +3987,7 @@
                 </a:tc>
                 <a:extLst>
                   <a:ext uri="{0D108BD9-81ED-4DB2-BD59-A6C34878D82A}">
-                    <a16:rowId xmlns:a16="http://schemas.microsoft.com/office/drawing/2014/main" val="2194462629"/>
+                    <a16:rowId xmlns:a16="http://schemas.microsoft.com/office/drawing/2014/main" xmlns="" val="2194462629"/>
                   </a:ext>
                 </a:extLst>
               </a:tr>
@@ -4020,7 +4000,7 @@
           <p:cNvPr id="23" name="Table 22">
             <a:extLst>
               <a:ext uri="{FF2B5EF4-FFF2-40B4-BE49-F238E27FC236}">
-                <a16:creationId xmlns:a16="http://schemas.microsoft.com/office/drawing/2014/main" id="{F545FAB8-F1CE-4886-9BDE-E772BCB0A9C4}"/>
+                <a16:creationId xmlns:a16="http://schemas.microsoft.com/office/drawing/2014/main" xmlns="" id="{F545FAB8-F1CE-4886-9BDE-E772BCB0A9C4}"/>
               </a:ext>
             </a:extLst>
           </p:cNvPr>
@@ -4030,7 +4010,7 @@
           <p:nvPr>
             <p:extLst>
               <p:ext uri="{D42A27DB-BD31-4B8C-83A1-F6EECF244321}">
-                <p14:modId xmlns:p14="http://schemas.microsoft.com/office/powerpoint/2010/main" val="1217906233"/>
+                <p14:modId xmlns:p14="http://schemas.microsoft.com/office/powerpoint/2010/main" xmlns="" val="1217906233"/>
               </p:ext>
             </p:extLst>
           </p:nvPr>
@@ -4049,7 +4029,7 @@
                 <a:gridCol w="1825824">
                   <a:extLst>
                     <a:ext uri="{9D8B030D-6E8A-4147-A177-3AD203B41FA5}">
-                      <a16:colId xmlns:a16="http://schemas.microsoft.com/office/drawing/2014/main" val="4240773277"/>
+                      <a16:colId xmlns:a16="http://schemas.microsoft.com/office/drawing/2014/main" xmlns="" val="4240773277"/>
                     </a:ext>
                   </a:extLst>
                 </a:gridCol>
@@ -4075,7 +4055,7 @@
                 </a:tc>
                 <a:extLst>
                   <a:ext uri="{0D108BD9-81ED-4DB2-BD59-A6C34878D82A}">
-                    <a16:rowId xmlns:a16="http://schemas.microsoft.com/office/drawing/2014/main" val="2194462629"/>
+                    <a16:rowId xmlns:a16="http://schemas.microsoft.com/office/drawing/2014/main" xmlns="" val="2194462629"/>
                   </a:ext>
                 </a:extLst>
               </a:tr>
@@ -4088,7 +4068,7 @@
           <p:cNvPr id="19" name="Straight Arrow Connector 18">
             <a:extLst>
               <a:ext uri="{FF2B5EF4-FFF2-40B4-BE49-F238E27FC236}">
-                <a16:creationId xmlns:a16="http://schemas.microsoft.com/office/drawing/2014/main" id="{DC8F2CFA-FFF8-41BD-B884-8ACDF8C96486}"/>
+                <a16:creationId xmlns:a16="http://schemas.microsoft.com/office/drawing/2014/main" xmlns="" id="{DC8F2CFA-FFF8-41BD-B884-8ACDF8C96486}"/>
               </a:ext>
             </a:extLst>
           </p:cNvPr>
@@ -4132,7 +4112,7 @@
           <p:cNvPr id="25" name="Straight Arrow Connector 24">
             <a:extLst>
               <a:ext uri="{FF2B5EF4-FFF2-40B4-BE49-F238E27FC236}">
-                <a16:creationId xmlns:a16="http://schemas.microsoft.com/office/drawing/2014/main" id="{CC39FF7A-ED45-4697-B75C-01E9C1C55F2A}"/>
+                <a16:creationId xmlns:a16="http://schemas.microsoft.com/office/drawing/2014/main" xmlns="" id="{CC39FF7A-ED45-4697-B75C-01E9C1C55F2A}"/>
               </a:ext>
             </a:extLst>
           </p:cNvPr>
@@ -4174,7 +4154,7 @@
     </p:spTree>
     <p:extLst>
       <p:ext uri="{BB962C8B-B14F-4D97-AF65-F5344CB8AC3E}">
-        <p14:creationId xmlns:p14="http://schemas.microsoft.com/office/powerpoint/2010/main" val="3338945851"/>
+        <p14:creationId xmlns:p14="http://schemas.microsoft.com/office/powerpoint/2010/main" xmlns="" val="3338945851"/>
       </p:ext>
     </p:extLst>
   </p:cSld>
@@ -4473,7 +4453,7 @@
   <a:extraClrSchemeLst/>
   <a:extLst>
     <a:ext uri="{05A4C25C-085E-4340-85A3-A5531E510DB2}">
-      <thm15:themeFamily xmlns:thm15="http://schemas.microsoft.com/office/thememl/2012/main" name="Office Theme" id="{62F939B6-93AF-4DB8-9C6B-D6C7DFDC589F}" vid="{4A3C46E8-61CC-4603-A589-7422A47A8E4A}"/>
+      <thm15:themeFamily xmlns:thm15="http://schemas.microsoft.com/office/thememl/2012/main" xmlns="" name="Office Theme" id="{62F939B6-93AF-4DB8-9C6B-D6C7DFDC589F}" vid="{4A3C46E8-61CC-4603-A589-7422A47A8E4A}"/>
     </a:ext>
   </a:extLst>
 </a:theme>

--- a/docs/diagrams/UndoRedoExecuteUndoStateListDiagram.pptx
+++ b/docs/diagrams/UndoRedoExecuteUndoStateListDiagram.pptx
@@ -112,10 +112,6 @@
 </p:presentation>
 </file>
 
-<file path=ppt/revisionInfo.xml><?xml version="1.0" encoding="utf-8"?>
-<p1510:revInfo xmlns:a="http://schemas.openxmlformats.org/drawingml/2006/main" xmlns:r="http://schemas.openxmlformats.org/officeDocument/2006/relationships" xmlns:p1510="http://schemas.microsoft.com/office/powerpoint/2015/10/main"/>
-</file>
-
 <file path=ppt/slideLayouts/slideLayout1.xml><?xml version="1.0" encoding="utf-8"?>
 <p:sldLayout xmlns:a="http://schemas.openxmlformats.org/drawingml/2006/main" xmlns:r="http://schemas.openxmlformats.org/officeDocument/2006/relationships" xmlns:p="http://schemas.openxmlformats.org/presentationml/2006/main" type="title" preserve="1">
   <p:cSld name="Title Slide">
@@ -265,7 +261,7 @@
           <a:p>
             <a:fld id="{03EC4E3E-8101-482F-A883-8B55DAFF7C07}" type="datetimeFigureOut">
               <a:rPr lang="en-SG" smtClean="0"/>
-              <a:t>6/7/2018</a:t>
+              <a:t>14/4/2019</a:t>
             </a:fld>
             <a:endParaRPr lang="en-SG"/>
           </a:p>
@@ -465,7 +461,7 @@
           <a:p>
             <a:fld id="{03EC4E3E-8101-482F-A883-8B55DAFF7C07}" type="datetimeFigureOut">
               <a:rPr lang="en-SG" smtClean="0"/>
-              <a:t>6/7/2018</a:t>
+              <a:t>14/4/2019</a:t>
             </a:fld>
             <a:endParaRPr lang="en-SG"/>
           </a:p>
@@ -675,7 +671,7 @@
           <a:p>
             <a:fld id="{03EC4E3E-8101-482F-A883-8B55DAFF7C07}" type="datetimeFigureOut">
               <a:rPr lang="en-SG" smtClean="0"/>
-              <a:t>6/7/2018</a:t>
+              <a:t>14/4/2019</a:t>
             </a:fld>
             <a:endParaRPr lang="en-SG"/>
           </a:p>
@@ -875,7 +871,7 @@
           <a:p>
             <a:fld id="{03EC4E3E-8101-482F-A883-8B55DAFF7C07}" type="datetimeFigureOut">
               <a:rPr lang="en-SG" smtClean="0"/>
-              <a:t>6/7/2018</a:t>
+              <a:t>14/4/2019</a:t>
             </a:fld>
             <a:endParaRPr lang="en-SG"/>
           </a:p>
@@ -1151,7 +1147,7 @@
           <a:p>
             <a:fld id="{03EC4E3E-8101-482F-A883-8B55DAFF7C07}" type="datetimeFigureOut">
               <a:rPr lang="en-SG" smtClean="0"/>
-              <a:t>6/7/2018</a:t>
+              <a:t>14/4/2019</a:t>
             </a:fld>
             <a:endParaRPr lang="en-SG"/>
           </a:p>
@@ -1419,7 +1415,7 @@
           <a:p>
             <a:fld id="{03EC4E3E-8101-482F-A883-8B55DAFF7C07}" type="datetimeFigureOut">
               <a:rPr lang="en-SG" smtClean="0"/>
-              <a:t>6/7/2018</a:t>
+              <a:t>14/4/2019</a:t>
             </a:fld>
             <a:endParaRPr lang="en-SG"/>
           </a:p>
@@ -1834,7 +1830,7 @@
           <a:p>
             <a:fld id="{03EC4E3E-8101-482F-A883-8B55DAFF7C07}" type="datetimeFigureOut">
               <a:rPr lang="en-SG" smtClean="0"/>
-              <a:t>6/7/2018</a:t>
+              <a:t>14/4/2019</a:t>
             </a:fld>
             <a:endParaRPr lang="en-SG"/>
           </a:p>
@@ -1976,7 +1972,7 @@
           <a:p>
             <a:fld id="{03EC4E3E-8101-482F-A883-8B55DAFF7C07}" type="datetimeFigureOut">
               <a:rPr lang="en-SG" smtClean="0"/>
-              <a:t>6/7/2018</a:t>
+              <a:t>14/4/2019</a:t>
             </a:fld>
             <a:endParaRPr lang="en-SG"/>
           </a:p>
@@ -2089,7 +2085,7 @@
           <a:p>
             <a:fld id="{03EC4E3E-8101-482F-A883-8B55DAFF7C07}" type="datetimeFigureOut">
               <a:rPr lang="en-SG" smtClean="0"/>
-              <a:t>6/7/2018</a:t>
+              <a:t>14/4/2019</a:t>
             </a:fld>
             <a:endParaRPr lang="en-SG"/>
           </a:p>
@@ -2402,7 +2398,7 @@
           <a:p>
             <a:fld id="{03EC4E3E-8101-482F-A883-8B55DAFF7C07}" type="datetimeFigureOut">
               <a:rPr lang="en-SG" smtClean="0"/>
-              <a:t>6/7/2018</a:t>
+              <a:t>14/4/2019</a:t>
             </a:fld>
             <a:endParaRPr lang="en-SG"/>
           </a:p>
@@ -2691,7 +2687,7 @@
           <a:p>
             <a:fld id="{03EC4E3E-8101-482F-A883-8B55DAFF7C07}" type="datetimeFigureOut">
               <a:rPr lang="en-SG" smtClean="0"/>
-              <a:t>6/7/2018</a:t>
+              <a:t>14/4/2019</a:t>
             </a:fld>
             <a:endParaRPr lang="en-SG"/>
           </a:p>
@@ -2934,7 +2930,7 @@
           <a:p>
             <a:fld id="{03EC4E3E-8101-482F-A883-8B55DAFF7C07}" type="datetimeFigureOut">
               <a:rPr lang="en-SG" smtClean="0"/>
-              <a:t>6/7/2018</a:t>
+              <a:t>14/4/2019</a:t>
             </a:fld>
             <a:endParaRPr lang="en-SG"/>
           </a:p>
@@ -3366,7 +3362,7 @@
         <p:spPr>
           <a:xfrm>
             <a:off x="5890055" y="4704348"/>
-            <a:ext cx="5504846" cy="646331"/>
+            <a:ext cx="5504846" cy="923330"/>
           </a:xfrm>
           <a:prstGeom prst="rect">
             <a:avLst/>
@@ -3407,7 +3403,7 @@
             <a:pPr algn="ctr"/>
             <a:r>
               <a:rPr lang="en-SG" dirty="0"/>
-              <a:t>The state of the address book (before ‘add n/David …’ was executed) will be restored to state ab1.</a:t>
+              <a:t>The state of the equipment manager (before ‘add n/Clementi CC …’ was executed) will be restored to state em1.</a:t>
             </a:r>
           </a:p>
         </p:txBody>
@@ -3486,88 +3482,14 @@
           <a:p>
             <a:pPr algn="ctr"/>
             <a:r>
-              <a:rPr lang="en-SG" dirty="0" err="1">
-                <a:latin typeface="Consolas" panose="020B0609020204030204" pitchFamily="49" charset="0"/>
-              </a:rPr>
-              <a:t>currentStatePointer</a:t>
-            </a:r>
-            <a:r>
               <a:rPr lang="en-SG" dirty="0">
                 <a:latin typeface="Consolas" panose="020B0609020204030204" pitchFamily="49" charset="0"/>
               </a:rPr>
-              <a:t> = 2</a:t>
-            </a:r>
-          </a:p>
-        </p:txBody>
-      </p:sp>
-      <p:graphicFrame>
-        <p:nvGraphicFramePr>
-          <p:cNvPr id="18" name="Table 17">
-            <a:extLst>
-              <a:ext uri="{FF2B5EF4-FFF2-40B4-BE49-F238E27FC236}">
-                <a16:creationId xmlns:a16="http://schemas.microsoft.com/office/drawing/2014/main" id="{F545FAB8-F1CE-4886-9BDE-E772BCB0A9C4}"/>
-              </a:ext>
-            </a:extLst>
-          </p:cNvPr>
-          <p:cNvGraphicFramePr>
-            <a:graphicFrameLocks noGrp="1"/>
-          </p:cNvGraphicFramePr>
-          <p:nvPr>
-            <p:extLst>
-              <p:ext uri="{D42A27DB-BD31-4B8C-83A1-F6EECF244321}">
-                <p14:modId xmlns:p14="http://schemas.microsoft.com/office/powerpoint/2010/main" val="1674993041"/>
-              </p:ext>
-            </p:extLst>
-          </p:nvPr>
-        </p:nvGraphicFramePr>
-        <p:xfrm>
-          <a:off x="473240" y="1476102"/>
-          <a:ext cx="1825824" cy="417888"/>
-        </p:xfrm>
-        <a:graphic>
-          <a:graphicData uri="http://schemas.openxmlformats.org/drawingml/2006/table">
-            <a:tbl>
-              <a:tblPr>
-                <a:tableStyleId>{638B1855-1B75-4FBE-930C-398BA8C253C6}</a:tableStyleId>
-              </a:tblPr>
-              <a:tblGrid>
-                <a:gridCol w="1825824">
-                  <a:extLst>
-                    <a:ext uri="{9D8B030D-6E8A-4147-A177-3AD203B41FA5}">
-                      <a16:colId xmlns:a16="http://schemas.microsoft.com/office/drawing/2014/main" val="4240773277"/>
-                    </a:ext>
-                  </a:extLst>
-                </a:gridCol>
-              </a:tblGrid>
-              <a:tr h="417888">
-                <a:tc>
-                  <a:txBody>
-                    <a:bodyPr/>
-                    <a:lstStyle/>
-                    <a:p>
-                      <a:r>
-                        <a:rPr lang="en-SG" u="sng" dirty="0"/>
-                        <a:t>ab0:</a:t>
-                      </a:r>
-                      <a:r>
-                        <a:rPr lang="en-SG" sz="1800" u="sng" dirty="0"/>
-                        <a:t>AddressBook</a:t>
-                      </a:r>
-                      <a:endParaRPr lang="en-SG" u="sng" dirty="0"/>
-                    </a:p>
-                  </a:txBody>
-                  <a:tcPr/>
-                </a:tc>
-                <a:extLst>
-                  <a:ext uri="{0D108BD9-81ED-4DB2-BD59-A6C34878D82A}">
-                    <a16:rowId xmlns:a16="http://schemas.microsoft.com/office/drawing/2014/main" val="2194462629"/>
-                  </a:ext>
-                </a:extLst>
-              </a:tr>
-            </a:tbl>
-          </a:graphicData>
-        </a:graphic>
-      </p:graphicFrame>
+              <a:t>currentStatePointer = 2</a:t>
+            </a:r>
+          </a:p>
+        </p:txBody>
+      </p:sp>
       <p:sp>
         <p:nvSpPr>
           <p:cNvPr id="28" name="Rectangle 27"/>
@@ -3644,16 +3566,10 @@
           <a:p>
             <a:pPr algn="ctr"/>
             <a:r>
-              <a:rPr lang="en-SG" dirty="0" err="1">
-                <a:latin typeface="Consolas" panose="020B0609020204030204" pitchFamily="49" charset="0"/>
-              </a:rPr>
-              <a:t>currentStatePointer</a:t>
-            </a:r>
-            <a:r>
               <a:rPr lang="en-SG" dirty="0">
                 <a:latin typeface="Consolas" panose="020B0609020204030204" pitchFamily="49" charset="0"/>
               </a:rPr>
-              <a:t> = 1</a:t>
+              <a:t>currentStatePointer = 1</a:t>
             </a:r>
           </a:p>
         </p:txBody>
@@ -3704,346 +3620,6 @@
           </a:p>
         </p:txBody>
       </p:sp>
-      <p:graphicFrame>
-        <p:nvGraphicFramePr>
-          <p:cNvPr id="16" name="Table 15">
-            <a:extLst>
-              <a:ext uri="{FF2B5EF4-FFF2-40B4-BE49-F238E27FC236}">
-                <a16:creationId xmlns:a16="http://schemas.microsoft.com/office/drawing/2014/main" id="{F545FAB8-F1CE-4886-9BDE-E772BCB0A9C4}"/>
-              </a:ext>
-            </a:extLst>
-          </p:cNvPr>
-          <p:cNvGraphicFramePr>
-            <a:graphicFrameLocks noGrp="1"/>
-          </p:cNvGraphicFramePr>
-          <p:nvPr>
-            <p:extLst>
-              <p:ext uri="{D42A27DB-BD31-4B8C-83A1-F6EECF244321}">
-                <p14:modId xmlns:p14="http://schemas.microsoft.com/office/powerpoint/2010/main" val="3085921390"/>
-              </p:ext>
-            </p:extLst>
-          </p:nvPr>
-        </p:nvGraphicFramePr>
-        <p:xfrm>
-          <a:off x="2440458" y="1476102"/>
-          <a:ext cx="1825824" cy="417888"/>
-        </p:xfrm>
-        <a:graphic>
-          <a:graphicData uri="http://schemas.openxmlformats.org/drawingml/2006/table">
-            <a:tbl>
-              <a:tblPr>
-                <a:tableStyleId>{638B1855-1B75-4FBE-930C-398BA8C253C6}</a:tableStyleId>
-              </a:tblPr>
-              <a:tblGrid>
-                <a:gridCol w="1825824">
-                  <a:extLst>
-                    <a:ext uri="{9D8B030D-6E8A-4147-A177-3AD203B41FA5}">
-                      <a16:colId xmlns:a16="http://schemas.microsoft.com/office/drawing/2014/main" val="4240773277"/>
-                    </a:ext>
-                  </a:extLst>
-                </a:gridCol>
-              </a:tblGrid>
-              <a:tr h="417888">
-                <a:tc>
-                  <a:txBody>
-                    <a:bodyPr/>
-                    <a:lstStyle/>
-                    <a:p>
-                      <a:r>
-                        <a:rPr lang="en-SG" u="sng" dirty="0"/>
-                        <a:t>ab1:</a:t>
-                      </a:r>
-                      <a:r>
-                        <a:rPr lang="en-SG" sz="1800" u="sng" dirty="0"/>
-                        <a:t>AddressBook</a:t>
-                      </a:r>
-                      <a:endParaRPr lang="en-SG" u="sng" dirty="0"/>
-                    </a:p>
-                  </a:txBody>
-                  <a:tcPr/>
-                </a:tc>
-                <a:extLst>
-                  <a:ext uri="{0D108BD9-81ED-4DB2-BD59-A6C34878D82A}">
-                    <a16:rowId xmlns:a16="http://schemas.microsoft.com/office/drawing/2014/main" val="2194462629"/>
-                  </a:ext>
-                </a:extLst>
-              </a:tr>
-            </a:tbl>
-          </a:graphicData>
-        </a:graphic>
-      </p:graphicFrame>
-      <p:graphicFrame>
-        <p:nvGraphicFramePr>
-          <p:cNvPr id="20" name="Table 19">
-            <a:extLst>
-              <a:ext uri="{FF2B5EF4-FFF2-40B4-BE49-F238E27FC236}">
-                <a16:creationId xmlns:a16="http://schemas.microsoft.com/office/drawing/2014/main" id="{F545FAB8-F1CE-4886-9BDE-E772BCB0A9C4}"/>
-              </a:ext>
-            </a:extLst>
-          </p:cNvPr>
-          <p:cNvGraphicFramePr>
-            <a:graphicFrameLocks noGrp="1"/>
-          </p:cNvGraphicFramePr>
-          <p:nvPr>
-            <p:extLst>
-              <p:ext uri="{D42A27DB-BD31-4B8C-83A1-F6EECF244321}">
-                <p14:modId xmlns:p14="http://schemas.microsoft.com/office/powerpoint/2010/main" val="3504448791"/>
-              </p:ext>
-            </p:extLst>
-          </p:nvPr>
-        </p:nvGraphicFramePr>
-        <p:xfrm>
-          <a:off x="4409785" y="1476102"/>
-          <a:ext cx="1825824" cy="417888"/>
-        </p:xfrm>
-        <a:graphic>
-          <a:graphicData uri="http://schemas.openxmlformats.org/drawingml/2006/table">
-            <a:tbl>
-              <a:tblPr>
-                <a:tableStyleId>{638B1855-1B75-4FBE-930C-398BA8C253C6}</a:tableStyleId>
-              </a:tblPr>
-              <a:tblGrid>
-                <a:gridCol w="1825824">
-                  <a:extLst>
-                    <a:ext uri="{9D8B030D-6E8A-4147-A177-3AD203B41FA5}">
-                      <a16:colId xmlns:a16="http://schemas.microsoft.com/office/drawing/2014/main" val="4240773277"/>
-                    </a:ext>
-                  </a:extLst>
-                </a:gridCol>
-              </a:tblGrid>
-              <a:tr h="417888">
-                <a:tc>
-                  <a:txBody>
-                    <a:bodyPr/>
-                    <a:lstStyle/>
-                    <a:p>
-                      <a:r>
-                        <a:rPr lang="en-SG" u="sng" dirty="0"/>
-                        <a:t>ab2:</a:t>
-                      </a:r>
-                      <a:r>
-                        <a:rPr lang="en-SG" sz="1800" u="sng" dirty="0"/>
-                        <a:t>AddressBook</a:t>
-                      </a:r>
-                      <a:endParaRPr lang="en-SG" u="sng" dirty="0"/>
-                    </a:p>
-                  </a:txBody>
-                  <a:tcPr/>
-                </a:tc>
-                <a:extLst>
-                  <a:ext uri="{0D108BD9-81ED-4DB2-BD59-A6C34878D82A}">
-                    <a16:rowId xmlns:a16="http://schemas.microsoft.com/office/drawing/2014/main" val="2194462629"/>
-                  </a:ext>
-                </a:extLst>
-              </a:tr>
-            </a:tbl>
-          </a:graphicData>
-        </a:graphic>
-      </p:graphicFrame>
-      <p:graphicFrame>
-        <p:nvGraphicFramePr>
-          <p:cNvPr id="21" name="Table 20">
-            <a:extLst>
-              <a:ext uri="{FF2B5EF4-FFF2-40B4-BE49-F238E27FC236}">
-                <a16:creationId xmlns:a16="http://schemas.microsoft.com/office/drawing/2014/main" id="{F545FAB8-F1CE-4886-9BDE-E772BCB0A9C4}"/>
-              </a:ext>
-            </a:extLst>
-          </p:cNvPr>
-          <p:cNvGraphicFramePr>
-            <a:graphicFrameLocks noGrp="1"/>
-          </p:cNvGraphicFramePr>
-          <p:nvPr>
-            <p:extLst>
-              <p:ext uri="{D42A27DB-BD31-4B8C-83A1-F6EECF244321}">
-                <p14:modId xmlns:p14="http://schemas.microsoft.com/office/powerpoint/2010/main" val="3880678430"/>
-              </p:ext>
-            </p:extLst>
-          </p:nvPr>
-        </p:nvGraphicFramePr>
-        <p:xfrm>
-          <a:off x="473240" y="3922133"/>
-          <a:ext cx="1825824" cy="417888"/>
-        </p:xfrm>
-        <a:graphic>
-          <a:graphicData uri="http://schemas.openxmlformats.org/drawingml/2006/table">
-            <a:tbl>
-              <a:tblPr>
-                <a:tableStyleId>{638B1855-1B75-4FBE-930C-398BA8C253C6}</a:tableStyleId>
-              </a:tblPr>
-              <a:tblGrid>
-                <a:gridCol w="1825824">
-                  <a:extLst>
-                    <a:ext uri="{9D8B030D-6E8A-4147-A177-3AD203B41FA5}">
-                      <a16:colId xmlns:a16="http://schemas.microsoft.com/office/drawing/2014/main" val="4240773277"/>
-                    </a:ext>
-                  </a:extLst>
-                </a:gridCol>
-              </a:tblGrid>
-              <a:tr h="417888">
-                <a:tc>
-                  <a:txBody>
-                    <a:bodyPr/>
-                    <a:lstStyle/>
-                    <a:p>
-                      <a:r>
-                        <a:rPr lang="en-SG" u="sng" dirty="0"/>
-                        <a:t>ab0:</a:t>
-                      </a:r>
-                      <a:r>
-                        <a:rPr lang="en-SG" sz="1800" u="sng" dirty="0"/>
-                        <a:t>AddressBook</a:t>
-                      </a:r>
-                      <a:endParaRPr lang="en-SG" u="sng" dirty="0"/>
-                    </a:p>
-                  </a:txBody>
-                  <a:tcPr/>
-                </a:tc>
-                <a:extLst>
-                  <a:ext uri="{0D108BD9-81ED-4DB2-BD59-A6C34878D82A}">
-                    <a16:rowId xmlns:a16="http://schemas.microsoft.com/office/drawing/2014/main" val="2194462629"/>
-                  </a:ext>
-                </a:extLst>
-              </a:tr>
-            </a:tbl>
-          </a:graphicData>
-        </a:graphic>
-      </p:graphicFrame>
-      <p:graphicFrame>
-        <p:nvGraphicFramePr>
-          <p:cNvPr id="22" name="Table 21">
-            <a:extLst>
-              <a:ext uri="{FF2B5EF4-FFF2-40B4-BE49-F238E27FC236}">
-                <a16:creationId xmlns:a16="http://schemas.microsoft.com/office/drawing/2014/main" id="{F545FAB8-F1CE-4886-9BDE-E772BCB0A9C4}"/>
-              </a:ext>
-            </a:extLst>
-          </p:cNvPr>
-          <p:cNvGraphicFramePr>
-            <a:graphicFrameLocks noGrp="1"/>
-          </p:cNvGraphicFramePr>
-          <p:nvPr>
-            <p:extLst>
-              <p:ext uri="{D42A27DB-BD31-4B8C-83A1-F6EECF244321}">
-                <p14:modId xmlns:p14="http://schemas.microsoft.com/office/powerpoint/2010/main" val="719723626"/>
-              </p:ext>
-            </p:extLst>
-          </p:nvPr>
-        </p:nvGraphicFramePr>
-        <p:xfrm>
-          <a:off x="2440458" y="3922133"/>
-          <a:ext cx="1825824" cy="417888"/>
-        </p:xfrm>
-        <a:graphic>
-          <a:graphicData uri="http://schemas.openxmlformats.org/drawingml/2006/table">
-            <a:tbl>
-              <a:tblPr>
-                <a:tableStyleId>{638B1855-1B75-4FBE-930C-398BA8C253C6}</a:tableStyleId>
-              </a:tblPr>
-              <a:tblGrid>
-                <a:gridCol w="1825824">
-                  <a:extLst>
-                    <a:ext uri="{9D8B030D-6E8A-4147-A177-3AD203B41FA5}">
-                      <a16:colId xmlns:a16="http://schemas.microsoft.com/office/drawing/2014/main" val="4240773277"/>
-                    </a:ext>
-                  </a:extLst>
-                </a:gridCol>
-              </a:tblGrid>
-              <a:tr h="417888">
-                <a:tc>
-                  <a:txBody>
-                    <a:bodyPr/>
-                    <a:lstStyle/>
-                    <a:p>
-                      <a:r>
-                        <a:rPr lang="en-SG" u="sng" dirty="0"/>
-                        <a:t>ab1:</a:t>
-                      </a:r>
-                      <a:r>
-                        <a:rPr lang="en-SG" sz="1800" u="sng" dirty="0"/>
-                        <a:t>AddressBook</a:t>
-                      </a:r>
-                      <a:endParaRPr lang="en-SG" u="sng" dirty="0"/>
-                    </a:p>
-                  </a:txBody>
-                  <a:tcPr/>
-                </a:tc>
-                <a:extLst>
-                  <a:ext uri="{0D108BD9-81ED-4DB2-BD59-A6C34878D82A}">
-                    <a16:rowId xmlns:a16="http://schemas.microsoft.com/office/drawing/2014/main" val="2194462629"/>
-                  </a:ext>
-                </a:extLst>
-              </a:tr>
-            </a:tbl>
-          </a:graphicData>
-        </a:graphic>
-      </p:graphicFrame>
-      <p:graphicFrame>
-        <p:nvGraphicFramePr>
-          <p:cNvPr id="23" name="Table 22">
-            <a:extLst>
-              <a:ext uri="{FF2B5EF4-FFF2-40B4-BE49-F238E27FC236}">
-                <a16:creationId xmlns:a16="http://schemas.microsoft.com/office/drawing/2014/main" id="{F545FAB8-F1CE-4886-9BDE-E772BCB0A9C4}"/>
-              </a:ext>
-            </a:extLst>
-          </p:cNvPr>
-          <p:cNvGraphicFramePr>
-            <a:graphicFrameLocks noGrp="1"/>
-          </p:cNvGraphicFramePr>
-          <p:nvPr>
-            <p:extLst>
-              <p:ext uri="{D42A27DB-BD31-4B8C-83A1-F6EECF244321}">
-                <p14:modId xmlns:p14="http://schemas.microsoft.com/office/powerpoint/2010/main" val="3592690620"/>
-              </p:ext>
-            </p:extLst>
-          </p:nvPr>
-        </p:nvGraphicFramePr>
-        <p:xfrm>
-          <a:off x="4409785" y="3922133"/>
-          <a:ext cx="1825824" cy="417888"/>
-        </p:xfrm>
-        <a:graphic>
-          <a:graphicData uri="http://schemas.openxmlformats.org/drawingml/2006/table">
-            <a:tbl>
-              <a:tblPr>
-                <a:tableStyleId>{638B1855-1B75-4FBE-930C-398BA8C253C6}</a:tableStyleId>
-              </a:tblPr>
-              <a:tblGrid>
-                <a:gridCol w="1825824">
-                  <a:extLst>
-                    <a:ext uri="{9D8B030D-6E8A-4147-A177-3AD203B41FA5}">
-                      <a16:colId xmlns:a16="http://schemas.microsoft.com/office/drawing/2014/main" val="4240773277"/>
-                    </a:ext>
-                  </a:extLst>
-                </a:gridCol>
-              </a:tblGrid>
-              <a:tr h="417888">
-                <a:tc>
-                  <a:txBody>
-                    <a:bodyPr/>
-                    <a:lstStyle/>
-                    <a:p>
-                      <a:r>
-                        <a:rPr lang="en-SG" u="sng" dirty="0"/>
-                        <a:t>ab2:</a:t>
-                      </a:r>
-                      <a:r>
-                        <a:rPr lang="en-SG" sz="1800" u="sng" dirty="0"/>
-                        <a:t>AddressBook</a:t>
-                      </a:r>
-                      <a:endParaRPr lang="en-SG" u="sng" dirty="0"/>
-                    </a:p>
-                  </a:txBody>
-                  <a:tcPr/>
-                </a:tc>
-                <a:extLst>
-                  <a:ext uri="{0D108BD9-81ED-4DB2-BD59-A6C34878D82A}">
-                    <a16:rowId xmlns:a16="http://schemas.microsoft.com/office/drawing/2014/main" val="2194462629"/>
-                  </a:ext>
-                </a:extLst>
-              </a:tr>
-            </a:tbl>
-          </a:graphicData>
-        </a:graphic>
-      </p:graphicFrame>
       <p:cxnSp>
         <p:nvCxnSpPr>
           <p:cNvPr id="19" name="Straight Arrow Connector 18">
@@ -4060,7 +3636,7 @@
         </p:nvCxnSpPr>
         <p:spPr>
           <a:xfrm flipV="1">
-            <a:off x="5377343" y="2019157"/>
+            <a:off x="6721590" y="2019157"/>
             <a:ext cx="0" cy="706873"/>
           </a:xfrm>
           <a:prstGeom prst="straightConnector1">
@@ -4104,7 +3680,7 @@
         </p:nvCxnSpPr>
         <p:spPr>
           <a:xfrm flipV="1">
-            <a:off x="3380763" y="4504888"/>
+            <a:off x="4185747" y="4504888"/>
             <a:ext cx="0" cy="730001"/>
           </a:xfrm>
           <a:prstGeom prst="straightConnector1">
@@ -4132,6 +3708,414 @@
           </a:fontRef>
         </p:style>
       </p:cxnSp>
+      <p:graphicFrame>
+        <p:nvGraphicFramePr>
+          <p:cNvPr id="31" name="Table 30">
+            <a:extLst>
+              <a:ext uri="{FF2B5EF4-FFF2-40B4-BE49-F238E27FC236}">
+                <a16:creationId xmlns:a16="http://schemas.microsoft.com/office/drawing/2014/main" id="{69E88414-7EAA-4626-90C6-159BCC60B10A}"/>
+              </a:ext>
+            </a:extLst>
+          </p:cNvPr>
+          <p:cNvGraphicFramePr>
+            <a:graphicFrameLocks noGrp="1"/>
+          </p:cNvGraphicFramePr>
+          <p:nvPr>
+            <p:extLst>
+              <p:ext uri="{D42A27DB-BD31-4B8C-83A1-F6EECF244321}">
+                <p14:modId xmlns:p14="http://schemas.microsoft.com/office/powerpoint/2010/main" val="3839019600"/>
+              </p:ext>
+            </p:extLst>
+          </p:nvPr>
+        </p:nvGraphicFramePr>
+        <p:xfrm>
+          <a:off x="473239" y="1476102"/>
+          <a:ext cx="2543499" cy="417888"/>
+        </p:xfrm>
+        <a:graphic>
+          <a:graphicData uri="http://schemas.openxmlformats.org/drawingml/2006/table">
+            <a:tbl>
+              <a:tblPr>
+                <a:tableStyleId>{638B1855-1B75-4FBE-930C-398BA8C253C6}</a:tableStyleId>
+              </a:tblPr>
+              <a:tblGrid>
+                <a:gridCol w="2543499">
+                  <a:extLst>
+                    <a:ext uri="{9D8B030D-6E8A-4147-A177-3AD203B41FA5}">
+                      <a16:colId xmlns:a16="http://schemas.microsoft.com/office/drawing/2014/main" val="4240773277"/>
+                    </a:ext>
+                  </a:extLst>
+                </a:gridCol>
+              </a:tblGrid>
+              <a:tr h="417888">
+                <a:tc>
+                  <a:txBody>
+                    <a:bodyPr/>
+                    <a:lstStyle/>
+                    <a:p>
+                      <a:r>
+                        <a:rPr lang="en-SG" u="sng" dirty="0"/>
+                        <a:t>em0:</a:t>
+                      </a:r>
+                      <a:r>
+                        <a:rPr lang="en-SG" sz="1800" u="sng" dirty="0"/>
+                        <a:t>EquipmentManager</a:t>
+                      </a:r>
+                      <a:endParaRPr lang="en-SG" sz="1600" u="sng" dirty="0"/>
+                    </a:p>
+                  </a:txBody>
+                  <a:tcPr/>
+                </a:tc>
+                <a:extLst>
+                  <a:ext uri="{0D108BD9-81ED-4DB2-BD59-A6C34878D82A}">
+                    <a16:rowId xmlns:a16="http://schemas.microsoft.com/office/drawing/2014/main" val="2194462629"/>
+                  </a:ext>
+                </a:extLst>
+              </a:tr>
+            </a:tbl>
+          </a:graphicData>
+        </a:graphic>
+      </p:graphicFrame>
+      <p:graphicFrame>
+        <p:nvGraphicFramePr>
+          <p:cNvPr id="32" name="Table 31">
+            <a:extLst>
+              <a:ext uri="{FF2B5EF4-FFF2-40B4-BE49-F238E27FC236}">
+                <a16:creationId xmlns:a16="http://schemas.microsoft.com/office/drawing/2014/main" id="{49F3203F-0580-40FE-B138-B8276D4B62CE}"/>
+              </a:ext>
+            </a:extLst>
+          </p:cNvPr>
+          <p:cNvGraphicFramePr>
+            <a:graphicFrameLocks noGrp="1"/>
+          </p:cNvGraphicFramePr>
+          <p:nvPr>
+            <p:extLst>
+              <p:ext uri="{D42A27DB-BD31-4B8C-83A1-F6EECF244321}">
+                <p14:modId xmlns:p14="http://schemas.microsoft.com/office/powerpoint/2010/main" val="187987363"/>
+              </p:ext>
+            </p:extLst>
+          </p:nvPr>
+        </p:nvGraphicFramePr>
+        <p:xfrm>
+          <a:off x="3125180" y="1469584"/>
+          <a:ext cx="2543499" cy="417888"/>
+        </p:xfrm>
+        <a:graphic>
+          <a:graphicData uri="http://schemas.openxmlformats.org/drawingml/2006/table">
+            <a:tbl>
+              <a:tblPr>
+                <a:tableStyleId>{638B1855-1B75-4FBE-930C-398BA8C253C6}</a:tableStyleId>
+              </a:tblPr>
+              <a:tblGrid>
+                <a:gridCol w="2543499">
+                  <a:extLst>
+                    <a:ext uri="{9D8B030D-6E8A-4147-A177-3AD203B41FA5}">
+                      <a16:colId xmlns:a16="http://schemas.microsoft.com/office/drawing/2014/main" val="4240773277"/>
+                    </a:ext>
+                  </a:extLst>
+                </a:gridCol>
+              </a:tblGrid>
+              <a:tr h="417888">
+                <a:tc>
+                  <a:txBody>
+                    <a:bodyPr/>
+                    <a:lstStyle/>
+                    <a:p>
+                      <a:r>
+                        <a:rPr lang="en-SG" u="sng" dirty="0"/>
+                        <a:t>em1:</a:t>
+                      </a:r>
+                      <a:r>
+                        <a:rPr lang="en-SG" sz="1800" u="sng" dirty="0"/>
+                        <a:t>EquipmentManager</a:t>
+                      </a:r>
+                      <a:endParaRPr lang="en-SG" sz="1600" u="sng" dirty="0"/>
+                    </a:p>
+                  </a:txBody>
+                  <a:tcPr/>
+                </a:tc>
+                <a:extLst>
+                  <a:ext uri="{0D108BD9-81ED-4DB2-BD59-A6C34878D82A}">
+                    <a16:rowId xmlns:a16="http://schemas.microsoft.com/office/drawing/2014/main" val="2194462629"/>
+                  </a:ext>
+                </a:extLst>
+              </a:tr>
+            </a:tbl>
+          </a:graphicData>
+        </a:graphic>
+      </p:graphicFrame>
+      <p:graphicFrame>
+        <p:nvGraphicFramePr>
+          <p:cNvPr id="33" name="Table 32">
+            <a:extLst>
+              <a:ext uri="{FF2B5EF4-FFF2-40B4-BE49-F238E27FC236}">
+                <a16:creationId xmlns:a16="http://schemas.microsoft.com/office/drawing/2014/main" id="{D95DEF3C-EC2E-4593-95EC-2A1DA7AE79A9}"/>
+              </a:ext>
+            </a:extLst>
+          </p:cNvPr>
+          <p:cNvGraphicFramePr>
+            <a:graphicFrameLocks noGrp="1"/>
+          </p:cNvGraphicFramePr>
+          <p:nvPr>
+            <p:extLst>
+              <p:ext uri="{D42A27DB-BD31-4B8C-83A1-F6EECF244321}">
+                <p14:modId xmlns:p14="http://schemas.microsoft.com/office/powerpoint/2010/main" val="2164619889"/>
+              </p:ext>
+            </p:extLst>
+          </p:nvPr>
+        </p:nvGraphicFramePr>
+        <p:xfrm>
+          <a:off x="5777119" y="1469584"/>
+          <a:ext cx="2543499" cy="417888"/>
+        </p:xfrm>
+        <a:graphic>
+          <a:graphicData uri="http://schemas.openxmlformats.org/drawingml/2006/table">
+            <a:tbl>
+              <a:tblPr>
+                <a:tableStyleId>{638B1855-1B75-4FBE-930C-398BA8C253C6}</a:tableStyleId>
+              </a:tblPr>
+              <a:tblGrid>
+                <a:gridCol w="2543499">
+                  <a:extLst>
+                    <a:ext uri="{9D8B030D-6E8A-4147-A177-3AD203B41FA5}">
+                      <a16:colId xmlns:a16="http://schemas.microsoft.com/office/drawing/2014/main" val="4240773277"/>
+                    </a:ext>
+                  </a:extLst>
+                </a:gridCol>
+              </a:tblGrid>
+              <a:tr h="417888">
+                <a:tc>
+                  <a:txBody>
+                    <a:bodyPr/>
+                    <a:lstStyle/>
+                    <a:p>
+                      <a:r>
+                        <a:rPr lang="en-SG" u="sng" dirty="0"/>
+                        <a:t>em2:</a:t>
+                      </a:r>
+                      <a:r>
+                        <a:rPr lang="en-SG" sz="1800" u="sng" dirty="0"/>
+                        <a:t>EquipmentManager</a:t>
+                      </a:r>
+                      <a:endParaRPr lang="en-SG" sz="1600" u="sng" dirty="0"/>
+                    </a:p>
+                  </a:txBody>
+                  <a:tcPr/>
+                </a:tc>
+                <a:extLst>
+                  <a:ext uri="{0D108BD9-81ED-4DB2-BD59-A6C34878D82A}">
+                    <a16:rowId xmlns:a16="http://schemas.microsoft.com/office/drawing/2014/main" val="2194462629"/>
+                  </a:ext>
+                </a:extLst>
+              </a:tr>
+            </a:tbl>
+          </a:graphicData>
+        </a:graphic>
+      </p:graphicFrame>
+      <p:graphicFrame>
+        <p:nvGraphicFramePr>
+          <p:cNvPr id="44" name="Table 43">
+            <a:extLst>
+              <a:ext uri="{FF2B5EF4-FFF2-40B4-BE49-F238E27FC236}">
+                <a16:creationId xmlns:a16="http://schemas.microsoft.com/office/drawing/2014/main" id="{0F36E1DA-1C9B-4A4D-A778-20B1127E0623}"/>
+              </a:ext>
+            </a:extLst>
+          </p:cNvPr>
+          <p:cNvGraphicFramePr>
+            <a:graphicFrameLocks noGrp="1"/>
+          </p:cNvGraphicFramePr>
+          <p:nvPr>
+            <p:extLst>
+              <p:ext uri="{D42A27DB-BD31-4B8C-83A1-F6EECF244321}">
+                <p14:modId xmlns:p14="http://schemas.microsoft.com/office/powerpoint/2010/main" val="4110505461"/>
+              </p:ext>
+            </p:extLst>
+          </p:nvPr>
+        </p:nvGraphicFramePr>
+        <p:xfrm>
+          <a:off x="473239" y="3933131"/>
+          <a:ext cx="2543499" cy="417888"/>
+        </p:xfrm>
+        <a:graphic>
+          <a:graphicData uri="http://schemas.openxmlformats.org/drawingml/2006/table">
+            <a:tbl>
+              <a:tblPr>
+                <a:tableStyleId>{638B1855-1B75-4FBE-930C-398BA8C253C6}</a:tableStyleId>
+              </a:tblPr>
+              <a:tblGrid>
+                <a:gridCol w="2543499">
+                  <a:extLst>
+                    <a:ext uri="{9D8B030D-6E8A-4147-A177-3AD203B41FA5}">
+                      <a16:colId xmlns:a16="http://schemas.microsoft.com/office/drawing/2014/main" val="4240773277"/>
+                    </a:ext>
+                  </a:extLst>
+                </a:gridCol>
+              </a:tblGrid>
+              <a:tr h="417888">
+                <a:tc>
+                  <a:txBody>
+                    <a:bodyPr/>
+                    <a:lstStyle/>
+                    <a:p>
+                      <a:r>
+                        <a:rPr lang="en-SG" u="sng" dirty="0"/>
+                        <a:t>em0:</a:t>
+                      </a:r>
+                      <a:r>
+                        <a:rPr lang="en-SG" sz="1800" u="sng" dirty="0"/>
+                        <a:t>EquipmentManager</a:t>
+                      </a:r>
+                      <a:endParaRPr lang="en-SG" sz="1600" u="sng" dirty="0"/>
+                    </a:p>
+                  </a:txBody>
+                  <a:tcPr/>
+                </a:tc>
+                <a:extLst>
+                  <a:ext uri="{0D108BD9-81ED-4DB2-BD59-A6C34878D82A}">
+                    <a16:rowId xmlns:a16="http://schemas.microsoft.com/office/drawing/2014/main" val="2194462629"/>
+                  </a:ext>
+                </a:extLst>
+              </a:tr>
+            </a:tbl>
+          </a:graphicData>
+        </a:graphic>
+      </p:graphicFrame>
+      <p:graphicFrame>
+        <p:nvGraphicFramePr>
+          <p:cNvPr id="45" name="Table 44">
+            <a:extLst>
+              <a:ext uri="{FF2B5EF4-FFF2-40B4-BE49-F238E27FC236}">
+                <a16:creationId xmlns:a16="http://schemas.microsoft.com/office/drawing/2014/main" id="{432F8336-7F73-45D8-934B-CE29D823AEDF}"/>
+              </a:ext>
+            </a:extLst>
+          </p:cNvPr>
+          <p:cNvGraphicFramePr>
+            <a:graphicFrameLocks noGrp="1"/>
+          </p:cNvGraphicFramePr>
+          <p:nvPr>
+            <p:extLst>
+              <p:ext uri="{D42A27DB-BD31-4B8C-83A1-F6EECF244321}">
+                <p14:modId xmlns:p14="http://schemas.microsoft.com/office/powerpoint/2010/main" val="4228370131"/>
+              </p:ext>
+            </p:extLst>
+          </p:nvPr>
+        </p:nvGraphicFramePr>
+        <p:xfrm>
+          <a:off x="3125180" y="3926613"/>
+          <a:ext cx="2543499" cy="417888"/>
+        </p:xfrm>
+        <a:graphic>
+          <a:graphicData uri="http://schemas.openxmlformats.org/drawingml/2006/table">
+            <a:tbl>
+              <a:tblPr>
+                <a:tableStyleId>{638B1855-1B75-4FBE-930C-398BA8C253C6}</a:tableStyleId>
+              </a:tblPr>
+              <a:tblGrid>
+                <a:gridCol w="2543499">
+                  <a:extLst>
+                    <a:ext uri="{9D8B030D-6E8A-4147-A177-3AD203B41FA5}">
+                      <a16:colId xmlns:a16="http://schemas.microsoft.com/office/drawing/2014/main" val="4240773277"/>
+                    </a:ext>
+                  </a:extLst>
+                </a:gridCol>
+              </a:tblGrid>
+              <a:tr h="417888">
+                <a:tc>
+                  <a:txBody>
+                    <a:bodyPr/>
+                    <a:lstStyle/>
+                    <a:p>
+                      <a:r>
+                        <a:rPr lang="en-SG" u="sng" dirty="0"/>
+                        <a:t>em1:</a:t>
+                      </a:r>
+                      <a:r>
+                        <a:rPr lang="en-SG" sz="1800" u="sng" dirty="0"/>
+                        <a:t>EquipmentManager</a:t>
+                      </a:r>
+                      <a:endParaRPr lang="en-SG" sz="1600" u="sng" dirty="0"/>
+                    </a:p>
+                  </a:txBody>
+                  <a:tcPr/>
+                </a:tc>
+                <a:extLst>
+                  <a:ext uri="{0D108BD9-81ED-4DB2-BD59-A6C34878D82A}">
+                    <a16:rowId xmlns:a16="http://schemas.microsoft.com/office/drawing/2014/main" val="2194462629"/>
+                  </a:ext>
+                </a:extLst>
+              </a:tr>
+            </a:tbl>
+          </a:graphicData>
+        </a:graphic>
+      </p:graphicFrame>
+      <p:graphicFrame>
+        <p:nvGraphicFramePr>
+          <p:cNvPr id="46" name="Table 45">
+            <a:extLst>
+              <a:ext uri="{FF2B5EF4-FFF2-40B4-BE49-F238E27FC236}">
+                <a16:creationId xmlns:a16="http://schemas.microsoft.com/office/drawing/2014/main" id="{85BC7A61-0A5D-47D4-8520-2BA3DCBCDFBE}"/>
+              </a:ext>
+            </a:extLst>
+          </p:cNvPr>
+          <p:cNvGraphicFramePr>
+            <a:graphicFrameLocks noGrp="1"/>
+          </p:cNvGraphicFramePr>
+          <p:nvPr>
+            <p:extLst>
+              <p:ext uri="{D42A27DB-BD31-4B8C-83A1-F6EECF244321}">
+                <p14:modId xmlns:p14="http://schemas.microsoft.com/office/powerpoint/2010/main" val="1793405681"/>
+              </p:ext>
+            </p:extLst>
+          </p:nvPr>
+        </p:nvGraphicFramePr>
+        <p:xfrm>
+          <a:off x="5777119" y="3926613"/>
+          <a:ext cx="2543499" cy="417888"/>
+        </p:xfrm>
+        <a:graphic>
+          <a:graphicData uri="http://schemas.openxmlformats.org/drawingml/2006/table">
+            <a:tbl>
+              <a:tblPr>
+                <a:tableStyleId>{638B1855-1B75-4FBE-930C-398BA8C253C6}</a:tableStyleId>
+              </a:tblPr>
+              <a:tblGrid>
+                <a:gridCol w="2543499">
+                  <a:extLst>
+                    <a:ext uri="{9D8B030D-6E8A-4147-A177-3AD203B41FA5}">
+                      <a16:colId xmlns:a16="http://schemas.microsoft.com/office/drawing/2014/main" val="4240773277"/>
+                    </a:ext>
+                  </a:extLst>
+                </a:gridCol>
+              </a:tblGrid>
+              <a:tr h="417888">
+                <a:tc>
+                  <a:txBody>
+                    <a:bodyPr/>
+                    <a:lstStyle/>
+                    <a:p>
+                      <a:r>
+                        <a:rPr lang="en-SG" u="sng" dirty="0"/>
+                        <a:t>em2:</a:t>
+                      </a:r>
+                      <a:r>
+                        <a:rPr lang="en-SG" sz="1800" u="sng" dirty="0"/>
+                        <a:t>EquipmentManager</a:t>
+                      </a:r>
+                      <a:endParaRPr lang="en-SG" sz="1600" u="sng" dirty="0"/>
+                    </a:p>
+                  </a:txBody>
+                  <a:tcPr/>
+                </a:tc>
+                <a:extLst>
+                  <a:ext uri="{0D108BD9-81ED-4DB2-BD59-A6C34878D82A}">
+                    <a16:rowId xmlns:a16="http://schemas.microsoft.com/office/drawing/2014/main" val="2194462629"/>
+                  </a:ext>
+                </a:extLst>
+              </a:tr>
+            </a:tbl>
+          </a:graphicData>
+        </a:graphic>
+      </p:graphicFrame>
     </p:spTree>
     <p:extLst>
       <p:ext uri="{BB962C8B-B14F-4D97-AF65-F5344CB8AC3E}">
